--- a/Slides_3.pptx
+++ b/Slides_3.pptx
@@ -5,11 +5,12 @@
     <p:sldMasterId id="2147483648" r:id="rId1"/>
   </p:sldMasterIdLst>
   <p:notesMasterIdLst>
-    <p:notesMasterId r:id="rId4"/>
+    <p:notesMasterId r:id="rId5"/>
   </p:notesMasterIdLst>
   <p:sldIdLst>
     <p:sldId id="332" r:id="rId2"/>
     <p:sldId id="256" r:id="rId3"/>
+    <p:sldId id="333" r:id="rId4"/>
   </p:sldIdLst>
   <p:sldSz cx="12192000" cy="6858000"/>
   <p:notesSz cx="6858000" cy="9144000"/>
@@ -463,6 +464,93 @@
     </a:lvl9pPr>
   </p:notesStyle>
 </p:notesMaster>
+</file>
+
+<file path=ppt/notesSlides/notesSlide1.xml><?xml version="1.0" encoding="utf-8"?>
+<p:notes xmlns:a="http://schemas.openxmlformats.org/drawingml/2006/main" xmlns:r="http://schemas.openxmlformats.org/officeDocument/2006/relationships" xmlns:p="http://schemas.openxmlformats.org/presentationml/2006/main">
+  <p:cSld>
+    <p:spTree>
+      <p:nvGrpSpPr>
+        <p:cNvPr id="1" name=""/>
+        <p:cNvGrpSpPr/>
+        <p:nvPr/>
+      </p:nvGrpSpPr>
+      <p:grpSpPr>
+        <a:xfrm>
+          <a:off x="0" y="0"/>
+          <a:ext cx="0" cy="0"/>
+          <a:chOff x="0" y="0"/>
+          <a:chExt cx="0" cy="0"/>
+        </a:xfrm>
+      </p:grpSpPr>
+      <p:sp>
+        <p:nvSpPr>
+          <p:cNvPr id="2" name="Slide Image Placeholder 1"/>
+          <p:cNvSpPr>
+            <a:spLocks noGrp="1" noRot="1" noChangeAspect="1"/>
+          </p:cNvSpPr>
+          <p:nvPr>
+            <p:ph type="sldImg"/>
+          </p:nvPr>
+        </p:nvSpPr>
+        <p:spPr/>
+      </p:sp>
+      <p:sp>
+        <p:nvSpPr>
+          <p:cNvPr id="3" name="Notes Placeholder 2"/>
+          <p:cNvSpPr>
+            <a:spLocks noGrp="1"/>
+          </p:cNvSpPr>
+          <p:nvPr>
+            <p:ph type="body" idx="1"/>
+          </p:nvPr>
+        </p:nvSpPr>
+        <p:spPr/>
+        <p:txBody>
+          <a:bodyPr/>
+          <a:lstStyle/>
+          <a:p>
+            <a:r>
+              <a:rPr lang="fr-FR" dirty="0"/>
+              <a:t>Lien vers l’article : https://arxiv.org/abs/2007.01547</a:t>
+            </a:r>
+          </a:p>
+        </p:txBody>
+      </p:sp>
+      <p:sp>
+        <p:nvSpPr>
+          <p:cNvPr id="4" name="Slide Number Placeholder 3"/>
+          <p:cNvSpPr>
+            <a:spLocks noGrp="1"/>
+          </p:cNvSpPr>
+          <p:nvPr>
+            <p:ph type="sldNum" sz="quarter" idx="5"/>
+          </p:nvPr>
+        </p:nvSpPr>
+        <p:spPr/>
+        <p:txBody>
+          <a:bodyPr/>
+          <a:lstStyle/>
+          <a:p>
+            <a:fld id="{B2732108-1823-42F2-979D-D6CF9D74D210}" type="slidenum">
+              <a:rPr lang="en-US" smtClean="0"/>
+              <a:t>3</a:t>
+            </a:fld>
+            <a:endParaRPr lang="en-US"/>
+          </a:p>
+        </p:txBody>
+      </p:sp>
+    </p:spTree>
+    <p:extLst>
+      <p:ext uri="{BB962C8B-B14F-4D97-AF65-F5344CB8AC3E}">
+        <p14:creationId xmlns:p14="http://schemas.microsoft.com/office/powerpoint/2010/main" val="544247630"/>
+      </p:ext>
+    </p:extLst>
+  </p:cSld>
+  <p:clrMapOvr>
+    <a:masterClrMapping/>
+  </p:clrMapOvr>
+</p:notes>
 </file>
 
 <file path=ppt/slideLayouts/slideLayout1.xml><?xml version="1.0" encoding="utf-8"?>
@@ -3697,12 +3785,14 @@
         </p:nvSpPr>
         <p:spPr/>
         <p:txBody>
-          <a:bodyPr/>
+          <a:bodyPr>
+            <a:normAutofit fontScale="90000"/>
+          </a:bodyPr>
           <a:lstStyle/>
           <a:p>
             <a:r>
               <a:rPr lang="en-US" dirty="0"/>
-              <a:t>Types of problems and associated losses</a:t>
+              <a:t>Optimizers’ review, types of problems and associated losses</a:t>
             </a:r>
           </a:p>
         </p:txBody>
@@ -3818,7 +3908,7 @@
         <p:spPr/>
         <p:txBody>
           <a:bodyPr>
-            <a:normAutofit/>
+            <a:normAutofit lnSpcReduction="10000"/>
           </a:bodyPr>
           <a:lstStyle/>
           <a:p>
@@ -3860,7 +3950,36 @@
               </a:rPr>
               <a:t>to reduce the loss.</a:t>
             </a:r>
-            <a:endParaRPr lang="en-US" dirty="0"/>
+          </a:p>
+          <a:p>
+            <a:pPr algn="just"/>
+            <a:r>
+              <a:rPr lang="en-US" dirty="0"/>
+              <a:t>Choosing the optimizer is considered to be among the most crucial design decisions in deep learning (reminder: we consider the optimizer as a hyperparameter (and similarly its parameters (</a:t>
+            </a:r>
+            <a:r>
+              <a:rPr lang="en-US" dirty="0" err="1"/>
+              <a:t>learning_rate</a:t>
+            </a:r>
+            <a:r>
+              <a:rPr lang="en-US" dirty="0"/>
+              <a:t>, </a:t>
+            </a:r>
+            <a:r>
+              <a:rPr lang="en-US" dirty="0" err="1"/>
+              <a:t>etc</a:t>
+            </a:r>
+            <a:r>
+              <a:rPr lang="en-US" dirty="0"/>
+              <a:t> …) are considered as hyperparameters)).</a:t>
+            </a:r>
+          </a:p>
+          <a:p>
+            <a:pPr algn="just"/>
+            <a:r>
+              <a:rPr lang="en-US" dirty="0"/>
+              <a:t>But the growing literature now lists hundreds of optimization methods.</a:t>
+            </a:r>
           </a:p>
         </p:txBody>
       </p:sp>
@@ -3874,6 +3993,398 @@
   <p:clrMapOvr>
     <a:masterClrMapping/>
   </p:clrMapOvr>
+  <p:timing>
+    <p:tnLst>
+      <p:par>
+        <p:cTn id="1" dur="indefinite" restart="never" nodeType="tmRoot">
+          <p:childTnLst>
+            <p:seq concurrent="1" nextAc="seek">
+              <p:cTn id="2" dur="indefinite" nodeType="mainSeq">
+                <p:childTnLst>
+                  <p:par>
+                    <p:cTn id="3" fill="hold">
+                      <p:stCondLst>
+                        <p:cond delay="indefinite"/>
+                      </p:stCondLst>
+                      <p:childTnLst>
+                        <p:par>
+                          <p:cTn id="4" fill="hold">
+                            <p:stCondLst>
+                              <p:cond delay="0"/>
+                            </p:stCondLst>
+                            <p:childTnLst>
+                              <p:par>
+                                <p:cTn id="5" presetID="10" presetClass="entr" presetSubtype="0" fill="hold" nodeType="clickEffect">
+                                  <p:stCondLst>
+                                    <p:cond delay="0"/>
+                                  </p:stCondLst>
+                                  <p:childTnLst>
+                                    <p:set>
+                                      <p:cBhvr>
+                                        <p:cTn id="6" dur="1" fill="hold">
+                                          <p:stCondLst>
+                                            <p:cond delay="0"/>
+                                          </p:stCondLst>
+                                        </p:cTn>
+                                        <p:tgtEl>
+                                          <p:spTgt spid="6">
+                                            <p:txEl>
+                                              <p:pRg st="3" end="3"/>
+                                            </p:txEl>
+                                          </p:spTgt>
+                                        </p:tgtEl>
+                                        <p:attrNameLst>
+                                          <p:attrName>style.visibility</p:attrName>
+                                        </p:attrNameLst>
+                                      </p:cBhvr>
+                                      <p:to>
+                                        <p:strVal val="visible"/>
+                                      </p:to>
+                                    </p:set>
+                                    <p:animEffect transition="in" filter="fade">
+                                      <p:cBhvr>
+                                        <p:cTn id="7" dur="500"/>
+                                        <p:tgtEl>
+                                          <p:spTgt spid="6">
+                                            <p:txEl>
+                                              <p:pRg st="3" end="3"/>
+                                            </p:txEl>
+                                          </p:spTgt>
+                                        </p:tgtEl>
+                                      </p:cBhvr>
+                                    </p:animEffect>
+                                  </p:childTnLst>
+                                </p:cTn>
+                              </p:par>
+                            </p:childTnLst>
+                          </p:cTn>
+                        </p:par>
+                      </p:childTnLst>
+                    </p:cTn>
+                  </p:par>
+                  <p:par>
+                    <p:cTn id="8" fill="hold">
+                      <p:stCondLst>
+                        <p:cond delay="indefinite"/>
+                      </p:stCondLst>
+                      <p:childTnLst>
+                        <p:par>
+                          <p:cTn id="9" fill="hold">
+                            <p:stCondLst>
+                              <p:cond delay="0"/>
+                            </p:stCondLst>
+                            <p:childTnLst>
+                              <p:par>
+                                <p:cTn id="10" presetID="10" presetClass="entr" presetSubtype="0" fill="hold" nodeType="clickEffect">
+                                  <p:stCondLst>
+                                    <p:cond delay="0"/>
+                                  </p:stCondLst>
+                                  <p:childTnLst>
+                                    <p:set>
+                                      <p:cBhvr>
+                                        <p:cTn id="11" dur="1" fill="hold">
+                                          <p:stCondLst>
+                                            <p:cond delay="0"/>
+                                          </p:stCondLst>
+                                        </p:cTn>
+                                        <p:tgtEl>
+                                          <p:spTgt spid="6">
+                                            <p:txEl>
+                                              <p:pRg st="4" end="4"/>
+                                            </p:txEl>
+                                          </p:spTgt>
+                                        </p:tgtEl>
+                                        <p:attrNameLst>
+                                          <p:attrName>style.visibility</p:attrName>
+                                        </p:attrNameLst>
+                                      </p:cBhvr>
+                                      <p:to>
+                                        <p:strVal val="visible"/>
+                                      </p:to>
+                                    </p:set>
+                                    <p:animEffect transition="in" filter="fade">
+                                      <p:cBhvr>
+                                        <p:cTn id="12" dur="500"/>
+                                        <p:tgtEl>
+                                          <p:spTgt spid="6">
+                                            <p:txEl>
+                                              <p:pRg st="4" end="4"/>
+                                            </p:txEl>
+                                          </p:spTgt>
+                                        </p:tgtEl>
+                                      </p:cBhvr>
+                                    </p:animEffect>
+                                  </p:childTnLst>
+                                </p:cTn>
+                              </p:par>
+                            </p:childTnLst>
+                          </p:cTn>
+                        </p:par>
+                      </p:childTnLst>
+                    </p:cTn>
+                  </p:par>
+                </p:childTnLst>
+              </p:cTn>
+              <p:prevCondLst>
+                <p:cond evt="onPrev" delay="0">
+                  <p:tgtEl>
+                    <p:sldTgt/>
+                  </p:tgtEl>
+                </p:cond>
+              </p:prevCondLst>
+              <p:nextCondLst>
+                <p:cond evt="onNext" delay="0">
+                  <p:tgtEl>
+                    <p:sldTgt/>
+                  </p:tgtEl>
+                </p:cond>
+              </p:nextCondLst>
+            </p:seq>
+          </p:childTnLst>
+        </p:cTn>
+      </p:par>
+    </p:tnLst>
+  </p:timing>
+</p:sld>
+</file>
+
+<file path=ppt/slides/slide3.xml><?xml version="1.0" encoding="utf-8"?>
+<p:sld xmlns:a="http://schemas.openxmlformats.org/drawingml/2006/main" xmlns:r="http://schemas.openxmlformats.org/officeDocument/2006/relationships" xmlns:p="http://schemas.openxmlformats.org/presentationml/2006/main">
+  <p:cSld>
+    <p:spTree>
+      <p:nvGrpSpPr>
+        <p:cNvPr id="1" name=""/>
+        <p:cNvGrpSpPr/>
+        <p:nvPr/>
+      </p:nvGrpSpPr>
+      <p:grpSpPr>
+        <a:xfrm>
+          <a:off x="0" y="0"/>
+          <a:ext cx="0" cy="0"/>
+          <a:chOff x="0" y="0"/>
+          <a:chExt cx="0" cy="0"/>
+        </a:xfrm>
+      </p:grpSpPr>
+      <p:sp>
+        <p:nvSpPr>
+          <p:cNvPr id="5" name="Title 4">
+            <a:extLst>
+              <a:ext uri="{FF2B5EF4-FFF2-40B4-BE49-F238E27FC236}">
+                <a16:creationId xmlns:a16="http://schemas.microsoft.com/office/drawing/2014/main" id="{64213D2F-A106-3319-AA98-37F0C11F906C}"/>
+              </a:ext>
+            </a:extLst>
+          </p:cNvPr>
+          <p:cNvSpPr>
+            <a:spLocks noGrp="1"/>
+          </p:cNvSpPr>
+          <p:nvPr>
+            <p:ph type="title"/>
+          </p:nvPr>
+        </p:nvSpPr>
+        <p:spPr/>
+        <p:txBody>
+          <a:bodyPr/>
+          <a:lstStyle/>
+          <a:p>
+            <a:r>
+              <a:rPr lang="en-US" dirty="0"/>
+              <a:t>Optimizers’ review</a:t>
+            </a:r>
+          </a:p>
+        </p:txBody>
+      </p:sp>
+      <p:sp>
+        <p:nvSpPr>
+          <p:cNvPr id="6" name="Content Placeholder 5">
+            <a:extLst>
+              <a:ext uri="{FF2B5EF4-FFF2-40B4-BE49-F238E27FC236}">
+                <a16:creationId xmlns:a16="http://schemas.microsoft.com/office/drawing/2014/main" id="{3C4EB284-4A7B-E6BB-BEC1-67954B65026D}"/>
+              </a:ext>
+            </a:extLst>
+          </p:cNvPr>
+          <p:cNvSpPr>
+            <a:spLocks noGrp="1"/>
+          </p:cNvSpPr>
+          <p:nvPr>
+            <p:ph idx="1"/>
+          </p:nvPr>
+        </p:nvSpPr>
+        <p:spPr>
+          <a:xfrm>
+            <a:off x="838200" y="1825625"/>
+            <a:ext cx="10515600" cy="4667250"/>
+          </a:xfrm>
+        </p:spPr>
+        <p:txBody>
+          <a:bodyPr>
+            <a:normAutofit/>
+          </a:bodyPr>
+          <a:lstStyle/>
+          <a:p>
+            <a:pPr algn="just"/>
+            <a:r>
+              <a:rPr lang="en-US" dirty="0"/>
+              <a:t>Descending through a Crowded Valley - Benchmarking Deep Learning Optimizers. Robin M. Schmidt, Frank Schneider, Philipp Hennig:</a:t>
+            </a:r>
+          </a:p>
+          <a:p>
+            <a:pPr lvl="1" algn="just"/>
+            <a:r>
+              <a:rPr lang="en-US" dirty="0"/>
+              <a:t>“Analyzing more than 50,000 individual runs [on different Deep Learning problems], we contribute the following three points: (</a:t>
+            </a:r>
+            <a:r>
+              <a:rPr lang="en-US" dirty="0" err="1"/>
+              <a:t>i</a:t>
+            </a:r>
+            <a:r>
+              <a:rPr lang="en-US" dirty="0"/>
+              <a:t>) </a:t>
+            </a:r>
+            <a:r>
+              <a:rPr lang="en-US" b="1" dirty="0"/>
+              <a:t>Optimizer performance varies greatly across tasks. </a:t>
+            </a:r>
+            <a:r>
+              <a:rPr lang="en-US" dirty="0"/>
+              <a:t>(ii) </a:t>
+            </a:r>
+            <a:r>
+              <a:rPr lang="en-US" b="1" dirty="0"/>
+              <a:t>We observe that evaluating multiple optimizers with default parameters works approximately as well as tuning the hyperparameters of a single, fixed optimizer. </a:t>
+            </a:r>
+            <a:r>
+              <a:rPr lang="en-US" dirty="0"/>
+              <a:t>(iii) While</a:t>
+            </a:r>
+            <a:r>
+              <a:rPr lang="en-US" b="1" dirty="0"/>
+              <a:t> we cannot discern an optimization method clearly dominating across all tested tasks, </a:t>
+            </a:r>
+            <a:r>
+              <a:rPr lang="en-US" dirty="0"/>
+              <a:t>we identify a significantly reduced subset of specific optimizers and parameter choices that generally lead to competitive results in our experiments: </a:t>
+            </a:r>
+            <a:r>
+              <a:rPr lang="en-US" b="1" dirty="0"/>
+              <a:t>Adam remains a strong contender, with newer methods </a:t>
+            </a:r>
+            <a:r>
+              <a:rPr lang="en-US" dirty="0"/>
+              <a:t>[more complicated and less documented]</a:t>
+            </a:r>
+            <a:r>
+              <a:rPr lang="en-US" b="1" dirty="0"/>
+              <a:t> failing to significantly and consistently outperform </a:t>
+            </a:r>
+            <a:r>
+              <a:rPr lang="en-US" dirty="0"/>
+              <a:t>it.”</a:t>
+            </a:r>
+          </a:p>
+        </p:txBody>
+      </p:sp>
+    </p:spTree>
+    <p:extLst>
+      <p:ext uri="{BB962C8B-B14F-4D97-AF65-F5344CB8AC3E}">
+        <p14:creationId xmlns:p14="http://schemas.microsoft.com/office/powerpoint/2010/main" val="548585943"/>
+      </p:ext>
+    </p:extLst>
+  </p:cSld>
+  <p:clrMapOvr>
+    <a:masterClrMapping/>
+  </p:clrMapOvr>
+  <p:timing>
+    <p:tnLst>
+      <p:par>
+        <p:cTn id="1" dur="indefinite" restart="never" nodeType="tmRoot">
+          <p:childTnLst>
+            <p:seq concurrent="1" nextAc="seek">
+              <p:cTn id="2" dur="indefinite" nodeType="mainSeq">
+                <p:childTnLst>
+                  <p:par>
+                    <p:cTn id="3" fill="hold">
+                      <p:stCondLst>
+                        <p:cond delay="indefinite"/>
+                      </p:stCondLst>
+                      <p:childTnLst>
+                        <p:par>
+                          <p:cTn id="4" fill="hold">
+                            <p:stCondLst>
+                              <p:cond delay="0"/>
+                            </p:stCondLst>
+                            <p:childTnLst>
+                              <p:par>
+                                <p:cTn id="5" presetID="10" presetClass="entr" presetSubtype="0" fill="hold" nodeType="clickEffect">
+                                  <p:stCondLst>
+                                    <p:cond delay="0"/>
+                                  </p:stCondLst>
+                                  <p:childTnLst>
+                                    <p:set>
+                                      <p:cBhvr>
+                                        <p:cTn id="6" dur="1" fill="hold">
+                                          <p:stCondLst>
+                                            <p:cond delay="0"/>
+                                          </p:stCondLst>
+                                        </p:cTn>
+                                        <p:tgtEl>
+                                          <p:spTgt spid="6">
+                                            <p:txEl>
+                                              <p:pRg st="1" end="1"/>
+                                            </p:txEl>
+                                          </p:spTgt>
+                                        </p:tgtEl>
+                                        <p:attrNameLst>
+                                          <p:attrName>style.visibility</p:attrName>
+                                        </p:attrNameLst>
+                                      </p:cBhvr>
+                                      <p:to>
+                                        <p:strVal val="visible"/>
+                                      </p:to>
+                                    </p:set>
+                                    <p:animEffect transition="in" filter="fade">
+                                      <p:cBhvr>
+                                        <p:cTn id="7" dur="500"/>
+                                        <p:tgtEl>
+                                          <p:spTgt spid="6">
+                                            <p:txEl>
+                                              <p:pRg st="1" end="1"/>
+                                            </p:txEl>
+                                          </p:spTgt>
+                                        </p:tgtEl>
+                                      </p:cBhvr>
+                                    </p:animEffect>
+                                  </p:childTnLst>
+                                </p:cTn>
+                              </p:par>
+                            </p:childTnLst>
+                          </p:cTn>
+                        </p:par>
+                      </p:childTnLst>
+                    </p:cTn>
+                  </p:par>
+                </p:childTnLst>
+              </p:cTn>
+              <p:prevCondLst>
+                <p:cond evt="onPrev" delay="0">
+                  <p:tgtEl>
+                    <p:sldTgt/>
+                  </p:tgtEl>
+                </p:cond>
+              </p:prevCondLst>
+              <p:nextCondLst>
+                <p:cond evt="onNext" delay="0">
+                  <p:tgtEl>
+                    <p:sldTgt/>
+                  </p:tgtEl>
+                </p:cond>
+              </p:nextCondLst>
+            </p:seq>
+          </p:childTnLst>
+        </p:cTn>
+      </p:par>
+    </p:tnLst>
+  </p:timing>
 </p:sld>
 </file>
 

--- a/Slides_3.pptx
+++ b/Slides_3.pptx
@@ -5,12 +5,23 @@
     <p:sldMasterId id="2147483648" r:id="rId1"/>
   </p:sldMasterIdLst>
   <p:notesMasterIdLst>
-    <p:notesMasterId r:id="rId5"/>
+    <p:notesMasterId r:id="rId16"/>
   </p:notesMasterIdLst>
   <p:sldIdLst>
     <p:sldId id="332" r:id="rId2"/>
     <p:sldId id="256" r:id="rId3"/>
     <p:sldId id="333" r:id="rId4"/>
+    <p:sldId id="334" r:id="rId5"/>
+    <p:sldId id="335" r:id="rId6"/>
+    <p:sldId id="336" r:id="rId7"/>
+    <p:sldId id="337" r:id="rId8"/>
+    <p:sldId id="338" r:id="rId9"/>
+    <p:sldId id="339" r:id="rId10"/>
+    <p:sldId id="340" r:id="rId11"/>
+    <p:sldId id="341" r:id="rId12"/>
+    <p:sldId id="342" r:id="rId13"/>
+    <p:sldId id="343" r:id="rId14"/>
+    <p:sldId id="344" r:id="rId15"/>
   </p:sldIdLst>
   <p:sldSz cx="12192000" cy="6858000"/>
   <p:notesSz cx="6858000" cy="9144000"/>
@@ -117,6 +128,305 @@
 </p:presentation>
 </file>
 
+<file path=ppt/ink/ink1.xml><?xml version="1.0" encoding="utf-8"?>
+<inkml:ink xmlns:inkml="http://www.w3.org/2003/InkML">
+  <inkml:definitions>
+    <inkml:context xml:id="ctx0">
+      <inkml:inkSource xml:id="inkSrc0">
+        <inkml:traceFormat>
+          <inkml:channel name="X" type="integer" min="-2.14748E9" max="2.14748E9" units="cm"/>
+          <inkml:channel name="Y" type="integer" min="-2.14748E9" max="2.14748E9" units="cm"/>
+          <inkml:channel name="F" type="integer" max="32767" units="dev"/>
+        </inkml:traceFormat>
+        <inkml:channelProperties>
+          <inkml:channelProperty channel="X" name="resolution" value="1000" units="1/cm"/>
+          <inkml:channelProperty channel="Y" name="resolution" value="1000" units="1/cm"/>
+          <inkml:channelProperty channel="F" name="resolution" value="0" units="1/dev"/>
+        </inkml:channelProperties>
+      </inkml:inkSource>
+      <inkml:timestamp xml:id="ts0" timeString="2023-01-16T15:17:59.867"/>
+    </inkml:context>
+    <inkml:brush xml:id="br0">
+      <inkml:brushProperty name="width" value="0.2" units="cm"/>
+      <inkml:brushProperty name="height" value="0.2" units="cm"/>
+      <inkml:brushProperty name="color" value="#E71224"/>
+    </inkml:brush>
+  </inkml:definitions>
+  <inkml:trace contextRef="#ctx0" brushRef="#br0">6128 450 24575,'-1'-3'0,"0"-1"0,0 1 0,0 0 0,-1 1 0,1-1 0,-1 0 0,0 0 0,0 0 0,0 1 0,0-1 0,0 1 0,0 0 0,-1 0 0,-3-3 0,-14-9-356,-1 0-1,0 2 0,-43-18 1,-74-18-1941,58 22 1737,34 12 560,-58-10 0,28 8 0,-211-46-3592,67 16 1081,161 36 1666,0 3 1,-76 0-1,53 3 427,-186-30-874,2-1-107,-235 31 1053,284 6 338,134-1 8,1 3 0,-1 3 0,-153 36 0,-35 35 0,157-46 0,1 4 0,-160 76 0,163-62 0,-76 39 0,-216 177 0,198-122 0,130-93 0,-71 62 0,45-26 0,-92 84 0,143-123 0,-75 97 0,-245 389 0,337-476 0,4 2 0,-24 69 0,34-82 0,-3 17 59,3 0 0,-16 107 0,25-106-59,-1 71 0,9 67 0,1-196 0,1 32 0,2-1 0,2 1 0,1-1 0,2 0 0,2-1 0,1 0 0,25 55 0,98 168-89,-101-208 60,2-1-1,73 80 1,-38-62 29,3-3 0,82 58 0,-92-80 0,2-3 0,74 34 0,145 50 0,-168-82 0,1-5 0,203 38 0,-205-54 0,241 38 0,324-3 0,73-55 0,-428-4 0,202-23 0,-2-33 0,-91-13 0,-203 31 0,269-58 0,-413 79 0,532-133 0,-504 122 0,903-293 0,-322 20 0,-636 272-4,104-71 0,44-54 85,-191 142-59,20-18 112,-1-1 0,-2-1 0,-2-2 1,-1-1-1,-2-2 0,28-48 0,-44 65-116,-2-1 0,0 0 0,-2-1 0,0 0 0,-2 0 0,7-34 0,-7 10-21,-2-1-1,-1-64 1,-5 94 16,0 0 1,-2 0-1,0 0 1,-1 1 0,-1 0-1,0 0 1,-2 0-1,0 0 1,-1 1-1,-20-32 1,-4 2 35,-3 1 1,-53-53 0,36 48-228,-96-72 1,79 67 44,8 10-267,-69-41 0,-71-28 233,83 48 174,-379-193-7,-157-8 0,207 133 0,307 95 0,-150-43 1803,217 62 4586</inkml:trace>
+</inkml:ink>
+</file>
+
+<file path=ppt/ink/ink10.xml><?xml version="1.0" encoding="utf-8"?>
+<inkml:ink xmlns:inkml="http://www.w3.org/2003/InkML">
+  <inkml:definitions>
+    <inkml:context xml:id="ctx0">
+      <inkml:inkSource xml:id="inkSrc0">
+        <inkml:traceFormat>
+          <inkml:channel name="X" type="integer" min="-2.14748E9" max="2.14748E9" units="cm"/>
+          <inkml:channel name="Y" type="integer" min="-2.14748E9" max="2.14748E9" units="cm"/>
+        </inkml:traceFormat>
+        <inkml:channelProperties>
+          <inkml:channelProperty channel="X" name="resolution" value="1000" units="1/cm"/>
+          <inkml:channelProperty channel="Y" name="resolution" value="1000" units="1/cm"/>
+        </inkml:channelProperties>
+      </inkml:inkSource>
+      <inkml:timestamp xml:id="ts0" timeString="2023-01-17T15:32:54.381"/>
+    </inkml:context>
+    <inkml:brush xml:id="br0">
+      <inkml:brushProperty name="width" value="0.2" units="cm"/>
+      <inkml:brushProperty name="height" value="0.2" units="cm"/>
+      <inkml:brushProperty name="color" value="#E71224"/>
+      <inkml:brushProperty name="ignorePressure" value="1"/>
+    </inkml:brush>
+  </inkml:definitions>
+  <inkml:trace contextRef="#ctx0" brushRef="#br0">0 0,'13232'0,"-13196"0</inkml:trace>
+</inkml:ink>
+</file>
+
+<file path=ppt/ink/ink11.xml><?xml version="1.0" encoding="utf-8"?>
+<inkml:ink xmlns:inkml="http://www.w3.org/2003/InkML">
+  <inkml:definitions>
+    <inkml:context xml:id="ctx0">
+      <inkml:inkSource xml:id="inkSrc0">
+        <inkml:traceFormat>
+          <inkml:channel name="X" type="integer" min="-2.14748E9" max="2.14748E9" units="cm"/>
+          <inkml:channel name="Y" type="integer" min="-2.14748E9" max="2.14748E9" units="cm"/>
+        </inkml:traceFormat>
+        <inkml:channelProperties>
+          <inkml:channelProperty channel="X" name="resolution" value="1000" units="1/cm"/>
+          <inkml:channelProperty channel="Y" name="resolution" value="1000" units="1/cm"/>
+        </inkml:channelProperties>
+      </inkml:inkSource>
+      <inkml:timestamp xml:id="ts0" timeString="2023-01-17T15:32:58.547"/>
+    </inkml:context>
+    <inkml:brush xml:id="br0">
+      <inkml:brushProperty name="width" value="0.2" units="cm"/>
+      <inkml:brushProperty name="height" value="0.2" units="cm"/>
+      <inkml:brushProperty name="color" value="#E71224"/>
+      <inkml:brushProperty name="ignorePressure" value="1"/>
+    </inkml:brush>
+  </inkml:definitions>
+  <inkml:trace contextRef="#ctx0" brushRef="#br0">0 0,'11755'0,"-11733"0</inkml:trace>
+</inkml:ink>
+</file>
+
+<file path=ppt/ink/ink2.xml><?xml version="1.0" encoding="utf-8"?>
+<inkml:ink xmlns:inkml="http://www.w3.org/2003/InkML">
+  <inkml:definitions>
+    <inkml:context xml:id="ctx0">
+      <inkml:inkSource xml:id="inkSrc0">
+        <inkml:traceFormat>
+          <inkml:channel name="X" type="integer" min="-2.14748E9" max="2.14748E9" units="cm"/>
+          <inkml:channel name="Y" type="integer" min="-2.14748E9" max="2.14748E9" units="cm"/>
+          <inkml:channel name="F" type="integer" max="32767" units="dev"/>
+        </inkml:traceFormat>
+        <inkml:channelProperties>
+          <inkml:channelProperty channel="X" name="resolution" value="1000" units="1/cm"/>
+          <inkml:channelProperty channel="Y" name="resolution" value="1000" units="1/cm"/>
+          <inkml:channelProperty channel="F" name="resolution" value="0" units="1/dev"/>
+        </inkml:channelProperties>
+      </inkml:inkSource>
+      <inkml:timestamp xml:id="ts0" timeString="2023-01-17T10:57:26.743"/>
+    </inkml:context>
+    <inkml:brush xml:id="br0">
+      <inkml:brushProperty name="width" value="0.2" units="cm"/>
+      <inkml:brushProperty name="height" value="0.2" units="cm"/>
+      <inkml:brushProperty name="color" value="#E71224"/>
+    </inkml:brush>
+  </inkml:definitions>
+  <inkml:trace contextRef="#ctx0" brushRef="#br0">6128 450 24575,'-1'-3'0,"0"-1"0,0 1 0,0 0 0,-1 1 0,1-1 0,-1 0 0,0 0 0,0 0 0,0 1 0,0-1 0,0 1 0,0 0 0,-1 0 0,-3-3 0,-14-9-356,-1 0-1,0 2 0,-43-18 1,-74-18-1941,58 22 1737,34 12 560,-58-10 0,28 8 0,-211-46-3592,67 16 1081,161 36 1666,0 3 1,-76 0-1,53 3 427,-186-30-874,2-1-107,-235 31 1053,284 6 338,134-1 8,1 3 0,-1 3 0,-153 36 0,-35 35 0,157-46 0,1 4 0,-160 76 0,163-62 0,-76 39 0,-216 177 0,198-122 0,130-93 0,-71 62 0,45-26 0,-92 84 0,143-123 0,-75 97 0,-245 389 0,337-476 0,4 2 0,-24 69 0,34-82 0,-3 17 59,3 0 0,-16 107 0,25-106-59,-1 71 0,9 67 0,1-196 0,1 32 0,2-1 0,2 1 0,1-1 0,2 0 0,2-1 0,1 0 0,25 55 0,98 168-89,-101-208 60,2-1-1,73 80 1,-38-62 29,3-3 0,82 58 0,-92-80 0,2-3 0,74 34 0,145 50 0,-168-82 0,1-5 0,203 38 0,-205-54 0,241 38 0,324-3 0,73-55 0,-428-4 0,202-23 0,-2-33 0,-91-13 0,-203 31 0,269-58 0,-413 79 0,532-133 0,-504 122 0,903-293 0,-322 20 0,-636 272-4,104-71 0,44-54 85,-191 142-59,20-18 112,-1-1 0,-2-1 0,-2-2 1,-1-1-1,-2-2 0,28-48 0,-44 65-116,-2-1 0,0 0 0,-2-1 0,0 0 0,-2 0 0,7-34 0,-7 10-21,-2-1-1,-1-64 1,-5 94 16,0 0 1,-2 0-1,0 0 1,-1 1 0,-1 0-1,0 0 1,-2 0-1,0 0 1,-1 1-1,-20-32 1,-4 2 35,-3 1 1,-53-53 0,36 48-228,-96-72 1,79 67 44,8 10-267,-69-41 0,-71-28 233,83 48 174,-379-193-7,-157-8 0,207 133 0,307 95 0,-150-43 1803,217 62 4586</inkml:trace>
+</inkml:ink>
+</file>
+
+<file path=ppt/ink/ink3.xml><?xml version="1.0" encoding="utf-8"?>
+<inkml:ink xmlns:inkml="http://www.w3.org/2003/InkML">
+  <inkml:definitions>
+    <inkml:context xml:id="ctx0">
+      <inkml:inkSource xml:id="inkSrc0">
+        <inkml:traceFormat>
+          <inkml:channel name="X" type="integer" min="-2.14748E9" max="2.14748E9" units="cm"/>
+          <inkml:channel name="Y" type="integer" min="-2.14748E9" max="2.14748E9" units="cm"/>
+        </inkml:traceFormat>
+        <inkml:channelProperties>
+          <inkml:channelProperty channel="X" name="resolution" value="1000" units="1/cm"/>
+          <inkml:channelProperty channel="Y" name="resolution" value="1000" units="1/cm"/>
+        </inkml:channelProperties>
+      </inkml:inkSource>
+      <inkml:timestamp xml:id="ts0" timeString="2023-01-17T15:01:03.624"/>
+    </inkml:context>
+    <inkml:brush xml:id="br0">
+      <inkml:brushProperty name="width" value="0.2" units="cm"/>
+      <inkml:brushProperty name="height" value="0.2" units="cm"/>
+      <inkml:brushProperty name="color" value="#E71224"/>
+      <inkml:brushProperty name="ignorePressure" value="1"/>
+    </inkml:brush>
+  </inkml:definitions>
+  <inkml:trace contextRef="#ctx0" brushRef="#br0">0 1,'2683'0,"-2660"0</inkml:trace>
+</inkml:ink>
+</file>
+
+<file path=ppt/ink/ink4.xml><?xml version="1.0" encoding="utf-8"?>
+<inkml:ink xmlns:inkml="http://www.w3.org/2003/InkML">
+  <inkml:definitions>
+    <inkml:context xml:id="ctx0">
+      <inkml:inkSource xml:id="inkSrc0">
+        <inkml:traceFormat>
+          <inkml:channel name="X" type="integer" min="-2.14748E9" max="2.14748E9" units="cm"/>
+          <inkml:channel name="Y" type="integer" min="-2.14748E9" max="2.14748E9" units="cm"/>
+        </inkml:traceFormat>
+        <inkml:channelProperties>
+          <inkml:channelProperty channel="X" name="resolution" value="1000" units="1/cm"/>
+          <inkml:channelProperty channel="Y" name="resolution" value="1000" units="1/cm"/>
+        </inkml:channelProperties>
+      </inkml:inkSource>
+      <inkml:timestamp xml:id="ts0" timeString="2023-01-17T15:31:53.430"/>
+    </inkml:context>
+    <inkml:brush xml:id="br0">
+      <inkml:brushProperty name="width" value="0.2" units="cm"/>
+      <inkml:brushProperty name="height" value="0.2" units="cm"/>
+      <inkml:brushProperty name="color" value="#E71224"/>
+      <inkml:brushProperty name="ignorePressure" value="1"/>
+    </inkml:brush>
+  </inkml:definitions>
+  <inkml:trace contextRef="#ctx0" brushRef="#br0">46 1,'-37'0,"29"0,25 0,5010 0,-4992 0</inkml:trace>
+</inkml:ink>
+</file>
+
+<file path=ppt/ink/ink5.xml><?xml version="1.0" encoding="utf-8"?>
+<inkml:ink xmlns:inkml="http://www.w3.org/2003/InkML">
+  <inkml:definitions>
+    <inkml:context xml:id="ctx0">
+      <inkml:inkSource xml:id="inkSrc0">
+        <inkml:traceFormat>
+          <inkml:channel name="X" type="integer" min="-2.14748E9" max="2.14748E9" units="cm"/>
+          <inkml:channel name="Y" type="integer" min="-2.14748E9" max="2.14748E9" units="cm"/>
+        </inkml:traceFormat>
+        <inkml:channelProperties>
+          <inkml:channelProperty channel="X" name="resolution" value="1000" units="1/cm"/>
+          <inkml:channelProperty channel="Y" name="resolution" value="1000" units="1/cm"/>
+        </inkml:channelProperties>
+      </inkml:inkSource>
+      <inkml:timestamp xml:id="ts0" timeString="2023-01-17T15:31:56.730"/>
+    </inkml:context>
+    <inkml:brush xml:id="br0">
+      <inkml:brushProperty name="width" value="0.2" units="cm"/>
+      <inkml:brushProperty name="height" value="0.2" units="cm"/>
+      <inkml:brushProperty name="color" value="#E71224"/>
+      <inkml:brushProperty name="ignorePressure" value="1"/>
+    </inkml:brush>
+  </inkml:definitions>
+  <inkml:trace contextRef="#ctx0" brushRef="#br0">1 0,'14339'0,"-14303"0</inkml:trace>
+</inkml:ink>
+</file>
+
+<file path=ppt/ink/ink6.xml><?xml version="1.0" encoding="utf-8"?>
+<inkml:ink xmlns:inkml="http://www.w3.org/2003/InkML">
+  <inkml:definitions>
+    <inkml:context xml:id="ctx0">
+      <inkml:inkSource xml:id="inkSrc0">
+        <inkml:traceFormat>
+          <inkml:channel name="X" type="integer" min="-2.14748E9" max="2.14748E9" units="cm"/>
+          <inkml:channel name="Y" type="integer" min="-2.14748E9" max="2.14748E9" units="cm"/>
+        </inkml:traceFormat>
+        <inkml:channelProperties>
+          <inkml:channelProperty channel="X" name="resolution" value="1000" units="1/cm"/>
+          <inkml:channelProperty channel="Y" name="resolution" value="1000" units="1/cm"/>
+        </inkml:channelProperties>
+      </inkml:inkSource>
+      <inkml:timestamp xml:id="ts0" timeString="2023-01-17T15:31:58.806"/>
+    </inkml:context>
+    <inkml:brush xml:id="br0">
+      <inkml:brushProperty name="width" value="0.2" units="cm"/>
+      <inkml:brushProperty name="height" value="0.2" units="cm"/>
+      <inkml:brushProperty name="color" value="#E71224"/>
+      <inkml:brushProperty name="ignorePressure" value="1"/>
+    </inkml:brush>
+  </inkml:definitions>
+  <inkml:trace contextRef="#ctx0" brushRef="#br0">1 0,'2966'0,"-2938"0</inkml:trace>
+</inkml:ink>
+</file>
+
+<file path=ppt/ink/ink7.xml><?xml version="1.0" encoding="utf-8"?>
+<inkml:ink xmlns:inkml="http://www.w3.org/2003/InkML">
+  <inkml:definitions>
+    <inkml:context xml:id="ctx0">
+      <inkml:inkSource xml:id="inkSrc0">
+        <inkml:traceFormat>
+          <inkml:channel name="X" type="integer" min="-2.14748E9" max="2.14748E9" units="cm"/>
+          <inkml:channel name="Y" type="integer" min="-2.14748E9" max="2.14748E9" units="cm"/>
+        </inkml:traceFormat>
+        <inkml:channelProperties>
+          <inkml:channelProperty channel="X" name="resolution" value="1000" units="1/cm"/>
+          <inkml:channelProperty channel="Y" name="resolution" value="1000" units="1/cm"/>
+        </inkml:channelProperties>
+      </inkml:inkSource>
+      <inkml:timestamp xml:id="ts0" timeString="2023-01-17T15:32:29.124"/>
+    </inkml:context>
+    <inkml:brush xml:id="br0">
+      <inkml:brushProperty name="width" value="0.2" units="cm"/>
+      <inkml:brushProperty name="height" value="0.2" units="cm"/>
+      <inkml:brushProperty name="color" value="#E71224"/>
+      <inkml:brushProperty name="ignorePressure" value="1"/>
+    </inkml:brush>
+  </inkml:definitions>
+  <inkml:trace contextRef="#ctx0" brushRef="#br0">0 0,'12824'0,"-12790"0</inkml:trace>
+</inkml:ink>
+</file>
+
+<file path=ppt/ink/ink8.xml><?xml version="1.0" encoding="utf-8"?>
+<inkml:ink xmlns:inkml="http://www.w3.org/2003/InkML">
+  <inkml:definitions>
+    <inkml:context xml:id="ctx0">
+      <inkml:inkSource xml:id="inkSrc0">
+        <inkml:traceFormat>
+          <inkml:channel name="X" type="integer" min="-2.14748E9" max="2.14748E9" units="cm"/>
+          <inkml:channel name="Y" type="integer" min="-2.14748E9" max="2.14748E9" units="cm"/>
+        </inkml:traceFormat>
+        <inkml:channelProperties>
+          <inkml:channelProperty channel="X" name="resolution" value="1000" units="1/cm"/>
+          <inkml:channelProperty channel="Y" name="resolution" value="1000" units="1/cm"/>
+        </inkml:channelProperties>
+      </inkml:inkSource>
+      <inkml:timestamp xml:id="ts0" timeString="2023-01-17T15:32:45.724"/>
+    </inkml:context>
+    <inkml:brush xml:id="br0">
+      <inkml:brushProperty name="width" value="0.2" units="cm"/>
+      <inkml:brushProperty name="height" value="0.2" units="cm"/>
+      <inkml:brushProperty name="color" value="#E71224"/>
+      <inkml:brushProperty name="ignorePressure" value="1"/>
+    </inkml:brush>
+  </inkml:definitions>
+  <inkml:trace contextRef="#ctx0" brushRef="#br0">1 1,'3565'0,"-3529"0</inkml:trace>
+</inkml:ink>
+</file>
+
+<file path=ppt/ink/ink9.xml><?xml version="1.0" encoding="utf-8"?>
+<inkml:ink xmlns:inkml="http://www.w3.org/2003/InkML">
+  <inkml:definitions>
+    <inkml:context xml:id="ctx0">
+      <inkml:inkSource xml:id="inkSrc0">
+        <inkml:traceFormat>
+          <inkml:channel name="X" type="integer" min="-2.14748E9" max="2.14748E9" units="cm"/>
+          <inkml:channel name="Y" type="integer" min="-2.14748E9" max="2.14748E9" units="cm"/>
+        </inkml:traceFormat>
+        <inkml:channelProperties>
+          <inkml:channelProperty channel="X" name="resolution" value="1000" units="1/cm"/>
+          <inkml:channelProperty channel="Y" name="resolution" value="1000" units="1/cm"/>
+        </inkml:channelProperties>
+      </inkml:inkSource>
+      <inkml:timestamp xml:id="ts0" timeString="2023-01-17T15:32:48.752"/>
+    </inkml:context>
+    <inkml:brush xml:id="br0">
+      <inkml:brushProperty name="width" value="0.2" units="cm"/>
+      <inkml:brushProperty name="height" value="0.2" units="cm"/>
+      <inkml:brushProperty name="color" value="#E71224"/>
+      <inkml:brushProperty name="ignorePressure" value="1"/>
+    </inkml:brush>
+  </inkml:definitions>
+  <inkml:trace contextRef="#ctx0" brushRef="#br0">0 1,'12367'0,"-12341"0</inkml:trace>
+</inkml:ink>
+</file>
+
 <file path=ppt/notesMasters/notesMaster1.xml><?xml version="1.0" encoding="utf-8"?>
 <p:notesMaster xmlns:a="http://schemas.openxmlformats.org/drawingml/2006/main" xmlns:r="http://schemas.openxmlformats.org/officeDocument/2006/relationships" xmlns:p="http://schemas.openxmlformats.org/presentationml/2006/main">
   <p:cSld>
@@ -199,7 +509,7 @@
           <a:p>
             <a:fld id="{207C662F-A001-4EA2-B345-C237CD6465E1}" type="datetimeFigureOut">
               <a:rPr lang="en-US" smtClean="0"/>
-              <a:t>1/16/2023</a:t>
+              <a:t>1/17/2023</a:t>
             </a:fld>
             <a:endParaRPr lang="en-US"/>
           </a:p>
@@ -553,6 +863,991 @@
 </p:notes>
 </file>
 
+<file path=ppt/notesSlides/notesSlide10.xml><?xml version="1.0" encoding="utf-8"?>
+<p:notes xmlns:a="http://schemas.openxmlformats.org/drawingml/2006/main" xmlns:r="http://schemas.openxmlformats.org/officeDocument/2006/relationships" xmlns:p="http://schemas.openxmlformats.org/presentationml/2006/main">
+  <p:cSld>
+    <p:spTree>
+      <p:nvGrpSpPr>
+        <p:cNvPr id="1" name=""/>
+        <p:cNvGrpSpPr/>
+        <p:nvPr/>
+      </p:nvGrpSpPr>
+      <p:grpSpPr>
+        <a:xfrm>
+          <a:off x="0" y="0"/>
+          <a:ext cx="0" cy="0"/>
+          <a:chOff x="0" y="0"/>
+          <a:chExt cx="0" cy="0"/>
+        </a:xfrm>
+      </p:grpSpPr>
+      <p:sp>
+        <p:nvSpPr>
+          <p:cNvPr id="2" name="Slide Image Placeholder 1"/>
+          <p:cNvSpPr>
+            <a:spLocks noGrp="1" noRot="1" noChangeAspect="1"/>
+          </p:cNvSpPr>
+          <p:nvPr>
+            <p:ph type="sldImg"/>
+          </p:nvPr>
+        </p:nvSpPr>
+        <p:spPr/>
+      </p:sp>
+      <p:sp>
+        <p:nvSpPr>
+          <p:cNvPr id="3" name="Notes Placeholder 2"/>
+          <p:cNvSpPr>
+            <a:spLocks noGrp="1"/>
+          </p:cNvSpPr>
+          <p:nvPr>
+            <p:ph type="body" idx="1"/>
+          </p:nvPr>
+        </p:nvSpPr>
+        <p:spPr/>
+        <p:txBody>
+          <a:bodyPr/>
+          <a:lstStyle/>
+          <a:p>
+            <a:r>
+              <a:rPr lang="en-US" dirty="0"/>
+              <a:t>The choice of neurons to be deactivated is random. All neurons are assigned a probability p which determines their activation. A new hyperparameter!!</a:t>
+            </a:r>
+            <a:br>
+              <a:rPr lang="en-US" dirty="0"/>
+            </a:br>
+            <a:br>
+              <a:rPr lang="en-US" dirty="0"/>
+            </a:br>
+            <a:r>
+              <a:rPr lang="en-US" dirty="0"/>
+              <a:t>When p = 0.1, each neuron has a 1 in 10 chance of being deactivated.</a:t>
+            </a:r>
+            <a:br>
+              <a:rPr lang="en-US" dirty="0"/>
+            </a:br>
+            <a:br>
+              <a:rPr lang="en-US" dirty="0"/>
+            </a:br>
+            <a:r>
+              <a:rPr lang="en-US" dirty="0"/>
+              <a:t>At each epoch, we apply this random deactivation. That is, at each pass (forward propagation) the model will learn with a different configuration of neurons, with the neurons randomly turning on and off.</a:t>
+            </a:r>
+            <a:br>
+              <a:rPr lang="en-US" dirty="0"/>
+            </a:br>
+            <a:br>
+              <a:rPr lang="en-US" dirty="0"/>
+            </a:br>
+            <a:r>
+              <a:rPr lang="en-US" dirty="0"/>
+              <a:t>This procedure effectively generates slightly different models with different neuron configurations at each iteration.</a:t>
+            </a:r>
+            <a:br>
+              <a:rPr lang="en-US" dirty="0"/>
+            </a:br>
+            <a:br>
+              <a:rPr lang="en-US" dirty="0"/>
+            </a:br>
+            <a:r>
+              <a:rPr lang="en-US" dirty="0"/>
+              <a:t>Caution: Dropout is only active during model training. During tests, each neuron remains active and its weight is multiplied by the probability p.</a:t>
+            </a:r>
+            <a:endParaRPr lang="fr-FR" dirty="0"/>
+          </a:p>
+        </p:txBody>
+      </p:sp>
+      <p:sp>
+        <p:nvSpPr>
+          <p:cNvPr id="4" name="Slide Number Placeholder 3"/>
+          <p:cNvSpPr>
+            <a:spLocks noGrp="1"/>
+          </p:cNvSpPr>
+          <p:nvPr>
+            <p:ph type="sldNum" sz="quarter" idx="5"/>
+          </p:nvPr>
+        </p:nvSpPr>
+        <p:spPr/>
+        <p:txBody>
+          <a:bodyPr/>
+          <a:lstStyle/>
+          <a:p>
+            <a:fld id="{B2732108-1823-42F2-979D-D6CF9D74D210}" type="slidenum">
+              <a:rPr lang="en-US" smtClean="0"/>
+              <a:t>14</a:t>
+            </a:fld>
+            <a:endParaRPr lang="en-US"/>
+          </a:p>
+        </p:txBody>
+      </p:sp>
+    </p:spTree>
+    <p:extLst>
+      <p:ext uri="{BB962C8B-B14F-4D97-AF65-F5344CB8AC3E}">
+        <p14:creationId xmlns:p14="http://schemas.microsoft.com/office/powerpoint/2010/main" val="3595983183"/>
+      </p:ext>
+    </p:extLst>
+  </p:cSld>
+  <p:clrMapOvr>
+    <a:masterClrMapping/>
+  </p:clrMapOvr>
+</p:notes>
+</file>
+
+<file path=ppt/notesSlides/notesSlide2.xml><?xml version="1.0" encoding="utf-8"?>
+<p:notes xmlns:a="http://schemas.openxmlformats.org/drawingml/2006/main" xmlns:r="http://schemas.openxmlformats.org/officeDocument/2006/relationships" xmlns:p="http://schemas.openxmlformats.org/presentationml/2006/main">
+  <p:cSld>
+    <p:spTree>
+      <p:nvGrpSpPr>
+        <p:cNvPr id="1" name=""/>
+        <p:cNvGrpSpPr/>
+        <p:nvPr/>
+      </p:nvGrpSpPr>
+      <p:grpSpPr>
+        <a:xfrm>
+          <a:off x="0" y="0"/>
+          <a:ext cx="0" cy="0"/>
+          <a:chOff x="0" y="0"/>
+          <a:chExt cx="0" cy="0"/>
+        </a:xfrm>
+      </p:grpSpPr>
+      <p:sp>
+        <p:nvSpPr>
+          <p:cNvPr id="2" name="Slide Image Placeholder 1"/>
+          <p:cNvSpPr>
+            <a:spLocks noGrp="1" noRot="1" noChangeAspect="1"/>
+          </p:cNvSpPr>
+          <p:nvPr>
+            <p:ph type="sldImg"/>
+          </p:nvPr>
+        </p:nvSpPr>
+        <p:spPr/>
+      </p:sp>
+      <p:sp>
+        <p:nvSpPr>
+          <p:cNvPr id="3" name="Notes Placeholder 2"/>
+          <p:cNvSpPr>
+            <a:spLocks noGrp="1"/>
+          </p:cNvSpPr>
+          <p:nvPr>
+            <p:ph type="body" idx="1"/>
+          </p:nvPr>
+        </p:nvSpPr>
+        <p:spPr/>
+        <p:txBody>
+          <a:bodyPr/>
+          <a:lstStyle/>
+          <a:p>
+            <a:r>
+              <a:rPr lang="en-US" altLang="fr-FR" sz="1200" dirty="0">
+                <a:latin typeface="+mn-lt"/>
+              </a:rPr>
+              <a:t>larger batch size -&gt; gradient is more precise -&gt; less ‘danger’ in having a larger learning rate</a:t>
+            </a:r>
+            <a:endParaRPr lang="fr-FR" dirty="0"/>
+          </a:p>
+        </p:txBody>
+      </p:sp>
+      <p:sp>
+        <p:nvSpPr>
+          <p:cNvPr id="4" name="Slide Number Placeholder 3"/>
+          <p:cNvSpPr>
+            <a:spLocks noGrp="1"/>
+          </p:cNvSpPr>
+          <p:nvPr>
+            <p:ph type="sldNum" sz="quarter" idx="5"/>
+          </p:nvPr>
+        </p:nvSpPr>
+        <p:spPr/>
+        <p:txBody>
+          <a:bodyPr/>
+          <a:lstStyle/>
+          <a:p>
+            <a:fld id="{B2732108-1823-42F2-979D-D6CF9D74D210}" type="slidenum">
+              <a:rPr lang="en-US" smtClean="0"/>
+              <a:t>6</a:t>
+            </a:fld>
+            <a:endParaRPr lang="en-US"/>
+          </a:p>
+        </p:txBody>
+      </p:sp>
+    </p:spTree>
+    <p:extLst>
+      <p:ext uri="{BB962C8B-B14F-4D97-AF65-F5344CB8AC3E}">
+        <p14:creationId xmlns:p14="http://schemas.microsoft.com/office/powerpoint/2010/main" val="607469720"/>
+      </p:ext>
+    </p:extLst>
+  </p:cSld>
+  <p:clrMapOvr>
+    <a:masterClrMapping/>
+  </p:clrMapOvr>
+</p:notes>
+</file>
+
+<file path=ppt/notesSlides/notesSlide3.xml><?xml version="1.0" encoding="utf-8"?>
+<p:notes xmlns:a="http://schemas.openxmlformats.org/drawingml/2006/main" xmlns:r="http://schemas.openxmlformats.org/officeDocument/2006/relationships" xmlns:p="http://schemas.openxmlformats.org/presentationml/2006/main">
+  <p:cSld>
+    <p:spTree>
+      <p:nvGrpSpPr>
+        <p:cNvPr id="1" name=""/>
+        <p:cNvGrpSpPr/>
+        <p:nvPr/>
+      </p:nvGrpSpPr>
+      <p:grpSpPr>
+        <a:xfrm>
+          <a:off x="0" y="0"/>
+          <a:ext cx="0" cy="0"/>
+          <a:chOff x="0" y="0"/>
+          <a:chExt cx="0" cy="0"/>
+        </a:xfrm>
+      </p:grpSpPr>
+      <p:sp>
+        <p:nvSpPr>
+          <p:cNvPr id="2" name="Slide Image Placeholder 1"/>
+          <p:cNvSpPr>
+            <a:spLocks noGrp="1" noRot="1" noChangeAspect="1"/>
+          </p:cNvSpPr>
+          <p:nvPr>
+            <p:ph type="sldImg"/>
+          </p:nvPr>
+        </p:nvSpPr>
+        <p:spPr/>
+      </p:sp>
+      <p:sp>
+        <p:nvSpPr>
+          <p:cNvPr id="3" name="Notes Placeholder 2"/>
+          <p:cNvSpPr>
+            <a:spLocks noGrp="1"/>
+          </p:cNvSpPr>
+          <p:nvPr>
+            <p:ph type="body" idx="1"/>
+          </p:nvPr>
+        </p:nvSpPr>
+        <p:spPr/>
+        <p:txBody>
+          <a:bodyPr/>
+          <a:lstStyle/>
+          <a:p>
+            <a:pPr algn="l"/>
+            <a:r>
+              <a:rPr lang="en-US" b="0" i="0" dirty="0">
+                <a:effectLst/>
+                <a:latin typeface="-apple-system"/>
+              </a:rPr>
+              <a:t>One way to think of SGD is a ball rolling down a hill, where areas of high gradient are steep parts of the hill and areas of low gradient are very flat areas. Sometimes the global minima, the point with the lowest loss, is in the middle of a giant flat area. The problem is that because these flat areas have small gradients, they also give small update steps which makes learning slow.</a:t>
+            </a:r>
+          </a:p>
+          <a:p>
+            <a:pPr algn="l"/>
+            <a:r>
+              <a:rPr lang="en-US" b="0" i="0" dirty="0">
+                <a:effectLst/>
+                <a:latin typeface="-apple-system"/>
+              </a:rPr>
+              <a:t>What if we expanded on the "ball rolling down a hill" analogy? We'd want to add something to our optimizer that made it keep the "momentum" gained rolling down the steep hills whilst it's going across the flat areas.</a:t>
+            </a:r>
+          </a:p>
+          <a:p>
+            <a:pPr algn="l"/>
+            <a:r>
+              <a:rPr lang="en-US" b="0" i="0" dirty="0">
+                <a:effectLst/>
+                <a:latin typeface="-apple-system"/>
+              </a:rPr>
+              <a:t>Well, that's exact what optimizers with momentum does! Our parameter update is now calculated using a velocity, </a:t>
+            </a:r>
+            <a:r>
+              <a:rPr lang="en-US" b="0" i="0" u="none" strike="noStrike" dirty="0">
+                <a:effectLst/>
+                <a:latin typeface="MathJax_Math-italic"/>
+              </a:rPr>
+              <a:t>v</a:t>
+            </a:r>
+            <a:r>
+              <a:rPr lang="en-US" b="0" i="0" dirty="0">
+                <a:effectLst/>
+                <a:latin typeface="-apple-system"/>
+              </a:rPr>
+              <a:t>, which depends on the current gradient multiplied by the learning rate plus the previous velocity multiplied by the momentum </a:t>
+            </a:r>
+            <a:r>
+              <a:rPr lang="en-US" b="0" i="0" u="none" strike="noStrike" dirty="0">
+                <a:effectLst/>
+                <a:latin typeface="MathJax_Math-italic"/>
+              </a:rPr>
+              <a:t>γ</a:t>
+            </a:r>
+            <a:r>
+              <a:rPr lang="en-US" b="0" i="0" dirty="0">
+                <a:effectLst/>
+                <a:latin typeface="-apple-system"/>
+              </a:rPr>
+              <a:t>.</a:t>
+            </a:r>
+          </a:p>
+          <a:p>
+            <a:endParaRPr lang="fr-FR" dirty="0"/>
+          </a:p>
+        </p:txBody>
+      </p:sp>
+      <p:sp>
+        <p:nvSpPr>
+          <p:cNvPr id="4" name="Slide Number Placeholder 3"/>
+          <p:cNvSpPr>
+            <a:spLocks noGrp="1"/>
+          </p:cNvSpPr>
+          <p:nvPr>
+            <p:ph type="sldNum" sz="quarter" idx="5"/>
+          </p:nvPr>
+        </p:nvSpPr>
+        <p:spPr/>
+        <p:txBody>
+          <a:bodyPr/>
+          <a:lstStyle/>
+          <a:p>
+            <a:fld id="{B2732108-1823-42F2-979D-D6CF9D74D210}" type="slidenum">
+              <a:rPr lang="en-US" smtClean="0"/>
+              <a:t>7</a:t>
+            </a:fld>
+            <a:endParaRPr lang="en-US"/>
+          </a:p>
+        </p:txBody>
+      </p:sp>
+    </p:spTree>
+    <p:extLst>
+      <p:ext uri="{BB962C8B-B14F-4D97-AF65-F5344CB8AC3E}">
+        <p14:creationId xmlns:p14="http://schemas.microsoft.com/office/powerpoint/2010/main" val="4245954623"/>
+      </p:ext>
+    </p:extLst>
+  </p:cSld>
+  <p:clrMapOvr>
+    <a:masterClrMapping/>
+  </p:clrMapOvr>
+</p:notes>
+</file>
+
+<file path=ppt/notesSlides/notesSlide4.xml><?xml version="1.0" encoding="utf-8"?>
+<p:notes xmlns:a="http://schemas.openxmlformats.org/drawingml/2006/main" xmlns:r="http://schemas.openxmlformats.org/officeDocument/2006/relationships" xmlns:p="http://schemas.openxmlformats.org/presentationml/2006/main">
+  <p:cSld>
+    <p:spTree>
+      <p:nvGrpSpPr>
+        <p:cNvPr id="1" name=""/>
+        <p:cNvGrpSpPr/>
+        <p:nvPr/>
+      </p:nvGrpSpPr>
+      <p:grpSpPr>
+        <a:xfrm>
+          <a:off x="0" y="0"/>
+          <a:ext cx="0" cy="0"/>
+          <a:chOff x="0" y="0"/>
+          <a:chExt cx="0" cy="0"/>
+        </a:xfrm>
+      </p:grpSpPr>
+      <p:sp>
+        <p:nvSpPr>
+          <p:cNvPr id="2" name="Slide Image Placeholder 1"/>
+          <p:cNvSpPr>
+            <a:spLocks noGrp="1" noRot="1" noChangeAspect="1"/>
+          </p:cNvSpPr>
+          <p:nvPr>
+            <p:ph type="sldImg"/>
+          </p:nvPr>
+        </p:nvSpPr>
+        <p:spPr/>
+      </p:sp>
+      <p:sp>
+        <p:nvSpPr>
+          <p:cNvPr id="3" name="Notes Placeholder 2"/>
+          <p:cNvSpPr>
+            <a:spLocks noGrp="1"/>
+          </p:cNvSpPr>
+          <p:nvPr>
+            <p:ph type="body" idx="1"/>
+          </p:nvPr>
+        </p:nvSpPr>
+        <p:spPr/>
+        <p:txBody>
+          <a:bodyPr/>
+          <a:lstStyle/>
+          <a:p>
+            <a:pPr marL="0" marR="0" lvl="0" indent="0" algn="l" defTabSz="914400" rtl="0" eaLnBrk="1" fontAlgn="auto" latinLnBrk="0" hangingPunct="1">
+              <a:lnSpc>
+                <a:spcPct val="100000"/>
+              </a:lnSpc>
+              <a:spcBef>
+                <a:spcPts val="0"/>
+              </a:spcBef>
+              <a:spcAft>
+                <a:spcPts val="0"/>
+              </a:spcAft>
+              <a:buClrTx/>
+              <a:buSzTx/>
+              <a:buFontTx/>
+              <a:buNone/>
+              <a:tabLst/>
+              <a:defRPr/>
+            </a:pPr>
+            <a:r>
+              <a:rPr lang="fr-FR" dirty="0"/>
+              <a:t>Bien rappeler aux étudiants ce qu’on représente en x, et en y à chaque fois sur les graphes de </a:t>
+            </a:r>
+            <a:r>
+              <a:rPr lang="fr-FR" dirty="0" err="1"/>
+              <a:t>loss</a:t>
+            </a:r>
+            <a:r>
+              <a:rPr lang="fr-FR" dirty="0"/>
+              <a:t> en fonction des paramètres.</a:t>
+            </a:r>
+          </a:p>
+          <a:p>
+            <a:endParaRPr lang="fr-FR" dirty="0"/>
+          </a:p>
+          <a:p>
+            <a:r>
+              <a:rPr lang="fr-FR" dirty="0"/>
+              <a:t>On veut </a:t>
+            </a:r>
+            <a:r>
+              <a:rPr lang="fr-FR" dirty="0" err="1"/>
+              <a:t>viter</a:t>
+            </a:r>
+            <a:r>
+              <a:rPr lang="fr-FR" dirty="0"/>
+              <a:t> arriver à côté du trou (donc le </a:t>
+            </a:r>
+            <a:r>
+              <a:rPr lang="fr-FR" dirty="0" err="1"/>
+              <a:t>learning</a:t>
+            </a:r>
+            <a:r>
+              <a:rPr lang="fr-FR" dirty="0"/>
+              <a:t> rate doit être élevé au début) puis après on veut diminuer le </a:t>
+            </a:r>
+            <a:r>
+              <a:rPr lang="fr-FR" dirty="0" err="1"/>
+              <a:t>learning</a:t>
+            </a:r>
+            <a:r>
+              <a:rPr lang="fr-FR" dirty="0"/>
+              <a:t> rate sinon il y a un risque qu’on oscille juste de part et d’autre du trou.</a:t>
+            </a:r>
+          </a:p>
+        </p:txBody>
+      </p:sp>
+      <p:sp>
+        <p:nvSpPr>
+          <p:cNvPr id="4" name="Slide Number Placeholder 3"/>
+          <p:cNvSpPr>
+            <a:spLocks noGrp="1"/>
+          </p:cNvSpPr>
+          <p:nvPr>
+            <p:ph type="sldNum" sz="quarter" idx="5"/>
+          </p:nvPr>
+        </p:nvSpPr>
+        <p:spPr/>
+        <p:txBody>
+          <a:bodyPr/>
+          <a:lstStyle/>
+          <a:p>
+            <a:fld id="{B2732108-1823-42F2-979D-D6CF9D74D210}" type="slidenum">
+              <a:rPr lang="en-US" smtClean="0"/>
+              <a:t>8</a:t>
+            </a:fld>
+            <a:endParaRPr lang="en-US"/>
+          </a:p>
+        </p:txBody>
+      </p:sp>
+    </p:spTree>
+    <p:extLst>
+      <p:ext uri="{BB962C8B-B14F-4D97-AF65-F5344CB8AC3E}">
+        <p14:creationId xmlns:p14="http://schemas.microsoft.com/office/powerpoint/2010/main" val="86369302"/>
+      </p:ext>
+    </p:extLst>
+  </p:cSld>
+  <p:clrMapOvr>
+    <a:masterClrMapping/>
+  </p:clrMapOvr>
+</p:notes>
+</file>
+
+<file path=ppt/notesSlides/notesSlide5.xml><?xml version="1.0" encoding="utf-8"?>
+<p:notes xmlns:a="http://schemas.openxmlformats.org/drawingml/2006/main" xmlns:r="http://schemas.openxmlformats.org/officeDocument/2006/relationships" xmlns:p="http://schemas.openxmlformats.org/presentationml/2006/main">
+  <p:cSld>
+    <p:spTree>
+      <p:nvGrpSpPr>
+        <p:cNvPr id="1" name=""/>
+        <p:cNvGrpSpPr/>
+        <p:nvPr/>
+      </p:nvGrpSpPr>
+      <p:grpSpPr>
+        <a:xfrm>
+          <a:off x="0" y="0"/>
+          <a:ext cx="0" cy="0"/>
+          <a:chOff x="0" y="0"/>
+          <a:chExt cx="0" cy="0"/>
+        </a:xfrm>
+      </p:grpSpPr>
+      <p:sp>
+        <p:nvSpPr>
+          <p:cNvPr id="2" name="Slide Image Placeholder 1"/>
+          <p:cNvSpPr>
+            <a:spLocks noGrp="1" noRot="1" noChangeAspect="1"/>
+          </p:cNvSpPr>
+          <p:nvPr>
+            <p:ph type="sldImg"/>
+          </p:nvPr>
+        </p:nvSpPr>
+        <p:spPr/>
+      </p:sp>
+      <p:sp>
+        <p:nvSpPr>
+          <p:cNvPr id="3" name="Notes Placeholder 2"/>
+          <p:cNvSpPr>
+            <a:spLocks noGrp="1"/>
+          </p:cNvSpPr>
+          <p:nvPr>
+            <p:ph type="body" idx="1"/>
+          </p:nvPr>
+        </p:nvSpPr>
+        <p:spPr/>
+        <p:txBody>
+          <a:bodyPr/>
+          <a:lstStyle/>
+          <a:p>
+            <a:r>
+              <a:rPr lang="fr-FR" dirty="0"/>
+              <a:t>Pareil, y a tout type de façons (parfois un peu perchés) de </a:t>
+            </a:r>
+            <a:r>
+              <a:rPr lang="fr-FR" dirty="0" err="1"/>
+              <a:t>scheduler</a:t>
+            </a:r>
+            <a:r>
+              <a:rPr lang="fr-FR" dirty="0"/>
+              <a:t> le </a:t>
+            </a:r>
+            <a:r>
+              <a:rPr lang="fr-FR" dirty="0" err="1"/>
+              <a:t>learning</a:t>
+            </a:r>
+            <a:r>
+              <a:rPr lang="fr-FR" dirty="0"/>
+              <a:t> rate. Le choix de quel </a:t>
+            </a:r>
+            <a:r>
+              <a:rPr lang="fr-FR" dirty="0" err="1"/>
+              <a:t>scheduling</a:t>
+            </a:r>
+            <a:r>
+              <a:rPr lang="fr-FR" dirty="0"/>
+              <a:t> est en lui-même un hyperparamètre.</a:t>
+            </a:r>
+          </a:p>
+        </p:txBody>
+      </p:sp>
+      <p:sp>
+        <p:nvSpPr>
+          <p:cNvPr id="4" name="Slide Number Placeholder 3"/>
+          <p:cNvSpPr>
+            <a:spLocks noGrp="1"/>
+          </p:cNvSpPr>
+          <p:nvPr>
+            <p:ph type="sldNum" sz="quarter" idx="5"/>
+          </p:nvPr>
+        </p:nvSpPr>
+        <p:spPr/>
+        <p:txBody>
+          <a:bodyPr/>
+          <a:lstStyle/>
+          <a:p>
+            <a:fld id="{B2732108-1823-42F2-979D-D6CF9D74D210}" type="slidenum">
+              <a:rPr lang="en-US" smtClean="0"/>
+              <a:t>9</a:t>
+            </a:fld>
+            <a:endParaRPr lang="en-US"/>
+          </a:p>
+        </p:txBody>
+      </p:sp>
+    </p:spTree>
+    <p:extLst>
+      <p:ext uri="{BB962C8B-B14F-4D97-AF65-F5344CB8AC3E}">
+        <p14:creationId xmlns:p14="http://schemas.microsoft.com/office/powerpoint/2010/main" val="2061316314"/>
+      </p:ext>
+    </p:extLst>
+  </p:cSld>
+  <p:clrMapOvr>
+    <a:masterClrMapping/>
+  </p:clrMapOvr>
+</p:notes>
+</file>
+
+<file path=ppt/notesSlides/notesSlide6.xml><?xml version="1.0" encoding="utf-8"?>
+<p:notes xmlns:a="http://schemas.openxmlformats.org/drawingml/2006/main" xmlns:r="http://schemas.openxmlformats.org/officeDocument/2006/relationships" xmlns:p="http://schemas.openxmlformats.org/presentationml/2006/main">
+  <p:cSld>
+    <p:spTree>
+      <p:nvGrpSpPr>
+        <p:cNvPr id="1" name=""/>
+        <p:cNvGrpSpPr/>
+        <p:nvPr/>
+      </p:nvGrpSpPr>
+      <p:grpSpPr>
+        <a:xfrm>
+          <a:off x="0" y="0"/>
+          <a:ext cx="0" cy="0"/>
+          <a:chOff x="0" y="0"/>
+          <a:chExt cx="0" cy="0"/>
+        </a:xfrm>
+      </p:grpSpPr>
+      <p:sp>
+        <p:nvSpPr>
+          <p:cNvPr id="2" name="Slide Image Placeholder 1"/>
+          <p:cNvSpPr>
+            <a:spLocks noGrp="1" noRot="1" noChangeAspect="1"/>
+          </p:cNvSpPr>
+          <p:nvPr>
+            <p:ph type="sldImg"/>
+          </p:nvPr>
+        </p:nvSpPr>
+        <p:spPr/>
+      </p:sp>
+      <p:sp>
+        <p:nvSpPr>
+          <p:cNvPr id="3" name="Notes Placeholder 2"/>
+          <p:cNvSpPr>
+            <a:spLocks noGrp="1"/>
+          </p:cNvSpPr>
+          <p:nvPr>
+            <p:ph type="body" idx="1"/>
+          </p:nvPr>
+        </p:nvSpPr>
+        <p:spPr/>
+        <p:txBody>
+          <a:bodyPr/>
+          <a:lstStyle/>
+          <a:p>
+            <a:endParaRPr lang="fr-FR" dirty="0"/>
+          </a:p>
+        </p:txBody>
+      </p:sp>
+      <p:sp>
+        <p:nvSpPr>
+          <p:cNvPr id="4" name="Slide Number Placeholder 3"/>
+          <p:cNvSpPr>
+            <a:spLocks noGrp="1"/>
+          </p:cNvSpPr>
+          <p:nvPr>
+            <p:ph type="sldNum" sz="quarter" idx="5"/>
+          </p:nvPr>
+        </p:nvSpPr>
+        <p:spPr/>
+        <p:txBody>
+          <a:bodyPr/>
+          <a:lstStyle/>
+          <a:p>
+            <a:fld id="{B2732108-1823-42F2-979D-D6CF9D74D210}" type="slidenum">
+              <a:rPr lang="en-US" smtClean="0"/>
+              <a:t>10</a:t>
+            </a:fld>
+            <a:endParaRPr lang="en-US"/>
+          </a:p>
+        </p:txBody>
+      </p:sp>
+    </p:spTree>
+    <p:extLst>
+      <p:ext uri="{BB962C8B-B14F-4D97-AF65-F5344CB8AC3E}">
+        <p14:creationId xmlns:p14="http://schemas.microsoft.com/office/powerpoint/2010/main" val="1204538897"/>
+      </p:ext>
+    </p:extLst>
+  </p:cSld>
+  <p:clrMapOvr>
+    <a:masterClrMapping/>
+  </p:clrMapOvr>
+</p:notes>
+</file>
+
+<file path=ppt/notesSlides/notesSlide7.xml><?xml version="1.0" encoding="utf-8"?>
+<p:notes xmlns:a="http://schemas.openxmlformats.org/drawingml/2006/main" xmlns:r="http://schemas.openxmlformats.org/officeDocument/2006/relationships" xmlns:p="http://schemas.openxmlformats.org/presentationml/2006/main">
+  <p:cSld>
+    <p:spTree>
+      <p:nvGrpSpPr>
+        <p:cNvPr id="1" name=""/>
+        <p:cNvGrpSpPr/>
+        <p:nvPr/>
+      </p:nvGrpSpPr>
+      <p:grpSpPr>
+        <a:xfrm>
+          <a:off x="0" y="0"/>
+          <a:ext cx="0" cy="0"/>
+          <a:chOff x="0" y="0"/>
+          <a:chExt cx="0" cy="0"/>
+        </a:xfrm>
+      </p:grpSpPr>
+      <p:sp>
+        <p:nvSpPr>
+          <p:cNvPr id="2" name="Slide Image Placeholder 1"/>
+          <p:cNvSpPr>
+            <a:spLocks noGrp="1" noRot="1" noChangeAspect="1"/>
+          </p:cNvSpPr>
+          <p:nvPr>
+            <p:ph type="sldImg"/>
+          </p:nvPr>
+        </p:nvSpPr>
+        <p:spPr/>
+      </p:sp>
+      <p:sp>
+        <p:nvSpPr>
+          <p:cNvPr id="3" name="Notes Placeholder 2"/>
+          <p:cNvSpPr>
+            <a:spLocks noGrp="1"/>
+          </p:cNvSpPr>
+          <p:nvPr>
+            <p:ph type="body" idx="1"/>
+          </p:nvPr>
+        </p:nvSpPr>
+        <p:spPr/>
+        <p:txBody>
+          <a:bodyPr/>
+          <a:lstStyle/>
+          <a:p>
+            <a:r>
+              <a:rPr lang="fr-FR" dirty="0"/>
+              <a:t>Bien rappeler aux étudiants ce qu’on représente en x, en y et en z à chaque fois sur les graphes de </a:t>
+            </a:r>
+            <a:r>
+              <a:rPr lang="fr-FR" dirty="0" err="1"/>
+              <a:t>loss</a:t>
+            </a:r>
+            <a:r>
+              <a:rPr lang="fr-FR" dirty="0"/>
+              <a:t> en fonction des paramètres.</a:t>
+            </a:r>
+          </a:p>
+        </p:txBody>
+      </p:sp>
+      <p:sp>
+        <p:nvSpPr>
+          <p:cNvPr id="4" name="Slide Number Placeholder 3"/>
+          <p:cNvSpPr>
+            <a:spLocks noGrp="1"/>
+          </p:cNvSpPr>
+          <p:nvPr>
+            <p:ph type="sldNum" sz="quarter" idx="5"/>
+          </p:nvPr>
+        </p:nvSpPr>
+        <p:spPr/>
+        <p:txBody>
+          <a:bodyPr/>
+          <a:lstStyle/>
+          <a:p>
+            <a:fld id="{B2732108-1823-42F2-979D-D6CF9D74D210}" type="slidenum">
+              <a:rPr lang="en-US" smtClean="0"/>
+              <a:t>11</a:t>
+            </a:fld>
+            <a:endParaRPr lang="en-US"/>
+          </a:p>
+        </p:txBody>
+      </p:sp>
+    </p:spTree>
+    <p:extLst>
+      <p:ext uri="{BB962C8B-B14F-4D97-AF65-F5344CB8AC3E}">
+        <p14:creationId xmlns:p14="http://schemas.microsoft.com/office/powerpoint/2010/main" val="733670393"/>
+      </p:ext>
+    </p:extLst>
+  </p:cSld>
+  <p:clrMapOvr>
+    <a:masterClrMapping/>
+  </p:clrMapOvr>
+</p:notes>
+</file>
+
+<file path=ppt/notesSlides/notesSlide8.xml><?xml version="1.0" encoding="utf-8"?>
+<p:notes xmlns:a="http://schemas.openxmlformats.org/drawingml/2006/main" xmlns:r="http://schemas.openxmlformats.org/officeDocument/2006/relationships" xmlns:p="http://schemas.openxmlformats.org/presentationml/2006/main">
+  <p:cSld>
+    <p:spTree>
+      <p:nvGrpSpPr>
+        <p:cNvPr id="1" name=""/>
+        <p:cNvGrpSpPr/>
+        <p:nvPr/>
+      </p:nvGrpSpPr>
+      <p:grpSpPr>
+        <a:xfrm>
+          <a:off x="0" y="0"/>
+          <a:ext cx="0" cy="0"/>
+          <a:chOff x="0" y="0"/>
+          <a:chExt cx="0" cy="0"/>
+        </a:xfrm>
+      </p:grpSpPr>
+      <p:sp>
+        <p:nvSpPr>
+          <p:cNvPr id="2" name="Slide Image Placeholder 1"/>
+          <p:cNvSpPr>
+            <a:spLocks noGrp="1" noRot="1" noChangeAspect="1"/>
+          </p:cNvSpPr>
+          <p:nvPr>
+            <p:ph type="sldImg"/>
+          </p:nvPr>
+        </p:nvSpPr>
+        <p:spPr/>
+      </p:sp>
+      <p:sp>
+        <p:nvSpPr>
+          <p:cNvPr id="3" name="Notes Placeholder 2"/>
+          <p:cNvSpPr>
+            <a:spLocks noGrp="1"/>
+          </p:cNvSpPr>
+          <p:nvPr>
+            <p:ph type="body" idx="1"/>
+          </p:nvPr>
+        </p:nvSpPr>
+        <p:spPr/>
+        <p:txBody>
+          <a:bodyPr/>
+          <a:lstStyle/>
+          <a:p>
+            <a:r>
+              <a:rPr lang="fr-FR" dirty="0"/>
+              <a:t>Deux screenshots pour montrer que le Deep Learning c’est récent et qu’on ne comprend pas forcément tout (on parle souvent de boîte noire). Les gens ne sont pas forcément d’accord, et les gens exagèrent souvent quand ils montrent des choses nouvelles. Le principal c’est de tester avec et sans, de regarder les </a:t>
+            </a:r>
+            <a:r>
+              <a:rPr lang="fr-FR" dirty="0" err="1"/>
+              <a:t>loss</a:t>
+            </a:r>
+            <a:r>
+              <a:rPr lang="fr-FR" dirty="0"/>
+              <a:t> sur le validation set, et si le résultat est meilleur, garder la chose.</a:t>
+            </a:r>
+          </a:p>
+        </p:txBody>
+      </p:sp>
+      <p:sp>
+        <p:nvSpPr>
+          <p:cNvPr id="4" name="Slide Number Placeholder 3"/>
+          <p:cNvSpPr>
+            <a:spLocks noGrp="1"/>
+          </p:cNvSpPr>
+          <p:nvPr>
+            <p:ph type="sldNum" sz="quarter" idx="5"/>
+          </p:nvPr>
+        </p:nvSpPr>
+        <p:spPr/>
+        <p:txBody>
+          <a:bodyPr/>
+          <a:lstStyle/>
+          <a:p>
+            <a:fld id="{B2732108-1823-42F2-979D-D6CF9D74D210}" type="slidenum">
+              <a:rPr lang="en-US" smtClean="0"/>
+              <a:t>12</a:t>
+            </a:fld>
+            <a:endParaRPr lang="en-US"/>
+          </a:p>
+        </p:txBody>
+      </p:sp>
+    </p:spTree>
+    <p:extLst>
+      <p:ext uri="{BB962C8B-B14F-4D97-AF65-F5344CB8AC3E}">
+        <p14:creationId xmlns:p14="http://schemas.microsoft.com/office/powerpoint/2010/main" val="1420508572"/>
+      </p:ext>
+    </p:extLst>
+  </p:cSld>
+  <p:clrMapOvr>
+    <a:masterClrMapping/>
+  </p:clrMapOvr>
+</p:notes>
+</file>
+
+<file path=ppt/notesSlides/notesSlide9.xml><?xml version="1.0" encoding="utf-8"?>
+<p:notes xmlns:a="http://schemas.openxmlformats.org/drawingml/2006/main" xmlns:r="http://schemas.openxmlformats.org/officeDocument/2006/relationships" xmlns:p="http://schemas.openxmlformats.org/presentationml/2006/main">
+  <p:cSld>
+    <p:spTree>
+      <p:nvGrpSpPr>
+        <p:cNvPr id="1" name=""/>
+        <p:cNvGrpSpPr/>
+        <p:nvPr/>
+      </p:nvGrpSpPr>
+      <p:grpSpPr>
+        <a:xfrm>
+          <a:off x="0" y="0"/>
+          <a:ext cx="0" cy="0"/>
+          <a:chOff x="0" y="0"/>
+          <a:chExt cx="0" cy="0"/>
+        </a:xfrm>
+      </p:grpSpPr>
+      <p:sp>
+        <p:nvSpPr>
+          <p:cNvPr id="2" name="Slide Image Placeholder 1"/>
+          <p:cNvSpPr>
+            <a:spLocks noGrp="1" noRot="1" noChangeAspect="1"/>
+          </p:cNvSpPr>
+          <p:nvPr>
+            <p:ph type="sldImg"/>
+          </p:nvPr>
+        </p:nvSpPr>
+        <p:spPr/>
+      </p:sp>
+      <p:sp>
+        <p:nvSpPr>
+          <p:cNvPr id="3" name="Notes Placeholder 2"/>
+          <p:cNvSpPr>
+            <a:spLocks noGrp="1"/>
+          </p:cNvSpPr>
+          <p:nvPr>
+            <p:ph type="body" idx="1"/>
+          </p:nvPr>
+        </p:nvSpPr>
+        <p:spPr/>
+        <p:txBody>
+          <a:bodyPr/>
+          <a:lstStyle/>
+          <a:p>
+            <a:r>
+              <a:rPr lang="fr-FR" dirty="0"/>
+              <a:t>Deux screenshots pour montrer que le Deep Learning c’est récent et qu’on ne comprend pas forcément tout (on parle souvent de boîte noire). Les gens ne sont pas forcément d’accord, et les gens exagèrent souvent quand ils montrent des choses nouvelles. Le principal c’est de tester avec et sans, de regarder les </a:t>
+            </a:r>
+            <a:r>
+              <a:rPr lang="fr-FR" dirty="0" err="1"/>
+              <a:t>loss</a:t>
+            </a:r>
+            <a:r>
+              <a:rPr lang="fr-FR" dirty="0"/>
+              <a:t> sur le validation set, et si le résultat est meilleur, garder la chose.</a:t>
+            </a:r>
+          </a:p>
+        </p:txBody>
+      </p:sp>
+      <p:sp>
+        <p:nvSpPr>
+          <p:cNvPr id="4" name="Slide Number Placeholder 3"/>
+          <p:cNvSpPr>
+            <a:spLocks noGrp="1"/>
+          </p:cNvSpPr>
+          <p:nvPr>
+            <p:ph type="sldNum" sz="quarter" idx="5"/>
+          </p:nvPr>
+        </p:nvSpPr>
+        <p:spPr/>
+        <p:txBody>
+          <a:bodyPr/>
+          <a:lstStyle/>
+          <a:p>
+            <a:fld id="{B2732108-1823-42F2-979D-D6CF9D74D210}" type="slidenum">
+              <a:rPr lang="en-US" smtClean="0"/>
+              <a:t>13</a:t>
+            </a:fld>
+            <a:endParaRPr lang="en-US"/>
+          </a:p>
+        </p:txBody>
+      </p:sp>
+    </p:spTree>
+    <p:extLst>
+      <p:ext uri="{BB962C8B-B14F-4D97-AF65-F5344CB8AC3E}">
+        <p14:creationId xmlns:p14="http://schemas.microsoft.com/office/powerpoint/2010/main" val="2015812420"/>
+      </p:ext>
+    </p:extLst>
+  </p:cSld>
+  <p:clrMapOvr>
+    <a:masterClrMapping/>
+  </p:clrMapOvr>
+</p:notes>
+</file>
+
 <file path=ppt/slideLayouts/slideLayout1.xml><?xml version="1.0" encoding="utf-8"?>
 <p:sldLayout xmlns:a="http://schemas.openxmlformats.org/drawingml/2006/main" xmlns:r="http://schemas.openxmlformats.org/officeDocument/2006/relationships" xmlns:p="http://schemas.openxmlformats.org/presentationml/2006/main" type="title" preserve="1">
   <p:cSld name="Title Slide">
@@ -700,7 +1995,7 @@
           <a:p>
             <a:fld id="{4F06803B-D602-4C3D-AD5C-468F46C70933}" type="datetimeFigureOut">
               <a:rPr lang="en-US" smtClean="0"/>
-              <a:t>1/16/2023</a:t>
+              <a:t>1/17/2023</a:t>
             </a:fld>
             <a:endParaRPr lang="en-US"/>
           </a:p>
@@ -898,7 +2193,7 @@
           <a:p>
             <a:fld id="{4F06803B-D602-4C3D-AD5C-468F46C70933}" type="datetimeFigureOut">
               <a:rPr lang="en-US" smtClean="0"/>
-              <a:t>1/16/2023</a:t>
+              <a:t>1/17/2023</a:t>
             </a:fld>
             <a:endParaRPr lang="en-US"/>
           </a:p>
@@ -1106,7 +2401,7 @@
           <a:p>
             <a:fld id="{4F06803B-D602-4C3D-AD5C-468F46C70933}" type="datetimeFigureOut">
               <a:rPr lang="en-US" smtClean="0"/>
-              <a:t>1/16/2023</a:t>
+              <a:t>1/17/2023</a:t>
             </a:fld>
             <a:endParaRPr lang="en-US"/>
           </a:p>
@@ -1304,7 +2599,7 @@
           <a:p>
             <a:fld id="{4F06803B-D602-4C3D-AD5C-468F46C70933}" type="datetimeFigureOut">
               <a:rPr lang="en-US" smtClean="0"/>
-              <a:t>1/16/2023</a:t>
+              <a:t>1/17/2023</a:t>
             </a:fld>
             <a:endParaRPr lang="en-US"/>
           </a:p>
@@ -1579,7 +2874,7 @@
           <a:p>
             <a:fld id="{4F06803B-D602-4C3D-AD5C-468F46C70933}" type="datetimeFigureOut">
               <a:rPr lang="en-US" smtClean="0"/>
-              <a:t>1/16/2023</a:t>
+              <a:t>1/17/2023</a:t>
             </a:fld>
             <a:endParaRPr lang="en-US"/>
           </a:p>
@@ -1844,7 +3139,7 @@
           <a:p>
             <a:fld id="{4F06803B-D602-4C3D-AD5C-468F46C70933}" type="datetimeFigureOut">
               <a:rPr lang="en-US" smtClean="0"/>
-              <a:t>1/16/2023</a:t>
+              <a:t>1/17/2023</a:t>
             </a:fld>
             <a:endParaRPr lang="en-US"/>
           </a:p>
@@ -2256,7 +3551,7 @@
           <a:p>
             <a:fld id="{4F06803B-D602-4C3D-AD5C-468F46C70933}" type="datetimeFigureOut">
               <a:rPr lang="en-US" smtClean="0"/>
-              <a:t>1/16/2023</a:t>
+              <a:t>1/17/2023</a:t>
             </a:fld>
             <a:endParaRPr lang="en-US"/>
           </a:p>
@@ -2397,7 +3692,7 @@
           <a:p>
             <a:fld id="{4F06803B-D602-4C3D-AD5C-468F46C70933}" type="datetimeFigureOut">
               <a:rPr lang="en-US" smtClean="0"/>
-              <a:t>1/16/2023</a:t>
+              <a:t>1/17/2023</a:t>
             </a:fld>
             <a:endParaRPr lang="en-US"/>
           </a:p>
@@ -2510,7 +3805,7 @@
           <a:p>
             <a:fld id="{4F06803B-D602-4C3D-AD5C-468F46C70933}" type="datetimeFigureOut">
               <a:rPr lang="en-US" smtClean="0"/>
-              <a:t>1/16/2023</a:t>
+              <a:t>1/17/2023</a:t>
             </a:fld>
             <a:endParaRPr lang="en-US"/>
           </a:p>
@@ -2821,7 +4116,7 @@
           <a:p>
             <a:fld id="{4F06803B-D602-4C3D-AD5C-468F46C70933}" type="datetimeFigureOut">
               <a:rPr lang="en-US" smtClean="0"/>
-              <a:t>1/16/2023</a:t>
+              <a:t>1/17/2023</a:t>
             </a:fld>
             <a:endParaRPr lang="en-US"/>
           </a:p>
@@ -3109,7 +4404,7 @@
           <a:p>
             <a:fld id="{4F06803B-D602-4C3D-AD5C-468F46C70933}" type="datetimeFigureOut">
               <a:rPr lang="en-US" smtClean="0"/>
-              <a:t>1/16/2023</a:t>
+              <a:t>1/17/2023</a:t>
             </a:fld>
             <a:endParaRPr lang="en-US"/>
           </a:p>
@@ -3350,7 +4645,7 @@
           <a:p>
             <a:fld id="{4F06803B-D602-4C3D-AD5C-468F46C70933}" type="datetimeFigureOut">
               <a:rPr lang="en-US" smtClean="0"/>
-              <a:t>1/16/2023</a:t>
+              <a:t>1/17/2023</a:t>
             </a:fld>
             <a:endParaRPr lang="en-US"/>
           </a:p>
@@ -3841,6 +5136,1216 @@
   <p:clrMapOvr>
     <a:masterClrMapping/>
   </p:clrMapOvr>
+  <mc:AlternateContent xmlns:mc="http://schemas.openxmlformats.org/markup-compatibility/2006" xmlns:p14="http://schemas.microsoft.com/office/powerpoint/2010/main">
+    <mc:Choice Requires="p14">
+      <p:transition spd="med" p14:dur="700">
+        <p:fade/>
+      </p:transition>
+    </mc:Choice>
+    <mc:Fallback xmlns="">
+      <p:transition spd="med">
+        <p:fade/>
+      </p:transition>
+    </mc:Fallback>
+  </mc:AlternateContent>
+</p:sld>
+</file>
+
+<file path=ppt/slides/slide10.xml><?xml version="1.0" encoding="utf-8"?>
+<p:sld xmlns:a="http://schemas.openxmlformats.org/drawingml/2006/main" xmlns:r="http://schemas.openxmlformats.org/officeDocument/2006/relationships" xmlns:p="http://schemas.openxmlformats.org/presentationml/2006/main">
+  <p:cSld>
+    <p:spTree>
+      <p:nvGrpSpPr>
+        <p:cNvPr id="1" name=""/>
+        <p:cNvGrpSpPr/>
+        <p:nvPr/>
+      </p:nvGrpSpPr>
+      <p:grpSpPr>
+        <a:xfrm>
+          <a:off x="0" y="0"/>
+          <a:ext cx="0" cy="0"/>
+          <a:chOff x="0" y="0"/>
+          <a:chExt cx="0" cy="0"/>
+        </a:xfrm>
+      </p:grpSpPr>
+      <p:sp>
+        <p:nvSpPr>
+          <p:cNvPr id="5" name="Title 4">
+            <a:extLst>
+              <a:ext uri="{FF2B5EF4-FFF2-40B4-BE49-F238E27FC236}">
+                <a16:creationId xmlns:a16="http://schemas.microsoft.com/office/drawing/2014/main" id="{64213D2F-A106-3319-AA98-37F0C11F906C}"/>
+              </a:ext>
+            </a:extLst>
+          </p:cNvPr>
+          <p:cNvSpPr>
+            <a:spLocks noGrp="1"/>
+          </p:cNvSpPr>
+          <p:nvPr>
+            <p:ph type="title"/>
+          </p:nvPr>
+        </p:nvSpPr>
+        <p:spPr>
+          <a:xfrm>
+            <a:off x="838200" y="2766218"/>
+            <a:ext cx="10515600" cy="1325563"/>
+          </a:xfrm>
+        </p:spPr>
+        <p:txBody>
+          <a:bodyPr>
+            <a:normAutofit/>
+          </a:bodyPr>
+          <a:lstStyle/>
+          <a:p>
+            <a:pPr algn="ctr"/>
+            <a:r>
+              <a:rPr lang="en-US" dirty="0"/>
+              <a:t>We will explore different optimizers, different learning rates schedulers in TD no worries!</a:t>
+            </a:r>
+          </a:p>
+        </p:txBody>
+      </p:sp>
+    </p:spTree>
+    <p:extLst>
+      <p:ext uri="{BB962C8B-B14F-4D97-AF65-F5344CB8AC3E}">
+        <p14:creationId xmlns:p14="http://schemas.microsoft.com/office/powerpoint/2010/main" val="661986199"/>
+      </p:ext>
+    </p:extLst>
+  </p:cSld>
+  <p:clrMapOvr>
+    <a:masterClrMapping/>
+  </p:clrMapOvr>
+  <mc:AlternateContent xmlns:mc="http://schemas.openxmlformats.org/markup-compatibility/2006" xmlns:p14="http://schemas.microsoft.com/office/powerpoint/2010/main">
+    <mc:Choice Requires="p14">
+      <p:transition spd="med" p14:dur="700">
+        <p:fade/>
+      </p:transition>
+    </mc:Choice>
+    <mc:Fallback xmlns="">
+      <p:transition spd="med">
+        <p:fade/>
+      </p:transition>
+    </mc:Fallback>
+  </mc:AlternateContent>
+</p:sld>
+</file>
+
+<file path=ppt/slides/slide11.xml><?xml version="1.0" encoding="utf-8"?>
+<p:sld xmlns:a="http://schemas.openxmlformats.org/drawingml/2006/main" xmlns:r="http://schemas.openxmlformats.org/officeDocument/2006/relationships" xmlns:p="http://schemas.openxmlformats.org/presentationml/2006/main">
+  <p:cSld>
+    <p:spTree>
+      <p:nvGrpSpPr>
+        <p:cNvPr id="1" name=""/>
+        <p:cNvGrpSpPr/>
+        <p:nvPr/>
+      </p:nvGrpSpPr>
+      <p:grpSpPr>
+        <a:xfrm>
+          <a:off x="0" y="0"/>
+          <a:ext cx="0" cy="0"/>
+          <a:chOff x="0" y="0"/>
+          <a:chExt cx="0" cy="0"/>
+        </a:xfrm>
+      </p:grpSpPr>
+      <p:sp>
+        <p:nvSpPr>
+          <p:cNvPr id="5" name="Title 4">
+            <a:extLst>
+              <a:ext uri="{FF2B5EF4-FFF2-40B4-BE49-F238E27FC236}">
+                <a16:creationId xmlns:a16="http://schemas.microsoft.com/office/drawing/2014/main" id="{64213D2F-A106-3319-AA98-37F0C11F906C}"/>
+              </a:ext>
+            </a:extLst>
+          </p:cNvPr>
+          <p:cNvSpPr>
+            <a:spLocks noGrp="1"/>
+          </p:cNvSpPr>
+          <p:nvPr>
+            <p:ph type="title"/>
+          </p:nvPr>
+        </p:nvSpPr>
+        <p:spPr/>
+        <p:txBody>
+          <a:bodyPr/>
+          <a:lstStyle/>
+          <a:p>
+            <a:r>
+              <a:rPr lang="en-US" dirty="0"/>
+              <a:t>Gradient clipping</a:t>
+            </a:r>
+          </a:p>
+        </p:txBody>
+      </p:sp>
+      <p:pic>
+        <p:nvPicPr>
+          <p:cNvPr id="6" name="Picture 5">
+            <a:extLst>
+              <a:ext uri="{FF2B5EF4-FFF2-40B4-BE49-F238E27FC236}">
+                <a16:creationId xmlns:a16="http://schemas.microsoft.com/office/drawing/2014/main" id="{CDE4B2F0-F9B2-4AD7-222E-0E3C4392E1CF}"/>
+              </a:ext>
+            </a:extLst>
+          </p:cNvPr>
+          <p:cNvPicPr>
+            <a:picLocks noChangeAspect="1"/>
+          </p:cNvPicPr>
+          <p:nvPr/>
+        </p:nvPicPr>
+        <p:blipFill>
+          <a:blip r:embed="rId3"/>
+          <a:stretch>
+            <a:fillRect/>
+          </a:stretch>
+        </p:blipFill>
+        <p:spPr>
+          <a:xfrm>
+            <a:off x="3510651" y="1690688"/>
+            <a:ext cx="5170698" cy="2537174"/>
+          </a:xfrm>
+          <a:prstGeom prst="rect">
+            <a:avLst/>
+          </a:prstGeom>
+        </p:spPr>
+      </p:pic>
+      <p:pic>
+        <p:nvPicPr>
+          <p:cNvPr id="9" name="Picture 8">
+            <a:extLst>
+              <a:ext uri="{FF2B5EF4-FFF2-40B4-BE49-F238E27FC236}">
+                <a16:creationId xmlns:a16="http://schemas.microsoft.com/office/drawing/2014/main" id="{1C8C3BFC-5F01-650E-22B0-C6A1FE3E087C}"/>
+              </a:ext>
+            </a:extLst>
+          </p:cNvPr>
+          <p:cNvPicPr>
+            <a:picLocks noChangeAspect="1"/>
+          </p:cNvPicPr>
+          <p:nvPr/>
+        </p:nvPicPr>
+        <p:blipFill>
+          <a:blip r:embed="rId4"/>
+          <a:stretch>
+            <a:fillRect/>
+          </a:stretch>
+        </p:blipFill>
+        <p:spPr>
+          <a:xfrm>
+            <a:off x="3216019" y="4557645"/>
+            <a:ext cx="5759961" cy="1731565"/>
+          </a:xfrm>
+          <a:prstGeom prst="rect">
+            <a:avLst/>
+          </a:prstGeom>
+        </p:spPr>
+      </p:pic>
+    </p:spTree>
+    <p:extLst>
+      <p:ext uri="{BB962C8B-B14F-4D97-AF65-F5344CB8AC3E}">
+        <p14:creationId xmlns:p14="http://schemas.microsoft.com/office/powerpoint/2010/main" val="3556231572"/>
+      </p:ext>
+    </p:extLst>
+  </p:cSld>
+  <p:clrMapOvr>
+    <a:masterClrMapping/>
+  </p:clrMapOvr>
+  <mc:AlternateContent xmlns:mc="http://schemas.openxmlformats.org/markup-compatibility/2006" xmlns:p14="http://schemas.microsoft.com/office/powerpoint/2010/main">
+    <mc:Choice Requires="p14">
+      <p:transition spd="med" p14:dur="700">
+        <p:fade/>
+      </p:transition>
+    </mc:Choice>
+    <mc:Fallback xmlns="">
+      <p:transition spd="med">
+        <p:fade/>
+      </p:transition>
+    </mc:Fallback>
+  </mc:AlternateContent>
+  <p:timing>
+    <p:tnLst>
+      <p:par>
+        <p:cTn id="1" dur="indefinite" restart="never" nodeType="tmRoot">
+          <p:childTnLst>
+            <p:seq concurrent="1" nextAc="seek">
+              <p:cTn id="2" dur="indefinite" nodeType="mainSeq">
+                <p:childTnLst>
+                  <p:par>
+                    <p:cTn id="3" fill="hold">
+                      <p:stCondLst>
+                        <p:cond delay="indefinite"/>
+                      </p:stCondLst>
+                      <p:childTnLst>
+                        <p:par>
+                          <p:cTn id="4" fill="hold">
+                            <p:stCondLst>
+                              <p:cond delay="0"/>
+                            </p:stCondLst>
+                            <p:childTnLst>
+                              <p:par>
+                                <p:cTn id="5" presetID="10" presetClass="entr" presetSubtype="0" fill="hold" nodeType="clickEffect">
+                                  <p:stCondLst>
+                                    <p:cond delay="0"/>
+                                  </p:stCondLst>
+                                  <p:childTnLst>
+                                    <p:set>
+                                      <p:cBhvr>
+                                        <p:cTn id="6" dur="1" fill="hold">
+                                          <p:stCondLst>
+                                            <p:cond delay="0"/>
+                                          </p:stCondLst>
+                                        </p:cTn>
+                                        <p:tgtEl>
+                                          <p:spTgt spid="6"/>
+                                        </p:tgtEl>
+                                        <p:attrNameLst>
+                                          <p:attrName>style.visibility</p:attrName>
+                                        </p:attrNameLst>
+                                      </p:cBhvr>
+                                      <p:to>
+                                        <p:strVal val="visible"/>
+                                      </p:to>
+                                    </p:set>
+                                    <p:animEffect transition="in" filter="fade">
+                                      <p:cBhvr>
+                                        <p:cTn id="7" dur="500"/>
+                                        <p:tgtEl>
+                                          <p:spTgt spid="6"/>
+                                        </p:tgtEl>
+                                      </p:cBhvr>
+                                    </p:animEffect>
+                                  </p:childTnLst>
+                                </p:cTn>
+                              </p:par>
+                            </p:childTnLst>
+                          </p:cTn>
+                        </p:par>
+                      </p:childTnLst>
+                    </p:cTn>
+                  </p:par>
+                  <p:par>
+                    <p:cTn id="8" fill="hold">
+                      <p:stCondLst>
+                        <p:cond delay="indefinite"/>
+                      </p:stCondLst>
+                      <p:childTnLst>
+                        <p:par>
+                          <p:cTn id="9" fill="hold">
+                            <p:stCondLst>
+                              <p:cond delay="0"/>
+                            </p:stCondLst>
+                            <p:childTnLst>
+                              <p:par>
+                                <p:cTn id="10" presetID="10" presetClass="entr" presetSubtype="0" fill="hold" nodeType="clickEffect">
+                                  <p:stCondLst>
+                                    <p:cond delay="0"/>
+                                  </p:stCondLst>
+                                  <p:childTnLst>
+                                    <p:set>
+                                      <p:cBhvr>
+                                        <p:cTn id="11" dur="1" fill="hold">
+                                          <p:stCondLst>
+                                            <p:cond delay="0"/>
+                                          </p:stCondLst>
+                                        </p:cTn>
+                                        <p:tgtEl>
+                                          <p:spTgt spid="9"/>
+                                        </p:tgtEl>
+                                        <p:attrNameLst>
+                                          <p:attrName>style.visibility</p:attrName>
+                                        </p:attrNameLst>
+                                      </p:cBhvr>
+                                      <p:to>
+                                        <p:strVal val="visible"/>
+                                      </p:to>
+                                    </p:set>
+                                    <p:animEffect transition="in" filter="fade">
+                                      <p:cBhvr>
+                                        <p:cTn id="12" dur="500"/>
+                                        <p:tgtEl>
+                                          <p:spTgt spid="9"/>
+                                        </p:tgtEl>
+                                      </p:cBhvr>
+                                    </p:animEffect>
+                                  </p:childTnLst>
+                                </p:cTn>
+                              </p:par>
+                            </p:childTnLst>
+                          </p:cTn>
+                        </p:par>
+                      </p:childTnLst>
+                    </p:cTn>
+                  </p:par>
+                </p:childTnLst>
+              </p:cTn>
+              <p:prevCondLst>
+                <p:cond evt="onPrev" delay="0">
+                  <p:tgtEl>
+                    <p:sldTgt/>
+                  </p:tgtEl>
+                </p:cond>
+              </p:prevCondLst>
+              <p:nextCondLst>
+                <p:cond evt="onNext" delay="0">
+                  <p:tgtEl>
+                    <p:sldTgt/>
+                  </p:tgtEl>
+                </p:cond>
+              </p:nextCondLst>
+            </p:seq>
+          </p:childTnLst>
+        </p:cTn>
+      </p:par>
+    </p:tnLst>
+  </p:timing>
+</p:sld>
+</file>
+
+<file path=ppt/slides/slide12.xml><?xml version="1.0" encoding="utf-8"?>
+<p:sld xmlns:a="http://schemas.openxmlformats.org/drawingml/2006/main" xmlns:r="http://schemas.openxmlformats.org/officeDocument/2006/relationships" xmlns:p="http://schemas.openxmlformats.org/presentationml/2006/main">
+  <p:cSld>
+    <p:spTree>
+      <p:nvGrpSpPr>
+        <p:cNvPr id="1" name=""/>
+        <p:cNvGrpSpPr/>
+        <p:nvPr/>
+      </p:nvGrpSpPr>
+      <p:grpSpPr>
+        <a:xfrm>
+          <a:off x="0" y="0"/>
+          <a:ext cx="0" cy="0"/>
+          <a:chOff x="0" y="0"/>
+          <a:chExt cx="0" cy="0"/>
+        </a:xfrm>
+      </p:grpSpPr>
+      <p:sp>
+        <p:nvSpPr>
+          <p:cNvPr id="5" name="Title 4">
+            <a:extLst>
+              <a:ext uri="{FF2B5EF4-FFF2-40B4-BE49-F238E27FC236}">
+                <a16:creationId xmlns:a16="http://schemas.microsoft.com/office/drawing/2014/main" id="{64213D2F-A106-3319-AA98-37F0C11F906C}"/>
+              </a:ext>
+            </a:extLst>
+          </p:cNvPr>
+          <p:cNvSpPr>
+            <a:spLocks noGrp="1"/>
+          </p:cNvSpPr>
+          <p:nvPr>
+            <p:ph type="title"/>
+          </p:nvPr>
+        </p:nvSpPr>
+        <p:spPr/>
+        <p:txBody>
+          <a:bodyPr/>
+          <a:lstStyle/>
+          <a:p>
+            <a:r>
+              <a:rPr lang="en-US" dirty="0"/>
+              <a:t>Batch normalization</a:t>
+            </a:r>
+          </a:p>
+        </p:txBody>
+      </p:sp>
+      <p:pic>
+        <p:nvPicPr>
+          <p:cNvPr id="3" name="Picture 2">
+            <a:extLst>
+              <a:ext uri="{FF2B5EF4-FFF2-40B4-BE49-F238E27FC236}">
+                <a16:creationId xmlns:a16="http://schemas.microsoft.com/office/drawing/2014/main" id="{9989CB35-2511-2A40-4342-F0BD32107E37}"/>
+              </a:ext>
+            </a:extLst>
+          </p:cNvPr>
+          <p:cNvPicPr>
+            <a:picLocks noChangeAspect="1"/>
+          </p:cNvPicPr>
+          <p:nvPr/>
+        </p:nvPicPr>
+        <p:blipFill>
+          <a:blip r:embed="rId3"/>
+          <a:stretch>
+            <a:fillRect/>
+          </a:stretch>
+        </p:blipFill>
+        <p:spPr>
+          <a:xfrm>
+            <a:off x="294251" y="2261100"/>
+            <a:ext cx="6180291" cy="2893781"/>
+          </a:xfrm>
+          <a:prstGeom prst="rect">
+            <a:avLst/>
+          </a:prstGeom>
+        </p:spPr>
+      </p:pic>
+      <p:pic>
+        <p:nvPicPr>
+          <p:cNvPr id="7" name="Picture 6">
+            <a:extLst>
+              <a:ext uri="{FF2B5EF4-FFF2-40B4-BE49-F238E27FC236}">
+                <a16:creationId xmlns:a16="http://schemas.microsoft.com/office/drawing/2014/main" id="{BC5D9F31-37A7-5AA2-F345-7722CDE7BFC8}"/>
+              </a:ext>
+            </a:extLst>
+          </p:cNvPr>
+          <p:cNvPicPr>
+            <a:picLocks noChangeAspect="1"/>
+          </p:cNvPicPr>
+          <p:nvPr/>
+        </p:nvPicPr>
+        <p:blipFill>
+          <a:blip r:embed="rId4"/>
+          <a:stretch>
+            <a:fillRect/>
+          </a:stretch>
+        </p:blipFill>
+        <p:spPr>
+          <a:xfrm>
+            <a:off x="6473222" y="504803"/>
+            <a:ext cx="5424527" cy="5848393"/>
+          </a:xfrm>
+          <a:prstGeom prst="rect">
+            <a:avLst/>
+          </a:prstGeom>
+        </p:spPr>
+      </p:pic>
+      <mc:AlternateContent xmlns:mc="http://schemas.openxmlformats.org/markup-compatibility/2006" xmlns:p14="http://schemas.microsoft.com/office/powerpoint/2010/main">
+        <mc:Choice Requires="p14">
+          <p:contentPart p14:bwMode="auto" r:id="rId5">
+            <p14:nvContentPartPr>
+              <p14:cNvPr id="10" name="Ink 9">
+                <a:extLst>
+                  <a:ext uri="{FF2B5EF4-FFF2-40B4-BE49-F238E27FC236}">
+                    <a16:creationId xmlns:a16="http://schemas.microsoft.com/office/drawing/2014/main" id="{AC9566AA-6571-CEFA-2C92-038FD040E00B}"/>
+                  </a:ext>
+                </a:extLst>
+              </p14:cNvPr>
+              <p14:cNvContentPartPr/>
+              <p14:nvPr/>
+            </p14:nvContentPartPr>
+            <p14:xfrm>
+              <a:off x="3803354" y="2800150"/>
+              <a:ext cx="1828800" cy="360"/>
+            </p14:xfrm>
+          </p:contentPart>
+        </mc:Choice>
+        <mc:Fallback xmlns="">
+          <p:pic>
+            <p:nvPicPr>
+              <p:cNvPr id="10" name="Ink 9">
+                <a:extLst>
+                  <a:ext uri="{FF2B5EF4-FFF2-40B4-BE49-F238E27FC236}">
+                    <a16:creationId xmlns:a16="http://schemas.microsoft.com/office/drawing/2014/main" id="{AC9566AA-6571-CEFA-2C92-038FD040E00B}"/>
+                  </a:ext>
+                </a:extLst>
+              </p:cNvPr>
+              <p:cNvPicPr/>
+              <p:nvPr/>
+            </p:nvPicPr>
+            <p:blipFill>
+              <a:blip r:embed="rId6"/>
+              <a:stretch>
+                <a:fillRect/>
+              </a:stretch>
+            </p:blipFill>
+            <p:spPr>
+              <a:xfrm>
+                <a:off x="3767714" y="2764510"/>
+                <a:ext cx="1900440" cy="72000"/>
+              </a:xfrm>
+              <a:prstGeom prst="rect">
+                <a:avLst/>
+              </a:prstGeom>
+            </p:spPr>
+          </p:pic>
+        </mc:Fallback>
+      </mc:AlternateContent>
+      <mc:AlternateContent xmlns:mc="http://schemas.openxmlformats.org/markup-compatibility/2006" xmlns:p14="http://schemas.microsoft.com/office/powerpoint/2010/main">
+        <mc:Choice Requires="p14">
+          <p:contentPart p14:bwMode="auto" r:id="rId7">
+            <p14:nvContentPartPr>
+              <p14:cNvPr id="11" name="Ink 10">
+                <a:extLst>
+                  <a:ext uri="{FF2B5EF4-FFF2-40B4-BE49-F238E27FC236}">
+                    <a16:creationId xmlns:a16="http://schemas.microsoft.com/office/drawing/2014/main" id="{ADB44998-334A-71DE-C7C6-D0EACC338544}"/>
+                  </a:ext>
+                </a:extLst>
+              </p14:cNvPr>
+              <p14:cNvContentPartPr/>
+              <p14:nvPr/>
+            </p14:nvContentPartPr>
+            <p14:xfrm>
+              <a:off x="545354" y="3309190"/>
+              <a:ext cx="5175360" cy="360"/>
+            </p14:xfrm>
+          </p:contentPart>
+        </mc:Choice>
+        <mc:Fallback xmlns="">
+          <p:pic>
+            <p:nvPicPr>
+              <p:cNvPr id="11" name="Ink 10">
+                <a:extLst>
+                  <a:ext uri="{FF2B5EF4-FFF2-40B4-BE49-F238E27FC236}">
+                    <a16:creationId xmlns:a16="http://schemas.microsoft.com/office/drawing/2014/main" id="{ADB44998-334A-71DE-C7C6-D0EACC338544}"/>
+                  </a:ext>
+                </a:extLst>
+              </p:cNvPr>
+              <p:cNvPicPr/>
+              <p:nvPr/>
+            </p:nvPicPr>
+            <p:blipFill>
+              <a:blip r:embed="rId8"/>
+              <a:stretch>
+                <a:fillRect/>
+              </a:stretch>
+            </p:blipFill>
+            <p:spPr>
+              <a:xfrm>
+                <a:off x="509714" y="3273190"/>
+                <a:ext cx="5247000" cy="72000"/>
+              </a:xfrm>
+              <a:prstGeom prst="rect">
+                <a:avLst/>
+              </a:prstGeom>
+            </p:spPr>
+          </p:pic>
+        </mc:Fallback>
+      </mc:AlternateContent>
+      <mc:AlternateContent xmlns:mc="http://schemas.openxmlformats.org/markup-compatibility/2006" xmlns:p14="http://schemas.microsoft.com/office/powerpoint/2010/main">
+        <mc:Choice Requires="p14">
+          <p:contentPart p14:bwMode="auto" r:id="rId9">
+            <p14:nvContentPartPr>
+              <p14:cNvPr id="12" name="Ink 11">
+                <a:extLst>
+                  <a:ext uri="{FF2B5EF4-FFF2-40B4-BE49-F238E27FC236}">
+                    <a16:creationId xmlns:a16="http://schemas.microsoft.com/office/drawing/2014/main" id="{B6D93A50-0108-EA0C-72B5-E77254DF372D}"/>
+                  </a:ext>
+                </a:extLst>
+              </p14:cNvPr>
+              <p14:cNvContentPartPr/>
+              <p14:nvPr/>
+            </p14:nvContentPartPr>
+            <p14:xfrm>
+              <a:off x="501434" y="3781150"/>
+              <a:ext cx="1078560" cy="360"/>
+            </p14:xfrm>
+          </p:contentPart>
+        </mc:Choice>
+        <mc:Fallback xmlns="">
+          <p:pic>
+            <p:nvPicPr>
+              <p:cNvPr id="12" name="Ink 11">
+                <a:extLst>
+                  <a:ext uri="{FF2B5EF4-FFF2-40B4-BE49-F238E27FC236}">
+                    <a16:creationId xmlns:a16="http://schemas.microsoft.com/office/drawing/2014/main" id="{B6D93A50-0108-EA0C-72B5-E77254DF372D}"/>
+                  </a:ext>
+                </a:extLst>
+              </p:cNvPr>
+              <p:cNvPicPr/>
+              <p:nvPr/>
+            </p:nvPicPr>
+            <p:blipFill>
+              <a:blip r:embed="rId10"/>
+              <a:stretch>
+                <a:fillRect/>
+              </a:stretch>
+            </p:blipFill>
+            <p:spPr>
+              <a:xfrm>
+                <a:off x="465794" y="3745150"/>
+                <a:ext cx="1150200" cy="72000"/>
+              </a:xfrm>
+              <a:prstGeom prst="rect">
+                <a:avLst/>
+              </a:prstGeom>
+            </p:spPr>
+          </p:pic>
+        </mc:Fallback>
+      </mc:AlternateContent>
+      <mc:AlternateContent xmlns:mc="http://schemas.openxmlformats.org/markup-compatibility/2006" xmlns:p14="http://schemas.microsoft.com/office/powerpoint/2010/main">
+        <mc:Choice Requires="p14">
+          <p:contentPart p14:bwMode="auto" r:id="rId11">
+            <p14:nvContentPartPr>
+              <p14:cNvPr id="13" name="Ink 12">
+                <a:extLst>
+                  <a:ext uri="{FF2B5EF4-FFF2-40B4-BE49-F238E27FC236}">
+                    <a16:creationId xmlns:a16="http://schemas.microsoft.com/office/drawing/2014/main" id="{E8A48EAB-991E-8B06-B2D2-9B5013E0C07D}"/>
+                  </a:ext>
+                </a:extLst>
+              </p14:cNvPr>
+              <p14:cNvContentPartPr/>
+              <p14:nvPr/>
+            </p14:nvContentPartPr>
+            <p14:xfrm>
+              <a:off x="6636554" y="2837230"/>
+              <a:ext cx="4629240" cy="360"/>
+            </p14:xfrm>
+          </p:contentPart>
+        </mc:Choice>
+        <mc:Fallback xmlns="">
+          <p:pic>
+            <p:nvPicPr>
+              <p:cNvPr id="13" name="Ink 12">
+                <a:extLst>
+                  <a:ext uri="{FF2B5EF4-FFF2-40B4-BE49-F238E27FC236}">
+                    <a16:creationId xmlns:a16="http://schemas.microsoft.com/office/drawing/2014/main" id="{E8A48EAB-991E-8B06-B2D2-9B5013E0C07D}"/>
+                  </a:ext>
+                </a:extLst>
+              </p:cNvPr>
+              <p:cNvPicPr/>
+              <p:nvPr/>
+            </p:nvPicPr>
+            <p:blipFill>
+              <a:blip r:embed="rId12"/>
+              <a:stretch>
+                <a:fillRect/>
+              </a:stretch>
+            </p:blipFill>
+            <p:spPr>
+              <a:xfrm>
+                <a:off x="6600554" y="2801230"/>
+                <a:ext cx="4700880" cy="72000"/>
+              </a:xfrm>
+              <a:prstGeom prst="rect">
+                <a:avLst/>
+              </a:prstGeom>
+            </p:spPr>
+          </p:pic>
+        </mc:Fallback>
+      </mc:AlternateContent>
+      <mc:AlternateContent xmlns:mc="http://schemas.openxmlformats.org/markup-compatibility/2006" xmlns:p14="http://schemas.microsoft.com/office/powerpoint/2010/main">
+        <mc:Choice Requires="p14">
+          <p:contentPart p14:bwMode="auto" r:id="rId13">
+            <p14:nvContentPartPr>
+              <p14:cNvPr id="15" name="Ink 14">
+                <a:extLst>
+                  <a:ext uri="{FF2B5EF4-FFF2-40B4-BE49-F238E27FC236}">
+                    <a16:creationId xmlns:a16="http://schemas.microsoft.com/office/drawing/2014/main" id="{9DA5BBFB-74C3-60AF-271E-E1281C43FCE9}"/>
+                  </a:ext>
+                </a:extLst>
+              </p14:cNvPr>
+              <p14:cNvContentPartPr/>
+              <p14:nvPr/>
+            </p14:nvContentPartPr>
+            <p14:xfrm>
+              <a:off x="10117034" y="4135030"/>
+              <a:ext cx="1296720" cy="360"/>
+            </p14:xfrm>
+          </p:contentPart>
+        </mc:Choice>
+        <mc:Fallback xmlns="">
+          <p:pic>
+            <p:nvPicPr>
+              <p:cNvPr id="15" name="Ink 14">
+                <a:extLst>
+                  <a:ext uri="{FF2B5EF4-FFF2-40B4-BE49-F238E27FC236}">
+                    <a16:creationId xmlns:a16="http://schemas.microsoft.com/office/drawing/2014/main" id="{9DA5BBFB-74C3-60AF-271E-E1281C43FCE9}"/>
+                  </a:ext>
+                </a:extLst>
+              </p:cNvPr>
+              <p:cNvPicPr/>
+              <p:nvPr/>
+            </p:nvPicPr>
+            <p:blipFill>
+              <a:blip r:embed="rId14"/>
+              <a:stretch>
+                <a:fillRect/>
+              </a:stretch>
+            </p:blipFill>
+            <p:spPr>
+              <a:xfrm>
+                <a:off x="10081394" y="4099390"/>
+                <a:ext cx="1368360" cy="72000"/>
+              </a:xfrm>
+              <a:prstGeom prst="rect">
+                <a:avLst/>
+              </a:prstGeom>
+            </p:spPr>
+          </p:pic>
+        </mc:Fallback>
+      </mc:AlternateContent>
+      <mc:AlternateContent xmlns:mc="http://schemas.openxmlformats.org/markup-compatibility/2006" xmlns:p14="http://schemas.microsoft.com/office/powerpoint/2010/main">
+        <mc:Choice Requires="p14">
+          <p:contentPart p14:bwMode="auto" r:id="rId15">
+            <p14:nvContentPartPr>
+              <p14:cNvPr id="16" name="Ink 15">
+                <a:extLst>
+                  <a:ext uri="{FF2B5EF4-FFF2-40B4-BE49-F238E27FC236}">
+                    <a16:creationId xmlns:a16="http://schemas.microsoft.com/office/drawing/2014/main" id="{4F6EA85A-0EC2-3D5C-FB25-3080E2C7A6C0}"/>
+                  </a:ext>
+                </a:extLst>
+              </p14:cNvPr>
+              <p14:cNvContentPartPr/>
+              <p14:nvPr/>
+            </p14:nvContentPartPr>
+            <p14:xfrm>
+              <a:off x="6636554" y="4503670"/>
+              <a:ext cx="4461840" cy="360"/>
+            </p14:xfrm>
+          </p:contentPart>
+        </mc:Choice>
+        <mc:Fallback xmlns="">
+          <p:pic>
+            <p:nvPicPr>
+              <p:cNvPr id="16" name="Ink 15">
+                <a:extLst>
+                  <a:ext uri="{FF2B5EF4-FFF2-40B4-BE49-F238E27FC236}">
+                    <a16:creationId xmlns:a16="http://schemas.microsoft.com/office/drawing/2014/main" id="{4F6EA85A-0EC2-3D5C-FB25-3080E2C7A6C0}"/>
+                  </a:ext>
+                </a:extLst>
+              </p:cNvPr>
+              <p:cNvPicPr/>
+              <p:nvPr/>
+            </p:nvPicPr>
+            <p:blipFill>
+              <a:blip r:embed="rId16"/>
+              <a:stretch>
+                <a:fillRect/>
+              </a:stretch>
+            </p:blipFill>
+            <p:spPr>
+              <a:xfrm>
+                <a:off x="6600554" y="4468030"/>
+                <a:ext cx="4533480" cy="72000"/>
+              </a:xfrm>
+              <a:prstGeom prst="rect">
+                <a:avLst/>
+              </a:prstGeom>
+            </p:spPr>
+          </p:pic>
+        </mc:Fallback>
+      </mc:AlternateContent>
+      <mc:AlternateContent xmlns:mc="http://schemas.openxmlformats.org/markup-compatibility/2006" xmlns:p14="http://schemas.microsoft.com/office/powerpoint/2010/main">
+        <mc:Choice Requires="p14">
+          <p:contentPart p14:bwMode="auto" r:id="rId17">
+            <p14:nvContentPartPr>
+              <p14:cNvPr id="17" name="Ink 16">
+                <a:extLst>
+                  <a:ext uri="{FF2B5EF4-FFF2-40B4-BE49-F238E27FC236}">
+                    <a16:creationId xmlns:a16="http://schemas.microsoft.com/office/drawing/2014/main" id="{60B6F88E-CAA3-53BB-311D-0FD7C0366B58}"/>
+                  </a:ext>
+                </a:extLst>
+              </p14:cNvPr>
+              <p14:cNvContentPartPr/>
+              <p14:nvPr/>
+            </p14:nvContentPartPr>
+            <p14:xfrm>
+              <a:off x="6651674" y="4769350"/>
+              <a:ext cx="4776480" cy="360"/>
+            </p14:xfrm>
+          </p:contentPart>
+        </mc:Choice>
+        <mc:Fallback xmlns="">
+          <p:pic>
+            <p:nvPicPr>
+              <p:cNvPr id="17" name="Ink 16">
+                <a:extLst>
+                  <a:ext uri="{FF2B5EF4-FFF2-40B4-BE49-F238E27FC236}">
+                    <a16:creationId xmlns:a16="http://schemas.microsoft.com/office/drawing/2014/main" id="{60B6F88E-CAA3-53BB-311D-0FD7C0366B58}"/>
+                  </a:ext>
+                </a:extLst>
+              </p:cNvPr>
+              <p:cNvPicPr/>
+              <p:nvPr/>
+            </p:nvPicPr>
+            <p:blipFill>
+              <a:blip r:embed="rId18"/>
+              <a:stretch>
+                <a:fillRect/>
+              </a:stretch>
+            </p:blipFill>
+            <p:spPr>
+              <a:xfrm>
+                <a:off x="6615674" y="4733350"/>
+                <a:ext cx="4848120" cy="72000"/>
+              </a:xfrm>
+              <a:prstGeom prst="rect">
+                <a:avLst/>
+              </a:prstGeom>
+            </p:spPr>
+          </p:pic>
+        </mc:Fallback>
+      </mc:AlternateContent>
+      <mc:AlternateContent xmlns:mc="http://schemas.openxmlformats.org/markup-compatibility/2006" xmlns:p14="http://schemas.microsoft.com/office/powerpoint/2010/main">
+        <mc:Choice Requires="p14">
+          <p:contentPart p14:bwMode="auto" r:id="rId19">
+            <p14:nvContentPartPr>
+              <p14:cNvPr id="18" name="Ink 17">
+                <a:extLst>
+                  <a:ext uri="{FF2B5EF4-FFF2-40B4-BE49-F238E27FC236}">
+                    <a16:creationId xmlns:a16="http://schemas.microsoft.com/office/drawing/2014/main" id="{5C3DA580-FDAC-1961-6BBB-4EDA38157996}"/>
+                  </a:ext>
+                </a:extLst>
+              </p14:cNvPr>
+              <p14:cNvContentPartPr/>
+              <p14:nvPr/>
+            </p14:nvContentPartPr>
+            <p14:xfrm>
+              <a:off x="6577514" y="5137990"/>
+              <a:ext cx="4240080" cy="360"/>
+            </p14:xfrm>
+          </p:contentPart>
+        </mc:Choice>
+        <mc:Fallback xmlns="">
+          <p:pic>
+            <p:nvPicPr>
+              <p:cNvPr id="18" name="Ink 17">
+                <a:extLst>
+                  <a:ext uri="{FF2B5EF4-FFF2-40B4-BE49-F238E27FC236}">
+                    <a16:creationId xmlns:a16="http://schemas.microsoft.com/office/drawing/2014/main" id="{5C3DA580-FDAC-1961-6BBB-4EDA38157996}"/>
+                  </a:ext>
+                </a:extLst>
+              </p:cNvPr>
+              <p:cNvPicPr/>
+              <p:nvPr/>
+            </p:nvPicPr>
+            <p:blipFill>
+              <a:blip r:embed="rId20"/>
+              <a:stretch>
+                <a:fillRect/>
+              </a:stretch>
+            </p:blipFill>
+            <p:spPr>
+              <a:xfrm>
+                <a:off x="6541514" y="5101990"/>
+                <a:ext cx="4311720" cy="72000"/>
+              </a:xfrm>
+              <a:prstGeom prst="rect">
+                <a:avLst/>
+              </a:prstGeom>
+            </p:spPr>
+          </p:pic>
+        </mc:Fallback>
+      </mc:AlternateContent>
+    </p:spTree>
+    <p:extLst>
+      <p:ext uri="{BB962C8B-B14F-4D97-AF65-F5344CB8AC3E}">
+        <p14:creationId xmlns:p14="http://schemas.microsoft.com/office/powerpoint/2010/main" val="2961796704"/>
+      </p:ext>
+    </p:extLst>
+  </p:cSld>
+  <p:clrMapOvr>
+    <a:masterClrMapping/>
+  </p:clrMapOvr>
+  <mc:AlternateContent xmlns:mc="http://schemas.openxmlformats.org/markup-compatibility/2006" xmlns:p14="http://schemas.microsoft.com/office/powerpoint/2010/main">
+    <mc:Choice Requires="p14">
+      <p:transition spd="med" p14:dur="700">
+        <p:fade/>
+      </p:transition>
+    </mc:Choice>
+    <mc:Fallback xmlns="">
+      <p:transition spd="med">
+        <p:fade/>
+      </p:transition>
+    </mc:Fallback>
+  </mc:AlternateContent>
+</p:sld>
+</file>
+
+<file path=ppt/slides/slide13.xml><?xml version="1.0" encoding="utf-8"?>
+<p:sld xmlns:a="http://schemas.openxmlformats.org/drawingml/2006/main" xmlns:r="http://schemas.openxmlformats.org/officeDocument/2006/relationships" xmlns:p="http://schemas.openxmlformats.org/presentationml/2006/main">
+  <p:cSld>
+    <p:spTree>
+      <p:nvGrpSpPr>
+        <p:cNvPr id="1" name=""/>
+        <p:cNvGrpSpPr/>
+        <p:nvPr/>
+      </p:nvGrpSpPr>
+      <p:grpSpPr>
+        <a:xfrm>
+          <a:off x="0" y="0"/>
+          <a:ext cx="0" cy="0"/>
+          <a:chOff x="0" y="0"/>
+          <a:chExt cx="0" cy="0"/>
+        </a:xfrm>
+      </p:grpSpPr>
+      <p:sp>
+        <p:nvSpPr>
+          <p:cNvPr id="5" name="Title 4">
+            <a:extLst>
+              <a:ext uri="{FF2B5EF4-FFF2-40B4-BE49-F238E27FC236}">
+                <a16:creationId xmlns:a16="http://schemas.microsoft.com/office/drawing/2014/main" id="{64213D2F-A106-3319-AA98-37F0C11F906C}"/>
+              </a:ext>
+            </a:extLst>
+          </p:cNvPr>
+          <p:cNvSpPr>
+            <a:spLocks noGrp="1"/>
+          </p:cNvSpPr>
+          <p:nvPr>
+            <p:ph type="title"/>
+          </p:nvPr>
+        </p:nvSpPr>
+        <p:spPr/>
+        <p:txBody>
+          <a:bodyPr/>
+          <a:lstStyle/>
+          <a:p>
+            <a:r>
+              <a:rPr lang="en-US" dirty="0"/>
+              <a:t>Batch normalization</a:t>
+            </a:r>
+          </a:p>
+        </p:txBody>
+      </p:sp>
+      <p:sp>
+        <p:nvSpPr>
+          <p:cNvPr id="2" name="Content Placeholder 5">
+            <a:extLst>
+              <a:ext uri="{FF2B5EF4-FFF2-40B4-BE49-F238E27FC236}">
+                <a16:creationId xmlns:a16="http://schemas.microsoft.com/office/drawing/2014/main" id="{ADEF2D9A-0CE9-1441-758D-6B0AF7D9048C}"/>
+              </a:ext>
+            </a:extLst>
+          </p:cNvPr>
+          <p:cNvSpPr>
+            <a:spLocks noGrp="1"/>
+          </p:cNvSpPr>
+          <p:nvPr>
+            <p:ph idx="1"/>
+          </p:nvPr>
+        </p:nvSpPr>
+        <p:spPr>
+          <a:xfrm>
+            <a:off x="838200" y="1825625"/>
+            <a:ext cx="10515600" cy="4936510"/>
+          </a:xfrm>
+        </p:spPr>
+        <p:txBody>
+          <a:bodyPr>
+            <a:normAutofit/>
+          </a:bodyPr>
+          <a:lstStyle/>
+          <a:p>
+            <a:pPr algn="just"/>
+            <a:r>
+              <a:rPr lang="en-US" dirty="0"/>
+              <a:t>Change the input data of a neural network so that the mean is zero and the standard deviation is one</a:t>
+            </a:r>
+          </a:p>
+          <a:p>
+            <a:pPr algn="just"/>
+            <a:r>
+              <a:rPr lang="en-US" dirty="0"/>
+              <a:t>Normalization after each layer (i.e., at the entrance to each new layer) also allows for better learning.</a:t>
+            </a:r>
+          </a:p>
+          <a:p>
+            <a:pPr algn="just"/>
+            <a:endParaRPr lang="en-US" dirty="0"/>
+          </a:p>
+          <a:p>
+            <a:pPr algn="just"/>
+            <a:r>
+              <a:rPr lang="en-US" dirty="0"/>
+              <a:t>Why is it called "Batch" Normalization?</a:t>
+            </a:r>
+          </a:p>
+          <a:p>
+            <a:pPr marL="0" indent="0" algn="just">
+              <a:buNone/>
+            </a:pPr>
+            <a:r>
+              <a:rPr lang="en-US" dirty="0"/>
+              <a:t>-&gt; The normalization we are currently talking about is not carried out on the entire dataset.</a:t>
+            </a:r>
+          </a:p>
+          <a:p>
+            <a:pPr algn="just"/>
+            <a:endParaRPr lang="en-US" dirty="0"/>
+          </a:p>
+        </p:txBody>
+      </p:sp>
+    </p:spTree>
+    <p:extLst>
+      <p:ext uri="{BB962C8B-B14F-4D97-AF65-F5344CB8AC3E}">
+        <p14:creationId xmlns:p14="http://schemas.microsoft.com/office/powerpoint/2010/main" val="870567362"/>
+      </p:ext>
+    </p:extLst>
+  </p:cSld>
+  <p:clrMapOvr>
+    <a:masterClrMapping/>
+  </p:clrMapOvr>
+  <mc:AlternateContent xmlns:mc="http://schemas.openxmlformats.org/markup-compatibility/2006" xmlns:p14="http://schemas.microsoft.com/office/powerpoint/2010/main">
+    <mc:Choice Requires="p14">
+      <p:transition spd="med" p14:dur="700">
+        <p:fade/>
+      </p:transition>
+    </mc:Choice>
+    <mc:Fallback xmlns="">
+      <p:transition spd="med">
+        <p:fade/>
+      </p:transition>
+    </mc:Fallback>
+  </mc:AlternateContent>
+</p:sld>
+</file>
+
+<file path=ppt/slides/slide14.xml><?xml version="1.0" encoding="utf-8"?>
+<p:sld xmlns:a="http://schemas.openxmlformats.org/drawingml/2006/main" xmlns:r="http://schemas.openxmlformats.org/officeDocument/2006/relationships" xmlns:p="http://schemas.openxmlformats.org/presentationml/2006/main">
+  <p:cSld>
+    <p:spTree>
+      <p:nvGrpSpPr>
+        <p:cNvPr id="1" name=""/>
+        <p:cNvGrpSpPr/>
+        <p:nvPr/>
+      </p:nvGrpSpPr>
+      <p:grpSpPr>
+        <a:xfrm>
+          <a:off x="0" y="0"/>
+          <a:ext cx="0" cy="0"/>
+          <a:chOff x="0" y="0"/>
+          <a:chExt cx="0" cy="0"/>
+        </a:xfrm>
+      </p:grpSpPr>
+      <p:sp>
+        <p:nvSpPr>
+          <p:cNvPr id="5" name="Title 4">
+            <a:extLst>
+              <a:ext uri="{FF2B5EF4-FFF2-40B4-BE49-F238E27FC236}">
+                <a16:creationId xmlns:a16="http://schemas.microsoft.com/office/drawing/2014/main" id="{64213D2F-A106-3319-AA98-37F0C11F906C}"/>
+              </a:ext>
+            </a:extLst>
+          </p:cNvPr>
+          <p:cNvSpPr>
+            <a:spLocks noGrp="1"/>
+          </p:cNvSpPr>
+          <p:nvPr>
+            <p:ph type="title"/>
+          </p:nvPr>
+        </p:nvSpPr>
+        <p:spPr/>
+        <p:txBody>
+          <a:bodyPr/>
+          <a:lstStyle/>
+          <a:p>
+            <a:r>
+              <a:rPr lang="en-US" dirty="0"/>
+              <a:t>Dropout</a:t>
+            </a:r>
+          </a:p>
+        </p:txBody>
+      </p:sp>
+      <p:pic>
+        <p:nvPicPr>
+          <p:cNvPr id="1026" name="Picture 2">
+            <a:extLst>
+              <a:ext uri="{FF2B5EF4-FFF2-40B4-BE49-F238E27FC236}">
+                <a16:creationId xmlns:a16="http://schemas.microsoft.com/office/drawing/2014/main" id="{972B384D-2E3D-5825-FF95-3318E0ADDFDA}"/>
+              </a:ext>
+            </a:extLst>
+          </p:cNvPr>
+          <p:cNvPicPr>
+            <a:picLocks noChangeAspect="1" noChangeArrowheads="1"/>
+          </p:cNvPicPr>
+          <p:nvPr/>
+        </p:nvPicPr>
+        <p:blipFill>
+          <a:blip r:embed="rId3">
+            <a:extLst>
+              <a:ext uri="{28A0092B-C50C-407E-A947-70E740481C1C}">
+                <a14:useLocalDpi xmlns:a14="http://schemas.microsoft.com/office/drawing/2010/main" val="0"/>
+              </a:ext>
+            </a:extLst>
+          </a:blip>
+          <a:srcRect/>
+          <a:stretch>
+            <a:fillRect/>
+          </a:stretch>
+        </p:blipFill>
+        <p:spPr bwMode="auto">
+          <a:xfrm>
+            <a:off x="3983245" y="1075647"/>
+            <a:ext cx="4225509" cy="4706706"/>
+          </a:xfrm>
+          <a:prstGeom prst="rect">
+            <a:avLst/>
+          </a:prstGeom>
+          <a:noFill/>
+          <a:extLst>
+            <a:ext uri="{909E8E84-426E-40DD-AFC4-6F175D3DCCD1}">
+              <a14:hiddenFill xmlns:a14="http://schemas.microsoft.com/office/drawing/2010/main">
+                <a:solidFill>
+                  <a:srgbClr val="FFFFFF"/>
+                </a:solidFill>
+              </a14:hiddenFill>
+            </a:ext>
+          </a:extLst>
+        </p:spPr>
+      </p:pic>
+      <p:sp>
+        <p:nvSpPr>
+          <p:cNvPr id="4" name="TextBox 3">
+            <a:extLst>
+              <a:ext uri="{FF2B5EF4-FFF2-40B4-BE49-F238E27FC236}">
+                <a16:creationId xmlns:a16="http://schemas.microsoft.com/office/drawing/2014/main" id="{A75F4462-FBFD-080E-18E7-3CA48B001E06}"/>
+              </a:ext>
+            </a:extLst>
+          </p:cNvPr>
+          <p:cNvSpPr txBox="1"/>
+          <p:nvPr/>
+        </p:nvSpPr>
+        <p:spPr>
+          <a:xfrm>
+            <a:off x="407424" y="5864877"/>
+            <a:ext cx="11118440" cy="646331"/>
+          </a:xfrm>
+          <a:prstGeom prst="rect">
+            <a:avLst/>
+          </a:prstGeom>
+          <a:noFill/>
+        </p:spPr>
+        <p:txBody>
+          <a:bodyPr wrap="square">
+            <a:spAutoFit/>
+          </a:bodyPr>
+          <a:lstStyle/>
+          <a:p>
+            <a:r>
+              <a:rPr lang="en-US" b="0" i="0" dirty="0">
+                <a:solidFill>
+                  <a:srgbClr val="202124"/>
+                </a:solidFill>
+                <a:effectLst/>
+                <a:latin typeface="arial" panose="020B0604020202020204" pitchFamily="34" charset="0"/>
+              </a:rPr>
+              <a:t>Regularization technique for neural network models proposed by Srivastava et al. in their 2014 paper “Dropout: A Simple Way </a:t>
+            </a:r>
+            <a:r>
+              <a:rPr lang="en-US" b="1" i="0" dirty="0">
+                <a:solidFill>
+                  <a:srgbClr val="202124"/>
+                </a:solidFill>
+                <a:effectLst/>
+                <a:latin typeface="arial" panose="020B0604020202020204" pitchFamily="34" charset="0"/>
+              </a:rPr>
+              <a:t>to Prevent Neural Networks from Overfitting</a:t>
+            </a:r>
+            <a:r>
+              <a:rPr lang="en-US" b="0" i="0" dirty="0">
+                <a:solidFill>
+                  <a:srgbClr val="202124"/>
+                </a:solidFill>
+                <a:effectLst/>
+                <a:latin typeface="arial" panose="020B0604020202020204" pitchFamily="34" charset="0"/>
+              </a:rPr>
+              <a:t>”</a:t>
+            </a:r>
+            <a:endParaRPr lang="fr-FR" dirty="0"/>
+          </a:p>
+        </p:txBody>
+      </p:sp>
+    </p:spTree>
+    <p:extLst>
+      <p:ext uri="{BB962C8B-B14F-4D97-AF65-F5344CB8AC3E}">
+        <p14:creationId xmlns:p14="http://schemas.microsoft.com/office/powerpoint/2010/main" val="1871326949"/>
+      </p:ext>
+    </p:extLst>
+  </p:cSld>
+  <p:clrMapOvr>
+    <a:masterClrMapping/>
+  </p:clrMapOvr>
+  <mc:AlternateContent xmlns:mc="http://schemas.openxmlformats.org/markup-compatibility/2006" xmlns:p14="http://schemas.microsoft.com/office/powerpoint/2010/main">
+    <mc:Choice Requires="p14">
+      <p:transition spd="med" p14:dur="700">
+        <p:fade/>
+      </p:transition>
+    </mc:Choice>
+    <mc:Fallback xmlns="">
+      <p:transition spd="med">
+        <p:fade/>
+      </p:transition>
+    </mc:Fallback>
+  </mc:AlternateContent>
 </p:sld>
 </file>
 
@@ -3993,6 +6498,18 @@
   <p:clrMapOvr>
     <a:masterClrMapping/>
   </p:clrMapOvr>
+  <mc:AlternateContent xmlns:mc="http://schemas.openxmlformats.org/markup-compatibility/2006" xmlns:p14="http://schemas.microsoft.com/office/powerpoint/2010/main">
+    <mc:Choice Requires="p14">
+      <p:transition spd="med" p14:dur="700">
+        <p:fade/>
+      </p:transition>
+    </mc:Choice>
+    <mc:Fallback xmlns="">
+      <p:transition spd="med">
+        <p:fade/>
+      </p:transition>
+    </mc:Fallback>
+  </mc:AlternateContent>
   <p:timing>
     <p:tnLst>
       <p:par>
@@ -4294,6 +6811,18 @@
   <p:clrMapOvr>
     <a:masterClrMapping/>
   </p:clrMapOvr>
+  <mc:AlternateContent xmlns:mc="http://schemas.openxmlformats.org/markup-compatibility/2006" xmlns:p14="http://schemas.microsoft.com/office/powerpoint/2010/main">
+    <mc:Choice Requires="p14">
+      <p:transition spd="med" p14:dur="700">
+        <p:fade/>
+      </p:transition>
+    </mc:Choice>
+    <mc:Fallback xmlns="">
+      <p:transition spd="med">
+        <p:fade/>
+      </p:transition>
+    </mc:Fallback>
+  </mc:AlternateContent>
   <p:timing>
     <p:tnLst>
       <p:par>
@@ -4385,6 +6914,3826 @@
       </p:par>
     </p:tnLst>
   </p:timing>
+</p:sld>
+</file>
+
+<file path=ppt/slides/slide4.xml><?xml version="1.0" encoding="utf-8"?>
+<p:sld xmlns:a="http://schemas.openxmlformats.org/drawingml/2006/main" xmlns:r="http://schemas.openxmlformats.org/officeDocument/2006/relationships" xmlns:p="http://schemas.openxmlformats.org/presentationml/2006/main">
+  <p:cSld>
+    <p:spTree>
+      <p:nvGrpSpPr>
+        <p:cNvPr id="1" name=""/>
+        <p:cNvGrpSpPr/>
+        <p:nvPr/>
+      </p:nvGrpSpPr>
+      <p:grpSpPr>
+        <a:xfrm>
+          <a:off x="0" y="0"/>
+          <a:ext cx="0" cy="0"/>
+          <a:chOff x="0" y="0"/>
+          <a:chExt cx="0" cy="0"/>
+        </a:xfrm>
+      </p:grpSpPr>
+      <p:sp>
+        <p:nvSpPr>
+          <p:cNvPr id="5" name="Title 4">
+            <a:extLst>
+              <a:ext uri="{FF2B5EF4-FFF2-40B4-BE49-F238E27FC236}">
+                <a16:creationId xmlns:a16="http://schemas.microsoft.com/office/drawing/2014/main" id="{64213D2F-A106-3319-AA98-37F0C11F906C}"/>
+              </a:ext>
+            </a:extLst>
+          </p:cNvPr>
+          <p:cNvSpPr>
+            <a:spLocks noGrp="1"/>
+          </p:cNvSpPr>
+          <p:nvPr>
+            <p:ph type="title"/>
+          </p:nvPr>
+        </p:nvSpPr>
+        <p:spPr/>
+        <p:txBody>
+          <a:bodyPr/>
+          <a:lstStyle/>
+          <a:p>
+            <a:r>
+              <a:rPr lang="en-US" dirty="0"/>
+              <a:t>SGD</a:t>
+            </a:r>
+          </a:p>
+        </p:txBody>
+      </p:sp>
+      <p:sp>
+        <p:nvSpPr>
+          <p:cNvPr id="6" name="Content Placeholder 5">
+            <a:extLst>
+              <a:ext uri="{FF2B5EF4-FFF2-40B4-BE49-F238E27FC236}">
+                <a16:creationId xmlns:a16="http://schemas.microsoft.com/office/drawing/2014/main" id="{3C4EB284-4A7B-E6BB-BEC1-67954B65026D}"/>
+              </a:ext>
+            </a:extLst>
+          </p:cNvPr>
+          <p:cNvSpPr>
+            <a:spLocks noGrp="1"/>
+          </p:cNvSpPr>
+          <p:nvPr>
+            <p:ph idx="1"/>
+          </p:nvPr>
+        </p:nvSpPr>
+        <p:spPr>
+          <a:xfrm>
+            <a:off x="838200" y="1825625"/>
+            <a:ext cx="10515600" cy="2121087"/>
+          </a:xfrm>
+        </p:spPr>
+        <p:txBody>
+          <a:bodyPr>
+            <a:normAutofit/>
+          </a:bodyPr>
+          <a:lstStyle/>
+          <a:p>
+            <a:pPr algn="just"/>
+            <a:r>
+              <a:rPr lang="en-US" dirty="0"/>
+              <a:t>PyTorch naming is a bit confusing. The implementation of SGD is actually just gradient descent. </a:t>
+            </a:r>
+            <a:r>
+              <a:rPr lang="en-US" b="1" dirty="0">
+                <a:solidFill>
+                  <a:srgbClr val="FF0000"/>
+                </a:solidFill>
+              </a:rPr>
+              <a:t>The stochasticity comes purely from using (shuffled) mini-batches for each optimizer step</a:t>
+            </a:r>
+            <a:r>
+              <a:rPr lang="en-US" dirty="0"/>
+              <a:t>. Without this </a:t>
+            </a:r>
+            <a:r>
+              <a:rPr lang="en-US" dirty="0" err="1"/>
+              <a:t>dataloading</a:t>
+            </a:r>
+            <a:r>
+              <a:rPr lang="en-US" dirty="0"/>
+              <a:t> aspect, the </a:t>
+            </a:r>
+            <a:r>
+              <a:rPr lang="en-US" dirty="0" err="1"/>
+              <a:t>optimisation</a:t>
+            </a:r>
+            <a:r>
+              <a:rPr lang="en-US" dirty="0"/>
+              <a:t> algorithm would effectively perform GD, rather than SGD.</a:t>
+            </a:r>
+          </a:p>
+        </p:txBody>
+      </p:sp>
+    </p:spTree>
+    <p:extLst>
+      <p:ext uri="{BB962C8B-B14F-4D97-AF65-F5344CB8AC3E}">
+        <p14:creationId xmlns:p14="http://schemas.microsoft.com/office/powerpoint/2010/main" val="3053187382"/>
+      </p:ext>
+    </p:extLst>
+  </p:cSld>
+  <p:clrMapOvr>
+    <a:masterClrMapping/>
+  </p:clrMapOvr>
+  <mc:AlternateContent xmlns:mc="http://schemas.openxmlformats.org/markup-compatibility/2006" xmlns:p14="http://schemas.microsoft.com/office/powerpoint/2010/main">
+    <mc:Choice Requires="p14">
+      <p:transition spd="med" p14:dur="700">
+        <p:fade/>
+      </p:transition>
+    </mc:Choice>
+    <mc:Fallback xmlns="">
+      <p:transition spd="med">
+        <p:fade/>
+      </p:transition>
+    </mc:Fallback>
+  </mc:AlternateContent>
+</p:sld>
+</file>
+
+<file path=ppt/slides/slide5.xml><?xml version="1.0" encoding="utf-8"?>
+<p:sld xmlns:a="http://schemas.openxmlformats.org/drawingml/2006/main" xmlns:r="http://schemas.openxmlformats.org/officeDocument/2006/relationships" xmlns:p="http://schemas.openxmlformats.org/presentationml/2006/main">
+  <p:cSld>
+    <p:spTree>
+      <p:nvGrpSpPr>
+        <p:cNvPr id="1" name=""/>
+        <p:cNvGrpSpPr/>
+        <p:nvPr/>
+      </p:nvGrpSpPr>
+      <p:grpSpPr>
+        <a:xfrm>
+          <a:off x="0" y="0"/>
+          <a:ext cx="0" cy="0"/>
+          <a:chOff x="0" y="0"/>
+          <a:chExt cx="0" cy="0"/>
+        </a:xfrm>
+      </p:grpSpPr>
+      <p:sp>
+        <p:nvSpPr>
+          <p:cNvPr id="5" name="Title 4">
+            <a:extLst>
+              <a:ext uri="{FF2B5EF4-FFF2-40B4-BE49-F238E27FC236}">
+                <a16:creationId xmlns:a16="http://schemas.microsoft.com/office/drawing/2014/main" id="{64213D2F-A106-3319-AA98-37F0C11F906C}"/>
+              </a:ext>
+            </a:extLst>
+          </p:cNvPr>
+          <p:cNvSpPr>
+            <a:spLocks noGrp="1"/>
+          </p:cNvSpPr>
+          <p:nvPr>
+            <p:ph type="title"/>
+          </p:nvPr>
+        </p:nvSpPr>
+        <p:spPr/>
+        <p:txBody>
+          <a:bodyPr/>
+          <a:lstStyle/>
+          <a:p>
+            <a:r>
+              <a:rPr lang="en-US" dirty="0"/>
+              <a:t>SGD</a:t>
+            </a:r>
+          </a:p>
+        </p:txBody>
+      </p:sp>
+      <p:sp>
+        <p:nvSpPr>
+          <p:cNvPr id="9" name="Rectangle 3">
+            <a:extLst>
+              <a:ext uri="{FF2B5EF4-FFF2-40B4-BE49-F238E27FC236}">
+                <a16:creationId xmlns:a16="http://schemas.microsoft.com/office/drawing/2014/main" id="{14B5134B-8384-C137-708C-406B9F3D01D1}"/>
+              </a:ext>
+            </a:extLst>
+          </p:cNvPr>
+          <p:cNvSpPr>
+            <a:spLocks noChangeArrowheads="1"/>
+          </p:cNvSpPr>
+          <p:nvPr/>
+        </p:nvSpPr>
+        <p:spPr bwMode="auto">
+          <a:xfrm>
+            <a:off x="1024217" y="2001870"/>
+            <a:ext cx="10406903" cy="2585323"/>
+          </a:xfrm>
+          <a:prstGeom prst="rect">
+            <a:avLst/>
+          </a:prstGeom>
+          <a:solidFill>
+            <a:srgbClr val="2B2B2B"/>
+          </a:solidFill>
+          <a:ln>
+            <a:noFill/>
+          </a:ln>
+          <a:effectLst/>
+          <a:extLst>
+            <a:ext uri="{91240B29-F687-4F45-9708-019B960494DF}">
+              <a14:hiddenLine xmlns:a14="http://schemas.microsoft.com/office/drawing/2010/main" w="9525">
+                <a:solidFill>
+                  <a:schemeClr val="tx1"/>
+                </a:solidFill>
+                <a:miter lim="800000"/>
+                <a:headEnd/>
+                <a:tailEnd/>
+              </a14:hiddenLine>
+            </a:ext>
+            <a:ext uri="{AF507438-7753-43E0-B8FC-AC1667EBCBE1}">
+              <a14:hiddenEffects xmlns:a14="http://schemas.microsoft.com/office/drawing/2010/main">
+                <a:effectLst>
+                  <a:outerShdw dist="35921" dir="2700000" algn="ctr" rotWithShape="0">
+                    <a:schemeClr val="bg2"/>
+                  </a:outerShdw>
+                </a:effectLst>
+              </a14:hiddenEffects>
+            </a:ext>
+          </a:extLst>
+        </p:spPr>
+        <p:txBody>
+          <a:bodyPr vert="horz" wrap="square" lIns="91440" tIns="45720" rIns="91440" bIns="45720" numCol="1" anchor="ctr" anchorCtr="0" compatLnSpc="1">
+            <a:prstTxWarp prst="textNoShape">
+              <a:avLst/>
+            </a:prstTxWarp>
+            <a:spAutoFit/>
+          </a:bodyPr>
+          <a:lstStyle/>
+          <a:p>
+            <a:pPr eaLnBrk="0" fontAlgn="base" hangingPunct="0">
+              <a:spcBef>
+                <a:spcPct val="0"/>
+              </a:spcBef>
+              <a:spcAft>
+                <a:spcPct val="0"/>
+              </a:spcAft>
+            </a:pPr>
+            <a:r>
+              <a:rPr kumimoji="0" lang="fr-FR" altLang="fr-FR" b="0" i="0" u="none" strike="noStrike" cap="none" normalizeH="0" baseline="0" dirty="0" err="1">
+                <a:ln>
+                  <a:noFill/>
+                </a:ln>
+                <a:solidFill>
+                  <a:srgbClr val="A9B7C6"/>
+                </a:solidFill>
+                <a:effectLst/>
+                <a:latin typeface="Courier New" panose="02070309020205020404" pitchFamily="49" charset="0"/>
+                <a:cs typeface="Courier New" panose="02070309020205020404" pitchFamily="49" charset="0"/>
+              </a:rPr>
+              <a:t>train_loader</a:t>
+            </a:r>
+            <a:r>
+              <a:rPr kumimoji="0" lang="fr-FR" altLang="fr-FR" b="0" i="0" u="none" strike="noStrike" cap="none" normalizeH="0" baseline="0" dirty="0">
+                <a:ln>
+                  <a:noFill/>
+                </a:ln>
+                <a:solidFill>
+                  <a:srgbClr val="A9B7C6"/>
+                </a:solidFill>
+                <a:effectLst/>
+                <a:latin typeface="Courier New" panose="02070309020205020404" pitchFamily="49" charset="0"/>
+                <a:cs typeface="Courier New" panose="02070309020205020404" pitchFamily="49" charset="0"/>
+              </a:rPr>
+              <a:t> = </a:t>
+            </a:r>
+            <a:r>
+              <a:rPr kumimoji="0" lang="fr-FR" altLang="fr-FR" b="0" i="0" u="none" strike="noStrike" cap="none" normalizeH="0" baseline="0" dirty="0" err="1">
+                <a:ln>
+                  <a:noFill/>
+                </a:ln>
+                <a:solidFill>
+                  <a:srgbClr val="A9B7C6"/>
+                </a:solidFill>
+                <a:effectLst/>
+                <a:latin typeface="Courier New" panose="02070309020205020404" pitchFamily="49" charset="0"/>
+                <a:cs typeface="Courier New" panose="02070309020205020404" pitchFamily="49" charset="0"/>
+              </a:rPr>
+              <a:t>DataLoader</a:t>
+            </a:r>
+            <a:r>
+              <a:rPr kumimoji="0" lang="fr-FR" altLang="fr-FR" b="0" i="0" u="none" strike="noStrike" cap="none" normalizeH="0" baseline="0" dirty="0">
+                <a:ln>
+                  <a:noFill/>
+                </a:ln>
+                <a:solidFill>
+                  <a:srgbClr val="A9B7C6"/>
+                </a:solidFill>
+                <a:effectLst/>
+                <a:latin typeface="Courier New" panose="02070309020205020404" pitchFamily="49" charset="0"/>
+                <a:cs typeface="Courier New" panose="02070309020205020404" pitchFamily="49" charset="0"/>
+              </a:rPr>
+              <a:t>(</a:t>
+            </a:r>
+            <a:r>
+              <a:rPr kumimoji="0" lang="fr-FR" altLang="fr-FR" b="0" i="0" u="none" strike="noStrike" cap="none" normalizeH="0" baseline="0" dirty="0" err="1">
+                <a:ln>
+                  <a:noFill/>
+                </a:ln>
+                <a:solidFill>
+                  <a:srgbClr val="AA4926"/>
+                </a:solidFill>
+                <a:effectLst/>
+                <a:latin typeface="Courier New" panose="02070309020205020404" pitchFamily="49" charset="0"/>
+                <a:cs typeface="Courier New" panose="02070309020205020404" pitchFamily="49" charset="0"/>
+              </a:rPr>
+              <a:t>dataset</a:t>
+            </a:r>
+            <a:r>
+              <a:rPr kumimoji="0" lang="fr-FR" altLang="fr-FR" b="0" i="0" u="none" strike="noStrike" cap="none" normalizeH="0" baseline="0" dirty="0">
+                <a:ln>
+                  <a:noFill/>
+                </a:ln>
+                <a:solidFill>
+                  <a:srgbClr val="A9B7C6"/>
+                </a:solidFill>
+                <a:effectLst/>
+                <a:latin typeface="Courier New" panose="02070309020205020404" pitchFamily="49" charset="0"/>
+                <a:cs typeface="Courier New" panose="02070309020205020404" pitchFamily="49" charset="0"/>
+              </a:rPr>
+              <a:t>=</a:t>
+            </a:r>
+            <a:r>
+              <a:rPr kumimoji="0" lang="fr-FR" altLang="fr-FR" b="0" i="0" u="none" strike="noStrike" cap="none" normalizeH="0" baseline="0" dirty="0" err="1">
+                <a:ln>
+                  <a:noFill/>
+                </a:ln>
+                <a:solidFill>
+                  <a:srgbClr val="A9B7C6"/>
+                </a:solidFill>
+                <a:effectLst/>
+                <a:latin typeface="Courier New" panose="02070309020205020404" pitchFamily="49" charset="0"/>
+                <a:cs typeface="Courier New" panose="02070309020205020404" pitchFamily="49" charset="0"/>
+              </a:rPr>
+              <a:t>train_data</a:t>
+            </a:r>
+            <a:r>
+              <a:rPr kumimoji="0" lang="fr-FR" altLang="fr-FR" b="0" i="0" u="none" strike="noStrike" cap="none" normalizeH="0" baseline="0" dirty="0">
+                <a:ln>
+                  <a:noFill/>
+                </a:ln>
+                <a:solidFill>
+                  <a:srgbClr val="CC7832"/>
+                </a:solidFill>
+                <a:effectLst/>
+                <a:latin typeface="Courier New" panose="02070309020205020404" pitchFamily="49" charset="0"/>
+                <a:cs typeface="Courier New" panose="02070309020205020404" pitchFamily="49" charset="0"/>
+              </a:rPr>
+              <a:t>, </a:t>
+            </a:r>
+            <a:r>
+              <a:rPr kumimoji="0" lang="fr-FR" altLang="fr-FR" b="0" i="0" u="none" strike="noStrike" cap="none" normalizeH="0" baseline="0" dirty="0" err="1">
+                <a:ln>
+                  <a:noFill/>
+                </a:ln>
+                <a:solidFill>
+                  <a:srgbClr val="AA4926"/>
+                </a:solidFill>
+                <a:effectLst/>
+                <a:latin typeface="Courier New" panose="02070309020205020404" pitchFamily="49" charset="0"/>
+                <a:cs typeface="Courier New" panose="02070309020205020404" pitchFamily="49" charset="0"/>
+              </a:rPr>
+              <a:t>batch_size</a:t>
+            </a:r>
+            <a:r>
+              <a:rPr kumimoji="0" lang="fr-FR" altLang="fr-FR" b="0" i="0" u="none" strike="noStrike" cap="none" normalizeH="0" baseline="0" dirty="0">
+                <a:ln>
+                  <a:noFill/>
+                </a:ln>
+                <a:solidFill>
+                  <a:srgbClr val="A9B7C6"/>
+                </a:solidFill>
+                <a:effectLst/>
+                <a:latin typeface="Courier New" panose="02070309020205020404" pitchFamily="49" charset="0"/>
+                <a:cs typeface="Courier New" panose="02070309020205020404" pitchFamily="49" charset="0"/>
+              </a:rPr>
+              <a:t>=</a:t>
+            </a:r>
+            <a:r>
+              <a:rPr kumimoji="0" lang="fr-FR" altLang="fr-FR" b="0" i="0" u="none" strike="noStrike" cap="none" normalizeH="0" baseline="0" dirty="0">
+                <a:ln>
+                  <a:noFill/>
+                </a:ln>
+                <a:solidFill>
+                  <a:srgbClr val="6897BB"/>
+                </a:solidFill>
+                <a:effectLst/>
+                <a:latin typeface="Courier New" panose="02070309020205020404" pitchFamily="49" charset="0"/>
+                <a:cs typeface="Courier New" panose="02070309020205020404" pitchFamily="49" charset="0"/>
+              </a:rPr>
+              <a:t>1</a:t>
+            </a:r>
+            <a:r>
+              <a:rPr kumimoji="0" lang="fr-FR" altLang="fr-FR" b="0" i="0" u="none" strike="noStrike" cap="none" normalizeH="0" baseline="0" dirty="0">
+                <a:ln>
+                  <a:noFill/>
+                </a:ln>
+                <a:solidFill>
+                  <a:srgbClr val="CC7832"/>
+                </a:solidFill>
+                <a:effectLst/>
+                <a:latin typeface="Courier New" panose="02070309020205020404" pitchFamily="49" charset="0"/>
+                <a:cs typeface="Courier New" panose="02070309020205020404" pitchFamily="49" charset="0"/>
+              </a:rPr>
+              <a:t>, </a:t>
+            </a:r>
+            <a:r>
+              <a:rPr kumimoji="0" lang="fr-FR" altLang="fr-FR" b="0" i="0" u="none" strike="noStrike" cap="none" normalizeH="0" baseline="0" dirty="0" err="1">
+                <a:ln>
+                  <a:noFill/>
+                </a:ln>
+                <a:solidFill>
+                  <a:srgbClr val="AA4926"/>
+                </a:solidFill>
+                <a:effectLst/>
+                <a:latin typeface="Courier New" panose="02070309020205020404" pitchFamily="49" charset="0"/>
+                <a:cs typeface="Courier New" panose="02070309020205020404" pitchFamily="49" charset="0"/>
+              </a:rPr>
+              <a:t>shuffle</a:t>
+            </a:r>
+            <a:r>
+              <a:rPr kumimoji="0" lang="fr-FR" altLang="fr-FR" b="0" i="0" u="none" strike="noStrike" cap="none" normalizeH="0" baseline="0" dirty="0">
+                <a:ln>
+                  <a:noFill/>
+                </a:ln>
+                <a:solidFill>
+                  <a:srgbClr val="A9B7C6"/>
+                </a:solidFill>
+                <a:effectLst/>
+                <a:latin typeface="Courier New" panose="02070309020205020404" pitchFamily="49" charset="0"/>
+                <a:cs typeface="Courier New" panose="02070309020205020404" pitchFamily="49" charset="0"/>
+              </a:rPr>
+              <a:t>=</a:t>
+            </a:r>
+            <a:r>
+              <a:rPr kumimoji="0" lang="fr-FR" altLang="fr-FR" b="0" i="0" u="none" strike="noStrike" cap="none" normalizeH="0" baseline="0" dirty="0" err="1">
+                <a:ln>
+                  <a:noFill/>
+                </a:ln>
+                <a:solidFill>
+                  <a:srgbClr val="CC7832"/>
+                </a:solidFill>
+                <a:effectLst/>
+                <a:latin typeface="Courier New" panose="02070309020205020404" pitchFamily="49" charset="0"/>
+                <a:cs typeface="Courier New" panose="02070309020205020404" pitchFamily="49" charset="0"/>
+              </a:rPr>
+              <a:t>True</a:t>
+            </a:r>
+            <a:r>
+              <a:rPr kumimoji="0" lang="fr-FR" altLang="fr-FR" b="0" i="0" u="none" strike="noStrike" cap="none" normalizeH="0" baseline="0" dirty="0">
+                <a:ln>
+                  <a:noFill/>
+                </a:ln>
+                <a:solidFill>
+                  <a:srgbClr val="A9B7C6"/>
+                </a:solidFill>
+                <a:effectLst/>
+                <a:latin typeface="Courier New" panose="02070309020205020404" pitchFamily="49" charset="0"/>
+                <a:cs typeface="Courier New" panose="02070309020205020404" pitchFamily="49" charset="0"/>
+              </a:rPr>
+              <a:t>)</a:t>
+            </a:r>
+            <a:endParaRPr kumimoji="0" lang="fr-FR" altLang="fr-FR" b="0" i="0" u="none" strike="noStrike" cap="none" normalizeH="0" baseline="0" dirty="0">
+              <a:ln>
+                <a:noFill/>
+              </a:ln>
+              <a:solidFill>
+                <a:srgbClr val="CC7832"/>
+              </a:solidFill>
+              <a:effectLst/>
+              <a:latin typeface="Courier New" panose="02070309020205020404" pitchFamily="49" charset="0"/>
+              <a:cs typeface="Courier New" panose="02070309020205020404" pitchFamily="49" charset="0"/>
+            </a:endParaRPr>
+          </a:p>
+          <a:p>
+            <a:pPr eaLnBrk="0" fontAlgn="base" hangingPunct="0">
+              <a:spcBef>
+                <a:spcPct val="0"/>
+              </a:spcBef>
+              <a:spcAft>
+                <a:spcPct val="0"/>
+              </a:spcAft>
+            </a:pPr>
+            <a:endParaRPr lang="fr-FR" altLang="fr-FR" dirty="0">
+              <a:solidFill>
+                <a:srgbClr val="CC7832"/>
+              </a:solidFill>
+              <a:latin typeface="Courier New" panose="02070309020205020404" pitchFamily="49" charset="0"/>
+              <a:cs typeface="Courier New" panose="02070309020205020404" pitchFamily="49" charset="0"/>
+            </a:endParaRPr>
+          </a:p>
+          <a:p>
+            <a:pPr eaLnBrk="0" fontAlgn="base" hangingPunct="0">
+              <a:spcBef>
+                <a:spcPct val="0"/>
+              </a:spcBef>
+              <a:spcAft>
+                <a:spcPct val="0"/>
+              </a:spcAft>
+            </a:pPr>
+            <a:r>
+              <a:rPr kumimoji="0" lang="fr-FR" altLang="fr-FR" b="0" i="0" u="none" strike="noStrike" cap="none" normalizeH="0" baseline="0" dirty="0">
+                <a:ln>
+                  <a:noFill/>
+                </a:ln>
+                <a:solidFill>
+                  <a:srgbClr val="CC7832"/>
+                </a:solidFill>
+                <a:effectLst/>
+                <a:latin typeface="Courier New" panose="02070309020205020404" pitchFamily="49" charset="0"/>
+                <a:cs typeface="Courier New" panose="02070309020205020404" pitchFamily="49" charset="0"/>
+              </a:rPr>
+              <a:t>for </a:t>
+            </a:r>
+            <a:r>
+              <a:rPr kumimoji="0" lang="fr-FR" altLang="fr-FR" b="0" i="0" u="none" strike="noStrike" cap="none" normalizeH="0" baseline="0" dirty="0" err="1">
+                <a:ln>
+                  <a:noFill/>
+                </a:ln>
+                <a:solidFill>
+                  <a:srgbClr val="A9B7C6"/>
+                </a:solidFill>
+                <a:effectLst/>
+                <a:latin typeface="Courier New" panose="02070309020205020404" pitchFamily="49" charset="0"/>
+                <a:cs typeface="Courier New" panose="02070309020205020404" pitchFamily="49" charset="0"/>
+              </a:rPr>
+              <a:t>epoch</a:t>
+            </a:r>
+            <a:r>
+              <a:rPr kumimoji="0" lang="fr-FR" altLang="fr-FR" b="0" i="0" u="none" strike="noStrike" cap="none" normalizeH="0" baseline="0" dirty="0">
+                <a:ln>
+                  <a:noFill/>
+                </a:ln>
+                <a:solidFill>
+                  <a:srgbClr val="A9B7C6"/>
+                </a:solidFill>
+                <a:effectLst/>
+                <a:latin typeface="Courier New" panose="02070309020205020404" pitchFamily="49" charset="0"/>
+                <a:cs typeface="Courier New" panose="02070309020205020404" pitchFamily="49" charset="0"/>
+              </a:rPr>
+              <a:t> </a:t>
+            </a:r>
+            <a:r>
+              <a:rPr kumimoji="0" lang="fr-FR" altLang="fr-FR" b="0" i="0" u="none" strike="noStrike" cap="none" normalizeH="0" baseline="0" dirty="0">
+                <a:ln>
+                  <a:noFill/>
+                </a:ln>
+                <a:solidFill>
+                  <a:srgbClr val="CC7832"/>
+                </a:solidFill>
+                <a:effectLst/>
+                <a:latin typeface="Courier New" panose="02070309020205020404" pitchFamily="49" charset="0"/>
+                <a:cs typeface="Courier New" panose="02070309020205020404" pitchFamily="49" charset="0"/>
+              </a:rPr>
+              <a:t>in </a:t>
+            </a:r>
+            <a:r>
+              <a:rPr kumimoji="0" lang="fr-FR" altLang="fr-FR" b="0" i="0" u="none" strike="noStrike" cap="none" normalizeH="0" baseline="0" dirty="0">
+                <a:ln>
+                  <a:noFill/>
+                </a:ln>
+                <a:solidFill>
+                  <a:srgbClr val="8888C6"/>
+                </a:solidFill>
+                <a:effectLst/>
+                <a:latin typeface="Courier New" panose="02070309020205020404" pitchFamily="49" charset="0"/>
+                <a:cs typeface="Courier New" panose="02070309020205020404" pitchFamily="49" charset="0"/>
+              </a:rPr>
+              <a:t>range</a:t>
+            </a:r>
+            <a:r>
+              <a:rPr kumimoji="0" lang="fr-FR" altLang="fr-FR" b="0" i="0" u="none" strike="noStrike" cap="none" normalizeH="0" baseline="0" dirty="0">
+                <a:ln>
+                  <a:noFill/>
+                </a:ln>
+                <a:solidFill>
+                  <a:srgbClr val="A9B7C6"/>
+                </a:solidFill>
+                <a:effectLst/>
+                <a:latin typeface="Courier New" panose="02070309020205020404" pitchFamily="49" charset="0"/>
+                <a:cs typeface="Courier New" panose="02070309020205020404" pitchFamily="49" charset="0"/>
+              </a:rPr>
+              <a:t>(</a:t>
+            </a:r>
+            <a:r>
+              <a:rPr kumimoji="0" lang="fr-FR" altLang="fr-FR" b="0" i="0" u="none" strike="noStrike" cap="none" normalizeH="0" baseline="0" dirty="0" err="1">
+                <a:ln>
+                  <a:noFill/>
+                </a:ln>
+                <a:solidFill>
+                  <a:srgbClr val="A9B7C6"/>
+                </a:solidFill>
+                <a:effectLst/>
+                <a:latin typeface="Courier New" panose="02070309020205020404" pitchFamily="49" charset="0"/>
+                <a:cs typeface="Courier New" panose="02070309020205020404" pitchFamily="49" charset="0"/>
+              </a:rPr>
+              <a:t>n_epochs</a:t>
+            </a:r>
+            <a:r>
+              <a:rPr kumimoji="0" lang="fr-FR" altLang="fr-FR" b="0" i="0" u="none" strike="noStrike" cap="none" normalizeH="0" baseline="0" dirty="0">
+                <a:ln>
+                  <a:noFill/>
+                </a:ln>
+                <a:solidFill>
+                  <a:srgbClr val="A9B7C6"/>
+                </a:solidFill>
+                <a:effectLst/>
+                <a:latin typeface="Courier New" panose="02070309020205020404" pitchFamily="49" charset="0"/>
+                <a:cs typeface="Courier New" panose="02070309020205020404" pitchFamily="49" charset="0"/>
+              </a:rPr>
+              <a:t>):</a:t>
+            </a:r>
+            <a:endParaRPr kumimoji="0" lang="fr-FR" altLang="fr-FR" b="0" i="0" u="none" strike="noStrike" cap="none" normalizeH="0" baseline="0" dirty="0">
+              <a:ln>
+                <a:noFill/>
+              </a:ln>
+              <a:solidFill>
+                <a:srgbClr val="CC7832"/>
+              </a:solidFill>
+              <a:effectLst/>
+              <a:latin typeface="Courier New" panose="02070309020205020404" pitchFamily="49" charset="0"/>
+              <a:cs typeface="Courier New" panose="02070309020205020404" pitchFamily="49" charset="0"/>
+            </a:endParaRPr>
+          </a:p>
+          <a:p>
+            <a:pPr marL="0" marR="0" lvl="0" indent="0" algn="l" defTabSz="914400" rtl="0" eaLnBrk="0" fontAlgn="base" latinLnBrk="0" hangingPunct="0">
+              <a:lnSpc>
+                <a:spcPct val="100000"/>
+              </a:lnSpc>
+              <a:spcBef>
+                <a:spcPct val="0"/>
+              </a:spcBef>
+              <a:spcAft>
+                <a:spcPct val="0"/>
+              </a:spcAft>
+              <a:buClrTx/>
+              <a:buSzTx/>
+              <a:buFontTx/>
+              <a:buNone/>
+              <a:tabLst/>
+            </a:pPr>
+            <a:r>
+              <a:rPr kumimoji="0" lang="fr-FR" altLang="fr-FR" b="0" i="0" u="none" strike="noStrike" cap="none" normalizeH="0" baseline="0" dirty="0">
+                <a:ln>
+                  <a:noFill/>
+                </a:ln>
+                <a:solidFill>
+                  <a:srgbClr val="CC7832"/>
+                </a:solidFill>
+                <a:effectLst/>
+                <a:latin typeface="Courier New" panose="02070309020205020404" pitchFamily="49" charset="0"/>
+                <a:cs typeface="Courier New" panose="02070309020205020404" pitchFamily="49" charset="0"/>
+              </a:rPr>
+              <a:t>    for </a:t>
+            </a:r>
+            <a:r>
+              <a:rPr kumimoji="0" lang="fr-FR" altLang="fr-FR" b="0" i="0" u="none" strike="noStrike" cap="none" normalizeH="0" baseline="0" dirty="0">
+                <a:ln>
+                  <a:noFill/>
+                </a:ln>
+                <a:solidFill>
+                  <a:srgbClr val="A9B7C6"/>
+                </a:solidFill>
+                <a:effectLst/>
+                <a:latin typeface="Courier New" panose="02070309020205020404" pitchFamily="49" charset="0"/>
+                <a:cs typeface="Courier New" panose="02070309020205020404" pitchFamily="49" charset="0"/>
+              </a:rPr>
+              <a:t>inputs</a:t>
+            </a:r>
+            <a:r>
+              <a:rPr kumimoji="0" lang="fr-FR" altLang="fr-FR" b="0" i="0" u="none" strike="noStrike" cap="none" normalizeH="0" baseline="0" dirty="0">
+                <a:ln>
+                  <a:noFill/>
+                </a:ln>
+                <a:solidFill>
+                  <a:srgbClr val="CC7832"/>
+                </a:solidFill>
+                <a:effectLst/>
+                <a:latin typeface="Courier New" panose="02070309020205020404" pitchFamily="49" charset="0"/>
+                <a:cs typeface="Courier New" panose="02070309020205020404" pitchFamily="49" charset="0"/>
+              </a:rPr>
+              <a:t>, </a:t>
+            </a:r>
+            <a:r>
+              <a:rPr kumimoji="0" lang="fr-FR" altLang="fr-FR" b="0" i="0" u="none" strike="noStrike" cap="none" normalizeH="0" baseline="0" dirty="0" err="1">
+                <a:ln>
+                  <a:noFill/>
+                </a:ln>
+                <a:solidFill>
+                  <a:srgbClr val="A9B7C6"/>
+                </a:solidFill>
+                <a:effectLst/>
+                <a:latin typeface="Courier New" panose="02070309020205020404" pitchFamily="49" charset="0"/>
+                <a:cs typeface="Courier New" panose="02070309020205020404" pitchFamily="49" charset="0"/>
+              </a:rPr>
+              <a:t>targets</a:t>
+            </a:r>
+            <a:r>
+              <a:rPr kumimoji="0" lang="fr-FR" altLang="fr-FR" b="0" i="0" u="none" strike="noStrike" cap="none" normalizeH="0" baseline="0" dirty="0">
+                <a:ln>
+                  <a:noFill/>
+                </a:ln>
+                <a:solidFill>
+                  <a:srgbClr val="A9B7C6"/>
+                </a:solidFill>
+                <a:effectLst/>
+                <a:latin typeface="Courier New" panose="02070309020205020404" pitchFamily="49" charset="0"/>
+                <a:cs typeface="Courier New" panose="02070309020205020404" pitchFamily="49" charset="0"/>
+              </a:rPr>
+              <a:t> </a:t>
+            </a:r>
+            <a:r>
+              <a:rPr kumimoji="0" lang="fr-FR" altLang="fr-FR" b="0" i="0" u="none" strike="noStrike" cap="none" normalizeH="0" baseline="0" dirty="0">
+                <a:ln>
+                  <a:noFill/>
+                </a:ln>
+                <a:solidFill>
+                  <a:srgbClr val="CC7832"/>
+                </a:solidFill>
+                <a:effectLst/>
+                <a:latin typeface="Courier New" panose="02070309020205020404" pitchFamily="49" charset="0"/>
+                <a:cs typeface="Courier New" panose="02070309020205020404" pitchFamily="49" charset="0"/>
+              </a:rPr>
+              <a:t>in </a:t>
+            </a:r>
+            <a:r>
+              <a:rPr kumimoji="0" lang="fr-FR" altLang="fr-FR" b="0" i="0" u="none" strike="noStrike" cap="none" normalizeH="0" baseline="0" dirty="0" err="1">
+                <a:ln>
+                  <a:noFill/>
+                </a:ln>
+                <a:solidFill>
+                  <a:srgbClr val="A9B7C6"/>
+                </a:solidFill>
+                <a:effectLst/>
+                <a:latin typeface="Courier New" panose="02070309020205020404" pitchFamily="49" charset="0"/>
+                <a:cs typeface="Courier New" panose="02070309020205020404" pitchFamily="49" charset="0"/>
+              </a:rPr>
+              <a:t>train_loader</a:t>
+            </a:r>
+            <a:r>
+              <a:rPr kumimoji="0" lang="fr-FR" altLang="fr-FR" b="0" i="0" u="none" strike="noStrike" cap="none" normalizeH="0" baseline="0" dirty="0">
+                <a:ln>
+                  <a:noFill/>
+                </a:ln>
+                <a:solidFill>
+                  <a:srgbClr val="A9B7C6"/>
+                </a:solidFill>
+                <a:effectLst/>
+                <a:latin typeface="Courier New" panose="02070309020205020404" pitchFamily="49" charset="0"/>
+                <a:cs typeface="Courier New" panose="02070309020205020404" pitchFamily="49" charset="0"/>
+              </a:rPr>
+              <a:t>:</a:t>
+            </a:r>
+            <a:br>
+              <a:rPr kumimoji="0" lang="fr-FR" altLang="fr-FR" b="0" i="0" u="none" strike="noStrike" cap="none" normalizeH="0" baseline="0" dirty="0">
+                <a:ln>
+                  <a:noFill/>
+                </a:ln>
+                <a:solidFill>
+                  <a:srgbClr val="A9B7C6"/>
+                </a:solidFill>
+                <a:effectLst/>
+                <a:latin typeface="Courier New" panose="02070309020205020404" pitchFamily="49" charset="0"/>
+                <a:cs typeface="Courier New" panose="02070309020205020404" pitchFamily="49" charset="0"/>
+              </a:rPr>
+            </a:br>
+            <a:r>
+              <a:rPr kumimoji="0" lang="fr-FR" altLang="fr-FR" b="0" i="0" u="none" strike="noStrike" cap="none" normalizeH="0" baseline="0" dirty="0">
+                <a:ln>
+                  <a:noFill/>
+                </a:ln>
+                <a:solidFill>
+                  <a:srgbClr val="A9B7C6"/>
+                </a:solidFill>
+                <a:effectLst/>
+                <a:latin typeface="Courier New" panose="02070309020205020404" pitchFamily="49" charset="0"/>
+                <a:cs typeface="Courier New" panose="02070309020205020404" pitchFamily="49" charset="0"/>
+              </a:rPr>
+              <a:t>        </a:t>
+            </a:r>
+            <a:r>
+              <a:rPr kumimoji="0" lang="fr-FR" altLang="fr-FR" b="0" i="0" u="none" strike="noStrike" cap="none" normalizeH="0" baseline="0" dirty="0" err="1">
+                <a:ln>
+                  <a:noFill/>
+                </a:ln>
+                <a:solidFill>
+                  <a:srgbClr val="A9B7C6"/>
+                </a:solidFill>
+                <a:effectLst/>
+                <a:latin typeface="Courier New" panose="02070309020205020404" pitchFamily="49" charset="0"/>
+                <a:cs typeface="Courier New" panose="02070309020205020404" pitchFamily="49" charset="0"/>
+              </a:rPr>
+              <a:t>optimizer.zero_grad</a:t>
+            </a:r>
+            <a:r>
+              <a:rPr kumimoji="0" lang="fr-FR" altLang="fr-FR" b="0" i="0" u="none" strike="noStrike" cap="none" normalizeH="0" baseline="0" dirty="0">
+                <a:ln>
+                  <a:noFill/>
+                </a:ln>
+                <a:solidFill>
+                  <a:srgbClr val="A9B7C6"/>
+                </a:solidFill>
+                <a:effectLst/>
+                <a:latin typeface="Courier New" panose="02070309020205020404" pitchFamily="49" charset="0"/>
+                <a:cs typeface="Courier New" panose="02070309020205020404" pitchFamily="49" charset="0"/>
+              </a:rPr>
+              <a:t>()</a:t>
+            </a:r>
+            <a:br>
+              <a:rPr kumimoji="0" lang="fr-FR" altLang="fr-FR" b="0" i="0" u="none" strike="noStrike" cap="none" normalizeH="0" baseline="0" dirty="0">
+                <a:ln>
+                  <a:noFill/>
+                </a:ln>
+                <a:solidFill>
+                  <a:srgbClr val="A9B7C6"/>
+                </a:solidFill>
+                <a:effectLst/>
+                <a:latin typeface="Courier New" panose="02070309020205020404" pitchFamily="49" charset="0"/>
+                <a:cs typeface="Courier New" panose="02070309020205020404" pitchFamily="49" charset="0"/>
+              </a:rPr>
+            </a:br>
+            <a:r>
+              <a:rPr kumimoji="0" lang="fr-FR" altLang="fr-FR" b="0" i="0" u="none" strike="noStrike" cap="none" normalizeH="0" baseline="0" dirty="0">
+                <a:ln>
+                  <a:noFill/>
+                </a:ln>
+                <a:solidFill>
+                  <a:srgbClr val="A9B7C6"/>
+                </a:solidFill>
+                <a:effectLst/>
+                <a:latin typeface="Courier New" panose="02070309020205020404" pitchFamily="49" charset="0"/>
+                <a:cs typeface="Courier New" panose="02070309020205020404" pitchFamily="49" charset="0"/>
+              </a:rPr>
+              <a:t>        output = model(inputs)</a:t>
+            </a:r>
+            <a:br>
+              <a:rPr kumimoji="0" lang="fr-FR" altLang="fr-FR" b="0" i="0" u="none" strike="noStrike" cap="none" normalizeH="0" baseline="0" dirty="0">
+                <a:ln>
+                  <a:noFill/>
+                </a:ln>
+                <a:solidFill>
+                  <a:srgbClr val="A9B7C6"/>
+                </a:solidFill>
+                <a:effectLst/>
+                <a:latin typeface="Courier New" panose="02070309020205020404" pitchFamily="49" charset="0"/>
+                <a:cs typeface="Courier New" panose="02070309020205020404" pitchFamily="49" charset="0"/>
+              </a:rPr>
+            </a:br>
+            <a:r>
+              <a:rPr kumimoji="0" lang="fr-FR" altLang="fr-FR" b="0" i="0" u="none" strike="noStrike" cap="none" normalizeH="0" baseline="0" dirty="0">
+                <a:ln>
+                  <a:noFill/>
+                </a:ln>
+                <a:solidFill>
+                  <a:srgbClr val="A9B7C6"/>
+                </a:solidFill>
+                <a:effectLst/>
+                <a:latin typeface="Courier New" panose="02070309020205020404" pitchFamily="49" charset="0"/>
+                <a:cs typeface="Courier New" panose="02070309020205020404" pitchFamily="49" charset="0"/>
+              </a:rPr>
+              <a:t>        </a:t>
+            </a:r>
+            <a:r>
+              <a:rPr kumimoji="0" lang="fr-FR" altLang="fr-FR" b="0" i="0" u="none" strike="noStrike" cap="none" normalizeH="0" baseline="0" dirty="0" err="1">
+                <a:ln>
+                  <a:noFill/>
+                </a:ln>
+                <a:solidFill>
+                  <a:srgbClr val="A9B7C6"/>
+                </a:solidFill>
+                <a:effectLst/>
+                <a:latin typeface="Courier New" panose="02070309020205020404" pitchFamily="49" charset="0"/>
+                <a:cs typeface="Courier New" panose="02070309020205020404" pitchFamily="49" charset="0"/>
+              </a:rPr>
+              <a:t>loss</a:t>
+            </a:r>
+            <a:r>
+              <a:rPr kumimoji="0" lang="fr-FR" altLang="fr-FR" b="0" i="0" u="none" strike="noStrike" cap="none" normalizeH="0" baseline="0" dirty="0">
+                <a:ln>
+                  <a:noFill/>
+                </a:ln>
+                <a:solidFill>
+                  <a:srgbClr val="A9B7C6"/>
+                </a:solidFill>
+                <a:effectLst/>
+                <a:latin typeface="Courier New" panose="02070309020205020404" pitchFamily="49" charset="0"/>
+                <a:cs typeface="Courier New" panose="02070309020205020404" pitchFamily="49" charset="0"/>
+              </a:rPr>
+              <a:t> = </a:t>
+            </a:r>
+            <a:r>
+              <a:rPr kumimoji="0" lang="fr-FR" altLang="fr-FR" b="0" i="0" u="none" strike="noStrike" cap="none" normalizeH="0" baseline="0" dirty="0" err="1">
+                <a:ln>
+                  <a:noFill/>
+                </a:ln>
+                <a:solidFill>
+                  <a:srgbClr val="A9B7C6"/>
+                </a:solidFill>
+                <a:effectLst/>
+                <a:latin typeface="Courier New" panose="02070309020205020404" pitchFamily="49" charset="0"/>
+                <a:cs typeface="Courier New" panose="02070309020205020404" pitchFamily="49" charset="0"/>
+              </a:rPr>
+              <a:t>loss_fn</a:t>
+            </a:r>
+            <a:r>
+              <a:rPr kumimoji="0" lang="fr-FR" altLang="fr-FR" b="0" i="0" u="none" strike="noStrike" cap="none" normalizeH="0" baseline="0" dirty="0">
+                <a:ln>
+                  <a:noFill/>
+                </a:ln>
+                <a:solidFill>
+                  <a:srgbClr val="A9B7C6"/>
+                </a:solidFill>
+                <a:effectLst/>
+                <a:latin typeface="Courier New" panose="02070309020205020404" pitchFamily="49" charset="0"/>
+                <a:cs typeface="Courier New" panose="02070309020205020404" pitchFamily="49" charset="0"/>
+              </a:rPr>
+              <a:t>(output</a:t>
+            </a:r>
+            <a:r>
+              <a:rPr kumimoji="0" lang="fr-FR" altLang="fr-FR" b="0" i="0" u="none" strike="noStrike" cap="none" normalizeH="0" baseline="0" dirty="0">
+                <a:ln>
+                  <a:noFill/>
+                </a:ln>
+                <a:solidFill>
+                  <a:srgbClr val="CC7832"/>
+                </a:solidFill>
+                <a:effectLst/>
+                <a:latin typeface="Courier New" panose="02070309020205020404" pitchFamily="49" charset="0"/>
+                <a:cs typeface="Courier New" panose="02070309020205020404" pitchFamily="49" charset="0"/>
+              </a:rPr>
+              <a:t>, </a:t>
+            </a:r>
+            <a:r>
+              <a:rPr kumimoji="0" lang="fr-FR" altLang="fr-FR" b="0" i="0" u="none" strike="noStrike" cap="none" normalizeH="0" baseline="0" dirty="0" err="1">
+                <a:ln>
+                  <a:noFill/>
+                </a:ln>
+                <a:solidFill>
+                  <a:srgbClr val="A9B7C6"/>
+                </a:solidFill>
+                <a:effectLst/>
+                <a:latin typeface="Courier New" panose="02070309020205020404" pitchFamily="49" charset="0"/>
+                <a:cs typeface="Courier New" panose="02070309020205020404" pitchFamily="49" charset="0"/>
+              </a:rPr>
+              <a:t>targets</a:t>
+            </a:r>
+            <a:r>
+              <a:rPr kumimoji="0" lang="fr-FR" altLang="fr-FR" b="0" i="0" u="none" strike="noStrike" cap="none" normalizeH="0" baseline="0" dirty="0">
+                <a:ln>
+                  <a:noFill/>
+                </a:ln>
+                <a:solidFill>
+                  <a:srgbClr val="A9B7C6"/>
+                </a:solidFill>
+                <a:effectLst/>
+                <a:latin typeface="Courier New" panose="02070309020205020404" pitchFamily="49" charset="0"/>
+                <a:cs typeface="Courier New" panose="02070309020205020404" pitchFamily="49" charset="0"/>
+              </a:rPr>
+              <a:t>)</a:t>
+            </a:r>
+            <a:br>
+              <a:rPr kumimoji="0" lang="fr-FR" altLang="fr-FR" b="0" i="0" u="none" strike="noStrike" cap="none" normalizeH="0" baseline="0" dirty="0">
+                <a:ln>
+                  <a:noFill/>
+                </a:ln>
+                <a:solidFill>
+                  <a:srgbClr val="A9B7C6"/>
+                </a:solidFill>
+                <a:effectLst/>
+                <a:latin typeface="Courier New" panose="02070309020205020404" pitchFamily="49" charset="0"/>
+                <a:cs typeface="Courier New" panose="02070309020205020404" pitchFamily="49" charset="0"/>
+              </a:rPr>
+            </a:br>
+            <a:r>
+              <a:rPr kumimoji="0" lang="fr-FR" altLang="fr-FR" b="0" i="0" u="none" strike="noStrike" cap="none" normalizeH="0" baseline="0" dirty="0">
+                <a:ln>
+                  <a:noFill/>
+                </a:ln>
+                <a:solidFill>
+                  <a:srgbClr val="A9B7C6"/>
+                </a:solidFill>
+                <a:effectLst/>
+                <a:latin typeface="Courier New" panose="02070309020205020404" pitchFamily="49" charset="0"/>
+                <a:cs typeface="Courier New" panose="02070309020205020404" pitchFamily="49" charset="0"/>
+              </a:rPr>
+              <a:t>        </a:t>
+            </a:r>
+            <a:r>
+              <a:rPr kumimoji="0" lang="fr-FR" altLang="fr-FR" b="0" i="0" u="none" strike="noStrike" cap="none" normalizeH="0" baseline="0" dirty="0" err="1">
+                <a:ln>
+                  <a:noFill/>
+                </a:ln>
+                <a:solidFill>
+                  <a:srgbClr val="A9B7C6"/>
+                </a:solidFill>
+                <a:effectLst/>
+                <a:latin typeface="Courier New" panose="02070309020205020404" pitchFamily="49" charset="0"/>
+                <a:cs typeface="Courier New" panose="02070309020205020404" pitchFamily="49" charset="0"/>
+              </a:rPr>
+              <a:t>loss.backward</a:t>
+            </a:r>
+            <a:r>
+              <a:rPr kumimoji="0" lang="fr-FR" altLang="fr-FR" b="0" i="0" u="none" strike="noStrike" cap="none" normalizeH="0" baseline="0" dirty="0">
+                <a:ln>
+                  <a:noFill/>
+                </a:ln>
+                <a:solidFill>
+                  <a:srgbClr val="A9B7C6"/>
+                </a:solidFill>
+                <a:effectLst/>
+                <a:latin typeface="Courier New" panose="02070309020205020404" pitchFamily="49" charset="0"/>
+                <a:cs typeface="Courier New" panose="02070309020205020404" pitchFamily="49" charset="0"/>
+              </a:rPr>
+              <a:t>()</a:t>
+            </a:r>
+            <a:br>
+              <a:rPr kumimoji="0" lang="fr-FR" altLang="fr-FR" b="0" i="0" u="none" strike="noStrike" cap="none" normalizeH="0" baseline="0" dirty="0">
+                <a:ln>
+                  <a:noFill/>
+                </a:ln>
+                <a:solidFill>
+                  <a:srgbClr val="A9B7C6"/>
+                </a:solidFill>
+                <a:effectLst/>
+                <a:latin typeface="Courier New" panose="02070309020205020404" pitchFamily="49" charset="0"/>
+                <a:cs typeface="Courier New" panose="02070309020205020404" pitchFamily="49" charset="0"/>
+              </a:rPr>
+            </a:br>
+            <a:r>
+              <a:rPr kumimoji="0" lang="fr-FR" altLang="fr-FR" b="0" i="0" u="none" strike="noStrike" cap="none" normalizeH="0" baseline="0" dirty="0">
+                <a:ln>
+                  <a:noFill/>
+                </a:ln>
+                <a:solidFill>
+                  <a:srgbClr val="A9B7C6"/>
+                </a:solidFill>
+                <a:effectLst/>
+                <a:latin typeface="Courier New" panose="02070309020205020404" pitchFamily="49" charset="0"/>
+                <a:cs typeface="Courier New" panose="02070309020205020404" pitchFamily="49" charset="0"/>
+              </a:rPr>
+              <a:t>        </a:t>
+            </a:r>
+            <a:r>
+              <a:rPr kumimoji="0" lang="fr-FR" altLang="fr-FR" b="0" i="0" u="none" strike="noStrike" cap="none" normalizeH="0" baseline="0" dirty="0" err="1">
+                <a:ln>
+                  <a:noFill/>
+                </a:ln>
+                <a:solidFill>
+                  <a:srgbClr val="A9B7C6"/>
+                </a:solidFill>
+                <a:effectLst/>
+                <a:latin typeface="Courier New" panose="02070309020205020404" pitchFamily="49" charset="0"/>
+                <a:cs typeface="Courier New" panose="02070309020205020404" pitchFamily="49" charset="0"/>
+              </a:rPr>
+              <a:t>optimizer.step</a:t>
+            </a:r>
+            <a:r>
+              <a:rPr kumimoji="0" lang="fr-FR" altLang="fr-FR" b="0" i="0" u="none" strike="noStrike" cap="none" normalizeH="0" baseline="0" dirty="0">
+                <a:ln>
+                  <a:noFill/>
+                </a:ln>
+                <a:solidFill>
+                  <a:srgbClr val="A9B7C6"/>
+                </a:solidFill>
+                <a:effectLst/>
+                <a:latin typeface="Courier New" panose="02070309020205020404" pitchFamily="49" charset="0"/>
+                <a:cs typeface="Courier New" panose="02070309020205020404" pitchFamily="49" charset="0"/>
+              </a:rPr>
+              <a:t>()</a:t>
+            </a:r>
+            <a:endParaRPr kumimoji="0" lang="fr-FR" altLang="fr-FR" sz="4000" b="0" i="0" u="none" strike="noStrike" cap="none" normalizeH="0" baseline="0" dirty="0">
+              <a:ln>
+                <a:noFill/>
+              </a:ln>
+              <a:solidFill>
+                <a:schemeClr val="tx1"/>
+              </a:solidFill>
+              <a:effectLst/>
+              <a:latin typeface="Courier New" panose="02070309020205020404" pitchFamily="49" charset="0"/>
+              <a:cs typeface="Courier New" panose="02070309020205020404" pitchFamily="49" charset="0"/>
+            </a:endParaRPr>
+          </a:p>
+        </p:txBody>
+      </p:sp>
+      <p:sp>
+        <p:nvSpPr>
+          <p:cNvPr id="10" name="Rectangle 4">
+            <a:extLst>
+              <a:ext uri="{FF2B5EF4-FFF2-40B4-BE49-F238E27FC236}">
+                <a16:creationId xmlns:a16="http://schemas.microsoft.com/office/drawing/2014/main" id="{88012DB3-6428-1A8A-AC20-8F072A698711}"/>
+              </a:ext>
+            </a:extLst>
+          </p:cNvPr>
+          <p:cNvSpPr>
+            <a:spLocks noChangeArrowheads="1"/>
+          </p:cNvSpPr>
+          <p:nvPr/>
+        </p:nvSpPr>
+        <p:spPr bwMode="auto">
+          <a:xfrm>
+            <a:off x="1228725" y="5120698"/>
+            <a:ext cx="9734550" cy="861774"/>
+          </a:xfrm>
+          <a:prstGeom prst="rect">
+            <a:avLst/>
+          </a:prstGeom>
+          <a:noFill/>
+          <a:ln>
+            <a:noFill/>
+          </a:ln>
+          <a:effectLst/>
+          <a:extLst>
+            <a:ext uri="{909E8E84-426E-40DD-AFC4-6F175D3DCCD1}">
+              <a14:hiddenFill xmlns:a14="http://schemas.microsoft.com/office/drawing/2010/main">
+                <a:solidFill>
+                  <a:schemeClr val="accent1"/>
+                </a:solidFill>
+              </a14:hiddenFill>
+            </a:ext>
+            <a:ext uri="{91240B29-F687-4F45-9708-019B960494DF}">
+              <a14:hiddenLine xmlns:a14="http://schemas.microsoft.com/office/drawing/2010/main" w="9525">
+                <a:solidFill>
+                  <a:schemeClr val="tx1"/>
+                </a:solidFill>
+                <a:miter lim="800000"/>
+                <a:headEnd/>
+                <a:tailEnd/>
+              </a14:hiddenLine>
+            </a:ext>
+            <a:ext uri="{AF507438-7753-43E0-B8FC-AC1667EBCBE1}">
+              <a14:hiddenEffects xmlns:a14="http://schemas.microsoft.com/office/drawing/2010/main">
+                <a:effectLst>
+                  <a:outerShdw dist="35921" dir="2700000" algn="ctr" rotWithShape="0">
+                    <a:schemeClr val="bg2"/>
+                  </a:outerShdw>
+                </a:effectLst>
+              </a14:hiddenEffects>
+            </a:ext>
+          </a:extLst>
+        </p:spPr>
+        <p:txBody>
+          <a:bodyPr vert="horz" wrap="square" lIns="0" tIns="0" rIns="0" bIns="0" numCol="1" anchor="ctr" anchorCtr="0" compatLnSpc="1">
+            <a:prstTxWarp prst="textNoShape">
+              <a:avLst/>
+            </a:prstTxWarp>
+            <a:spAutoFit/>
+          </a:bodyPr>
+          <a:lstStyle>
+            <a:lvl1pPr eaLnBrk="0" fontAlgn="base" hangingPunct="0">
+              <a:spcBef>
+                <a:spcPct val="0"/>
+              </a:spcBef>
+              <a:spcAft>
+                <a:spcPct val="0"/>
+              </a:spcAft>
+              <a:defRPr>
+                <a:solidFill>
+                  <a:schemeClr val="tx1"/>
+                </a:solidFill>
+                <a:latin typeface="Arial" panose="020B0604020202020204" pitchFamily="34" charset="0"/>
+              </a:defRPr>
+            </a:lvl1pPr>
+            <a:lvl2pPr eaLnBrk="0" fontAlgn="base" hangingPunct="0">
+              <a:spcBef>
+                <a:spcPct val="0"/>
+              </a:spcBef>
+              <a:spcAft>
+                <a:spcPct val="0"/>
+              </a:spcAft>
+              <a:defRPr>
+                <a:solidFill>
+                  <a:schemeClr val="tx1"/>
+                </a:solidFill>
+                <a:latin typeface="Arial" panose="020B0604020202020204" pitchFamily="34" charset="0"/>
+              </a:defRPr>
+            </a:lvl2pPr>
+            <a:lvl3pPr eaLnBrk="0" fontAlgn="base" hangingPunct="0">
+              <a:spcBef>
+                <a:spcPct val="0"/>
+              </a:spcBef>
+              <a:spcAft>
+                <a:spcPct val="0"/>
+              </a:spcAft>
+              <a:defRPr>
+                <a:solidFill>
+                  <a:schemeClr val="tx1"/>
+                </a:solidFill>
+                <a:latin typeface="Arial" panose="020B0604020202020204" pitchFamily="34" charset="0"/>
+              </a:defRPr>
+            </a:lvl3pPr>
+            <a:lvl4pPr eaLnBrk="0" fontAlgn="base" hangingPunct="0">
+              <a:spcBef>
+                <a:spcPct val="0"/>
+              </a:spcBef>
+              <a:spcAft>
+                <a:spcPct val="0"/>
+              </a:spcAft>
+              <a:defRPr>
+                <a:solidFill>
+                  <a:schemeClr val="tx1"/>
+                </a:solidFill>
+                <a:latin typeface="Arial" panose="020B0604020202020204" pitchFamily="34" charset="0"/>
+              </a:defRPr>
+            </a:lvl4pPr>
+            <a:lvl5pPr eaLnBrk="0" fontAlgn="base" hangingPunct="0">
+              <a:spcBef>
+                <a:spcPct val="0"/>
+              </a:spcBef>
+              <a:spcAft>
+                <a:spcPct val="0"/>
+              </a:spcAft>
+              <a:defRPr>
+                <a:solidFill>
+                  <a:schemeClr val="tx1"/>
+                </a:solidFill>
+                <a:latin typeface="Arial" panose="020B0604020202020204" pitchFamily="34" charset="0"/>
+              </a:defRPr>
+            </a:lvl5pPr>
+            <a:lvl6pPr eaLnBrk="0" fontAlgn="base" hangingPunct="0">
+              <a:spcBef>
+                <a:spcPct val="0"/>
+              </a:spcBef>
+              <a:spcAft>
+                <a:spcPct val="0"/>
+              </a:spcAft>
+              <a:defRPr>
+                <a:solidFill>
+                  <a:schemeClr val="tx1"/>
+                </a:solidFill>
+                <a:latin typeface="Arial" panose="020B0604020202020204" pitchFamily="34" charset="0"/>
+              </a:defRPr>
+            </a:lvl6pPr>
+            <a:lvl7pPr eaLnBrk="0" fontAlgn="base" hangingPunct="0">
+              <a:spcBef>
+                <a:spcPct val="0"/>
+              </a:spcBef>
+              <a:spcAft>
+                <a:spcPct val="0"/>
+              </a:spcAft>
+              <a:defRPr>
+                <a:solidFill>
+                  <a:schemeClr val="tx1"/>
+                </a:solidFill>
+                <a:latin typeface="Arial" panose="020B0604020202020204" pitchFamily="34" charset="0"/>
+              </a:defRPr>
+            </a:lvl7pPr>
+            <a:lvl8pPr eaLnBrk="0" fontAlgn="base" hangingPunct="0">
+              <a:spcBef>
+                <a:spcPct val="0"/>
+              </a:spcBef>
+              <a:spcAft>
+                <a:spcPct val="0"/>
+              </a:spcAft>
+              <a:defRPr>
+                <a:solidFill>
+                  <a:schemeClr val="tx1"/>
+                </a:solidFill>
+                <a:latin typeface="Arial" panose="020B0604020202020204" pitchFamily="34" charset="0"/>
+              </a:defRPr>
+            </a:lvl8pPr>
+            <a:lvl9pPr eaLnBrk="0" fontAlgn="base" hangingPunct="0">
+              <a:spcBef>
+                <a:spcPct val="0"/>
+              </a:spcBef>
+              <a:spcAft>
+                <a:spcPct val="0"/>
+              </a:spcAft>
+              <a:defRPr>
+                <a:solidFill>
+                  <a:schemeClr val="tx1"/>
+                </a:solidFill>
+                <a:latin typeface="Arial" panose="020B0604020202020204" pitchFamily="34" charset="0"/>
+              </a:defRPr>
+            </a:lvl9pPr>
+          </a:lstStyle>
+          <a:p>
+            <a:pPr marL="0" marR="0" lvl="0" indent="0" algn="l" defTabSz="914400" rtl="0" eaLnBrk="0" fontAlgn="base" latinLnBrk="0" hangingPunct="0">
+              <a:lnSpc>
+                <a:spcPct val="100000"/>
+              </a:lnSpc>
+              <a:spcBef>
+                <a:spcPct val="0"/>
+              </a:spcBef>
+              <a:spcAft>
+                <a:spcPct val="0"/>
+              </a:spcAft>
+              <a:buClrTx/>
+              <a:buSzTx/>
+              <a:buFontTx/>
+              <a:buNone/>
+              <a:tabLst/>
+            </a:pPr>
+            <a:r>
+              <a:rPr lang="fr-FR" altLang="fr-FR" sz="2800" dirty="0">
+                <a:latin typeface="+mn-lt"/>
+              </a:rPr>
+              <a:t>-&gt; this </a:t>
+            </a:r>
+            <a:r>
+              <a:rPr lang="fr-FR" altLang="fr-FR" sz="2800" dirty="0" err="1">
+                <a:latin typeface="+mn-lt"/>
+              </a:rPr>
+              <a:t>example</a:t>
+            </a:r>
+            <a:r>
+              <a:rPr lang="fr-FR" altLang="fr-FR" sz="2800" dirty="0">
+                <a:latin typeface="+mn-lt"/>
+              </a:rPr>
+              <a:t> pushes the </a:t>
+            </a:r>
+            <a:r>
+              <a:rPr lang="fr-FR" altLang="fr-FR" sz="2800" dirty="0" err="1">
+                <a:latin typeface="+mn-lt"/>
+              </a:rPr>
+              <a:t>stochasticity</a:t>
+            </a:r>
+            <a:r>
+              <a:rPr lang="fr-FR" altLang="fr-FR" sz="2800" dirty="0">
+                <a:latin typeface="+mn-lt"/>
+              </a:rPr>
+              <a:t> to the </a:t>
+            </a:r>
+            <a:r>
+              <a:rPr lang="fr-FR" altLang="fr-FR" sz="2800" dirty="0" err="1">
+                <a:latin typeface="+mn-lt"/>
+              </a:rPr>
+              <a:t>limit</a:t>
+            </a:r>
+            <a:r>
+              <a:rPr lang="fr-FR" altLang="fr-FR" sz="2800" dirty="0">
+                <a:latin typeface="+mn-lt"/>
+              </a:rPr>
+              <a:t> by </a:t>
+            </a:r>
+            <a:r>
+              <a:rPr lang="fr-FR" altLang="fr-FR" sz="2800" dirty="0" err="1">
+                <a:latin typeface="+mn-lt"/>
+              </a:rPr>
+              <a:t>computing</a:t>
+            </a:r>
+            <a:r>
+              <a:rPr lang="fr-FR" altLang="fr-FR" sz="2800" dirty="0">
+                <a:latin typeface="+mn-lt"/>
+              </a:rPr>
+              <a:t> gradients on single </a:t>
+            </a:r>
+            <a:r>
+              <a:rPr lang="fr-FR" altLang="fr-FR" sz="2800" dirty="0" err="1">
+                <a:latin typeface="+mn-lt"/>
+              </a:rPr>
+              <a:t>samples</a:t>
+            </a:r>
+            <a:r>
+              <a:rPr lang="fr-FR" altLang="fr-FR" sz="2800" dirty="0">
+                <a:latin typeface="+mn-lt"/>
+              </a:rPr>
+              <a:t> (for input, </a:t>
+            </a:r>
+            <a:r>
+              <a:rPr lang="fr-FR" altLang="fr-FR" sz="2800" dirty="0" err="1">
+                <a:latin typeface="+mn-lt"/>
+              </a:rPr>
+              <a:t>target</a:t>
+            </a:r>
+            <a:r>
+              <a:rPr lang="fr-FR" altLang="fr-FR" sz="2800" dirty="0">
+                <a:latin typeface="+mn-lt"/>
+              </a:rPr>
+              <a:t> in </a:t>
+            </a:r>
+            <a:r>
+              <a:rPr lang="fr-FR" altLang="fr-FR" sz="2800" dirty="0" err="1">
+                <a:latin typeface="+mn-lt"/>
+              </a:rPr>
+              <a:t>dataset</a:t>
+            </a:r>
+            <a:r>
+              <a:rPr lang="fr-FR" altLang="fr-FR" sz="2800" dirty="0">
+                <a:latin typeface="+mn-lt"/>
+              </a:rPr>
+              <a:t>). </a:t>
+            </a:r>
+          </a:p>
+        </p:txBody>
+      </p:sp>
+      <mc:AlternateContent xmlns:mc="http://schemas.openxmlformats.org/markup-compatibility/2006" xmlns:p14="http://schemas.microsoft.com/office/powerpoint/2010/main">
+        <mc:Choice Requires="p14">
+          <p:contentPart p14:bwMode="auto" r:id="rId2">
+            <p14:nvContentPartPr>
+              <p14:cNvPr id="15" name="Ink 14">
+                <a:extLst>
+                  <a:ext uri="{FF2B5EF4-FFF2-40B4-BE49-F238E27FC236}">
+                    <a16:creationId xmlns:a16="http://schemas.microsoft.com/office/drawing/2014/main" id="{7E315CE1-FC83-B914-56D3-0BC9FF2D9815}"/>
+                  </a:ext>
+                </a:extLst>
+              </p14:cNvPr>
+              <p14:cNvContentPartPr/>
+              <p14:nvPr/>
+            </p14:nvContentPartPr>
+            <p14:xfrm>
+              <a:off x="6984995" y="1552384"/>
+              <a:ext cx="3444840" cy="1696320"/>
+            </p14:xfrm>
+          </p:contentPart>
+        </mc:Choice>
+        <mc:Fallback xmlns="">
+          <p:pic>
+            <p:nvPicPr>
+              <p:cNvPr id="15" name="Ink 14">
+                <a:extLst>
+                  <a:ext uri="{FF2B5EF4-FFF2-40B4-BE49-F238E27FC236}">
+                    <a16:creationId xmlns:a16="http://schemas.microsoft.com/office/drawing/2014/main" id="{7E315CE1-FC83-B914-56D3-0BC9FF2D9815}"/>
+                  </a:ext>
+                </a:extLst>
+              </p:cNvPr>
+              <p:cNvPicPr/>
+              <p:nvPr/>
+            </p:nvPicPr>
+            <p:blipFill>
+              <a:blip r:embed="rId3"/>
+              <a:stretch>
+                <a:fillRect/>
+              </a:stretch>
+            </p:blipFill>
+            <p:spPr>
+              <a:xfrm>
+                <a:off x="6949355" y="1516384"/>
+                <a:ext cx="3516480" cy="1767960"/>
+              </a:xfrm>
+              <a:prstGeom prst="rect">
+                <a:avLst/>
+              </a:prstGeom>
+            </p:spPr>
+          </p:pic>
+        </mc:Fallback>
+      </mc:AlternateContent>
+    </p:spTree>
+    <p:extLst>
+      <p:ext uri="{BB962C8B-B14F-4D97-AF65-F5344CB8AC3E}">
+        <p14:creationId xmlns:p14="http://schemas.microsoft.com/office/powerpoint/2010/main" val="2352128712"/>
+      </p:ext>
+    </p:extLst>
+  </p:cSld>
+  <p:clrMapOvr>
+    <a:masterClrMapping/>
+  </p:clrMapOvr>
+  <mc:AlternateContent xmlns:mc="http://schemas.openxmlformats.org/markup-compatibility/2006" xmlns:p14="http://schemas.microsoft.com/office/powerpoint/2010/main">
+    <mc:Choice Requires="p14">
+      <p:transition spd="med" p14:dur="700">
+        <p:fade/>
+      </p:transition>
+    </mc:Choice>
+    <mc:Fallback xmlns="">
+      <p:transition spd="med">
+        <p:fade/>
+      </p:transition>
+    </mc:Fallback>
+  </mc:AlternateContent>
+  <p:timing>
+    <p:tnLst>
+      <p:par>
+        <p:cTn id="1" dur="indefinite" restart="never" nodeType="tmRoot">
+          <p:childTnLst>
+            <p:seq concurrent="1" nextAc="seek">
+              <p:cTn id="2" dur="indefinite" nodeType="mainSeq">
+                <p:childTnLst>
+                  <p:par>
+                    <p:cTn id="3" fill="hold">
+                      <p:stCondLst>
+                        <p:cond delay="indefinite"/>
+                      </p:stCondLst>
+                      <p:childTnLst>
+                        <p:par>
+                          <p:cTn id="4" fill="hold">
+                            <p:stCondLst>
+                              <p:cond delay="0"/>
+                            </p:stCondLst>
+                            <p:childTnLst>
+                              <p:par>
+                                <p:cTn id="5" presetID="10" presetClass="entr" presetSubtype="0" fill="hold" nodeType="clickEffect">
+                                  <p:stCondLst>
+                                    <p:cond delay="0"/>
+                                  </p:stCondLst>
+                                  <p:childTnLst>
+                                    <p:set>
+                                      <p:cBhvr>
+                                        <p:cTn id="6" dur="1" fill="hold">
+                                          <p:stCondLst>
+                                            <p:cond delay="0"/>
+                                          </p:stCondLst>
+                                        </p:cTn>
+                                        <p:tgtEl>
+                                          <p:spTgt spid="15"/>
+                                        </p:tgtEl>
+                                        <p:attrNameLst>
+                                          <p:attrName>style.visibility</p:attrName>
+                                        </p:attrNameLst>
+                                      </p:cBhvr>
+                                      <p:to>
+                                        <p:strVal val="visible"/>
+                                      </p:to>
+                                    </p:set>
+                                    <p:animEffect transition="in" filter="fade">
+                                      <p:cBhvr>
+                                        <p:cTn id="7" dur="500"/>
+                                        <p:tgtEl>
+                                          <p:spTgt spid="15"/>
+                                        </p:tgtEl>
+                                      </p:cBhvr>
+                                    </p:animEffect>
+                                  </p:childTnLst>
+                                </p:cTn>
+                              </p:par>
+                            </p:childTnLst>
+                          </p:cTn>
+                        </p:par>
+                      </p:childTnLst>
+                    </p:cTn>
+                  </p:par>
+                  <p:par>
+                    <p:cTn id="8" fill="hold">
+                      <p:stCondLst>
+                        <p:cond delay="indefinite"/>
+                      </p:stCondLst>
+                      <p:childTnLst>
+                        <p:par>
+                          <p:cTn id="9" fill="hold">
+                            <p:stCondLst>
+                              <p:cond delay="0"/>
+                            </p:stCondLst>
+                            <p:childTnLst>
+                              <p:par>
+                                <p:cTn id="10" presetID="10" presetClass="entr" presetSubtype="0" fill="hold" grpId="0" nodeType="clickEffect">
+                                  <p:stCondLst>
+                                    <p:cond delay="0"/>
+                                  </p:stCondLst>
+                                  <p:childTnLst>
+                                    <p:set>
+                                      <p:cBhvr>
+                                        <p:cTn id="11" dur="1" fill="hold">
+                                          <p:stCondLst>
+                                            <p:cond delay="0"/>
+                                          </p:stCondLst>
+                                        </p:cTn>
+                                        <p:tgtEl>
+                                          <p:spTgt spid="10"/>
+                                        </p:tgtEl>
+                                        <p:attrNameLst>
+                                          <p:attrName>style.visibility</p:attrName>
+                                        </p:attrNameLst>
+                                      </p:cBhvr>
+                                      <p:to>
+                                        <p:strVal val="visible"/>
+                                      </p:to>
+                                    </p:set>
+                                    <p:animEffect transition="in" filter="fade">
+                                      <p:cBhvr>
+                                        <p:cTn id="12" dur="500"/>
+                                        <p:tgtEl>
+                                          <p:spTgt spid="10"/>
+                                        </p:tgtEl>
+                                      </p:cBhvr>
+                                    </p:animEffect>
+                                  </p:childTnLst>
+                                </p:cTn>
+                              </p:par>
+                            </p:childTnLst>
+                          </p:cTn>
+                        </p:par>
+                      </p:childTnLst>
+                    </p:cTn>
+                  </p:par>
+                </p:childTnLst>
+              </p:cTn>
+              <p:prevCondLst>
+                <p:cond evt="onPrev" delay="0">
+                  <p:tgtEl>
+                    <p:sldTgt/>
+                  </p:tgtEl>
+                </p:cond>
+              </p:prevCondLst>
+              <p:nextCondLst>
+                <p:cond evt="onNext" delay="0">
+                  <p:tgtEl>
+                    <p:sldTgt/>
+                  </p:tgtEl>
+                </p:cond>
+              </p:nextCondLst>
+            </p:seq>
+          </p:childTnLst>
+        </p:cTn>
+      </p:par>
+    </p:tnLst>
+    <p:bldLst>
+      <p:bldP spid="10" grpId="0"/>
+    </p:bldLst>
+  </p:timing>
+</p:sld>
+</file>
+
+<file path=ppt/slides/slide6.xml><?xml version="1.0" encoding="utf-8"?>
+<p:sld xmlns:a="http://schemas.openxmlformats.org/drawingml/2006/main" xmlns:r="http://schemas.openxmlformats.org/officeDocument/2006/relationships" xmlns:p="http://schemas.openxmlformats.org/presentationml/2006/main">
+  <p:cSld>
+    <p:spTree>
+      <p:nvGrpSpPr>
+        <p:cNvPr id="1" name=""/>
+        <p:cNvGrpSpPr/>
+        <p:nvPr/>
+      </p:nvGrpSpPr>
+      <p:grpSpPr>
+        <a:xfrm>
+          <a:off x="0" y="0"/>
+          <a:ext cx="0" cy="0"/>
+          <a:chOff x="0" y="0"/>
+          <a:chExt cx="0" cy="0"/>
+        </a:xfrm>
+      </p:grpSpPr>
+      <p:sp>
+        <p:nvSpPr>
+          <p:cNvPr id="5" name="Title 4">
+            <a:extLst>
+              <a:ext uri="{FF2B5EF4-FFF2-40B4-BE49-F238E27FC236}">
+                <a16:creationId xmlns:a16="http://schemas.microsoft.com/office/drawing/2014/main" id="{64213D2F-A106-3319-AA98-37F0C11F906C}"/>
+              </a:ext>
+            </a:extLst>
+          </p:cNvPr>
+          <p:cNvSpPr>
+            <a:spLocks noGrp="1"/>
+          </p:cNvSpPr>
+          <p:nvPr>
+            <p:ph type="title"/>
+          </p:nvPr>
+        </p:nvSpPr>
+        <p:spPr/>
+        <p:txBody>
+          <a:bodyPr/>
+          <a:lstStyle/>
+          <a:p>
+            <a:r>
+              <a:rPr lang="en-US" dirty="0"/>
+              <a:t>SGD</a:t>
+            </a:r>
+          </a:p>
+        </p:txBody>
+      </p:sp>
+      <p:sp>
+        <p:nvSpPr>
+          <p:cNvPr id="9" name="Rectangle 3">
+            <a:extLst>
+              <a:ext uri="{FF2B5EF4-FFF2-40B4-BE49-F238E27FC236}">
+                <a16:creationId xmlns:a16="http://schemas.microsoft.com/office/drawing/2014/main" id="{14B5134B-8384-C137-708C-406B9F3D01D1}"/>
+              </a:ext>
+            </a:extLst>
+          </p:cNvPr>
+          <p:cNvSpPr>
+            <a:spLocks noChangeArrowheads="1"/>
+          </p:cNvSpPr>
+          <p:nvPr/>
+        </p:nvSpPr>
+        <p:spPr bwMode="auto">
+          <a:xfrm>
+            <a:off x="1024217" y="2001870"/>
+            <a:ext cx="10406903" cy="2585323"/>
+          </a:xfrm>
+          <a:prstGeom prst="rect">
+            <a:avLst/>
+          </a:prstGeom>
+          <a:solidFill>
+            <a:srgbClr val="2B2B2B"/>
+          </a:solidFill>
+          <a:ln>
+            <a:noFill/>
+          </a:ln>
+          <a:effectLst/>
+          <a:extLst>
+            <a:ext uri="{91240B29-F687-4F45-9708-019B960494DF}">
+              <a14:hiddenLine xmlns:a14="http://schemas.microsoft.com/office/drawing/2010/main" w="9525">
+                <a:solidFill>
+                  <a:schemeClr val="tx1"/>
+                </a:solidFill>
+                <a:miter lim="800000"/>
+                <a:headEnd/>
+                <a:tailEnd/>
+              </a14:hiddenLine>
+            </a:ext>
+            <a:ext uri="{AF507438-7753-43E0-B8FC-AC1667EBCBE1}">
+              <a14:hiddenEffects xmlns:a14="http://schemas.microsoft.com/office/drawing/2010/main">
+                <a:effectLst>
+                  <a:outerShdw dist="35921" dir="2700000" algn="ctr" rotWithShape="0">
+                    <a:schemeClr val="bg2"/>
+                  </a:outerShdw>
+                </a:effectLst>
+              </a14:hiddenEffects>
+            </a:ext>
+          </a:extLst>
+        </p:spPr>
+        <p:txBody>
+          <a:bodyPr vert="horz" wrap="square" lIns="91440" tIns="45720" rIns="91440" bIns="45720" numCol="1" anchor="ctr" anchorCtr="0" compatLnSpc="1">
+            <a:prstTxWarp prst="textNoShape">
+              <a:avLst/>
+            </a:prstTxWarp>
+            <a:spAutoFit/>
+          </a:bodyPr>
+          <a:lstStyle/>
+          <a:p>
+            <a:pPr eaLnBrk="0" fontAlgn="base" hangingPunct="0">
+              <a:spcBef>
+                <a:spcPct val="0"/>
+              </a:spcBef>
+              <a:spcAft>
+                <a:spcPct val="0"/>
+              </a:spcAft>
+            </a:pPr>
+            <a:r>
+              <a:rPr kumimoji="0" lang="fr-FR" altLang="fr-FR" b="0" i="0" u="none" strike="noStrike" cap="none" normalizeH="0" baseline="0" dirty="0" err="1">
+                <a:ln>
+                  <a:noFill/>
+                </a:ln>
+                <a:solidFill>
+                  <a:srgbClr val="A9B7C6"/>
+                </a:solidFill>
+                <a:effectLst/>
+                <a:latin typeface="Courier New" panose="02070309020205020404" pitchFamily="49" charset="0"/>
+                <a:cs typeface="Courier New" panose="02070309020205020404" pitchFamily="49" charset="0"/>
+              </a:rPr>
+              <a:t>train_loader</a:t>
+            </a:r>
+            <a:r>
+              <a:rPr kumimoji="0" lang="fr-FR" altLang="fr-FR" b="0" i="0" u="none" strike="noStrike" cap="none" normalizeH="0" baseline="0" dirty="0">
+                <a:ln>
+                  <a:noFill/>
+                </a:ln>
+                <a:solidFill>
+                  <a:srgbClr val="A9B7C6"/>
+                </a:solidFill>
+                <a:effectLst/>
+                <a:latin typeface="Courier New" panose="02070309020205020404" pitchFamily="49" charset="0"/>
+                <a:cs typeface="Courier New" panose="02070309020205020404" pitchFamily="49" charset="0"/>
+              </a:rPr>
+              <a:t> = </a:t>
+            </a:r>
+            <a:r>
+              <a:rPr kumimoji="0" lang="fr-FR" altLang="fr-FR" b="0" i="0" u="none" strike="noStrike" cap="none" normalizeH="0" baseline="0" dirty="0" err="1">
+                <a:ln>
+                  <a:noFill/>
+                </a:ln>
+                <a:solidFill>
+                  <a:srgbClr val="A9B7C6"/>
+                </a:solidFill>
+                <a:effectLst/>
+                <a:latin typeface="Courier New" panose="02070309020205020404" pitchFamily="49" charset="0"/>
+                <a:cs typeface="Courier New" panose="02070309020205020404" pitchFamily="49" charset="0"/>
+              </a:rPr>
+              <a:t>DataLoader</a:t>
+            </a:r>
+            <a:r>
+              <a:rPr kumimoji="0" lang="fr-FR" altLang="fr-FR" b="0" i="0" u="none" strike="noStrike" cap="none" normalizeH="0" baseline="0" dirty="0">
+                <a:ln>
+                  <a:noFill/>
+                </a:ln>
+                <a:solidFill>
+                  <a:srgbClr val="A9B7C6"/>
+                </a:solidFill>
+                <a:effectLst/>
+                <a:latin typeface="Courier New" panose="02070309020205020404" pitchFamily="49" charset="0"/>
+                <a:cs typeface="Courier New" panose="02070309020205020404" pitchFamily="49" charset="0"/>
+              </a:rPr>
+              <a:t>(</a:t>
+            </a:r>
+            <a:r>
+              <a:rPr kumimoji="0" lang="fr-FR" altLang="fr-FR" b="0" i="0" u="none" strike="noStrike" cap="none" normalizeH="0" baseline="0" dirty="0" err="1">
+                <a:ln>
+                  <a:noFill/>
+                </a:ln>
+                <a:solidFill>
+                  <a:srgbClr val="AA4926"/>
+                </a:solidFill>
+                <a:effectLst/>
+                <a:latin typeface="Courier New" panose="02070309020205020404" pitchFamily="49" charset="0"/>
+                <a:cs typeface="Courier New" panose="02070309020205020404" pitchFamily="49" charset="0"/>
+              </a:rPr>
+              <a:t>dataset</a:t>
+            </a:r>
+            <a:r>
+              <a:rPr kumimoji="0" lang="fr-FR" altLang="fr-FR" b="0" i="0" u="none" strike="noStrike" cap="none" normalizeH="0" baseline="0" dirty="0">
+                <a:ln>
+                  <a:noFill/>
+                </a:ln>
+                <a:solidFill>
+                  <a:srgbClr val="A9B7C6"/>
+                </a:solidFill>
+                <a:effectLst/>
+                <a:latin typeface="Courier New" panose="02070309020205020404" pitchFamily="49" charset="0"/>
+                <a:cs typeface="Courier New" panose="02070309020205020404" pitchFamily="49" charset="0"/>
+              </a:rPr>
+              <a:t>=</a:t>
+            </a:r>
+            <a:r>
+              <a:rPr kumimoji="0" lang="fr-FR" altLang="fr-FR" b="0" i="0" u="none" strike="noStrike" cap="none" normalizeH="0" baseline="0" dirty="0" err="1">
+                <a:ln>
+                  <a:noFill/>
+                </a:ln>
+                <a:solidFill>
+                  <a:srgbClr val="A9B7C6"/>
+                </a:solidFill>
+                <a:effectLst/>
+                <a:latin typeface="Courier New" panose="02070309020205020404" pitchFamily="49" charset="0"/>
+                <a:cs typeface="Courier New" panose="02070309020205020404" pitchFamily="49" charset="0"/>
+              </a:rPr>
+              <a:t>train_data</a:t>
+            </a:r>
+            <a:r>
+              <a:rPr kumimoji="0" lang="fr-FR" altLang="fr-FR" b="0" i="0" u="none" strike="noStrike" cap="none" normalizeH="0" baseline="0" dirty="0">
+                <a:ln>
+                  <a:noFill/>
+                </a:ln>
+                <a:solidFill>
+                  <a:srgbClr val="CC7832"/>
+                </a:solidFill>
+                <a:effectLst/>
+                <a:latin typeface="Courier New" panose="02070309020205020404" pitchFamily="49" charset="0"/>
+                <a:cs typeface="Courier New" panose="02070309020205020404" pitchFamily="49" charset="0"/>
+              </a:rPr>
+              <a:t>, </a:t>
+            </a:r>
+            <a:r>
+              <a:rPr kumimoji="0" lang="fr-FR" altLang="fr-FR" b="0" i="0" u="none" strike="noStrike" cap="none" normalizeH="0" baseline="0" dirty="0" err="1">
+                <a:ln>
+                  <a:noFill/>
+                </a:ln>
+                <a:solidFill>
+                  <a:srgbClr val="AA4926"/>
+                </a:solidFill>
+                <a:effectLst/>
+                <a:latin typeface="Courier New" panose="02070309020205020404" pitchFamily="49" charset="0"/>
+                <a:cs typeface="Courier New" panose="02070309020205020404" pitchFamily="49" charset="0"/>
+              </a:rPr>
+              <a:t>batch_size</a:t>
+            </a:r>
+            <a:r>
+              <a:rPr kumimoji="0" lang="fr-FR" altLang="fr-FR" b="0" i="0" u="none" strike="noStrike" cap="none" normalizeH="0" baseline="0" dirty="0">
+                <a:ln>
+                  <a:noFill/>
+                </a:ln>
+                <a:solidFill>
+                  <a:srgbClr val="A9B7C6"/>
+                </a:solidFill>
+                <a:effectLst/>
+                <a:latin typeface="Courier New" panose="02070309020205020404" pitchFamily="49" charset="0"/>
+                <a:cs typeface="Courier New" panose="02070309020205020404" pitchFamily="49" charset="0"/>
+              </a:rPr>
+              <a:t>=</a:t>
+            </a:r>
+            <a:r>
+              <a:rPr kumimoji="0" lang="fr-FR" altLang="fr-FR" b="0" i="0" u="none" strike="noStrike" cap="none" normalizeH="0" baseline="0" dirty="0">
+                <a:ln>
+                  <a:noFill/>
+                </a:ln>
+                <a:solidFill>
+                  <a:srgbClr val="6897BB"/>
+                </a:solidFill>
+                <a:effectLst/>
+                <a:latin typeface="Courier New" panose="02070309020205020404" pitchFamily="49" charset="0"/>
+                <a:cs typeface="Courier New" panose="02070309020205020404" pitchFamily="49" charset="0"/>
+              </a:rPr>
+              <a:t>32</a:t>
+            </a:r>
+            <a:r>
+              <a:rPr kumimoji="0" lang="fr-FR" altLang="fr-FR" b="0" i="0" u="none" strike="noStrike" cap="none" normalizeH="0" baseline="0" dirty="0">
+                <a:ln>
+                  <a:noFill/>
+                </a:ln>
+                <a:solidFill>
+                  <a:srgbClr val="CC7832"/>
+                </a:solidFill>
+                <a:effectLst/>
+                <a:latin typeface="Courier New" panose="02070309020205020404" pitchFamily="49" charset="0"/>
+                <a:cs typeface="Courier New" panose="02070309020205020404" pitchFamily="49" charset="0"/>
+              </a:rPr>
+              <a:t>, </a:t>
+            </a:r>
+            <a:r>
+              <a:rPr kumimoji="0" lang="fr-FR" altLang="fr-FR" b="0" i="0" u="none" strike="noStrike" cap="none" normalizeH="0" baseline="0" dirty="0" err="1">
+                <a:ln>
+                  <a:noFill/>
+                </a:ln>
+                <a:solidFill>
+                  <a:srgbClr val="AA4926"/>
+                </a:solidFill>
+                <a:effectLst/>
+                <a:latin typeface="Courier New" panose="02070309020205020404" pitchFamily="49" charset="0"/>
+                <a:cs typeface="Courier New" panose="02070309020205020404" pitchFamily="49" charset="0"/>
+              </a:rPr>
+              <a:t>shuffle</a:t>
+            </a:r>
+            <a:r>
+              <a:rPr kumimoji="0" lang="fr-FR" altLang="fr-FR" b="0" i="0" u="none" strike="noStrike" cap="none" normalizeH="0" baseline="0" dirty="0">
+                <a:ln>
+                  <a:noFill/>
+                </a:ln>
+                <a:solidFill>
+                  <a:srgbClr val="A9B7C6"/>
+                </a:solidFill>
+                <a:effectLst/>
+                <a:latin typeface="Courier New" panose="02070309020205020404" pitchFamily="49" charset="0"/>
+                <a:cs typeface="Courier New" panose="02070309020205020404" pitchFamily="49" charset="0"/>
+              </a:rPr>
+              <a:t>=</a:t>
+            </a:r>
+            <a:r>
+              <a:rPr kumimoji="0" lang="fr-FR" altLang="fr-FR" b="0" i="0" u="none" strike="noStrike" cap="none" normalizeH="0" baseline="0" dirty="0" err="1">
+                <a:ln>
+                  <a:noFill/>
+                </a:ln>
+                <a:solidFill>
+                  <a:srgbClr val="CC7832"/>
+                </a:solidFill>
+                <a:effectLst/>
+                <a:latin typeface="Courier New" panose="02070309020205020404" pitchFamily="49" charset="0"/>
+                <a:cs typeface="Courier New" panose="02070309020205020404" pitchFamily="49" charset="0"/>
+              </a:rPr>
+              <a:t>True</a:t>
+            </a:r>
+            <a:r>
+              <a:rPr kumimoji="0" lang="fr-FR" altLang="fr-FR" b="0" i="0" u="none" strike="noStrike" cap="none" normalizeH="0" baseline="0" dirty="0">
+                <a:ln>
+                  <a:noFill/>
+                </a:ln>
+                <a:solidFill>
+                  <a:srgbClr val="A9B7C6"/>
+                </a:solidFill>
+                <a:effectLst/>
+                <a:latin typeface="Courier New" panose="02070309020205020404" pitchFamily="49" charset="0"/>
+                <a:cs typeface="Courier New" panose="02070309020205020404" pitchFamily="49" charset="0"/>
+              </a:rPr>
+              <a:t>)</a:t>
+            </a:r>
+            <a:endParaRPr kumimoji="0" lang="fr-FR" altLang="fr-FR" b="0" i="0" u="none" strike="noStrike" cap="none" normalizeH="0" baseline="0" dirty="0">
+              <a:ln>
+                <a:noFill/>
+              </a:ln>
+              <a:solidFill>
+                <a:srgbClr val="CC7832"/>
+              </a:solidFill>
+              <a:effectLst/>
+              <a:latin typeface="Courier New" panose="02070309020205020404" pitchFamily="49" charset="0"/>
+              <a:cs typeface="Courier New" panose="02070309020205020404" pitchFamily="49" charset="0"/>
+            </a:endParaRPr>
+          </a:p>
+          <a:p>
+            <a:pPr eaLnBrk="0" fontAlgn="base" hangingPunct="0">
+              <a:spcBef>
+                <a:spcPct val="0"/>
+              </a:spcBef>
+              <a:spcAft>
+                <a:spcPct val="0"/>
+              </a:spcAft>
+            </a:pPr>
+            <a:endParaRPr lang="fr-FR" altLang="fr-FR" dirty="0">
+              <a:solidFill>
+                <a:srgbClr val="CC7832"/>
+              </a:solidFill>
+              <a:latin typeface="Courier New" panose="02070309020205020404" pitchFamily="49" charset="0"/>
+              <a:cs typeface="Courier New" panose="02070309020205020404" pitchFamily="49" charset="0"/>
+            </a:endParaRPr>
+          </a:p>
+          <a:p>
+            <a:pPr eaLnBrk="0" fontAlgn="base" hangingPunct="0">
+              <a:spcBef>
+                <a:spcPct val="0"/>
+              </a:spcBef>
+              <a:spcAft>
+                <a:spcPct val="0"/>
+              </a:spcAft>
+            </a:pPr>
+            <a:r>
+              <a:rPr kumimoji="0" lang="fr-FR" altLang="fr-FR" b="0" i="0" u="none" strike="noStrike" cap="none" normalizeH="0" baseline="0" dirty="0">
+                <a:ln>
+                  <a:noFill/>
+                </a:ln>
+                <a:solidFill>
+                  <a:srgbClr val="CC7832"/>
+                </a:solidFill>
+                <a:effectLst/>
+                <a:latin typeface="Courier New" panose="02070309020205020404" pitchFamily="49" charset="0"/>
+                <a:cs typeface="Courier New" panose="02070309020205020404" pitchFamily="49" charset="0"/>
+              </a:rPr>
+              <a:t>for </a:t>
+            </a:r>
+            <a:r>
+              <a:rPr kumimoji="0" lang="fr-FR" altLang="fr-FR" b="0" i="0" u="none" strike="noStrike" cap="none" normalizeH="0" baseline="0" dirty="0" err="1">
+                <a:ln>
+                  <a:noFill/>
+                </a:ln>
+                <a:solidFill>
+                  <a:srgbClr val="A9B7C6"/>
+                </a:solidFill>
+                <a:effectLst/>
+                <a:latin typeface="Courier New" panose="02070309020205020404" pitchFamily="49" charset="0"/>
+                <a:cs typeface="Courier New" panose="02070309020205020404" pitchFamily="49" charset="0"/>
+              </a:rPr>
+              <a:t>epoch</a:t>
+            </a:r>
+            <a:r>
+              <a:rPr kumimoji="0" lang="fr-FR" altLang="fr-FR" b="0" i="0" u="none" strike="noStrike" cap="none" normalizeH="0" baseline="0" dirty="0">
+                <a:ln>
+                  <a:noFill/>
+                </a:ln>
+                <a:solidFill>
+                  <a:srgbClr val="A9B7C6"/>
+                </a:solidFill>
+                <a:effectLst/>
+                <a:latin typeface="Courier New" panose="02070309020205020404" pitchFamily="49" charset="0"/>
+                <a:cs typeface="Courier New" panose="02070309020205020404" pitchFamily="49" charset="0"/>
+              </a:rPr>
+              <a:t> </a:t>
+            </a:r>
+            <a:r>
+              <a:rPr kumimoji="0" lang="fr-FR" altLang="fr-FR" b="0" i="0" u="none" strike="noStrike" cap="none" normalizeH="0" baseline="0" dirty="0">
+                <a:ln>
+                  <a:noFill/>
+                </a:ln>
+                <a:solidFill>
+                  <a:srgbClr val="CC7832"/>
+                </a:solidFill>
+                <a:effectLst/>
+                <a:latin typeface="Courier New" panose="02070309020205020404" pitchFamily="49" charset="0"/>
+                <a:cs typeface="Courier New" panose="02070309020205020404" pitchFamily="49" charset="0"/>
+              </a:rPr>
+              <a:t>in </a:t>
+            </a:r>
+            <a:r>
+              <a:rPr kumimoji="0" lang="fr-FR" altLang="fr-FR" b="0" i="0" u="none" strike="noStrike" cap="none" normalizeH="0" baseline="0" dirty="0">
+                <a:ln>
+                  <a:noFill/>
+                </a:ln>
+                <a:solidFill>
+                  <a:srgbClr val="8888C6"/>
+                </a:solidFill>
+                <a:effectLst/>
+                <a:latin typeface="Courier New" panose="02070309020205020404" pitchFamily="49" charset="0"/>
+                <a:cs typeface="Courier New" panose="02070309020205020404" pitchFamily="49" charset="0"/>
+              </a:rPr>
+              <a:t>range</a:t>
+            </a:r>
+            <a:r>
+              <a:rPr kumimoji="0" lang="fr-FR" altLang="fr-FR" b="0" i="0" u="none" strike="noStrike" cap="none" normalizeH="0" baseline="0" dirty="0">
+                <a:ln>
+                  <a:noFill/>
+                </a:ln>
+                <a:solidFill>
+                  <a:srgbClr val="A9B7C6"/>
+                </a:solidFill>
+                <a:effectLst/>
+                <a:latin typeface="Courier New" panose="02070309020205020404" pitchFamily="49" charset="0"/>
+                <a:cs typeface="Courier New" panose="02070309020205020404" pitchFamily="49" charset="0"/>
+              </a:rPr>
+              <a:t>(</a:t>
+            </a:r>
+            <a:r>
+              <a:rPr kumimoji="0" lang="fr-FR" altLang="fr-FR" b="0" i="0" u="none" strike="noStrike" cap="none" normalizeH="0" baseline="0" dirty="0" err="1">
+                <a:ln>
+                  <a:noFill/>
+                </a:ln>
+                <a:solidFill>
+                  <a:srgbClr val="A9B7C6"/>
+                </a:solidFill>
+                <a:effectLst/>
+                <a:latin typeface="Courier New" panose="02070309020205020404" pitchFamily="49" charset="0"/>
+                <a:cs typeface="Courier New" panose="02070309020205020404" pitchFamily="49" charset="0"/>
+              </a:rPr>
+              <a:t>n_epochs</a:t>
+            </a:r>
+            <a:r>
+              <a:rPr kumimoji="0" lang="fr-FR" altLang="fr-FR" b="0" i="0" u="none" strike="noStrike" cap="none" normalizeH="0" baseline="0" dirty="0">
+                <a:ln>
+                  <a:noFill/>
+                </a:ln>
+                <a:solidFill>
+                  <a:srgbClr val="A9B7C6"/>
+                </a:solidFill>
+                <a:effectLst/>
+                <a:latin typeface="Courier New" panose="02070309020205020404" pitchFamily="49" charset="0"/>
+                <a:cs typeface="Courier New" panose="02070309020205020404" pitchFamily="49" charset="0"/>
+              </a:rPr>
+              <a:t>):</a:t>
+            </a:r>
+            <a:endParaRPr kumimoji="0" lang="fr-FR" altLang="fr-FR" b="0" i="0" u="none" strike="noStrike" cap="none" normalizeH="0" baseline="0" dirty="0">
+              <a:ln>
+                <a:noFill/>
+              </a:ln>
+              <a:solidFill>
+                <a:srgbClr val="CC7832"/>
+              </a:solidFill>
+              <a:effectLst/>
+              <a:latin typeface="Courier New" panose="02070309020205020404" pitchFamily="49" charset="0"/>
+              <a:cs typeface="Courier New" panose="02070309020205020404" pitchFamily="49" charset="0"/>
+            </a:endParaRPr>
+          </a:p>
+          <a:p>
+            <a:pPr marL="0" marR="0" lvl="0" indent="0" algn="l" defTabSz="914400" rtl="0" eaLnBrk="0" fontAlgn="base" latinLnBrk="0" hangingPunct="0">
+              <a:lnSpc>
+                <a:spcPct val="100000"/>
+              </a:lnSpc>
+              <a:spcBef>
+                <a:spcPct val="0"/>
+              </a:spcBef>
+              <a:spcAft>
+                <a:spcPct val="0"/>
+              </a:spcAft>
+              <a:buClrTx/>
+              <a:buSzTx/>
+              <a:buFontTx/>
+              <a:buNone/>
+              <a:tabLst/>
+            </a:pPr>
+            <a:r>
+              <a:rPr kumimoji="0" lang="fr-FR" altLang="fr-FR" b="0" i="0" u="none" strike="noStrike" cap="none" normalizeH="0" baseline="0" dirty="0">
+                <a:ln>
+                  <a:noFill/>
+                </a:ln>
+                <a:solidFill>
+                  <a:srgbClr val="CC7832"/>
+                </a:solidFill>
+                <a:effectLst/>
+                <a:latin typeface="Courier New" panose="02070309020205020404" pitchFamily="49" charset="0"/>
+                <a:cs typeface="Courier New" panose="02070309020205020404" pitchFamily="49" charset="0"/>
+              </a:rPr>
+              <a:t>    for </a:t>
+            </a:r>
+            <a:r>
+              <a:rPr kumimoji="0" lang="fr-FR" altLang="fr-FR" b="0" i="0" u="none" strike="noStrike" cap="none" normalizeH="0" baseline="0" dirty="0">
+                <a:ln>
+                  <a:noFill/>
+                </a:ln>
+                <a:solidFill>
+                  <a:srgbClr val="A9B7C6"/>
+                </a:solidFill>
+                <a:effectLst/>
+                <a:latin typeface="Courier New" panose="02070309020205020404" pitchFamily="49" charset="0"/>
+                <a:cs typeface="Courier New" panose="02070309020205020404" pitchFamily="49" charset="0"/>
+              </a:rPr>
+              <a:t>inputs</a:t>
+            </a:r>
+            <a:r>
+              <a:rPr kumimoji="0" lang="fr-FR" altLang="fr-FR" b="0" i="0" u="none" strike="noStrike" cap="none" normalizeH="0" baseline="0" dirty="0">
+                <a:ln>
+                  <a:noFill/>
+                </a:ln>
+                <a:solidFill>
+                  <a:srgbClr val="CC7832"/>
+                </a:solidFill>
+                <a:effectLst/>
+                <a:latin typeface="Courier New" panose="02070309020205020404" pitchFamily="49" charset="0"/>
+                <a:cs typeface="Courier New" panose="02070309020205020404" pitchFamily="49" charset="0"/>
+              </a:rPr>
+              <a:t>, </a:t>
+            </a:r>
+            <a:r>
+              <a:rPr kumimoji="0" lang="fr-FR" altLang="fr-FR" b="0" i="0" u="none" strike="noStrike" cap="none" normalizeH="0" baseline="0" dirty="0" err="1">
+                <a:ln>
+                  <a:noFill/>
+                </a:ln>
+                <a:solidFill>
+                  <a:srgbClr val="A9B7C6"/>
+                </a:solidFill>
+                <a:effectLst/>
+                <a:latin typeface="Courier New" panose="02070309020205020404" pitchFamily="49" charset="0"/>
+                <a:cs typeface="Courier New" panose="02070309020205020404" pitchFamily="49" charset="0"/>
+              </a:rPr>
+              <a:t>targets</a:t>
+            </a:r>
+            <a:r>
+              <a:rPr kumimoji="0" lang="fr-FR" altLang="fr-FR" b="0" i="0" u="none" strike="noStrike" cap="none" normalizeH="0" baseline="0" dirty="0">
+                <a:ln>
+                  <a:noFill/>
+                </a:ln>
+                <a:solidFill>
+                  <a:srgbClr val="A9B7C6"/>
+                </a:solidFill>
+                <a:effectLst/>
+                <a:latin typeface="Courier New" panose="02070309020205020404" pitchFamily="49" charset="0"/>
+                <a:cs typeface="Courier New" panose="02070309020205020404" pitchFamily="49" charset="0"/>
+              </a:rPr>
+              <a:t> </a:t>
+            </a:r>
+            <a:r>
+              <a:rPr kumimoji="0" lang="fr-FR" altLang="fr-FR" b="0" i="0" u="none" strike="noStrike" cap="none" normalizeH="0" baseline="0" dirty="0">
+                <a:ln>
+                  <a:noFill/>
+                </a:ln>
+                <a:solidFill>
+                  <a:srgbClr val="CC7832"/>
+                </a:solidFill>
+                <a:effectLst/>
+                <a:latin typeface="Courier New" panose="02070309020205020404" pitchFamily="49" charset="0"/>
+                <a:cs typeface="Courier New" panose="02070309020205020404" pitchFamily="49" charset="0"/>
+              </a:rPr>
+              <a:t>in </a:t>
+            </a:r>
+            <a:r>
+              <a:rPr kumimoji="0" lang="fr-FR" altLang="fr-FR" b="0" i="0" u="none" strike="noStrike" cap="none" normalizeH="0" baseline="0" dirty="0" err="1">
+                <a:ln>
+                  <a:noFill/>
+                </a:ln>
+                <a:solidFill>
+                  <a:srgbClr val="A9B7C6"/>
+                </a:solidFill>
+                <a:effectLst/>
+                <a:latin typeface="Courier New" panose="02070309020205020404" pitchFamily="49" charset="0"/>
+                <a:cs typeface="Courier New" panose="02070309020205020404" pitchFamily="49" charset="0"/>
+              </a:rPr>
+              <a:t>train_loader</a:t>
+            </a:r>
+            <a:r>
+              <a:rPr kumimoji="0" lang="fr-FR" altLang="fr-FR" b="0" i="0" u="none" strike="noStrike" cap="none" normalizeH="0" baseline="0" dirty="0">
+                <a:ln>
+                  <a:noFill/>
+                </a:ln>
+                <a:solidFill>
+                  <a:srgbClr val="A9B7C6"/>
+                </a:solidFill>
+                <a:effectLst/>
+                <a:latin typeface="Courier New" panose="02070309020205020404" pitchFamily="49" charset="0"/>
+                <a:cs typeface="Courier New" panose="02070309020205020404" pitchFamily="49" charset="0"/>
+              </a:rPr>
+              <a:t>:</a:t>
+            </a:r>
+            <a:br>
+              <a:rPr kumimoji="0" lang="fr-FR" altLang="fr-FR" b="0" i="0" u="none" strike="noStrike" cap="none" normalizeH="0" baseline="0" dirty="0">
+                <a:ln>
+                  <a:noFill/>
+                </a:ln>
+                <a:solidFill>
+                  <a:srgbClr val="A9B7C6"/>
+                </a:solidFill>
+                <a:effectLst/>
+                <a:latin typeface="Courier New" panose="02070309020205020404" pitchFamily="49" charset="0"/>
+                <a:cs typeface="Courier New" panose="02070309020205020404" pitchFamily="49" charset="0"/>
+              </a:rPr>
+            </a:br>
+            <a:r>
+              <a:rPr kumimoji="0" lang="fr-FR" altLang="fr-FR" b="0" i="0" u="none" strike="noStrike" cap="none" normalizeH="0" baseline="0" dirty="0">
+                <a:ln>
+                  <a:noFill/>
+                </a:ln>
+                <a:solidFill>
+                  <a:srgbClr val="A9B7C6"/>
+                </a:solidFill>
+                <a:effectLst/>
+                <a:latin typeface="Courier New" panose="02070309020205020404" pitchFamily="49" charset="0"/>
+                <a:cs typeface="Courier New" panose="02070309020205020404" pitchFamily="49" charset="0"/>
+              </a:rPr>
+              <a:t>        </a:t>
+            </a:r>
+            <a:r>
+              <a:rPr kumimoji="0" lang="fr-FR" altLang="fr-FR" b="0" i="0" u="none" strike="noStrike" cap="none" normalizeH="0" baseline="0" dirty="0" err="1">
+                <a:ln>
+                  <a:noFill/>
+                </a:ln>
+                <a:solidFill>
+                  <a:srgbClr val="A9B7C6"/>
+                </a:solidFill>
+                <a:effectLst/>
+                <a:latin typeface="Courier New" panose="02070309020205020404" pitchFamily="49" charset="0"/>
+                <a:cs typeface="Courier New" panose="02070309020205020404" pitchFamily="49" charset="0"/>
+              </a:rPr>
+              <a:t>optimizer.zero_grad</a:t>
+            </a:r>
+            <a:r>
+              <a:rPr kumimoji="0" lang="fr-FR" altLang="fr-FR" b="0" i="0" u="none" strike="noStrike" cap="none" normalizeH="0" baseline="0" dirty="0">
+                <a:ln>
+                  <a:noFill/>
+                </a:ln>
+                <a:solidFill>
+                  <a:srgbClr val="A9B7C6"/>
+                </a:solidFill>
+                <a:effectLst/>
+                <a:latin typeface="Courier New" panose="02070309020205020404" pitchFamily="49" charset="0"/>
+                <a:cs typeface="Courier New" panose="02070309020205020404" pitchFamily="49" charset="0"/>
+              </a:rPr>
+              <a:t>()</a:t>
+            </a:r>
+            <a:br>
+              <a:rPr kumimoji="0" lang="fr-FR" altLang="fr-FR" b="0" i="0" u="none" strike="noStrike" cap="none" normalizeH="0" baseline="0" dirty="0">
+                <a:ln>
+                  <a:noFill/>
+                </a:ln>
+                <a:solidFill>
+                  <a:srgbClr val="A9B7C6"/>
+                </a:solidFill>
+                <a:effectLst/>
+                <a:latin typeface="Courier New" panose="02070309020205020404" pitchFamily="49" charset="0"/>
+                <a:cs typeface="Courier New" panose="02070309020205020404" pitchFamily="49" charset="0"/>
+              </a:rPr>
+            </a:br>
+            <a:r>
+              <a:rPr kumimoji="0" lang="fr-FR" altLang="fr-FR" b="0" i="0" u="none" strike="noStrike" cap="none" normalizeH="0" baseline="0" dirty="0">
+                <a:ln>
+                  <a:noFill/>
+                </a:ln>
+                <a:solidFill>
+                  <a:srgbClr val="A9B7C6"/>
+                </a:solidFill>
+                <a:effectLst/>
+                <a:latin typeface="Courier New" panose="02070309020205020404" pitchFamily="49" charset="0"/>
+                <a:cs typeface="Courier New" panose="02070309020205020404" pitchFamily="49" charset="0"/>
+              </a:rPr>
+              <a:t>        output = model(inputs)</a:t>
+            </a:r>
+            <a:br>
+              <a:rPr kumimoji="0" lang="fr-FR" altLang="fr-FR" b="0" i="0" u="none" strike="noStrike" cap="none" normalizeH="0" baseline="0" dirty="0">
+                <a:ln>
+                  <a:noFill/>
+                </a:ln>
+                <a:solidFill>
+                  <a:srgbClr val="A9B7C6"/>
+                </a:solidFill>
+                <a:effectLst/>
+                <a:latin typeface="Courier New" panose="02070309020205020404" pitchFamily="49" charset="0"/>
+                <a:cs typeface="Courier New" panose="02070309020205020404" pitchFamily="49" charset="0"/>
+              </a:rPr>
+            </a:br>
+            <a:r>
+              <a:rPr kumimoji="0" lang="fr-FR" altLang="fr-FR" b="0" i="0" u="none" strike="noStrike" cap="none" normalizeH="0" baseline="0" dirty="0">
+                <a:ln>
+                  <a:noFill/>
+                </a:ln>
+                <a:solidFill>
+                  <a:srgbClr val="A9B7C6"/>
+                </a:solidFill>
+                <a:effectLst/>
+                <a:latin typeface="Courier New" panose="02070309020205020404" pitchFamily="49" charset="0"/>
+                <a:cs typeface="Courier New" panose="02070309020205020404" pitchFamily="49" charset="0"/>
+              </a:rPr>
+              <a:t>        </a:t>
+            </a:r>
+            <a:r>
+              <a:rPr kumimoji="0" lang="fr-FR" altLang="fr-FR" b="0" i="0" u="none" strike="noStrike" cap="none" normalizeH="0" baseline="0" dirty="0" err="1">
+                <a:ln>
+                  <a:noFill/>
+                </a:ln>
+                <a:solidFill>
+                  <a:srgbClr val="A9B7C6"/>
+                </a:solidFill>
+                <a:effectLst/>
+                <a:latin typeface="Courier New" panose="02070309020205020404" pitchFamily="49" charset="0"/>
+                <a:cs typeface="Courier New" panose="02070309020205020404" pitchFamily="49" charset="0"/>
+              </a:rPr>
+              <a:t>loss</a:t>
+            </a:r>
+            <a:r>
+              <a:rPr kumimoji="0" lang="fr-FR" altLang="fr-FR" b="0" i="0" u="none" strike="noStrike" cap="none" normalizeH="0" baseline="0" dirty="0">
+                <a:ln>
+                  <a:noFill/>
+                </a:ln>
+                <a:solidFill>
+                  <a:srgbClr val="A9B7C6"/>
+                </a:solidFill>
+                <a:effectLst/>
+                <a:latin typeface="Courier New" panose="02070309020205020404" pitchFamily="49" charset="0"/>
+                <a:cs typeface="Courier New" panose="02070309020205020404" pitchFamily="49" charset="0"/>
+              </a:rPr>
+              <a:t> = </a:t>
+            </a:r>
+            <a:r>
+              <a:rPr kumimoji="0" lang="fr-FR" altLang="fr-FR" b="0" i="0" u="none" strike="noStrike" cap="none" normalizeH="0" baseline="0" dirty="0" err="1">
+                <a:ln>
+                  <a:noFill/>
+                </a:ln>
+                <a:solidFill>
+                  <a:srgbClr val="A9B7C6"/>
+                </a:solidFill>
+                <a:effectLst/>
+                <a:latin typeface="Courier New" panose="02070309020205020404" pitchFamily="49" charset="0"/>
+                <a:cs typeface="Courier New" panose="02070309020205020404" pitchFamily="49" charset="0"/>
+              </a:rPr>
+              <a:t>loss_fn</a:t>
+            </a:r>
+            <a:r>
+              <a:rPr kumimoji="0" lang="fr-FR" altLang="fr-FR" b="0" i="0" u="none" strike="noStrike" cap="none" normalizeH="0" baseline="0" dirty="0">
+                <a:ln>
+                  <a:noFill/>
+                </a:ln>
+                <a:solidFill>
+                  <a:srgbClr val="A9B7C6"/>
+                </a:solidFill>
+                <a:effectLst/>
+                <a:latin typeface="Courier New" panose="02070309020205020404" pitchFamily="49" charset="0"/>
+                <a:cs typeface="Courier New" panose="02070309020205020404" pitchFamily="49" charset="0"/>
+              </a:rPr>
+              <a:t>(output</a:t>
+            </a:r>
+            <a:r>
+              <a:rPr kumimoji="0" lang="fr-FR" altLang="fr-FR" b="0" i="0" u="none" strike="noStrike" cap="none" normalizeH="0" baseline="0" dirty="0">
+                <a:ln>
+                  <a:noFill/>
+                </a:ln>
+                <a:solidFill>
+                  <a:srgbClr val="CC7832"/>
+                </a:solidFill>
+                <a:effectLst/>
+                <a:latin typeface="Courier New" panose="02070309020205020404" pitchFamily="49" charset="0"/>
+                <a:cs typeface="Courier New" panose="02070309020205020404" pitchFamily="49" charset="0"/>
+              </a:rPr>
+              <a:t>, </a:t>
+            </a:r>
+            <a:r>
+              <a:rPr kumimoji="0" lang="fr-FR" altLang="fr-FR" b="0" i="0" u="none" strike="noStrike" cap="none" normalizeH="0" baseline="0" dirty="0" err="1">
+                <a:ln>
+                  <a:noFill/>
+                </a:ln>
+                <a:solidFill>
+                  <a:srgbClr val="A9B7C6"/>
+                </a:solidFill>
+                <a:effectLst/>
+                <a:latin typeface="Courier New" panose="02070309020205020404" pitchFamily="49" charset="0"/>
+                <a:cs typeface="Courier New" panose="02070309020205020404" pitchFamily="49" charset="0"/>
+              </a:rPr>
+              <a:t>targets</a:t>
+            </a:r>
+            <a:r>
+              <a:rPr kumimoji="0" lang="fr-FR" altLang="fr-FR" b="0" i="0" u="none" strike="noStrike" cap="none" normalizeH="0" baseline="0" dirty="0">
+                <a:ln>
+                  <a:noFill/>
+                </a:ln>
+                <a:solidFill>
+                  <a:srgbClr val="A9B7C6"/>
+                </a:solidFill>
+                <a:effectLst/>
+                <a:latin typeface="Courier New" panose="02070309020205020404" pitchFamily="49" charset="0"/>
+                <a:cs typeface="Courier New" panose="02070309020205020404" pitchFamily="49" charset="0"/>
+              </a:rPr>
+              <a:t>)</a:t>
+            </a:r>
+            <a:br>
+              <a:rPr kumimoji="0" lang="fr-FR" altLang="fr-FR" b="0" i="0" u="none" strike="noStrike" cap="none" normalizeH="0" baseline="0" dirty="0">
+                <a:ln>
+                  <a:noFill/>
+                </a:ln>
+                <a:solidFill>
+                  <a:srgbClr val="A9B7C6"/>
+                </a:solidFill>
+                <a:effectLst/>
+                <a:latin typeface="Courier New" panose="02070309020205020404" pitchFamily="49" charset="0"/>
+                <a:cs typeface="Courier New" panose="02070309020205020404" pitchFamily="49" charset="0"/>
+              </a:rPr>
+            </a:br>
+            <a:r>
+              <a:rPr kumimoji="0" lang="fr-FR" altLang="fr-FR" b="0" i="0" u="none" strike="noStrike" cap="none" normalizeH="0" baseline="0" dirty="0">
+                <a:ln>
+                  <a:noFill/>
+                </a:ln>
+                <a:solidFill>
+                  <a:srgbClr val="A9B7C6"/>
+                </a:solidFill>
+                <a:effectLst/>
+                <a:latin typeface="Courier New" panose="02070309020205020404" pitchFamily="49" charset="0"/>
+                <a:cs typeface="Courier New" panose="02070309020205020404" pitchFamily="49" charset="0"/>
+              </a:rPr>
+              <a:t>        </a:t>
+            </a:r>
+            <a:r>
+              <a:rPr kumimoji="0" lang="fr-FR" altLang="fr-FR" b="0" i="0" u="none" strike="noStrike" cap="none" normalizeH="0" baseline="0" dirty="0" err="1">
+                <a:ln>
+                  <a:noFill/>
+                </a:ln>
+                <a:solidFill>
+                  <a:srgbClr val="A9B7C6"/>
+                </a:solidFill>
+                <a:effectLst/>
+                <a:latin typeface="Courier New" panose="02070309020205020404" pitchFamily="49" charset="0"/>
+                <a:cs typeface="Courier New" panose="02070309020205020404" pitchFamily="49" charset="0"/>
+              </a:rPr>
+              <a:t>loss.backward</a:t>
+            </a:r>
+            <a:r>
+              <a:rPr kumimoji="0" lang="fr-FR" altLang="fr-FR" b="0" i="0" u="none" strike="noStrike" cap="none" normalizeH="0" baseline="0" dirty="0">
+                <a:ln>
+                  <a:noFill/>
+                </a:ln>
+                <a:solidFill>
+                  <a:srgbClr val="A9B7C6"/>
+                </a:solidFill>
+                <a:effectLst/>
+                <a:latin typeface="Courier New" panose="02070309020205020404" pitchFamily="49" charset="0"/>
+                <a:cs typeface="Courier New" panose="02070309020205020404" pitchFamily="49" charset="0"/>
+              </a:rPr>
+              <a:t>()</a:t>
+            </a:r>
+            <a:br>
+              <a:rPr kumimoji="0" lang="fr-FR" altLang="fr-FR" b="0" i="0" u="none" strike="noStrike" cap="none" normalizeH="0" baseline="0" dirty="0">
+                <a:ln>
+                  <a:noFill/>
+                </a:ln>
+                <a:solidFill>
+                  <a:srgbClr val="A9B7C6"/>
+                </a:solidFill>
+                <a:effectLst/>
+                <a:latin typeface="Courier New" panose="02070309020205020404" pitchFamily="49" charset="0"/>
+                <a:cs typeface="Courier New" panose="02070309020205020404" pitchFamily="49" charset="0"/>
+              </a:rPr>
+            </a:br>
+            <a:r>
+              <a:rPr kumimoji="0" lang="fr-FR" altLang="fr-FR" b="0" i="0" u="none" strike="noStrike" cap="none" normalizeH="0" baseline="0" dirty="0">
+                <a:ln>
+                  <a:noFill/>
+                </a:ln>
+                <a:solidFill>
+                  <a:srgbClr val="A9B7C6"/>
+                </a:solidFill>
+                <a:effectLst/>
+                <a:latin typeface="Courier New" panose="02070309020205020404" pitchFamily="49" charset="0"/>
+                <a:cs typeface="Courier New" panose="02070309020205020404" pitchFamily="49" charset="0"/>
+              </a:rPr>
+              <a:t>        </a:t>
+            </a:r>
+            <a:r>
+              <a:rPr kumimoji="0" lang="fr-FR" altLang="fr-FR" b="0" i="0" u="none" strike="noStrike" cap="none" normalizeH="0" baseline="0" dirty="0" err="1">
+                <a:ln>
+                  <a:noFill/>
+                </a:ln>
+                <a:solidFill>
+                  <a:srgbClr val="A9B7C6"/>
+                </a:solidFill>
+                <a:effectLst/>
+                <a:latin typeface="Courier New" panose="02070309020205020404" pitchFamily="49" charset="0"/>
+                <a:cs typeface="Courier New" panose="02070309020205020404" pitchFamily="49" charset="0"/>
+              </a:rPr>
+              <a:t>optimizer.step</a:t>
+            </a:r>
+            <a:r>
+              <a:rPr kumimoji="0" lang="fr-FR" altLang="fr-FR" b="0" i="0" u="none" strike="noStrike" cap="none" normalizeH="0" baseline="0" dirty="0">
+                <a:ln>
+                  <a:noFill/>
+                </a:ln>
+                <a:solidFill>
+                  <a:srgbClr val="A9B7C6"/>
+                </a:solidFill>
+                <a:effectLst/>
+                <a:latin typeface="Courier New" panose="02070309020205020404" pitchFamily="49" charset="0"/>
+                <a:cs typeface="Courier New" panose="02070309020205020404" pitchFamily="49" charset="0"/>
+              </a:rPr>
+              <a:t>()</a:t>
+            </a:r>
+            <a:endParaRPr kumimoji="0" lang="fr-FR" altLang="fr-FR" sz="4000" b="0" i="0" u="none" strike="noStrike" cap="none" normalizeH="0" baseline="0" dirty="0">
+              <a:ln>
+                <a:noFill/>
+              </a:ln>
+              <a:solidFill>
+                <a:schemeClr val="tx1"/>
+              </a:solidFill>
+              <a:effectLst/>
+              <a:latin typeface="Courier New" panose="02070309020205020404" pitchFamily="49" charset="0"/>
+              <a:cs typeface="Courier New" panose="02070309020205020404" pitchFamily="49" charset="0"/>
+            </a:endParaRPr>
+          </a:p>
+        </p:txBody>
+      </p:sp>
+      <p:sp>
+        <p:nvSpPr>
+          <p:cNvPr id="10" name="Rectangle 4">
+            <a:extLst>
+              <a:ext uri="{FF2B5EF4-FFF2-40B4-BE49-F238E27FC236}">
+                <a16:creationId xmlns:a16="http://schemas.microsoft.com/office/drawing/2014/main" id="{88012DB3-6428-1A8A-AC20-8F072A698711}"/>
+              </a:ext>
+            </a:extLst>
+          </p:cNvPr>
+          <p:cNvSpPr>
+            <a:spLocks noChangeArrowheads="1"/>
+          </p:cNvSpPr>
+          <p:nvPr/>
+        </p:nvSpPr>
+        <p:spPr bwMode="auto">
+          <a:xfrm>
+            <a:off x="1228725" y="5120698"/>
+            <a:ext cx="9734550" cy="861774"/>
+          </a:xfrm>
+          <a:prstGeom prst="rect">
+            <a:avLst/>
+          </a:prstGeom>
+          <a:noFill/>
+          <a:ln>
+            <a:noFill/>
+          </a:ln>
+          <a:effectLst/>
+          <a:extLst>
+            <a:ext uri="{909E8E84-426E-40DD-AFC4-6F175D3DCCD1}">
+              <a14:hiddenFill xmlns:a14="http://schemas.microsoft.com/office/drawing/2010/main">
+                <a:solidFill>
+                  <a:schemeClr val="accent1"/>
+                </a:solidFill>
+              </a14:hiddenFill>
+            </a:ext>
+            <a:ext uri="{91240B29-F687-4F45-9708-019B960494DF}">
+              <a14:hiddenLine xmlns:a14="http://schemas.microsoft.com/office/drawing/2010/main" w="9525">
+                <a:solidFill>
+                  <a:schemeClr val="tx1"/>
+                </a:solidFill>
+                <a:miter lim="800000"/>
+                <a:headEnd/>
+                <a:tailEnd/>
+              </a14:hiddenLine>
+            </a:ext>
+            <a:ext uri="{AF507438-7753-43E0-B8FC-AC1667EBCBE1}">
+              <a14:hiddenEffects xmlns:a14="http://schemas.microsoft.com/office/drawing/2010/main">
+                <a:effectLst>
+                  <a:outerShdw dist="35921" dir="2700000" algn="ctr" rotWithShape="0">
+                    <a:schemeClr val="bg2"/>
+                  </a:outerShdw>
+                </a:effectLst>
+              </a14:hiddenEffects>
+            </a:ext>
+          </a:extLst>
+        </p:spPr>
+        <p:txBody>
+          <a:bodyPr vert="horz" wrap="square" lIns="0" tIns="0" rIns="0" bIns="0" numCol="1" anchor="ctr" anchorCtr="0" compatLnSpc="1">
+            <a:prstTxWarp prst="textNoShape">
+              <a:avLst/>
+            </a:prstTxWarp>
+            <a:spAutoFit/>
+          </a:bodyPr>
+          <a:lstStyle>
+            <a:lvl1pPr eaLnBrk="0" fontAlgn="base" hangingPunct="0">
+              <a:spcBef>
+                <a:spcPct val="0"/>
+              </a:spcBef>
+              <a:spcAft>
+                <a:spcPct val="0"/>
+              </a:spcAft>
+              <a:defRPr>
+                <a:solidFill>
+                  <a:schemeClr val="tx1"/>
+                </a:solidFill>
+                <a:latin typeface="Arial" panose="020B0604020202020204" pitchFamily="34" charset="0"/>
+              </a:defRPr>
+            </a:lvl1pPr>
+            <a:lvl2pPr eaLnBrk="0" fontAlgn="base" hangingPunct="0">
+              <a:spcBef>
+                <a:spcPct val="0"/>
+              </a:spcBef>
+              <a:spcAft>
+                <a:spcPct val="0"/>
+              </a:spcAft>
+              <a:defRPr>
+                <a:solidFill>
+                  <a:schemeClr val="tx1"/>
+                </a:solidFill>
+                <a:latin typeface="Arial" panose="020B0604020202020204" pitchFamily="34" charset="0"/>
+              </a:defRPr>
+            </a:lvl2pPr>
+            <a:lvl3pPr eaLnBrk="0" fontAlgn="base" hangingPunct="0">
+              <a:spcBef>
+                <a:spcPct val="0"/>
+              </a:spcBef>
+              <a:spcAft>
+                <a:spcPct val="0"/>
+              </a:spcAft>
+              <a:defRPr>
+                <a:solidFill>
+                  <a:schemeClr val="tx1"/>
+                </a:solidFill>
+                <a:latin typeface="Arial" panose="020B0604020202020204" pitchFamily="34" charset="0"/>
+              </a:defRPr>
+            </a:lvl3pPr>
+            <a:lvl4pPr eaLnBrk="0" fontAlgn="base" hangingPunct="0">
+              <a:spcBef>
+                <a:spcPct val="0"/>
+              </a:spcBef>
+              <a:spcAft>
+                <a:spcPct val="0"/>
+              </a:spcAft>
+              <a:defRPr>
+                <a:solidFill>
+                  <a:schemeClr val="tx1"/>
+                </a:solidFill>
+                <a:latin typeface="Arial" panose="020B0604020202020204" pitchFamily="34" charset="0"/>
+              </a:defRPr>
+            </a:lvl4pPr>
+            <a:lvl5pPr eaLnBrk="0" fontAlgn="base" hangingPunct="0">
+              <a:spcBef>
+                <a:spcPct val="0"/>
+              </a:spcBef>
+              <a:spcAft>
+                <a:spcPct val="0"/>
+              </a:spcAft>
+              <a:defRPr>
+                <a:solidFill>
+                  <a:schemeClr val="tx1"/>
+                </a:solidFill>
+                <a:latin typeface="Arial" panose="020B0604020202020204" pitchFamily="34" charset="0"/>
+              </a:defRPr>
+            </a:lvl5pPr>
+            <a:lvl6pPr eaLnBrk="0" fontAlgn="base" hangingPunct="0">
+              <a:spcBef>
+                <a:spcPct val="0"/>
+              </a:spcBef>
+              <a:spcAft>
+                <a:spcPct val="0"/>
+              </a:spcAft>
+              <a:defRPr>
+                <a:solidFill>
+                  <a:schemeClr val="tx1"/>
+                </a:solidFill>
+                <a:latin typeface="Arial" panose="020B0604020202020204" pitchFamily="34" charset="0"/>
+              </a:defRPr>
+            </a:lvl6pPr>
+            <a:lvl7pPr eaLnBrk="0" fontAlgn="base" hangingPunct="0">
+              <a:spcBef>
+                <a:spcPct val="0"/>
+              </a:spcBef>
+              <a:spcAft>
+                <a:spcPct val="0"/>
+              </a:spcAft>
+              <a:defRPr>
+                <a:solidFill>
+                  <a:schemeClr val="tx1"/>
+                </a:solidFill>
+                <a:latin typeface="Arial" panose="020B0604020202020204" pitchFamily="34" charset="0"/>
+              </a:defRPr>
+            </a:lvl7pPr>
+            <a:lvl8pPr eaLnBrk="0" fontAlgn="base" hangingPunct="0">
+              <a:spcBef>
+                <a:spcPct val="0"/>
+              </a:spcBef>
+              <a:spcAft>
+                <a:spcPct val="0"/>
+              </a:spcAft>
+              <a:defRPr>
+                <a:solidFill>
+                  <a:schemeClr val="tx1"/>
+                </a:solidFill>
+                <a:latin typeface="Arial" panose="020B0604020202020204" pitchFamily="34" charset="0"/>
+              </a:defRPr>
+            </a:lvl8pPr>
+            <a:lvl9pPr eaLnBrk="0" fontAlgn="base" hangingPunct="0">
+              <a:spcBef>
+                <a:spcPct val="0"/>
+              </a:spcBef>
+              <a:spcAft>
+                <a:spcPct val="0"/>
+              </a:spcAft>
+              <a:defRPr>
+                <a:solidFill>
+                  <a:schemeClr val="tx1"/>
+                </a:solidFill>
+                <a:latin typeface="Arial" panose="020B0604020202020204" pitchFamily="34" charset="0"/>
+              </a:defRPr>
+            </a:lvl9pPr>
+          </a:lstStyle>
+          <a:p>
+            <a:pPr lvl="0"/>
+            <a:r>
+              <a:rPr lang="en-US" altLang="fr-FR" sz="2800" dirty="0">
+                <a:latin typeface="+mn-lt"/>
+              </a:rPr>
+              <a:t>-&gt; in practice a larger batch size usually allows you to use a larger learning rate</a:t>
+            </a:r>
+            <a:endParaRPr lang="fr-FR" altLang="fr-FR" sz="2800" dirty="0">
+              <a:latin typeface="+mn-lt"/>
+            </a:endParaRPr>
+          </a:p>
+        </p:txBody>
+      </p:sp>
+      <mc:AlternateContent xmlns:mc="http://schemas.openxmlformats.org/markup-compatibility/2006" xmlns:p14="http://schemas.microsoft.com/office/powerpoint/2010/main">
+        <mc:Choice Requires="p14">
+          <p:contentPart p14:bwMode="auto" r:id="rId3">
+            <p14:nvContentPartPr>
+              <p14:cNvPr id="2" name="Ink 1">
+                <a:extLst>
+                  <a:ext uri="{FF2B5EF4-FFF2-40B4-BE49-F238E27FC236}">
+                    <a16:creationId xmlns:a16="http://schemas.microsoft.com/office/drawing/2014/main" id="{739FA5A7-3F10-CB62-BB10-22F61187273F}"/>
+                  </a:ext>
+                </a:extLst>
+              </p14:cNvPr>
+              <p14:cNvContentPartPr/>
+              <p14:nvPr/>
+            </p14:nvContentPartPr>
+            <p14:xfrm>
+              <a:off x="6984995" y="1552384"/>
+              <a:ext cx="3444840" cy="1696320"/>
+            </p14:xfrm>
+          </p:contentPart>
+        </mc:Choice>
+        <mc:Fallback xmlns="">
+          <p:pic>
+            <p:nvPicPr>
+              <p:cNvPr id="2" name="Ink 1">
+                <a:extLst>
+                  <a:ext uri="{FF2B5EF4-FFF2-40B4-BE49-F238E27FC236}">
+                    <a16:creationId xmlns:a16="http://schemas.microsoft.com/office/drawing/2014/main" id="{739FA5A7-3F10-CB62-BB10-22F61187273F}"/>
+                  </a:ext>
+                </a:extLst>
+              </p:cNvPr>
+              <p:cNvPicPr/>
+              <p:nvPr/>
+            </p:nvPicPr>
+            <p:blipFill>
+              <a:blip r:embed="rId4"/>
+              <a:stretch>
+                <a:fillRect/>
+              </a:stretch>
+            </p:blipFill>
+            <p:spPr>
+              <a:xfrm>
+                <a:off x="6948995" y="1516384"/>
+                <a:ext cx="3516480" cy="1767960"/>
+              </a:xfrm>
+              <a:prstGeom prst="rect">
+                <a:avLst/>
+              </a:prstGeom>
+            </p:spPr>
+          </p:pic>
+        </mc:Fallback>
+      </mc:AlternateContent>
+    </p:spTree>
+    <p:extLst>
+      <p:ext uri="{BB962C8B-B14F-4D97-AF65-F5344CB8AC3E}">
+        <p14:creationId xmlns:p14="http://schemas.microsoft.com/office/powerpoint/2010/main" val="3087796349"/>
+      </p:ext>
+    </p:extLst>
+  </p:cSld>
+  <p:clrMapOvr>
+    <a:masterClrMapping/>
+  </p:clrMapOvr>
+  <mc:AlternateContent xmlns:mc="http://schemas.openxmlformats.org/markup-compatibility/2006" xmlns:p14="http://schemas.microsoft.com/office/powerpoint/2010/main">
+    <mc:Choice Requires="p14">
+      <p:transition spd="med" p14:dur="700">
+        <p:fade/>
+      </p:transition>
+    </mc:Choice>
+    <mc:Fallback xmlns="">
+      <p:transition spd="med">
+        <p:fade/>
+      </p:transition>
+    </mc:Fallback>
+  </mc:AlternateContent>
+  <p:timing>
+    <p:tnLst>
+      <p:par>
+        <p:cTn id="1" dur="indefinite" restart="never" nodeType="tmRoot">
+          <p:childTnLst>
+            <p:seq concurrent="1" nextAc="seek">
+              <p:cTn id="2" dur="indefinite" nodeType="mainSeq">
+                <p:childTnLst>
+                  <p:par>
+                    <p:cTn id="3" fill="hold">
+                      <p:stCondLst>
+                        <p:cond delay="indefinite"/>
+                      </p:stCondLst>
+                      <p:childTnLst>
+                        <p:par>
+                          <p:cTn id="4" fill="hold">
+                            <p:stCondLst>
+                              <p:cond delay="0"/>
+                            </p:stCondLst>
+                            <p:childTnLst>
+                              <p:par>
+                                <p:cTn id="5" presetID="10" presetClass="entr" presetSubtype="0" fill="hold" grpId="0" nodeType="clickEffect">
+                                  <p:stCondLst>
+                                    <p:cond delay="0"/>
+                                  </p:stCondLst>
+                                  <p:childTnLst>
+                                    <p:set>
+                                      <p:cBhvr>
+                                        <p:cTn id="6" dur="1" fill="hold">
+                                          <p:stCondLst>
+                                            <p:cond delay="0"/>
+                                          </p:stCondLst>
+                                        </p:cTn>
+                                        <p:tgtEl>
+                                          <p:spTgt spid="10"/>
+                                        </p:tgtEl>
+                                        <p:attrNameLst>
+                                          <p:attrName>style.visibility</p:attrName>
+                                        </p:attrNameLst>
+                                      </p:cBhvr>
+                                      <p:to>
+                                        <p:strVal val="visible"/>
+                                      </p:to>
+                                    </p:set>
+                                    <p:animEffect transition="in" filter="fade">
+                                      <p:cBhvr>
+                                        <p:cTn id="7" dur="500"/>
+                                        <p:tgtEl>
+                                          <p:spTgt spid="10"/>
+                                        </p:tgtEl>
+                                      </p:cBhvr>
+                                    </p:animEffect>
+                                  </p:childTnLst>
+                                </p:cTn>
+                              </p:par>
+                            </p:childTnLst>
+                          </p:cTn>
+                        </p:par>
+                      </p:childTnLst>
+                    </p:cTn>
+                  </p:par>
+                  <p:par>
+                    <p:cTn id="8" fill="hold">
+                      <p:stCondLst>
+                        <p:cond delay="indefinite"/>
+                      </p:stCondLst>
+                      <p:childTnLst>
+                        <p:par>
+                          <p:cTn id="9" fill="hold">
+                            <p:stCondLst>
+                              <p:cond delay="0"/>
+                            </p:stCondLst>
+                            <p:childTnLst>
+                              <p:par>
+                                <p:cTn id="10" presetID="10" presetClass="entr" presetSubtype="0" fill="hold" nodeType="clickEffect">
+                                  <p:stCondLst>
+                                    <p:cond delay="0"/>
+                                  </p:stCondLst>
+                                  <p:childTnLst>
+                                    <p:set>
+                                      <p:cBhvr>
+                                        <p:cTn id="11" dur="1" fill="hold">
+                                          <p:stCondLst>
+                                            <p:cond delay="0"/>
+                                          </p:stCondLst>
+                                        </p:cTn>
+                                        <p:tgtEl>
+                                          <p:spTgt spid="2"/>
+                                        </p:tgtEl>
+                                        <p:attrNameLst>
+                                          <p:attrName>style.visibility</p:attrName>
+                                        </p:attrNameLst>
+                                      </p:cBhvr>
+                                      <p:to>
+                                        <p:strVal val="visible"/>
+                                      </p:to>
+                                    </p:set>
+                                    <p:animEffect transition="in" filter="fade">
+                                      <p:cBhvr>
+                                        <p:cTn id="12" dur="500"/>
+                                        <p:tgtEl>
+                                          <p:spTgt spid="2"/>
+                                        </p:tgtEl>
+                                      </p:cBhvr>
+                                    </p:animEffect>
+                                  </p:childTnLst>
+                                </p:cTn>
+                              </p:par>
+                            </p:childTnLst>
+                          </p:cTn>
+                        </p:par>
+                      </p:childTnLst>
+                    </p:cTn>
+                  </p:par>
+                </p:childTnLst>
+              </p:cTn>
+              <p:prevCondLst>
+                <p:cond evt="onPrev" delay="0">
+                  <p:tgtEl>
+                    <p:sldTgt/>
+                  </p:tgtEl>
+                </p:cond>
+              </p:prevCondLst>
+              <p:nextCondLst>
+                <p:cond evt="onNext" delay="0">
+                  <p:tgtEl>
+                    <p:sldTgt/>
+                  </p:tgtEl>
+                </p:cond>
+              </p:nextCondLst>
+            </p:seq>
+          </p:childTnLst>
+        </p:cTn>
+      </p:par>
+    </p:tnLst>
+    <p:bldLst>
+      <p:bldP spid="10" grpId="0"/>
+    </p:bldLst>
+  </p:timing>
+</p:sld>
+</file>
+
+<file path=ppt/slides/slide7.xml><?xml version="1.0" encoding="utf-8"?>
+<p:sld xmlns:a="http://schemas.openxmlformats.org/drawingml/2006/main" xmlns:r="http://schemas.openxmlformats.org/officeDocument/2006/relationships" xmlns:p="http://schemas.openxmlformats.org/presentationml/2006/main">
+  <p:cSld>
+    <p:spTree>
+      <p:nvGrpSpPr>
+        <p:cNvPr id="1" name=""/>
+        <p:cNvGrpSpPr/>
+        <p:nvPr/>
+      </p:nvGrpSpPr>
+      <p:grpSpPr>
+        <a:xfrm>
+          <a:off x="0" y="0"/>
+          <a:ext cx="0" cy="0"/>
+          <a:chOff x="0" y="0"/>
+          <a:chExt cx="0" cy="0"/>
+        </a:xfrm>
+      </p:grpSpPr>
+      <p:sp>
+        <p:nvSpPr>
+          <p:cNvPr id="5" name="Title 4">
+            <a:extLst>
+              <a:ext uri="{FF2B5EF4-FFF2-40B4-BE49-F238E27FC236}">
+                <a16:creationId xmlns:a16="http://schemas.microsoft.com/office/drawing/2014/main" id="{64213D2F-A106-3319-AA98-37F0C11F906C}"/>
+              </a:ext>
+            </a:extLst>
+          </p:cNvPr>
+          <p:cNvSpPr>
+            <a:spLocks noGrp="1"/>
+          </p:cNvSpPr>
+          <p:nvPr>
+            <p:ph type="title"/>
+          </p:nvPr>
+        </p:nvSpPr>
+        <p:spPr/>
+        <p:txBody>
+          <a:bodyPr/>
+          <a:lstStyle/>
+          <a:p>
+            <a:r>
+              <a:rPr lang="en-US" dirty="0"/>
+              <a:t>Momentum</a:t>
+            </a:r>
+          </a:p>
+        </p:txBody>
+      </p:sp>
+      <mc:AlternateContent xmlns:mc="http://schemas.openxmlformats.org/markup-compatibility/2006" xmlns:a14="http://schemas.microsoft.com/office/drawing/2010/main">
+        <mc:Choice Requires="a14">
+          <p:sp>
+            <p:nvSpPr>
+              <p:cNvPr id="6" name="Content Placeholder 5">
+                <a:extLst>
+                  <a:ext uri="{FF2B5EF4-FFF2-40B4-BE49-F238E27FC236}">
+                    <a16:creationId xmlns:a16="http://schemas.microsoft.com/office/drawing/2014/main" id="{3C4EB284-4A7B-E6BB-BEC1-67954B65026D}"/>
+                  </a:ext>
+                </a:extLst>
+              </p:cNvPr>
+              <p:cNvSpPr>
+                <a:spLocks noGrp="1"/>
+              </p:cNvSpPr>
+              <p:nvPr>
+                <p:ph idx="1"/>
+              </p:nvPr>
+            </p:nvSpPr>
+            <p:spPr>
+              <a:xfrm>
+                <a:off x="838200" y="1832999"/>
+                <a:ext cx="10515600" cy="4538304"/>
+              </a:xfrm>
+            </p:spPr>
+            <p:txBody>
+              <a:bodyPr>
+                <a:normAutofit/>
+              </a:bodyPr>
+              <a:lstStyle/>
+              <a:p>
+                <a:pPr marL="0" indent="0" algn="ctr">
+                  <a:buNone/>
+                </a:pPr>
+                <a14:m>
+                  <m:oMath xmlns:m="http://schemas.openxmlformats.org/officeDocument/2006/math">
+                    <m:sSub>
+                      <m:sSubPr>
+                        <m:ctrlPr>
+                          <a:rPr lang="fr-FR" b="0" i="1" smtClean="0">
+                            <a:latin typeface="Cambria Math" panose="02040503050406030204" pitchFamily="18" charset="0"/>
+                          </a:rPr>
+                        </m:ctrlPr>
+                      </m:sSubPr>
+                      <m:e>
+                        <m:r>
+                          <a:rPr lang="fr-FR" b="0" i="1" smtClean="0">
+                            <a:latin typeface="Cambria Math" panose="02040503050406030204" pitchFamily="18" charset="0"/>
+                          </a:rPr>
+                          <m:t>𝑣</m:t>
+                        </m:r>
+                      </m:e>
+                      <m:sub>
+                        <m:r>
+                          <a:rPr lang="fr-FR" b="0" i="1" smtClean="0">
+                            <a:latin typeface="Cambria Math" panose="02040503050406030204" pitchFamily="18" charset="0"/>
+                          </a:rPr>
+                          <m:t>𝑡</m:t>
+                        </m:r>
+                        <m:r>
+                          <a:rPr lang="fr-FR" b="0" i="1" smtClean="0">
+                            <a:latin typeface="Cambria Math" panose="02040503050406030204" pitchFamily="18" charset="0"/>
+                          </a:rPr>
+                          <m:t>, </m:t>
+                        </m:r>
+                        <m:r>
+                          <a:rPr lang="fr-FR" b="0" i="1" smtClean="0">
+                            <a:latin typeface="Cambria Math" panose="02040503050406030204" pitchFamily="18" charset="0"/>
+                          </a:rPr>
+                          <m:t>𝑖</m:t>
+                        </m:r>
+                      </m:sub>
+                    </m:sSub>
+                    <m:r>
+                      <a:rPr lang="fr-FR" b="0" i="1" smtClean="0">
+                        <a:latin typeface="Cambria Math" panose="02040503050406030204" pitchFamily="18" charset="0"/>
+                      </a:rPr>
+                      <m:t>=</m:t>
+                    </m:r>
+                    <m:r>
+                      <a:rPr lang="fr-FR" b="0" i="1" smtClean="0">
+                        <a:latin typeface="Cambria Math" panose="02040503050406030204" pitchFamily="18" charset="0"/>
+                      </a:rPr>
+                      <m:t>𝛾</m:t>
+                    </m:r>
+                    <m:sSub>
+                      <m:sSubPr>
+                        <m:ctrlPr>
+                          <a:rPr lang="fr-FR" b="0" i="1" smtClean="0">
+                            <a:latin typeface="Cambria Math" panose="02040503050406030204" pitchFamily="18" charset="0"/>
+                          </a:rPr>
+                        </m:ctrlPr>
+                      </m:sSubPr>
+                      <m:e>
+                        <m:r>
+                          <a:rPr lang="fr-FR" b="0" i="1" smtClean="0">
+                            <a:latin typeface="Cambria Math" panose="02040503050406030204" pitchFamily="18" charset="0"/>
+                          </a:rPr>
+                          <m:t>𝑣</m:t>
+                        </m:r>
+                      </m:e>
+                      <m:sub>
+                        <m:r>
+                          <a:rPr lang="fr-FR" b="0" i="1" smtClean="0">
+                            <a:latin typeface="Cambria Math" panose="02040503050406030204" pitchFamily="18" charset="0"/>
+                          </a:rPr>
+                          <m:t>𝑡</m:t>
+                        </m:r>
+                        <m:r>
+                          <a:rPr lang="fr-FR" b="0" i="1" smtClean="0">
+                            <a:latin typeface="Cambria Math" panose="02040503050406030204" pitchFamily="18" charset="0"/>
+                          </a:rPr>
+                          <m:t>−1, </m:t>
+                        </m:r>
+                        <m:r>
+                          <a:rPr lang="fr-FR" b="0" i="1" smtClean="0">
+                            <a:latin typeface="Cambria Math" panose="02040503050406030204" pitchFamily="18" charset="0"/>
+                          </a:rPr>
+                          <m:t>𝑖</m:t>
+                        </m:r>
+                      </m:sub>
+                    </m:sSub>
+                    <m:r>
+                      <a:rPr lang="fr-FR" b="0" i="1" smtClean="0">
+                        <a:latin typeface="Cambria Math" panose="02040503050406030204" pitchFamily="18" charset="0"/>
+                      </a:rPr>
+                      <m:t>+</m:t>
+                    </m:r>
+                    <m:r>
+                      <a:rPr lang="fr-FR" b="0" i="1" smtClean="0">
+                        <a:latin typeface="Cambria Math" panose="02040503050406030204" pitchFamily="18" charset="0"/>
+                      </a:rPr>
+                      <m:t>𝜕</m:t>
+                    </m:r>
+                    <m:r>
+                      <a:rPr lang="fr-FR" b="0" i="1" smtClean="0">
+                        <a:latin typeface="Cambria Math" panose="02040503050406030204" pitchFamily="18" charset="0"/>
+                      </a:rPr>
+                      <m:t>𝑙𝑜𝑠𝑠</m:t>
+                    </m:r>
+                    <m:r>
+                      <a:rPr lang="fr-FR" b="0" i="1" smtClean="0">
+                        <a:latin typeface="Cambria Math" panose="02040503050406030204" pitchFamily="18" charset="0"/>
+                      </a:rPr>
+                      <m:t>/</m:t>
+                    </m:r>
+                    <m:r>
+                      <a:rPr lang="fr-FR" b="0" i="1" smtClean="0">
+                        <a:latin typeface="Cambria Math" panose="02040503050406030204" pitchFamily="18" charset="0"/>
+                      </a:rPr>
+                      <m:t>𝜕</m:t>
+                    </m:r>
+                    <m:sSub>
+                      <m:sSubPr>
+                        <m:ctrlPr>
+                          <a:rPr lang="fr-FR" b="0" i="1" smtClean="0">
+                            <a:latin typeface="Cambria Math" panose="02040503050406030204" pitchFamily="18" charset="0"/>
+                          </a:rPr>
+                        </m:ctrlPr>
+                      </m:sSubPr>
+                      <m:e>
+                        <m:r>
+                          <a:rPr lang="fr-FR" b="0" i="1" smtClean="0">
+                            <a:latin typeface="Cambria Math" panose="02040503050406030204" pitchFamily="18" charset="0"/>
+                          </a:rPr>
+                          <m:t>𝜃</m:t>
+                        </m:r>
+                      </m:e>
+                      <m:sub>
+                        <m:r>
+                          <a:rPr lang="fr-FR" b="0" i="1" smtClean="0">
+                            <a:latin typeface="Cambria Math" panose="02040503050406030204" pitchFamily="18" charset="0"/>
+                          </a:rPr>
+                          <m:t>𝑡</m:t>
+                        </m:r>
+                        <m:r>
+                          <a:rPr lang="fr-FR" b="0" i="1" smtClean="0">
+                            <a:latin typeface="Cambria Math" panose="02040503050406030204" pitchFamily="18" charset="0"/>
+                          </a:rPr>
+                          <m:t>,</m:t>
+                        </m:r>
+                        <m:r>
+                          <a:rPr lang="fr-FR" b="0" i="1" smtClean="0">
+                            <a:latin typeface="Cambria Math" panose="02040503050406030204" pitchFamily="18" charset="0"/>
+                          </a:rPr>
+                          <m:t>𝑖</m:t>
+                        </m:r>
+                      </m:sub>
+                    </m:sSub>
+                  </m:oMath>
+                </a14:m>
+                <a:r>
+                  <a:rPr lang="en-US" dirty="0"/>
+                  <a:t> </a:t>
+                </a:r>
+              </a:p>
+              <a:p>
+                <a:pPr marL="0" indent="0" algn="ctr">
+                  <a:buNone/>
+                </a:pPr>
+                <a:endParaRPr lang="en-US" dirty="0"/>
+              </a:p>
+              <a:p>
+                <a:pPr marL="0" indent="0" algn="just">
+                  <a:buNone/>
+                </a:pPr>
+                <a14:m>
+                  <m:oMathPara xmlns:m="http://schemas.openxmlformats.org/officeDocument/2006/math">
+                    <m:oMathParaPr>
+                      <m:jc m:val="centerGroup"/>
+                    </m:oMathParaPr>
+                    <m:oMath xmlns:m="http://schemas.openxmlformats.org/officeDocument/2006/math">
+                      <m:sSub>
+                        <m:sSubPr>
+                          <m:ctrlPr>
+                            <a:rPr lang="fr-FR" b="0" i="1" smtClean="0">
+                              <a:latin typeface="Cambria Math" panose="02040503050406030204" pitchFamily="18" charset="0"/>
+                            </a:rPr>
+                          </m:ctrlPr>
+                        </m:sSubPr>
+                        <m:e>
+                          <m:r>
+                            <a:rPr lang="fr-FR" b="0" i="1" smtClean="0">
+                              <a:latin typeface="Cambria Math" panose="02040503050406030204" pitchFamily="18" charset="0"/>
+                            </a:rPr>
+                            <m:t>𝜃</m:t>
+                          </m:r>
+                        </m:e>
+                        <m:sub>
+                          <m:r>
+                            <a:rPr lang="fr-FR" b="0" i="1" smtClean="0">
+                              <a:latin typeface="Cambria Math" panose="02040503050406030204" pitchFamily="18" charset="0"/>
+                            </a:rPr>
+                            <m:t>𝑡</m:t>
+                          </m:r>
+                          <m:r>
+                            <a:rPr lang="fr-FR" b="0" i="1" smtClean="0">
+                              <a:latin typeface="Cambria Math" panose="02040503050406030204" pitchFamily="18" charset="0"/>
+                            </a:rPr>
+                            <m:t>+1, </m:t>
+                          </m:r>
+                          <m:r>
+                            <a:rPr lang="fr-FR" b="0" i="1" smtClean="0">
+                              <a:latin typeface="Cambria Math" panose="02040503050406030204" pitchFamily="18" charset="0"/>
+                            </a:rPr>
+                            <m:t>𝑖</m:t>
+                          </m:r>
+                        </m:sub>
+                      </m:sSub>
+                      <m:r>
+                        <a:rPr lang="fr-FR" b="0" i="1" smtClean="0">
+                          <a:latin typeface="Cambria Math" panose="02040503050406030204" pitchFamily="18" charset="0"/>
+                        </a:rPr>
+                        <m:t>=</m:t>
+                      </m:r>
+                      <m:sSub>
+                        <m:sSubPr>
+                          <m:ctrlPr>
+                            <a:rPr lang="fr-FR" b="0" i="1" smtClean="0">
+                              <a:latin typeface="Cambria Math" panose="02040503050406030204" pitchFamily="18" charset="0"/>
+                            </a:rPr>
+                          </m:ctrlPr>
+                        </m:sSubPr>
+                        <m:e>
+                          <m:r>
+                            <a:rPr lang="fr-FR" b="0" i="1" smtClean="0">
+                              <a:latin typeface="Cambria Math" panose="02040503050406030204" pitchFamily="18" charset="0"/>
+                            </a:rPr>
+                            <m:t>𝜃</m:t>
+                          </m:r>
+                        </m:e>
+                        <m:sub>
+                          <m:r>
+                            <a:rPr lang="fr-FR" b="0" i="1" smtClean="0">
+                              <a:latin typeface="Cambria Math" panose="02040503050406030204" pitchFamily="18" charset="0"/>
+                            </a:rPr>
+                            <m:t>𝑡</m:t>
+                          </m:r>
+                          <m:r>
+                            <a:rPr lang="fr-FR" b="0" i="1" smtClean="0">
+                              <a:latin typeface="Cambria Math" panose="02040503050406030204" pitchFamily="18" charset="0"/>
+                            </a:rPr>
+                            <m:t>,</m:t>
+                          </m:r>
+                          <m:r>
+                            <a:rPr lang="fr-FR" b="0" i="1" smtClean="0">
+                              <a:latin typeface="Cambria Math" panose="02040503050406030204" pitchFamily="18" charset="0"/>
+                            </a:rPr>
+                            <m:t>𝑖</m:t>
+                          </m:r>
+                        </m:sub>
+                      </m:sSub>
+                      <m:r>
+                        <a:rPr lang="fr-FR" b="0" i="1" smtClean="0">
+                          <a:latin typeface="Cambria Math" panose="02040503050406030204" pitchFamily="18" charset="0"/>
+                        </a:rPr>
+                        <m:t> −</m:t>
+                      </m:r>
+                      <m:r>
+                        <a:rPr lang="fr-FR" b="0" i="1" smtClean="0">
+                          <a:latin typeface="Cambria Math" panose="02040503050406030204" pitchFamily="18" charset="0"/>
+                        </a:rPr>
+                        <m:t>𝑙𝑟</m:t>
+                      </m:r>
+                      <m:r>
+                        <a:rPr lang="fr-FR" b="0" i="1" smtClean="0">
+                          <a:latin typeface="Cambria Math" panose="02040503050406030204" pitchFamily="18" charset="0"/>
+                        </a:rPr>
+                        <m:t> ∗</m:t>
+                      </m:r>
+                      <m:sSub>
+                        <m:sSubPr>
+                          <m:ctrlPr>
+                            <a:rPr lang="fr-FR" b="0" i="1" smtClean="0">
+                              <a:latin typeface="Cambria Math" panose="02040503050406030204" pitchFamily="18" charset="0"/>
+                            </a:rPr>
+                          </m:ctrlPr>
+                        </m:sSubPr>
+                        <m:e>
+                          <m:r>
+                            <a:rPr lang="fr-FR" b="0" i="1" smtClean="0">
+                              <a:latin typeface="Cambria Math" panose="02040503050406030204" pitchFamily="18" charset="0"/>
+                            </a:rPr>
+                            <m:t>𝑣</m:t>
+                          </m:r>
+                        </m:e>
+                        <m:sub>
+                          <m:r>
+                            <a:rPr lang="fr-FR" b="0" i="1" smtClean="0">
+                              <a:latin typeface="Cambria Math" panose="02040503050406030204" pitchFamily="18" charset="0"/>
+                            </a:rPr>
+                            <m:t>𝑡</m:t>
+                          </m:r>
+                          <m:r>
+                            <a:rPr lang="fr-FR" b="0" i="1" smtClean="0">
+                              <a:latin typeface="Cambria Math" panose="02040503050406030204" pitchFamily="18" charset="0"/>
+                            </a:rPr>
+                            <m:t>, </m:t>
+                          </m:r>
+                          <m:r>
+                            <a:rPr lang="fr-FR" b="0" i="1" smtClean="0">
+                              <a:latin typeface="Cambria Math" panose="02040503050406030204" pitchFamily="18" charset="0"/>
+                            </a:rPr>
+                            <m:t>𝑖</m:t>
+                          </m:r>
+                        </m:sub>
+                      </m:sSub>
+                    </m:oMath>
+                  </m:oMathPara>
+                </a14:m>
+                <a:endParaRPr lang="fr-FR" b="0" dirty="0"/>
+              </a:p>
+              <a:p>
+                <a:pPr marL="0" indent="0" algn="just">
+                  <a:buNone/>
+                </a:pPr>
+                <a:endParaRPr lang="en-US" dirty="0"/>
+              </a:p>
+              <a:p>
+                <a:pPr marL="0" indent="0" algn="just">
+                  <a:buNone/>
+                </a:pPr>
+                <a:r>
+                  <a:rPr lang="en-US" dirty="0"/>
+                  <a:t>-&gt; New hyperparameter!</a:t>
+                </a:r>
+              </a:p>
+            </p:txBody>
+          </p:sp>
+        </mc:Choice>
+        <mc:Fallback xmlns="">
+          <p:sp>
+            <p:nvSpPr>
+              <p:cNvPr id="6" name="Content Placeholder 5">
+                <a:extLst>
+                  <a:ext uri="{FF2B5EF4-FFF2-40B4-BE49-F238E27FC236}">
+                    <a16:creationId xmlns:a16="http://schemas.microsoft.com/office/drawing/2014/main" id="{3C4EB284-4A7B-E6BB-BEC1-67954B65026D}"/>
+                  </a:ext>
+                </a:extLst>
+              </p:cNvPr>
+              <p:cNvSpPr>
+                <a:spLocks noGrp="1" noRot="1" noChangeAspect="1" noMove="1" noResize="1" noEditPoints="1" noAdjustHandles="1" noChangeArrowheads="1" noChangeShapeType="1" noTextEdit="1"/>
+              </p:cNvSpPr>
+              <p:nvPr>
+                <p:ph idx="1"/>
+              </p:nvPr>
+            </p:nvSpPr>
+            <p:spPr>
+              <a:xfrm>
+                <a:off x="838200" y="1832999"/>
+                <a:ext cx="10515600" cy="4538304"/>
+              </a:xfrm>
+              <a:blipFill>
+                <a:blip r:embed="rId3"/>
+                <a:stretch>
+                  <a:fillRect l="-1217"/>
+                </a:stretch>
+              </a:blipFill>
+            </p:spPr>
+            <p:txBody>
+              <a:bodyPr/>
+              <a:lstStyle/>
+              <a:p>
+                <a:r>
+                  <a:rPr lang="fr-FR">
+                    <a:noFill/>
+                  </a:rPr>
+                  <a:t> </a:t>
+                </a:r>
+              </a:p>
+            </p:txBody>
+          </p:sp>
+        </mc:Fallback>
+      </mc:AlternateContent>
+      <mc:AlternateContent xmlns:mc="http://schemas.openxmlformats.org/markup-compatibility/2006" xmlns:p14="http://schemas.microsoft.com/office/powerpoint/2010/main">
+        <mc:Choice Requires="p14">
+          <p:contentPart p14:bwMode="auto" r:id="rId4">
+            <p14:nvContentPartPr>
+              <p14:cNvPr id="13" name="Ink 12">
+                <a:extLst>
+                  <a:ext uri="{FF2B5EF4-FFF2-40B4-BE49-F238E27FC236}">
+                    <a16:creationId xmlns:a16="http://schemas.microsoft.com/office/drawing/2014/main" id="{54042779-8AEA-B3E7-5CB9-93CE086E2294}"/>
+                  </a:ext>
+                </a:extLst>
+              </p14:cNvPr>
+              <p14:cNvContentPartPr/>
+              <p14:nvPr/>
+            </p14:nvContentPartPr>
+            <p14:xfrm>
+              <a:off x="5036598" y="2336667"/>
+              <a:ext cx="974160" cy="360"/>
+            </p14:xfrm>
+          </p:contentPart>
+        </mc:Choice>
+        <mc:Fallback xmlns="">
+          <p:pic>
+            <p:nvPicPr>
+              <p:cNvPr id="13" name="Ink 12">
+                <a:extLst>
+                  <a:ext uri="{FF2B5EF4-FFF2-40B4-BE49-F238E27FC236}">
+                    <a16:creationId xmlns:a16="http://schemas.microsoft.com/office/drawing/2014/main" id="{54042779-8AEA-B3E7-5CB9-93CE086E2294}"/>
+                  </a:ext>
+                </a:extLst>
+              </p:cNvPr>
+              <p:cNvPicPr/>
+              <p:nvPr/>
+            </p:nvPicPr>
+            <p:blipFill>
+              <a:blip r:embed="rId5"/>
+              <a:stretch>
+                <a:fillRect/>
+              </a:stretch>
+            </p:blipFill>
+            <p:spPr>
+              <a:xfrm>
+                <a:off x="5000598" y="2301027"/>
+                <a:ext cx="1045800" cy="72000"/>
+              </a:xfrm>
+              <a:prstGeom prst="rect">
+                <a:avLst/>
+              </a:prstGeom>
+            </p:spPr>
+          </p:pic>
+        </mc:Fallback>
+      </mc:AlternateContent>
+    </p:spTree>
+    <p:extLst>
+      <p:ext uri="{BB962C8B-B14F-4D97-AF65-F5344CB8AC3E}">
+        <p14:creationId xmlns:p14="http://schemas.microsoft.com/office/powerpoint/2010/main" val="2308556172"/>
+      </p:ext>
+    </p:extLst>
+  </p:cSld>
+  <p:clrMapOvr>
+    <a:masterClrMapping/>
+  </p:clrMapOvr>
+  <mc:AlternateContent xmlns:mc="http://schemas.openxmlformats.org/markup-compatibility/2006" xmlns:p14="http://schemas.microsoft.com/office/powerpoint/2010/main">
+    <mc:Choice Requires="p14">
+      <p:transition spd="med" p14:dur="700">
+        <p:fade/>
+      </p:transition>
+    </mc:Choice>
+    <mc:Fallback xmlns="">
+      <p:transition spd="med">
+        <p:fade/>
+      </p:transition>
+    </mc:Fallback>
+  </mc:AlternateContent>
+  <p:timing>
+    <p:tnLst>
+      <p:par>
+        <p:cTn id="1" dur="indefinite" restart="never" nodeType="tmRoot">
+          <p:childTnLst>
+            <p:seq concurrent="1" nextAc="seek">
+              <p:cTn id="2" dur="indefinite" nodeType="mainSeq">
+                <p:childTnLst>
+                  <p:par>
+                    <p:cTn id="3" fill="hold">
+                      <p:stCondLst>
+                        <p:cond delay="indefinite"/>
+                      </p:stCondLst>
+                      <p:childTnLst>
+                        <p:par>
+                          <p:cTn id="4" fill="hold">
+                            <p:stCondLst>
+                              <p:cond delay="0"/>
+                            </p:stCondLst>
+                            <p:childTnLst>
+                              <p:par>
+                                <p:cTn id="5" presetID="10" presetClass="entr" presetSubtype="0" fill="hold" nodeType="clickEffect">
+                                  <p:stCondLst>
+                                    <p:cond delay="0"/>
+                                  </p:stCondLst>
+                                  <p:childTnLst>
+                                    <p:set>
+                                      <p:cBhvr>
+                                        <p:cTn id="6" dur="1" fill="hold">
+                                          <p:stCondLst>
+                                            <p:cond delay="0"/>
+                                          </p:stCondLst>
+                                        </p:cTn>
+                                        <p:tgtEl>
+                                          <p:spTgt spid="13"/>
+                                        </p:tgtEl>
+                                        <p:attrNameLst>
+                                          <p:attrName>style.visibility</p:attrName>
+                                        </p:attrNameLst>
+                                      </p:cBhvr>
+                                      <p:to>
+                                        <p:strVal val="visible"/>
+                                      </p:to>
+                                    </p:set>
+                                    <p:animEffect transition="in" filter="fade">
+                                      <p:cBhvr>
+                                        <p:cTn id="7" dur="500"/>
+                                        <p:tgtEl>
+                                          <p:spTgt spid="13"/>
+                                        </p:tgtEl>
+                                      </p:cBhvr>
+                                    </p:animEffect>
+                                  </p:childTnLst>
+                                </p:cTn>
+                              </p:par>
+                            </p:childTnLst>
+                          </p:cTn>
+                        </p:par>
+                      </p:childTnLst>
+                    </p:cTn>
+                  </p:par>
+                </p:childTnLst>
+              </p:cTn>
+              <p:prevCondLst>
+                <p:cond evt="onPrev" delay="0">
+                  <p:tgtEl>
+                    <p:sldTgt/>
+                  </p:tgtEl>
+                </p:cond>
+              </p:prevCondLst>
+              <p:nextCondLst>
+                <p:cond evt="onNext" delay="0">
+                  <p:tgtEl>
+                    <p:sldTgt/>
+                  </p:tgtEl>
+                </p:cond>
+              </p:nextCondLst>
+            </p:seq>
+          </p:childTnLst>
+        </p:cTn>
+      </p:par>
+    </p:tnLst>
+  </p:timing>
+</p:sld>
+</file>
+
+<file path=ppt/slides/slide8.xml><?xml version="1.0" encoding="utf-8"?>
+<p:sld xmlns:a="http://schemas.openxmlformats.org/drawingml/2006/main" xmlns:r="http://schemas.openxmlformats.org/officeDocument/2006/relationships" xmlns:p="http://schemas.openxmlformats.org/presentationml/2006/main">
+  <p:cSld>
+    <p:spTree>
+      <p:nvGrpSpPr>
+        <p:cNvPr id="1" name=""/>
+        <p:cNvGrpSpPr/>
+        <p:nvPr/>
+      </p:nvGrpSpPr>
+      <p:grpSpPr>
+        <a:xfrm>
+          <a:off x="0" y="0"/>
+          <a:ext cx="0" cy="0"/>
+          <a:chOff x="0" y="0"/>
+          <a:chExt cx="0" cy="0"/>
+        </a:xfrm>
+      </p:grpSpPr>
+      <p:sp>
+        <p:nvSpPr>
+          <p:cNvPr id="5" name="Title 4">
+            <a:extLst>
+              <a:ext uri="{FF2B5EF4-FFF2-40B4-BE49-F238E27FC236}">
+                <a16:creationId xmlns:a16="http://schemas.microsoft.com/office/drawing/2014/main" id="{64213D2F-A106-3319-AA98-37F0C11F906C}"/>
+              </a:ext>
+            </a:extLst>
+          </p:cNvPr>
+          <p:cNvSpPr>
+            <a:spLocks noGrp="1"/>
+          </p:cNvSpPr>
+          <p:nvPr>
+            <p:ph type="title"/>
+          </p:nvPr>
+        </p:nvSpPr>
+        <p:spPr/>
+        <p:txBody>
+          <a:bodyPr/>
+          <a:lstStyle/>
+          <a:p>
+            <a:r>
+              <a:rPr lang="en-US" dirty="0"/>
+              <a:t>Learning </a:t>
+            </a:r>
+            <a:r>
+              <a:rPr lang="en-US"/>
+              <a:t>rate scheduling</a:t>
+            </a:r>
+            <a:endParaRPr lang="en-US" dirty="0"/>
+          </a:p>
+        </p:txBody>
+      </p:sp>
+      <p:pic>
+        <p:nvPicPr>
+          <p:cNvPr id="4" name="Content Placeholder 4" descr="Diagram&#10;&#10;Description automatically generated with medium confidence">
+            <a:extLst>
+              <a:ext uri="{FF2B5EF4-FFF2-40B4-BE49-F238E27FC236}">
+                <a16:creationId xmlns:a16="http://schemas.microsoft.com/office/drawing/2014/main" id="{FBE95EFE-BCF5-98D8-5E47-68898F756A21}"/>
+              </a:ext>
+            </a:extLst>
+          </p:cNvPr>
+          <p:cNvPicPr>
+            <a:picLocks noGrp="1" noChangeAspect="1"/>
+          </p:cNvPicPr>
+          <p:nvPr>
+            <p:ph idx="1"/>
+          </p:nvPr>
+        </p:nvPicPr>
+        <p:blipFill>
+          <a:blip r:embed="rId3">
+            <a:extLst>
+              <a:ext uri="{28A0092B-C50C-407E-A947-70E740481C1C}">
+                <a14:useLocalDpi xmlns:a14="http://schemas.microsoft.com/office/drawing/2010/main" val="0"/>
+              </a:ext>
+            </a:extLst>
+          </a:blip>
+          <a:stretch>
+            <a:fillRect/>
+          </a:stretch>
+        </p:blipFill>
+        <p:spPr>
+          <a:xfrm>
+            <a:off x="838200" y="1506303"/>
+            <a:ext cx="10515600" cy="5264302"/>
+          </a:xfrm>
+        </p:spPr>
+      </p:pic>
+    </p:spTree>
+    <p:extLst>
+      <p:ext uri="{BB962C8B-B14F-4D97-AF65-F5344CB8AC3E}">
+        <p14:creationId xmlns:p14="http://schemas.microsoft.com/office/powerpoint/2010/main" val="3671612779"/>
+      </p:ext>
+    </p:extLst>
+  </p:cSld>
+  <p:clrMapOvr>
+    <a:masterClrMapping/>
+  </p:clrMapOvr>
+  <mc:AlternateContent xmlns:mc="http://schemas.openxmlformats.org/markup-compatibility/2006" xmlns:p14="http://schemas.microsoft.com/office/powerpoint/2010/main">
+    <mc:Choice Requires="p14">
+      <p:transition spd="med" p14:dur="700">
+        <p:fade/>
+      </p:transition>
+    </mc:Choice>
+    <mc:Fallback xmlns="">
+      <p:transition spd="med">
+        <p:fade/>
+      </p:transition>
+    </mc:Fallback>
+  </mc:AlternateContent>
+</p:sld>
+</file>
+
+<file path=ppt/slides/slide9.xml><?xml version="1.0" encoding="utf-8"?>
+<p:sld xmlns:a="http://schemas.openxmlformats.org/drawingml/2006/main" xmlns:r="http://schemas.openxmlformats.org/officeDocument/2006/relationships" xmlns:p="http://schemas.openxmlformats.org/presentationml/2006/main">
+  <p:cSld>
+    <p:spTree>
+      <p:nvGrpSpPr>
+        <p:cNvPr id="1" name=""/>
+        <p:cNvGrpSpPr/>
+        <p:nvPr/>
+      </p:nvGrpSpPr>
+      <p:grpSpPr>
+        <a:xfrm>
+          <a:off x="0" y="0"/>
+          <a:ext cx="0" cy="0"/>
+          <a:chOff x="0" y="0"/>
+          <a:chExt cx="0" cy="0"/>
+        </a:xfrm>
+      </p:grpSpPr>
+      <p:sp>
+        <p:nvSpPr>
+          <p:cNvPr id="5" name="Title 4">
+            <a:extLst>
+              <a:ext uri="{FF2B5EF4-FFF2-40B4-BE49-F238E27FC236}">
+                <a16:creationId xmlns:a16="http://schemas.microsoft.com/office/drawing/2014/main" id="{64213D2F-A106-3319-AA98-37F0C11F906C}"/>
+              </a:ext>
+            </a:extLst>
+          </p:cNvPr>
+          <p:cNvSpPr>
+            <a:spLocks noGrp="1"/>
+          </p:cNvSpPr>
+          <p:nvPr>
+            <p:ph type="title"/>
+          </p:nvPr>
+        </p:nvSpPr>
+        <p:spPr/>
+        <p:txBody>
+          <a:bodyPr/>
+          <a:lstStyle/>
+          <a:p>
+            <a:r>
+              <a:rPr lang="en-US" dirty="0"/>
+              <a:t>Learning </a:t>
+            </a:r>
+            <a:r>
+              <a:rPr lang="en-US"/>
+              <a:t>rate scheduling</a:t>
+            </a:r>
+            <a:endParaRPr lang="en-US" dirty="0"/>
+          </a:p>
+        </p:txBody>
+      </p:sp>
+      <p:pic>
+        <p:nvPicPr>
+          <p:cNvPr id="7" name="Picture 6">
+            <a:extLst>
+              <a:ext uri="{FF2B5EF4-FFF2-40B4-BE49-F238E27FC236}">
+                <a16:creationId xmlns:a16="http://schemas.microsoft.com/office/drawing/2014/main" id="{99949EC6-82AB-CBD8-6C9B-9703463C3308}"/>
+              </a:ext>
+            </a:extLst>
+          </p:cNvPr>
+          <p:cNvPicPr>
+            <a:picLocks noChangeAspect="1"/>
+          </p:cNvPicPr>
+          <p:nvPr/>
+        </p:nvPicPr>
+        <p:blipFill>
+          <a:blip r:embed="rId3"/>
+          <a:stretch>
+            <a:fillRect/>
+          </a:stretch>
+        </p:blipFill>
+        <p:spPr>
+          <a:xfrm>
+            <a:off x="2224296" y="2005388"/>
+            <a:ext cx="7743407" cy="3562128"/>
+          </a:xfrm>
+          <a:prstGeom prst="rect">
+            <a:avLst/>
+          </a:prstGeom>
+        </p:spPr>
+      </p:pic>
+    </p:spTree>
+    <p:extLst>
+      <p:ext uri="{BB962C8B-B14F-4D97-AF65-F5344CB8AC3E}">
+        <p14:creationId xmlns:p14="http://schemas.microsoft.com/office/powerpoint/2010/main" val="1565747913"/>
+      </p:ext>
+    </p:extLst>
+  </p:cSld>
+  <p:clrMapOvr>
+    <a:masterClrMapping/>
+  </p:clrMapOvr>
+  <mc:AlternateContent xmlns:mc="http://schemas.openxmlformats.org/markup-compatibility/2006" xmlns:p14="http://schemas.microsoft.com/office/powerpoint/2010/main">
+    <mc:Choice Requires="p14">
+      <p:transition spd="med" p14:dur="700">
+        <p:fade/>
+      </p:transition>
+    </mc:Choice>
+    <mc:Fallback xmlns="">
+      <p:transition spd="med">
+        <p:fade/>
+      </p:transition>
+    </mc:Fallback>
+  </mc:AlternateContent>
 </p:sld>
 </file>
 

--- a/Slides_3.pptx
+++ b/Slides_3.pptx
@@ -5087,7 +5087,7 @@
           <a:p>
             <a:r>
               <a:rPr lang="en-US" dirty="0"/>
-              <a:t>Optimizers’ review, types of problems and associated losses</a:t>
+              <a:t>Optimizers’ review and different techniques to improve your Neural Network</a:t>
             </a:r>
           </a:p>
         </p:txBody>

--- a/Slides_3.pptx
+++ b/Slides_3.pptx
@@ -5,7 +5,7 @@
     <p:sldMasterId id="2147483648" r:id="rId1"/>
   </p:sldMasterIdLst>
   <p:notesMasterIdLst>
-    <p:notesMasterId r:id="rId16"/>
+    <p:notesMasterId r:id="rId17"/>
   </p:notesMasterIdLst>
   <p:sldIdLst>
     <p:sldId id="332" r:id="rId2"/>
@@ -15,13 +15,14 @@
     <p:sldId id="335" r:id="rId6"/>
     <p:sldId id="336" r:id="rId7"/>
     <p:sldId id="337" r:id="rId8"/>
-    <p:sldId id="338" r:id="rId9"/>
-    <p:sldId id="339" r:id="rId10"/>
-    <p:sldId id="340" r:id="rId11"/>
-    <p:sldId id="341" r:id="rId12"/>
-    <p:sldId id="342" r:id="rId13"/>
-    <p:sldId id="343" r:id="rId14"/>
-    <p:sldId id="344" r:id="rId15"/>
+    <p:sldId id="345" r:id="rId9"/>
+    <p:sldId id="338" r:id="rId10"/>
+    <p:sldId id="339" r:id="rId11"/>
+    <p:sldId id="340" r:id="rId12"/>
+    <p:sldId id="341" r:id="rId13"/>
+    <p:sldId id="342" r:id="rId14"/>
+    <p:sldId id="343" r:id="rId15"/>
+    <p:sldId id="344" r:id="rId16"/>
   </p:sldIdLst>
   <p:sldSz cx="12192000" cy="6858000"/>
   <p:notesSz cx="6858000" cy="9144000"/>
@@ -908,6 +909,101 @@
           <a:lstStyle/>
           <a:p>
             <a:r>
+              <a:rPr lang="fr-FR" dirty="0"/>
+              <a:t>Deux screenshots pour montrer que le Deep Learning c’est récent et qu’on ne comprend pas forcément tout (on parle souvent de boîte noire). Les gens ne sont pas forcément d’accord, et les gens exagèrent souvent quand ils montrent des choses nouvelles. Le principal c’est de tester avec et sans, de regarder les </a:t>
+            </a:r>
+            <a:r>
+              <a:rPr lang="fr-FR" dirty="0" err="1"/>
+              <a:t>loss</a:t>
+            </a:r>
+            <a:r>
+              <a:rPr lang="fr-FR" dirty="0"/>
+              <a:t> sur le validation set, et si le résultat est meilleur, garder la chose.</a:t>
+            </a:r>
+          </a:p>
+        </p:txBody>
+      </p:sp>
+      <p:sp>
+        <p:nvSpPr>
+          <p:cNvPr id="4" name="Slide Number Placeholder 3"/>
+          <p:cNvSpPr>
+            <a:spLocks noGrp="1"/>
+          </p:cNvSpPr>
+          <p:nvPr>
+            <p:ph type="sldNum" sz="quarter" idx="5"/>
+          </p:nvPr>
+        </p:nvSpPr>
+        <p:spPr/>
+        <p:txBody>
+          <a:bodyPr/>
+          <a:lstStyle/>
+          <a:p>
+            <a:fld id="{B2732108-1823-42F2-979D-D6CF9D74D210}" type="slidenum">
+              <a:rPr lang="en-US" smtClean="0"/>
+              <a:t>14</a:t>
+            </a:fld>
+            <a:endParaRPr lang="en-US"/>
+          </a:p>
+        </p:txBody>
+      </p:sp>
+    </p:spTree>
+    <p:extLst>
+      <p:ext uri="{BB962C8B-B14F-4D97-AF65-F5344CB8AC3E}">
+        <p14:creationId xmlns:p14="http://schemas.microsoft.com/office/powerpoint/2010/main" val="2015812420"/>
+      </p:ext>
+    </p:extLst>
+  </p:cSld>
+  <p:clrMapOvr>
+    <a:masterClrMapping/>
+  </p:clrMapOvr>
+</p:notes>
+</file>
+
+<file path=ppt/notesSlides/notesSlide11.xml><?xml version="1.0" encoding="utf-8"?>
+<p:notes xmlns:a="http://schemas.openxmlformats.org/drawingml/2006/main" xmlns:r="http://schemas.openxmlformats.org/officeDocument/2006/relationships" xmlns:p="http://schemas.openxmlformats.org/presentationml/2006/main">
+  <p:cSld>
+    <p:spTree>
+      <p:nvGrpSpPr>
+        <p:cNvPr id="1" name=""/>
+        <p:cNvGrpSpPr/>
+        <p:nvPr/>
+      </p:nvGrpSpPr>
+      <p:grpSpPr>
+        <a:xfrm>
+          <a:off x="0" y="0"/>
+          <a:ext cx="0" cy="0"/>
+          <a:chOff x="0" y="0"/>
+          <a:chExt cx="0" cy="0"/>
+        </a:xfrm>
+      </p:grpSpPr>
+      <p:sp>
+        <p:nvSpPr>
+          <p:cNvPr id="2" name="Slide Image Placeholder 1"/>
+          <p:cNvSpPr>
+            <a:spLocks noGrp="1" noRot="1" noChangeAspect="1"/>
+          </p:cNvSpPr>
+          <p:nvPr>
+            <p:ph type="sldImg"/>
+          </p:nvPr>
+        </p:nvSpPr>
+        <p:spPr/>
+      </p:sp>
+      <p:sp>
+        <p:nvSpPr>
+          <p:cNvPr id="3" name="Notes Placeholder 2"/>
+          <p:cNvSpPr>
+            <a:spLocks noGrp="1"/>
+          </p:cNvSpPr>
+          <p:nvPr>
+            <p:ph type="body" idx="1"/>
+          </p:nvPr>
+        </p:nvSpPr>
+        <p:spPr/>
+        <p:txBody>
+          <a:bodyPr/>
+          <a:lstStyle/>
+          <a:p>
+            <a:r>
               <a:rPr lang="en-US" dirty="0"/>
               <a:t>The choice of neurons to be deactivated is random. All neurons are assigned a probability p which determines their activation. A new hyperparameter!!</a:t>
             </a:r>
@@ -972,7 +1068,7 @@
           <a:p>
             <a:fld id="{B2732108-1823-42F2-979D-D6CF9D74D210}" type="slidenum">
               <a:rPr lang="en-US" smtClean="0"/>
-              <a:t>14</a:t>
+              <a:t>15</a:t>
             </a:fld>
             <a:endParaRPr lang="en-US"/>
           </a:p>
@@ -1298,37 +1394,24 @@
             </a:r>
           </a:p>
           <a:p>
+            <a:pPr marL="0" marR="0" lvl="0" indent="0" algn="l" defTabSz="914400" rtl="0" eaLnBrk="1" fontAlgn="auto" latinLnBrk="0" hangingPunct="1">
+              <a:lnSpc>
+                <a:spcPct val="100000"/>
+              </a:lnSpc>
+              <a:spcBef>
+                <a:spcPts val="0"/>
+              </a:spcBef>
+              <a:spcAft>
+                <a:spcPts val="0"/>
+              </a:spcAft>
+              <a:buClrTx/>
+              <a:buSzTx/>
+              <a:buFontTx/>
+              <a:buNone/>
+              <a:tabLst/>
+              <a:defRPr/>
+            </a:pPr>
             <a:endParaRPr lang="fr-FR" dirty="0"/>
-          </a:p>
-          <a:p>
-            <a:r>
-              <a:rPr lang="fr-FR" dirty="0"/>
-              <a:t>On veut </a:t>
-            </a:r>
-            <a:r>
-              <a:rPr lang="fr-FR" dirty="0" err="1"/>
-              <a:t>viter</a:t>
-            </a:r>
-            <a:r>
-              <a:rPr lang="fr-FR" dirty="0"/>
-              <a:t> arriver à côté du trou (donc le </a:t>
-            </a:r>
-            <a:r>
-              <a:rPr lang="fr-FR" dirty="0" err="1"/>
-              <a:t>learning</a:t>
-            </a:r>
-            <a:r>
-              <a:rPr lang="fr-FR" dirty="0"/>
-              <a:t> rate doit être élevé au début) puis après on veut diminuer le </a:t>
-            </a:r>
-            <a:r>
-              <a:rPr lang="fr-FR" dirty="0" err="1"/>
-              <a:t>learning</a:t>
-            </a:r>
-            <a:r>
-              <a:rPr lang="fr-FR" dirty="0"/>
-              <a:t> rate sinon il y a un risque qu’on oscille juste de part et d’autre du trou.</a:t>
-            </a:r>
           </a:p>
         </p:txBody>
       </p:sp>
@@ -1358,7 +1441,7 @@
     </p:spTree>
     <p:extLst>
       <p:ext uri="{BB962C8B-B14F-4D97-AF65-F5344CB8AC3E}">
-        <p14:creationId xmlns:p14="http://schemas.microsoft.com/office/powerpoint/2010/main" val="86369302"/>
+        <p14:creationId xmlns:p14="http://schemas.microsoft.com/office/powerpoint/2010/main" val="2111824487"/>
       </p:ext>
     </p:extLst>
   </p:cSld>
@@ -1412,17 +1495,43 @@
           <a:bodyPr/>
           <a:lstStyle/>
           <a:p>
+            <a:pPr marL="0" marR="0" lvl="0" indent="0" algn="l" defTabSz="914400" rtl="0" eaLnBrk="1" fontAlgn="auto" latinLnBrk="0" hangingPunct="1">
+              <a:lnSpc>
+                <a:spcPct val="100000"/>
+              </a:lnSpc>
+              <a:spcBef>
+                <a:spcPts val="0"/>
+              </a:spcBef>
+              <a:spcAft>
+                <a:spcPts val="0"/>
+              </a:spcAft>
+              <a:buClrTx/>
+              <a:buSzTx/>
+              <a:buFontTx/>
+              <a:buNone/>
+              <a:tabLst/>
+              <a:defRPr/>
+            </a:pPr>
             <a:r>
               <a:rPr lang="fr-FR" dirty="0"/>
-              <a:t>Pareil, y a tout type de façons (parfois un peu perchés) de </a:t>
+              <a:t>Bien rappeler aux étudiants ce qu’on représente en x, et en y à chaque fois sur les graphes de </a:t>
             </a:r>
             <a:r>
               <a:rPr lang="fr-FR" dirty="0" err="1"/>
-              <a:t>scheduler</a:t>
+              <a:t>loss</a:t>
             </a:r>
             <a:r>
               <a:rPr lang="fr-FR" dirty="0"/>
-              <a:t> le </a:t>
+              <a:t> en fonction des paramètres.</a:t>
+            </a:r>
+          </a:p>
+          <a:p>
+            <a:endParaRPr lang="fr-FR" dirty="0"/>
+          </a:p>
+          <a:p>
+            <a:r>
+              <a:rPr lang="fr-FR" dirty="0"/>
+              <a:t>On veut vite arriver à côté du trou (donc le </a:t>
             </a:r>
             <a:r>
               <a:rPr lang="fr-FR" dirty="0" err="1"/>
@@ -1430,15 +1539,15 @@
             </a:r>
             <a:r>
               <a:rPr lang="fr-FR" dirty="0"/>
-              <a:t> rate. Le choix de quel </a:t>
+              <a:t> rate doit être élevé au début) puis après on veut diminuer le </a:t>
             </a:r>
             <a:r>
               <a:rPr lang="fr-FR" dirty="0" err="1"/>
-              <a:t>scheduling</a:t>
+              <a:t>learning</a:t>
             </a:r>
             <a:r>
               <a:rPr lang="fr-FR" dirty="0"/>
-              <a:t> est en lui-même un hyperparamètre.</a:t>
+              <a:t> rate sinon il y a un risque qu’on oscille juste de part et d’autre du trou.</a:t>
             </a:r>
           </a:p>
         </p:txBody>
@@ -1469,7 +1578,7 @@
     </p:spTree>
     <p:extLst>
       <p:ext uri="{BB962C8B-B14F-4D97-AF65-F5344CB8AC3E}">
-        <p14:creationId xmlns:p14="http://schemas.microsoft.com/office/powerpoint/2010/main" val="2061316314"/>
+        <p14:creationId xmlns:p14="http://schemas.microsoft.com/office/powerpoint/2010/main" val="86369302"/>
       </p:ext>
     </p:extLst>
   </p:cSld>
@@ -1523,7 +1632,34 @@
           <a:bodyPr/>
           <a:lstStyle/>
           <a:p>
-            <a:endParaRPr lang="fr-FR" dirty="0"/>
+            <a:r>
+              <a:rPr lang="fr-FR" dirty="0"/>
+              <a:t>Pareil, y a tout type de façons (parfois un peu perchés) de </a:t>
+            </a:r>
+            <a:r>
+              <a:rPr lang="fr-FR" dirty="0" err="1"/>
+              <a:t>scheduler</a:t>
+            </a:r>
+            <a:r>
+              <a:rPr lang="fr-FR" dirty="0"/>
+              <a:t> le </a:t>
+            </a:r>
+            <a:r>
+              <a:rPr lang="fr-FR" dirty="0" err="1"/>
+              <a:t>learning</a:t>
+            </a:r>
+            <a:r>
+              <a:rPr lang="fr-FR" dirty="0"/>
+              <a:t> rate. Le choix de quel </a:t>
+            </a:r>
+            <a:r>
+              <a:rPr lang="fr-FR" dirty="0" err="1"/>
+              <a:t>scheduling</a:t>
+            </a:r>
+            <a:r>
+              <a:rPr lang="fr-FR" dirty="0"/>
+              <a:t> est en lui-même un hyperparamètre.</a:t>
+            </a:r>
           </a:p>
         </p:txBody>
       </p:sp>
@@ -1553,7 +1689,7 @@
     </p:spTree>
     <p:extLst>
       <p:ext uri="{BB962C8B-B14F-4D97-AF65-F5344CB8AC3E}">
-        <p14:creationId xmlns:p14="http://schemas.microsoft.com/office/powerpoint/2010/main" val="1204538897"/>
+        <p14:creationId xmlns:p14="http://schemas.microsoft.com/office/powerpoint/2010/main" val="2061316314"/>
       </p:ext>
     </p:extLst>
   </p:cSld>
@@ -1607,18 +1743,7 @@
           <a:bodyPr/>
           <a:lstStyle/>
           <a:p>
-            <a:r>
-              <a:rPr lang="fr-FR" dirty="0"/>
-              <a:t>Bien rappeler aux étudiants ce qu’on représente en x, en y et en z à chaque fois sur les graphes de </a:t>
-            </a:r>
-            <a:r>
-              <a:rPr lang="fr-FR" dirty="0" err="1"/>
-              <a:t>loss</a:t>
-            </a:r>
-            <a:r>
-              <a:rPr lang="fr-FR" dirty="0"/>
-              <a:t> en fonction des paramètres.</a:t>
-            </a:r>
+            <a:endParaRPr lang="fr-FR" dirty="0"/>
           </a:p>
         </p:txBody>
       </p:sp>
@@ -1648,7 +1773,7 @@
     </p:spTree>
     <p:extLst>
       <p:ext uri="{BB962C8B-B14F-4D97-AF65-F5344CB8AC3E}">
-        <p14:creationId xmlns:p14="http://schemas.microsoft.com/office/powerpoint/2010/main" val="733670393"/>
+        <p14:creationId xmlns:p14="http://schemas.microsoft.com/office/powerpoint/2010/main" val="1204538897"/>
       </p:ext>
     </p:extLst>
   </p:cSld>
@@ -1704,7 +1829,7 @@
           <a:p>
             <a:r>
               <a:rPr lang="fr-FR" dirty="0"/>
-              <a:t>Deux screenshots pour montrer que le Deep Learning c’est récent et qu’on ne comprend pas forcément tout (on parle souvent de boîte noire). Les gens ne sont pas forcément d’accord, et les gens exagèrent souvent quand ils montrent des choses nouvelles. Le principal c’est de tester avec et sans, de regarder les </a:t>
+              <a:t>Bien rappeler aux étudiants ce qu’on représente en x, en y et en z à chaque fois sur les graphes de </a:t>
             </a:r>
             <a:r>
               <a:rPr lang="fr-FR" dirty="0" err="1"/>
@@ -1712,7 +1837,7 @@
             </a:r>
             <a:r>
               <a:rPr lang="fr-FR" dirty="0"/>
-              <a:t> sur le validation set, et si le résultat est meilleur, garder la chose.</a:t>
+              <a:t> en fonction des paramètres.</a:t>
             </a:r>
           </a:p>
         </p:txBody>
@@ -1743,7 +1868,7 @@
     </p:spTree>
     <p:extLst>
       <p:ext uri="{BB962C8B-B14F-4D97-AF65-F5344CB8AC3E}">
-        <p14:creationId xmlns:p14="http://schemas.microsoft.com/office/powerpoint/2010/main" val="1420508572"/>
+        <p14:creationId xmlns:p14="http://schemas.microsoft.com/office/powerpoint/2010/main" val="733670393"/>
       </p:ext>
     </p:extLst>
   </p:cSld>
@@ -1838,7 +1963,7 @@
     </p:spTree>
     <p:extLst>
       <p:ext uri="{BB962C8B-B14F-4D97-AF65-F5344CB8AC3E}">
-        <p14:creationId xmlns:p14="http://schemas.microsoft.com/office/powerpoint/2010/main" val="2015812420"/>
+        <p14:creationId xmlns:p14="http://schemas.microsoft.com/office/powerpoint/2010/main" val="1420508572"/>
       </p:ext>
     </p:extLst>
   </p:cSld>
@@ -5184,6 +5309,111 @@
             <p:ph type="title"/>
           </p:nvPr>
         </p:nvSpPr>
+        <p:spPr/>
+        <p:txBody>
+          <a:bodyPr/>
+          <a:lstStyle/>
+          <a:p>
+            <a:r>
+              <a:rPr lang="en-US" dirty="0"/>
+              <a:t>Learning </a:t>
+            </a:r>
+            <a:r>
+              <a:rPr lang="en-US"/>
+              <a:t>rate scheduling</a:t>
+            </a:r>
+            <a:endParaRPr lang="en-US" dirty="0"/>
+          </a:p>
+        </p:txBody>
+      </p:sp>
+      <p:pic>
+        <p:nvPicPr>
+          <p:cNvPr id="7" name="Picture 6">
+            <a:extLst>
+              <a:ext uri="{FF2B5EF4-FFF2-40B4-BE49-F238E27FC236}">
+                <a16:creationId xmlns:a16="http://schemas.microsoft.com/office/drawing/2014/main" id="{99949EC6-82AB-CBD8-6C9B-9703463C3308}"/>
+              </a:ext>
+            </a:extLst>
+          </p:cNvPr>
+          <p:cNvPicPr>
+            <a:picLocks noChangeAspect="1"/>
+          </p:cNvPicPr>
+          <p:nvPr/>
+        </p:nvPicPr>
+        <p:blipFill>
+          <a:blip r:embed="rId3"/>
+          <a:stretch>
+            <a:fillRect/>
+          </a:stretch>
+        </p:blipFill>
+        <p:spPr>
+          <a:xfrm>
+            <a:off x="2224296" y="2005388"/>
+            <a:ext cx="7743407" cy="3562128"/>
+          </a:xfrm>
+          <a:prstGeom prst="rect">
+            <a:avLst/>
+          </a:prstGeom>
+        </p:spPr>
+      </p:pic>
+    </p:spTree>
+    <p:extLst>
+      <p:ext uri="{BB962C8B-B14F-4D97-AF65-F5344CB8AC3E}">
+        <p14:creationId xmlns:p14="http://schemas.microsoft.com/office/powerpoint/2010/main" val="1565747913"/>
+      </p:ext>
+    </p:extLst>
+  </p:cSld>
+  <p:clrMapOvr>
+    <a:masterClrMapping/>
+  </p:clrMapOvr>
+  <mc:AlternateContent xmlns:mc="http://schemas.openxmlformats.org/markup-compatibility/2006" xmlns:p14="http://schemas.microsoft.com/office/powerpoint/2010/main">
+    <mc:Choice Requires="p14">
+      <p:transition spd="med" p14:dur="700">
+        <p:fade/>
+      </p:transition>
+    </mc:Choice>
+    <mc:Fallback xmlns="">
+      <p:transition spd="med">
+        <p:fade/>
+      </p:transition>
+    </mc:Fallback>
+  </mc:AlternateContent>
+</p:sld>
+</file>
+
+<file path=ppt/slides/slide11.xml><?xml version="1.0" encoding="utf-8"?>
+<p:sld xmlns:a="http://schemas.openxmlformats.org/drawingml/2006/main" xmlns:r="http://schemas.openxmlformats.org/officeDocument/2006/relationships" xmlns:p="http://schemas.openxmlformats.org/presentationml/2006/main">
+  <p:cSld>
+    <p:spTree>
+      <p:nvGrpSpPr>
+        <p:cNvPr id="1" name=""/>
+        <p:cNvGrpSpPr/>
+        <p:nvPr/>
+      </p:nvGrpSpPr>
+      <p:grpSpPr>
+        <a:xfrm>
+          <a:off x="0" y="0"/>
+          <a:ext cx="0" cy="0"/>
+          <a:chOff x="0" y="0"/>
+          <a:chExt cx="0" cy="0"/>
+        </a:xfrm>
+      </p:grpSpPr>
+      <p:sp>
+        <p:nvSpPr>
+          <p:cNvPr id="5" name="Title 4">
+            <a:extLst>
+              <a:ext uri="{FF2B5EF4-FFF2-40B4-BE49-F238E27FC236}">
+                <a16:creationId xmlns:a16="http://schemas.microsoft.com/office/drawing/2014/main" id="{64213D2F-A106-3319-AA98-37F0C11F906C}"/>
+              </a:ext>
+            </a:extLst>
+          </p:cNvPr>
+          <p:cNvSpPr>
+            <a:spLocks noGrp="1"/>
+          </p:cNvSpPr>
+          <p:nvPr>
+            <p:ph type="title"/>
+          </p:nvPr>
+        </p:nvSpPr>
         <p:spPr>
           <a:xfrm>
             <a:off x="838200" y="2766218"/>
@@ -5229,7 +5459,7 @@
 </p:sld>
 </file>
 
-<file path=ppt/slides/slide11.xml><?xml version="1.0" encoding="utf-8"?>
+<file path=ppt/slides/slide12.xml><?xml version="1.0" encoding="utf-8"?>
 <p:sld xmlns:a="http://schemas.openxmlformats.org/drawingml/2006/main" xmlns:r="http://schemas.openxmlformats.org/officeDocument/2006/relationships" xmlns:p="http://schemas.openxmlformats.org/presentationml/2006/main">
   <p:cSld>
     <p:spTree>
@@ -5495,7 +5725,7 @@
 </p:sld>
 </file>
 
-<file path=ppt/slides/slide12.xml><?xml version="1.0" encoding="utf-8"?>
+<file path=ppt/slides/slide13.xml><?xml version="1.0" encoding="utf-8"?>
 <p:sld xmlns:a="http://schemas.openxmlformats.org/drawingml/2006/main" xmlns:r="http://schemas.openxmlformats.org/officeDocument/2006/relationships" xmlns:p="http://schemas.openxmlformats.org/presentationml/2006/main">
   <p:cSld>
     <p:spTree>
@@ -6033,7 +6263,7 @@
 </p:sld>
 </file>
 
-<file path=ppt/slides/slide13.xml><?xml version="1.0" encoding="utf-8"?>
+<file path=ppt/slides/slide14.xml><?xml version="1.0" encoding="utf-8"?>
 <p:sld xmlns:a="http://schemas.openxmlformats.org/drawingml/2006/main" xmlns:r="http://schemas.openxmlformats.org/officeDocument/2006/relationships" xmlns:p="http://schemas.openxmlformats.org/presentationml/2006/main">
   <p:cSld>
     <p:spTree>
@@ -6170,7 +6400,7 @@
 </p:sld>
 </file>
 
-<file path=ppt/slides/slide14.xml><?xml version="1.0" encoding="utf-8"?>
+<file path=ppt/slides/slide15.xml><?xml version="1.0" encoding="utf-8"?>
 <p:sld xmlns:a="http://schemas.openxmlformats.org/drawingml/2006/main" xmlns:r="http://schemas.openxmlformats.org/officeDocument/2006/relationships" xmlns:p="http://schemas.openxmlformats.org/presentationml/2006/main">
   <p:cSld>
     <p:spTree>
@@ -10574,6 +10804,188 @@
       </p:sp>
       <p:pic>
         <p:nvPicPr>
+          <p:cNvPr id="7" name="Picture 6">
+            <a:extLst>
+              <a:ext uri="{FF2B5EF4-FFF2-40B4-BE49-F238E27FC236}">
+                <a16:creationId xmlns:a16="http://schemas.microsoft.com/office/drawing/2014/main" id="{9882887F-2359-65FC-4040-10214D45762A}"/>
+              </a:ext>
+            </a:extLst>
+          </p:cNvPr>
+          <p:cNvPicPr>
+            <a:picLocks noChangeAspect="1"/>
+          </p:cNvPicPr>
+          <p:nvPr/>
+        </p:nvPicPr>
+        <p:blipFill>
+          <a:blip r:embed="rId3"/>
+          <a:stretch>
+            <a:fillRect/>
+          </a:stretch>
+        </p:blipFill>
+        <p:spPr>
+          <a:xfrm>
+            <a:off x="1050468" y="1830133"/>
+            <a:ext cx="9605242" cy="3813847"/>
+          </a:xfrm>
+          <a:prstGeom prst="rect">
+            <a:avLst/>
+          </a:prstGeom>
+        </p:spPr>
+      </p:pic>
+      <p:sp>
+        <p:nvSpPr>
+          <p:cNvPr id="8" name="Rectangle 7">
+            <a:extLst>
+              <a:ext uri="{FF2B5EF4-FFF2-40B4-BE49-F238E27FC236}">
+                <a16:creationId xmlns:a16="http://schemas.microsoft.com/office/drawing/2014/main" id="{DF8F17C0-85F0-1605-7332-6617921D4CA2}"/>
+              </a:ext>
+            </a:extLst>
+          </p:cNvPr>
+          <p:cNvSpPr/>
+          <p:nvPr/>
+        </p:nvSpPr>
+        <p:spPr>
+          <a:xfrm>
+            <a:off x="7643813" y="1830133"/>
+            <a:ext cx="2133599" cy="315757"/>
+          </a:xfrm>
+          <a:prstGeom prst="rect">
+            <a:avLst/>
+          </a:prstGeom>
+          <a:solidFill>
+            <a:schemeClr val="bg1"/>
+          </a:solidFill>
+          <a:ln>
+            <a:solidFill>
+              <a:schemeClr val="bg1"/>
+            </a:solidFill>
+          </a:ln>
+        </p:spPr>
+        <p:style>
+          <a:lnRef idx="2">
+            <a:schemeClr val="accent1">
+              <a:shade val="50000"/>
+            </a:schemeClr>
+          </a:lnRef>
+          <a:fillRef idx="1">
+            <a:schemeClr val="accent1"/>
+          </a:fillRef>
+          <a:effectRef idx="0">
+            <a:schemeClr val="accent1"/>
+          </a:effectRef>
+          <a:fontRef idx="minor">
+            <a:schemeClr val="lt1"/>
+          </a:fontRef>
+        </p:style>
+        <p:txBody>
+          <a:bodyPr rtlCol="0" anchor="ctr"/>
+          <a:lstStyle/>
+          <a:p>
+            <a:pPr algn="ctr"/>
+            <a:r>
+              <a:rPr lang="fr-FR" sz="1600" dirty="0">
+                <a:solidFill>
+                  <a:schemeClr val="tx1"/>
+                </a:solidFill>
+              </a:rPr>
+              <a:t>Constant </a:t>
+            </a:r>
+            <a:r>
+              <a:rPr lang="fr-FR" sz="1600" dirty="0" err="1">
+                <a:solidFill>
+                  <a:schemeClr val="tx1"/>
+                </a:solidFill>
+              </a:rPr>
+              <a:t>learning</a:t>
+            </a:r>
+            <a:r>
+              <a:rPr lang="fr-FR" sz="1600" dirty="0">
+                <a:solidFill>
+                  <a:schemeClr val="tx1"/>
+                </a:solidFill>
+              </a:rPr>
+              <a:t> rate</a:t>
+            </a:r>
+          </a:p>
+        </p:txBody>
+      </p:sp>
+    </p:spTree>
+    <p:extLst>
+      <p:ext uri="{BB962C8B-B14F-4D97-AF65-F5344CB8AC3E}">
+        <p14:creationId xmlns:p14="http://schemas.microsoft.com/office/powerpoint/2010/main" val="1110710355"/>
+      </p:ext>
+    </p:extLst>
+  </p:cSld>
+  <p:clrMapOvr>
+    <a:masterClrMapping/>
+  </p:clrMapOvr>
+  <mc:AlternateContent xmlns:mc="http://schemas.openxmlformats.org/markup-compatibility/2006" xmlns:p14="http://schemas.microsoft.com/office/powerpoint/2010/main">
+    <mc:Choice Requires="p14">
+      <p:transition spd="med" p14:dur="700">
+        <p:fade/>
+      </p:transition>
+    </mc:Choice>
+    <mc:Fallback xmlns="">
+      <p:transition spd="med">
+        <p:fade/>
+      </p:transition>
+    </mc:Fallback>
+  </mc:AlternateContent>
+</p:sld>
+</file>
+
+<file path=ppt/slides/slide9.xml><?xml version="1.0" encoding="utf-8"?>
+<p:sld xmlns:a="http://schemas.openxmlformats.org/drawingml/2006/main" xmlns:r="http://schemas.openxmlformats.org/officeDocument/2006/relationships" xmlns:p="http://schemas.openxmlformats.org/presentationml/2006/main">
+  <p:cSld>
+    <p:spTree>
+      <p:nvGrpSpPr>
+        <p:cNvPr id="1" name=""/>
+        <p:cNvGrpSpPr/>
+        <p:nvPr/>
+      </p:nvGrpSpPr>
+      <p:grpSpPr>
+        <a:xfrm>
+          <a:off x="0" y="0"/>
+          <a:ext cx="0" cy="0"/>
+          <a:chOff x="0" y="0"/>
+          <a:chExt cx="0" cy="0"/>
+        </a:xfrm>
+      </p:grpSpPr>
+      <p:sp>
+        <p:nvSpPr>
+          <p:cNvPr id="5" name="Title 4">
+            <a:extLst>
+              <a:ext uri="{FF2B5EF4-FFF2-40B4-BE49-F238E27FC236}">
+                <a16:creationId xmlns:a16="http://schemas.microsoft.com/office/drawing/2014/main" id="{64213D2F-A106-3319-AA98-37F0C11F906C}"/>
+              </a:ext>
+            </a:extLst>
+          </p:cNvPr>
+          <p:cNvSpPr>
+            <a:spLocks noGrp="1"/>
+          </p:cNvSpPr>
+          <p:nvPr>
+            <p:ph type="title"/>
+          </p:nvPr>
+        </p:nvSpPr>
+        <p:spPr/>
+        <p:txBody>
+          <a:bodyPr/>
+          <a:lstStyle/>
+          <a:p>
+            <a:r>
+              <a:rPr lang="en-US" dirty="0"/>
+              <a:t>Learning </a:t>
+            </a:r>
+            <a:r>
+              <a:rPr lang="en-US"/>
+              <a:t>rate scheduling</a:t>
+            </a:r>
+            <a:endParaRPr lang="en-US" dirty="0"/>
+          </a:p>
+        </p:txBody>
+      </p:sp>
+      <p:pic>
+        <p:nvPicPr>
           <p:cNvPr id="4" name="Content Placeholder 4" descr="Diagram&#10;&#10;Description automatically generated with medium confidence">
             <a:extLst>
               <a:ext uri="{FF2B5EF4-FFF2-40B4-BE49-F238E27FC236}">
@@ -10629,111 +11041,94 @@
       </p:transition>
     </mc:Fallback>
   </mc:AlternateContent>
-</p:sld>
-</file>
-
-<file path=ppt/slides/slide9.xml><?xml version="1.0" encoding="utf-8"?>
-<p:sld xmlns:a="http://schemas.openxmlformats.org/drawingml/2006/main" xmlns:r="http://schemas.openxmlformats.org/officeDocument/2006/relationships" xmlns:p="http://schemas.openxmlformats.org/presentationml/2006/main">
-  <p:cSld>
-    <p:spTree>
-      <p:nvGrpSpPr>
-        <p:cNvPr id="1" name=""/>
-        <p:cNvGrpSpPr/>
-        <p:nvPr/>
-      </p:nvGrpSpPr>
-      <p:grpSpPr>
-        <a:xfrm>
-          <a:off x="0" y="0"/>
-          <a:ext cx="0" cy="0"/>
-          <a:chOff x="0" y="0"/>
-          <a:chExt cx="0" cy="0"/>
-        </a:xfrm>
-      </p:grpSpPr>
-      <p:sp>
-        <p:nvSpPr>
-          <p:cNvPr id="5" name="Title 4">
-            <a:extLst>
-              <a:ext uri="{FF2B5EF4-FFF2-40B4-BE49-F238E27FC236}">
-                <a16:creationId xmlns:a16="http://schemas.microsoft.com/office/drawing/2014/main" id="{64213D2F-A106-3319-AA98-37F0C11F906C}"/>
-              </a:ext>
-            </a:extLst>
-          </p:cNvPr>
-          <p:cNvSpPr>
-            <a:spLocks noGrp="1"/>
-          </p:cNvSpPr>
-          <p:nvPr>
-            <p:ph type="title"/>
-          </p:nvPr>
-        </p:nvSpPr>
-        <p:spPr/>
-        <p:txBody>
-          <a:bodyPr/>
-          <a:lstStyle/>
-          <a:p>
-            <a:r>
-              <a:rPr lang="en-US" dirty="0"/>
-              <a:t>Learning </a:t>
-            </a:r>
-            <a:r>
-              <a:rPr lang="en-US"/>
-              <a:t>rate scheduling</a:t>
-            </a:r>
-            <a:endParaRPr lang="en-US" dirty="0"/>
-          </a:p>
-        </p:txBody>
-      </p:sp>
-      <p:pic>
-        <p:nvPicPr>
-          <p:cNvPr id="7" name="Picture 6">
-            <a:extLst>
-              <a:ext uri="{FF2B5EF4-FFF2-40B4-BE49-F238E27FC236}">
-                <a16:creationId xmlns:a16="http://schemas.microsoft.com/office/drawing/2014/main" id="{99949EC6-82AB-CBD8-6C9B-9703463C3308}"/>
-              </a:ext>
-            </a:extLst>
-          </p:cNvPr>
-          <p:cNvPicPr>
-            <a:picLocks noChangeAspect="1"/>
-          </p:cNvPicPr>
-          <p:nvPr/>
-        </p:nvPicPr>
-        <p:blipFill>
-          <a:blip r:embed="rId3"/>
-          <a:stretch>
-            <a:fillRect/>
-          </a:stretch>
-        </p:blipFill>
-        <p:spPr>
-          <a:xfrm>
-            <a:off x="2224296" y="2005388"/>
-            <a:ext cx="7743407" cy="3562128"/>
-          </a:xfrm>
-          <a:prstGeom prst="rect">
-            <a:avLst/>
-          </a:prstGeom>
-        </p:spPr>
-      </p:pic>
-    </p:spTree>
-    <p:extLst>
-      <p:ext uri="{BB962C8B-B14F-4D97-AF65-F5344CB8AC3E}">
-        <p14:creationId xmlns:p14="http://schemas.microsoft.com/office/powerpoint/2010/main" val="1565747913"/>
-      </p:ext>
-    </p:extLst>
-  </p:cSld>
-  <p:clrMapOvr>
-    <a:masterClrMapping/>
-  </p:clrMapOvr>
-  <mc:AlternateContent xmlns:mc="http://schemas.openxmlformats.org/markup-compatibility/2006" xmlns:p14="http://schemas.microsoft.com/office/powerpoint/2010/main">
-    <mc:Choice Requires="p14">
-      <p:transition spd="med" p14:dur="700">
-        <p:fade/>
-      </p:transition>
-    </mc:Choice>
-    <mc:Fallback xmlns="">
-      <p:transition spd="med">
-        <p:fade/>
-      </p:transition>
-    </mc:Fallback>
-  </mc:AlternateContent>
+  <p:timing>
+    <p:tnLst>
+      <p:par>
+        <p:cTn id="1" dur="indefinite" restart="never" nodeType="tmRoot">
+          <p:childTnLst>
+            <p:seq concurrent="1" nextAc="seek">
+              <p:cTn id="2" dur="indefinite" nodeType="mainSeq">
+                <p:childTnLst>
+                  <p:par>
+                    <p:cTn id="3" fill="hold">
+                      <p:stCondLst>
+                        <p:cond delay="indefinite"/>
+                      </p:stCondLst>
+                      <p:childTnLst>
+                        <p:par>
+                          <p:cTn id="4" fill="hold">
+                            <p:stCondLst>
+                              <p:cond delay="0"/>
+                            </p:stCondLst>
+                            <p:childTnLst>
+                              <p:par>
+                                <p:cTn id="5" presetID="42" presetClass="path" presetSubtype="0" accel="50000" decel="50000" fill="hold" nodeType="clickEffect">
+                                  <p:stCondLst>
+                                    <p:cond delay="0"/>
+                                  </p:stCondLst>
+                                  <p:childTnLst>
+                                    <p:animMotion origin="layout" path="M 0 -2.22222E-6 L -0.27734 0.59028 " pathEditMode="relative" rAng="0" ptsTypes="AA">
+                                      <p:cBhvr>
+                                        <p:cTn id="6" dur="2000" fill="hold"/>
+                                        <p:tgtEl>
+                                          <p:spTgt spid="4"/>
+                                        </p:tgtEl>
+                                        <p:attrNameLst>
+                                          <p:attrName>ppt_x</p:attrName>
+                                          <p:attrName>ppt_y</p:attrName>
+                                        </p:attrNameLst>
+                                      </p:cBhvr>
+                                      <p:rCtr x="-13867" y="29514"/>
+                                    </p:animMotion>
+                                  </p:childTnLst>
+                                </p:cTn>
+                              </p:par>
+                              <p:par>
+                                <p:cTn id="7" presetID="6" presetClass="emph" presetSubtype="0" fill="hold" nodeType="withEffect">
+                                  <p:stCondLst>
+                                    <p:cond delay="500"/>
+                                  </p:stCondLst>
+                                  <p:childTnLst>
+                                    <p:animScale>
+                                      <p:cBhvr>
+                                        <p:cTn id="8" dur="2000" fill="hold"/>
+                                        <p:tgtEl>
+                                          <p:spTgt spid="4"/>
+                                        </p:tgtEl>
+                                      </p:cBhvr>
+                                      <p:by x="250000" y="250000"/>
+                                    </p:animScale>
+                                  </p:childTnLst>
+                                </p:cTn>
+                              </p:par>
+                            </p:childTnLst>
+                          </p:cTn>
+                        </p:par>
+                      </p:childTnLst>
+                    </p:cTn>
+                  </p:par>
+                </p:childTnLst>
+              </p:cTn>
+              <p:prevCondLst>
+                <p:cond evt="onPrev" delay="0">
+                  <p:tgtEl>
+                    <p:sldTgt/>
+                  </p:tgtEl>
+                </p:cond>
+              </p:prevCondLst>
+              <p:nextCondLst>
+                <p:cond evt="onNext" delay="0">
+                  <p:tgtEl>
+                    <p:sldTgt/>
+                  </p:tgtEl>
+                </p:cond>
+              </p:nextCondLst>
+            </p:seq>
+          </p:childTnLst>
+        </p:cTn>
+      </p:par>
+    </p:tnLst>
+  </p:timing>
 </p:sld>
 </file>
 

--- a/Slides_3.pptx
+++ b/Slides_3.pptx
@@ -1,6 +1,6 @@
 
 <file path=ppt/presentation.xml><?xml version="1.0" encoding="utf-8"?>
-<p:presentation xmlns:a="http://schemas.openxmlformats.org/drawingml/2006/main" xmlns:r="http://schemas.openxmlformats.org/officeDocument/2006/relationships" xmlns:p="http://schemas.openxmlformats.org/presentationml/2006/main" saveSubsetFonts="1">
+<p:presentation xmlns:a="http://schemas.openxmlformats.org/drawingml/2006/main" xmlns:r="http://schemas.openxmlformats.org/officeDocument/2006/relationships" xmlns:p="http://schemas.openxmlformats.org/presentationml/2006/main" saveSubsetFonts="1" bookmarkIdSeed="2">
   <p:sldMasterIdLst>
     <p:sldMasterId id="2147483648" r:id="rId1"/>
   </p:sldMasterIdLst>
@@ -17,7 +17,7 @@
     <p:sldId id="337" r:id="rId8"/>
     <p:sldId id="345" r:id="rId9"/>
     <p:sldId id="338" r:id="rId10"/>
-    <p:sldId id="339" r:id="rId11"/>
+    <p:sldId id="346" r:id="rId11"/>
     <p:sldId id="340" r:id="rId12"/>
     <p:sldId id="341" r:id="rId13"/>
     <p:sldId id="342" r:id="rId14"/>
@@ -510,7 +510,7 @@
           <a:p>
             <a:fld id="{207C662F-A001-4EA2-B345-C237CD6465E1}" type="datetimeFigureOut">
               <a:rPr lang="en-US" smtClean="0"/>
-              <a:t>1/17/2023</a:t>
+              <a:t>1/19/2023</a:t>
             </a:fld>
             <a:endParaRPr lang="en-US"/>
           </a:p>
@@ -1689,7 +1689,7 @@
     </p:spTree>
     <p:extLst>
       <p:ext uri="{BB962C8B-B14F-4D97-AF65-F5344CB8AC3E}">
-        <p14:creationId xmlns:p14="http://schemas.microsoft.com/office/powerpoint/2010/main" val="2061316314"/>
+        <p14:creationId xmlns:p14="http://schemas.microsoft.com/office/powerpoint/2010/main" val="2034432695"/>
       </p:ext>
     </p:extLst>
   </p:cSld>
@@ -1743,7 +1743,10 @@
           <a:bodyPr/>
           <a:lstStyle/>
           <a:p>
-            <a:endParaRPr lang="fr-FR" dirty="0"/>
+            <a:r>
+              <a:rPr lang="fr-FR" dirty="0"/>
+              <a:t>On va d’ailleurs coder la dernière figure dès maintenant.</a:t>
+            </a:r>
           </a:p>
         </p:txBody>
       </p:sp>
@@ -2120,7 +2123,7 @@
           <a:p>
             <a:fld id="{4F06803B-D602-4C3D-AD5C-468F46C70933}" type="datetimeFigureOut">
               <a:rPr lang="en-US" smtClean="0"/>
-              <a:t>1/17/2023</a:t>
+              <a:t>1/19/2023</a:t>
             </a:fld>
             <a:endParaRPr lang="en-US"/>
           </a:p>
@@ -2318,7 +2321,7 @@
           <a:p>
             <a:fld id="{4F06803B-D602-4C3D-AD5C-468F46C70933}" type="datetimeFigureOut">
               <a:rPr lang="en-US" smtClean="0"/>
-              <a:t>1/17/2023</a:t>
+              <a:t>1/19/2023</a:t>
             </a:fld>
             <a:endParaRPr lang="en-US"/>
           </a:p>
@@ -2526,7 +2529,7 @@
           <a:p>
             <a:fld id="{4F06803B-D602-4C3D-AD5C-468F46C70933}" type="datetimeFigureOut">
               <a:rPr lang="en-US" smtClean="0"/>
-              <a:t>1/17/2023</a:t>
+              <a:t>1/19/2023</a:t>
             </a:fld>
             <a:endParaRPr lang="en-US"/>
           </a:p>
@@ -2724,7 +2727,7 @@
           <a:p>
             <a:fld id="{4F06803B-D602-4C3D-AD5C-468F46C70933}" type="datetimeFigureOut">
               <a:rPr lang="en-US" smtClean="0"/>
-              <a:t>1/17/2023</a:t>
+              <a:t>1/19/2023</a:t>
             </a:fld>
             <a:endParaRPr lang="en-US"/>
           </a:p>
@@ -2999,7 +3002,7 @@
           <a:p>
             <a:fld id="{4F06803B-D602-4C3D-AD5C-468F46C70933}" type="datetimeFigureOut">
               <a:rPr lang="en-US" smtClean="0"/>
-              <a:t>1/17/2023</a:t>
+              <a:t>1/19/2023</a:t>
             </a:fld>
             <a:endParaRPr lang="en-US"/>
           </a:p>
@@ -3264,7 +3267,7 @@
           <a:p>
             <a:fld id="{4F06803B-D602-4C3D-AD5C-468F46C70933}" type="datetimeFigureOut">
               <a:rPr lang="en-US" smtClean="0"/>
-              <a:t>1/17/2023</a:t>
+              <a:t>1/19/2023</a:t>
             </a:fld>
             <a:endParaRPr lang="en-US"/>
           </a:p>
@@ -3676,7 +3679,7 @@
           <a:p>
             <a:fld id="{4F06803B-D602-4C3D-AD5C-468F46C70933}" type="datetimeFigureOut">
               <a:rPr lang="en-US" smtClean="0"/>
-              <a:t>1/17/2023</a:t>
+              <a:t>1/19/2023</a:t>
             </a:fld>
             <a:endParaRPr lang="en-US"/>
           </a:p>
@@ -3817,7 +3820,7 @@
           <a:p>
             <a:fld id="{4F06803B-D602-4C3D-AD5C-468F46C70933}" type="datetimeFigureOut">
               <a:rPr lang="en-US" smtClean="0"/>
-              <a:t>1/17/2023</a:t>
+              <a:t>1/19/2023</a:t>
             </a:fld>
             <a:endParaRPr lang="en-US"/>
           </a:p>
@@ -3930,7 +3933,7 @@
           <a:p>
             <a:fld id="{4F06803B-D602-4C3D-AD5C-468F46C70933}" type="datetimeFigureOut">
               <a:rPr lang="en-US" smtClean="0"/>
-              <a:t>1/17/2023</a:t>
+              <a:t>1/19/2023</a:t>
             </a:fld>
             <a:endParaRPr lang="en-US"/>
           </a:p>
@@ -4241,7 +4244,7 @@
           <a:p>
             <a:fld id="{4F06803B-D602-4C3D-AD5C-468F46C70933}" type="datetimeFigureOut">
               <a:rPr lang="en-US" smtClean="0"/>
-              <a:t>1/17/2023</a:t>
+              <a:t>1/19/2023</a:t>
             </a:fld>
             <a:endParaRPr lang="en-US"/>
           </a:p>
@@ -4529,7 +4532,7 @@
           <a:p>
             <a:fld id="{4F06803B-D602-4C3D-AD5C-468F46C70933}" type="datetimeFigureOut">
               <a:rPr lang="en-US" smtClean="0"/>
-              <a:t>1/17/2023</a:t>
+              <a:t>1/19/2023</a:t>
             </a:fld>
             <a:endParaRPr lang="en-US"/>
           </a:p>
@@ -4770,7 +4773,7 @@
           <a:p>
             <a:fld id="{4F06803B-D602-4C3D-AD5C-468F46C70933}" type="datetimeFigureOut">
               <a:rPr lang="en-US" smtClean="0"/>
-              <a:t>1/17/2023</a:t>
+              <a:t>1/19/2023</a:t>
             </a:fld>
             <a:endParaRPr lang="en-US"/>
           </a:p>
@@ -5328,10 +5331,10 @@
       </p:sp>
       <p:pic>
         <p:nvPicPr>
-          <p:cNvPr id="7" name="Picture 6">
+          <p:cNvPr id="3" name="Picture 2" descr="Chart&#10;&#10;Description automatically generated">
             <a:extLst>
               <a:ext uri="{FF2B5EF4-FFF2-40B4-BE49-F238E27FC236}">
-                <a16:creationId xmlns:a16="http://schemas.microsoft.com/office/drawing/2014/main" id="{99949EC6-82AB-CBD8-6C9B-9703463C3308}"/>
+                <a16:creationId xmlns:a16="http://schemas.microsoft.com/office/drawing/2014/main" id="{52821349-2C0C-3BFB-D215-1C1E2A06B213}"/>
               </a:ext>
             </a:extLst>
           </p:cNvPr>
@@ -5341,25 +5344,165 @@
           <p:nvPr/>
         </p:nvPicPr>
         <p:blipFill>
-          <a:blip r:embed="rId3"/>
+          <a:blip r:embed="rId3">
+            <a:extLst>
+              <a:ext uri="{28A0092B-C50C-407E-A947-70E740481C1C}">
+                <a14:useLocalDpi xmlns:a14="http://schemas.microsoft.com/office/drawing/2010/main" val="0"/>
+              </a:ext>
+            </a:extLst>
+          </a:blip>
           <a:stretch>
             <a:fillRect/>
           </a:stretch>
         </p:blipFill>
         <p:spPr>
           <a:xfrm>
-            <a:off x="2224296" y="2005388"/>
-            <a:ext cx="7743407" cy="3562128"/>
+            <a:off x="919600" y="1896256"/>
+            <a:ext cx="5059786" cy="3794838"/>
           </a:xfrm>
           <a:prstGeom prst="rect">
             <a:avLst/>
           </a:prstGeom>
         </p:spPr>
       </p:pic>
+      <p:pic>
+        <p:nvPicPr>
+          <p:cNvPr id="7" name="Picture 6" descr="Chart, histogram&#10;&#10;Description automatically generated">
+            <a:extLst>
+              <a:ext uri="{FF2B5EF4-FFF2-40B4-BE49-F238E27FC236}">
+                <a16:creationId xmlns:a16="http://schemas.microsoft.com/office/drawing/2014/main" id="{0A24AF38-6A89-6056-BA44-F58B52C5D5D9}"/>
+              </a:ext>
+            </a:extLst>
+          </p:cNvPr>
+          <p:cNvPicPr>
+            <a:picLocks noChangeAspect="1"/>
+          </p:cNvPicPr>
+          <p:nvPr/>
+        </p:nvPicPr>
+        <p:blipFill>
+          <a:blip r:embed="rId4">
+            <a:extLst>
+              <a:ext uri="{28A0092B-C50C-407E-A947-70E740481C1C}">
+                <a14:useLocalDpi xmlns:a14="http://schemas.microsoft.com/office/drawing/2010/main" val="0"/>
+              </a:ext>
+            </a:extLst>
+          </a:blip>
+          <a:stretch>
+            <a:fillRect/>
+          </a:stretch>
+        </p:blipFill>
+        <p:spPr>
+          <a:xfrm>
+            <a:off x="6294014" y="1896256"/>
+            <a:ext cx="5059786" cy="3794838"/>
+          </a:xfrm>
+          <a:prstGeom prst="rect">
+            <a:avLst/>
+          </a:prstGeom>
+        </p:spPr>
+      </p:pic>
+      <p:sp>
+        <p:nvSpPr>
+          <p:cNvPr id="8" name="TextBox 7">
+            <a:extLst>
+              <a:ext uri="{FF2B5EF4-FFF2-40B4-BE49-F238E27FC236}">
+                <a16:creationId xmlns:a16="http://schemas.microsoft.com/office/drawing/2014/main" id="{008BB8C0-A096-9D52-B25F-7C697BA2DCB8}"/>
+              </a:ext>
+            </a:extLst>
+          </p:cNvPr>
+          <p:cNvSpPr txBox="1"/>
+          <p:nvPr/>
+        </p:nvSpPr>
+        <p:spPr>
+          <a:xfrm>
+            <a:off x="1733119" y="5896662"/>
+            <a:ext cx="3432747" cy="369332"/>
+          </a:xfrm>
+          <a:prstGeom prst="rect">
+            <a:avLst/>
+          </a:prstGeom>
+          <a:noFill/>
+        </p:spPr>
+        <p:txBody>
+          <a:bodyPr wrap="square" rtlCol="0">
+            <a:spAutoFit/>
+          </a:bodyPr>
+          <a:lstStyle/>
+          <a:p>
+            <a:pPr algn="ctr"/>
+            <a:r>
+              <a:rPr lang="fr-FR" dirty="0" err="1"/>
+              <a:t>Exponential</a:t>
+            </a:r>
+            <a:r>
+              <a:rPr lang="fr-FR" dirty="0"/>
+              <a:t> </a:t>
+            </a:r>
+            <a:r>
+              <a:rPr lang="fr-FR" dirty="0" err="1"/>
+              <a:t>decay</a:t>
+            </a:r>
+            <a:endParaRPr lang="fr-FR" dirty="0"/>
+          </a:p>
+        </p:txBody>
+      </p:sp>
+      <p:sp>
+        <p:nvSpPr>
+          <p:cNvPr id="9" name="TextBox 8">
+            <a:extLst>
+              <a:ext uri="{FF2B5EF4-FFF2-40B4-BE49-F238E27FC236}">
+                <a16:creationId xmlns:a16="http://schemas.microsoft.com/office/drawing/2014/main" id="{1AD550FA-9C88-D297-5C14-CFEEEEB01F76}"/>
+              </a:ext>
+            </a:extLst>
+          </p:cNvPr>
+          <p:cNvSpPr txBox="1"/>
+          <p:nvPr/>
+        </p:nvSpPr>
+        <p:spPr>
+          <a:xfrm>
+            <a:off x="7107533" y="5896662"/>
+            <a:ext cx="3432747" cy="369332"/>
+          </a:xfrm>
+          <a:prstGeom prst="rect">
+            <a:avLst/>
+          </a:prstGeom>
+          <a:noFill/>
+        </p:spPr>
+        <p:txBody>
+          <a:bodyPr wrap="square" rtlCol="0">
+            <a:spAutoFit/>
+          </a:bodyPr>
+          <a:lstStyle/>
+          <a:p>
+            <a:pPr algn="ctr"/>
+            <a:r>
+              <a:rPr lang="fr-FR" dirty="0" err="1"/>
+              <a:t>Triangular</a:t>
+            </a:r>
+            <a:r>
+              <a:rPr lang="fr-FR" dirty="0"/>
+              <a:t> </a:t>
+            </a:r>
+            <a:r>
+              <a:rPr lang="fr-FR" dirty="0" err="1"/>
+              <a:t>exponential</a:t>
+            </a:r>
+            <a:r>
+              <a:rPr lang="fr-FR" dirty="0"/>
+              <a:t> </a:t>
+            </a:r>
+            <a:r>
+              <a:rPr lang="fr-FR" dirty="0" err="1"/>
+              <a:t>decay</a:t>
+            </a:r>
+            <a:endParaRPr lang="fr-FR" dirty="0"/>
+          </a:p>
+        </p:txBody>
+      </p:sp>
     </p:spTree>
     <p:extLst>
       <p:ext uri="{BB962C8B-B14F-4D97-AF65-F5344CB8AC3E}">
-        <p14:creationId xmlns:p14="http://schemas.microsoft.com/office/powerpoint/2010/main" val="1565747913"/>
+        <p14:creationId xmlns:p14="http://schemas.microsoft.com/office/powerpoint/2010/main" val="3800624620"/>
       </p:ext>
     </p:extLst>
   </p:cSld>
@@ -11041,94 +11184,6 @@
       </p:transition>
     </mc:Fallback>
   </mc:AlternateContent>
-  <p:timing>
-    <p:tnLst>
-      <p:par>
-        <p:cTn id="1" dur="indefinite" restart="never" nodeType="tmRoot">
-          <p:childTnLst>
-            <p:seq concurrent="1" nextAc="seek">
-              <p:cTn id="2" dur="indefinite" nodeType="mainSeq">
-                <p:childTnLst>
-                  <p:par>
-                    <p:cTn id="3" fill="hold">
-                      <p:stCondLst>
-                        <p:cond delay="indefinite"/>
-                      </p:stCondLst>
-                      <p:childTnLst>
-                        <p:par>
-                          <p:cTn id="4" fill="hold">
-                            <p:stCondLst>
-                              <p:cond delay="0"/>
-                            </p:stCondLst>
-                            <p:childTnLst>
-                              <p:par>
-                                <p:cTn id="5" presetID="42" presetClass="path" presetSubtype="0" accel="50000" decel="50000" fill="hold" nodeType="clickEffect">
-                                  <p:stCondLst>
-                                    <p:cond delay="0"/>
-                                  </p:stCondLst>
-                                  <p:childTnLst>
-                                    <p:animMotion origin="layout" path="M 0 -2.22222E-6 L -0.27734 0.59028 " pathEditMode="relative" rAng="0" ptsTypes="AA">
-                                      <p:cBhvr>
-                                        <p:cTn id="6" dur="2000" fill="hold"/>
-                                        <p:tgtEl>
-                                          <p:spTgt spid="4"/>
-                                        </p:tgtEl>
-                                        <p:attrNameLst>
-                                          <p:attrName>ppt_x</p:attrName>
-                                          <p:attrName>ppt_y</p:attrName>
-                                        </p:attrNameLst>
-                                      </p:cBhvr>
-                                      <p:rCtr x="-13867" y="29514"/>
-                                    </p:animMotion>
-                                  </p:childTnLst>
-                                </p:cTn>
-                              </p:par>
-                              <p:par>
-                                <p:cTn id="7" presetID="6" presetClass="emph" presetSubtype="0" fill="hold" nodeType="withEffect">
-                                  <p:stCondLst>
-                                    <p:cond delay="500"/>
-                                  </p:stCondLst>
-                                  <p:childTnLst>
-                                    <p:animScale>
-                                      <p:cBhvr>
-                                        <p:cTn id="8" dur="2000" fill="hold"/>
-                                        <p:tgtEl>
-                                          <p:spTgt spid="4"/>
-                                        </p:tgtEl>
-                                      </p:cBhvr>
-                                      <p:by x="250000" y="250000"/>
-                                    </p:animScale>
-                                  </p:childTnLst>
-                                </p:cTn>
-                              </p:par>
-                            </p:childTnLst>
-                          </p:cTn>
-                        </p:par>
-                      </p:childTnLst>
-                    </p:cTn>
-                  </p:par>
-                </p:childTnLst>
-              </p:cTn>
-              <p:prevCondLst>
-                <p:cond evt="onPrev" delay="0">
-                  <p:tgtEl>
-                    <p:sldTgt/>
-                  </p:tgtEl>
-                </p:cond>
-              </p:prevCondLst>
-              <p:nextCondLst>
-                <p:cond evt="onNext" delay="0">
-                  <p:tgtEl>
-                    <p:sldTgt/>
-                  </p:tgtEl>
-                </p:cond>
-              </p:nextCondLst>
-            </p:seq>
-          </p:childTnLst>
-        </p:cTn>
-      </p:par>
-    </p:tnLst>
-  </p:timing>
 </p:sld>
 </file>
 

--- a/Slides_3.pptx
+++ b/Slides_3.pptx
@@ -11129,21 +11129,19 @@
       </p:sp>
       <p:pic>
         <p:nvPicPr>
-          <p:cNvPr id="4" name="Content Placeholder 4" descr="Diagram&#10;&#10;Description automatically generated with medium confidence">
+          <p:cNvPr id="8" name="Picture 7" descr="A picture containing chart&#10;&#10;Description automatically generated">
             <a:extLst>
               <a:ext uri="{FF2B5EF4-FFF2-40B4-BE49-F238E27FC236}">
-                <a16:creationId xmlns:a16="http://schemas.microsoft.com/office/drawing/2014/main" id="{FBE95EFE-BCF5-98D8-5E47-68898F756A21}"/>
+                <a16:creationId xmlns:a16="http://schemas.microsoft.com/office/drawing/2014/main" id="{A2B14077-2F89-7F17-624A-F8EFDDB57318}"/>
               </a:ext>
             </a:extLst>
           </p:cNvPr>
           <p:cNvPicPr>
-            <a:picLocks noGrp="1" noChangeAspect="1"/>
+            <a:picLocks noChangeAspect="1"/>
           </p:cNvPicPr>
-          <p:nvPr>
-            <p:ph idx="1"/>
-          </p:nvPr>
+          <p:nvPr/>
         </p:nvPicPr>
-        <p:blipFill>
+        <p:blipFill rotWithShape="1">
           <a:blip r:embed="rId3">
             <a:extLst>
               <a:ext uri="{28A0092B-C50C-407E-A947-70E740481C1C}">
@@ -11151,15 +11149,17 @@
               </a:ext>
             </a:extLst>
           </a:blip>
-          <a:stretch>
-            <a:fillRect/>
-          </a:stretch>
+          <a:srcRect b="9344"/>
+          <a:stretch/>
         </p:blipFill>
         <p:spPr>
           <a:xfrm>
-            <a:off x="838200" y="1506303"/>
-            <a:ext cx="10515600" cy="5264302"/>
+            <a:off x="1582883" y="725334"/>
+            <a:ext cx="9026234" cy="5767541"/>
           </a:xfrm>
+          <a:prstGeom prst="rect">
+            <a:avLst/>
+          </a:prstGeom>
         </p:spPr>
       </p:pic>
     </p:spTree>
@@ -11184,6 +11184,97 @@
       </p:transition>
     </mc:Fallback>
   </mc:AlternateContent>
+  <p:timing>
+    <p:tnLst>
+      <p:par>
+        <p:cTn id="1" dur="indefinite" restart="never" nodeType="tmRoot">
+          <p:childTnLst>
+            <p:seq concurrent="1" nextAc="seek">
+              <p:cTn id="2" dur="indefinite" nodeType="mainSeq">
+                <p:childTnLst>
+                  <p:par>
+                    <p:cTn id="3" fill="hold">
+                      <p:stCondLst>
+                        <p:cond delay="indefinite"/>
+                        <p:cond evt="onBegin" delay="0">
+                          <p:tn val="2"/>
+                        </p:cond>
+                      </p:stCondLst>
+                      <p:childTnLst>
+                        <p:par>
+                          <p:cTn id="4" fill="hold">
+                            <p:stCondLst>
+                              <p:cond delay="0"/>
+                            </p:stCondLst>
+                            <p:childTnLst>
+                              <p:par>
+                                <p:cTn id="5" presetID="42" presetClass="path" presetSubtype="0" accel="50000" decel="50000" fill="hold" nodeType="withEffect">
+                                  <p:stCondLst>
+                                    <p:cond delay="0"/>
+                                  </p:stCondLst>
+                                  <p:childTnLst>
+                                    <p:animMotion origin="layout" path="M 0 2.59259E-6 L -0.18034 0.4206 " pathEditMode="relative" rAng="0" ptsTypes="AA">
+                                      <p:cBhvr>
+                                        <p:cTn id="6" dur="2000" fill="hold"/>
+                                        <p:tgtEl>
+                                          <p:spTgt spid="8"/>
+                                        </p:tgtEl>
+                                        <p:attrNameLst>
+                                          <p:attrName>ppt_x</p:attrName>
+                                          <p:attrName>ppt_y</p:attrName>
+                                        </p:attrNameLst>
+                                      </p:cBhvr>
+                                      <p:rCtr x="-9023" y="21019"/>
+                                    </p:animMotion>
+                                  </p:childTnLst>
+                                </p:cTn>
+                              </p:par>
+                              <p:par>
+                                <p:cTn id="7" presetID="6" presetClass="emph" presetSubtype="0" fill="hold" nodeType="withEffect">
+                                  <p:stCondLst>
+                                    <p:cond delay="500"/>
+                                  </p:stCondLst>
+                                  <p:childTnLst>
+                                    <p:animScale>
+                                      <p:cBhvr>
+                                        <p:cTn id="8" dur="2000" fill="hold"/>
+                                        <p:tgtEl>
+                                          <p:spTgt spid="8"/>
+                                        </p:tgtEl>
+                                      </p:cBhvr>
+                                      <p:by x="225000" y="225000"/>
+                                    </p:animScale>
+                                  </p:childTnLst>
+                                </p:cTn>
+                              </p:par>
+                            </p:childTnLst>
+                          </p:cTn>
+                        </p:par>
+                      </p:childTnLst>
+                    </p:cTn>
+                  </p:par>
+                </p:childTnLst>
+              </p:cTn>
+              <p:prevCondLst>
+                <p:cond evt="onPrev" delay="0">
+                  <p:tgtEl>
+                    <p:sldTgt/>
+                  </p:tgtEl>
+                </p:cond>
+              </p:prevCondLst>
+              <p:nextCondLst>
+                <p:cond evt="onNext" delay="0">
+                  <p:tgtEl>
+                    <p:sldTgt/>
+                  </p:tgtEl>
+                </p:cond>
+              </p:nextCondLst>
+            </p:seq>
+          </p:childTnLst>
+        </p:cTn>
+      </p:par>
+    </p:tnLst>
+  </p:timing>
 </p:sld>
 </file>
 

--- a/Slides_3.pptx
+++ b/Slides_3.pptx
@@ -1005,7 +1005,14 @@
           <a:p>
             <a:r>
               <a:rPr lang="en-US" dirty="0"/>
-              <a:t>The choice of neurons to be deactivated is random. All neurons are assigned a probability p which determines their activation. A new hyperparameter!!</a:t>
+              <a:t>The choice of neurons to be deactivated is random. All neurons are assigned a probability p which determines their activation. A new hyperparameter!! When p = 0.1, each neuron has a 1 in 10 chance of being deactivated. At each epoch, we apply this random deactivation. That is, at each pass (forward propagation) the model will learn with a different configuration of neurons, with the neurons randomly turning on and off. </a:t>
+            </a:r>
+            <a:br>
+              <a:rPr lang="en-US" dirty="0"/>
+            </a:br>
+            <a:r>
+              <a:rPr lang="en-US" dirty="0"/>
+              <a:t>This procedure effectively generates slightly different models with different neuron configurations at each iteration.</a:t>
             </a:r>
             <a:br>
               <a:rPr lang="en-US" dirty="0"/>
@@ -1015,37 +1022,44 @@
             </a:br>
             <a:r>
               <a:rPr lang="en-US" dirty="0"/>
-              <a:t>When p = 0.1, each neuron has a 1 in 10 chance of being deactivated.</a:t>
-            </a:r>
-            <a:br>
+              <a:t>Caution: Dropout is only active during model training. During tests, each neuron remains active.</a:t>
+            </a:r>
+          </a:p>
+          <a:p>
+            <a:r>
               <a:rPr lang="en-US" dirty="0"/>
-            </a:br>
-            <a:br>
-              <a:rPr lang="en-US" dirty="0"/>
-            </a:br>
-            <a:r>
-              <a:rPr lang="en-US" dirty="0"/>
-              <a:t>At each epoch, we apply this random deactivation. That is, at each pass (forward propagation) the model will learn with a different configuration of neurons, with the neurons randomly turning on and off.</a:t>
-            </a:r>
-            <a:br>
-              <a:rPr lang="en-US" dirty="0"/>
-            </a:br>
-            <a:br>
-              <a:rPr lang="en-US" dirty="0"/>
-            </a:br>
-            <a:r>
-              <a:rPr lang="en-US" dirty="0"/>
-              <a:t>This procedure effectively generates slightly different models with different neuron configurations at each iteration.</a:t>
-            </a:r>
-            <a:br>
-              <a:rPr lang="en-US" dirty="0"/>
-            </a:br>
-            <a:br>
-              <a:rPr lang="en-US" dirty="0"/>
-            </a:br>
-            <a:r>
-              <a:rPr lang="en-US" dirty="0"/>
-              <a:t>Caution: Dropout is only active during model training. During tests, each neuron remains active and its weight is multiplied by the probability p.</a:t>
+              <a:t>Caution2: </a:t>
+            </a:r>
+            <a:r>
+              <a:rPr lang="en-US" b="0" i="0" dirty="0">
+                <a:solidFill>
+                  <a:srgbClr val="232629"/>
+                </a:solidFill>
+                <a:effectLst/>
+                <a:latin typeface="-apple-system"/>
+              </a:rPr>
+              <a:t>Consider the neurons at the output layer. During training, each neuron usually get activations only from n neurons from the hidden layer due to dropout. Now, imagine we finished the training and remove dropout. Now activations of the output neurons will be computed based on more neurons ! This is likely to put the output neurons in unusual regime, so they will produce too large absolute values, being overexcited. To avoid this, t</a:t>
+            </a:r>
+            <a:r>
+              <a:rPr lang="en-US" dirty="0">
+                <a:effectLst/>
+                <a:latin typeface="ui-monospace"/>
+              </a:rPr>
+              <a:t>he outputs are scaled by a </a:t>
+            </a:r>
+            <a:r>
+              <a:rPr lang="en-US">
+                <a:effectLst/>
+                <a:latin typeface="ui-monospace"/>
+              </a:rPr>
+              <a:t>factor of </a:t>
+            </a:r>
+            <a:r>
+              <a:rPr lang="en-US" dirty="0">
+                <a:effectLst/>
+                <a:latin typeface="ui-monospace"/>
+              </a:rPr>
+              <a:t>1/(1-p) during training.</a:t>
             </a:r>
             <a:endParaRPr lang="fr-FR" dirty="0"/>
           </a:p>

--- a/Slides_3.pptx
+++ b/Slides_3.pptx
@@ -5,7 +5,7 @@
     <p:sldMasterId id="2147483648" r:id="rId1"/>
   </p:sldMasterIdLst>
   <p:notesMasterIdLst>
-    <p:notesMasterId r:id="rId17"/>
+    <p:notesMasterId r:id="rId23"/>
   </p:notesMasterIdLst>
   <p:sldIdLst>
     <p:sldId id="332" r:id="rId2"/>
@@ -23,6 +23,12 @@
     <p:sldId id="342" r:id="rId14"/>
     <p:sldId id="343" r:id="rId15"/>
     <p:sldId id="344" r:id="rId16"/>
+    <p:sldId id="347" r:id="rId17"/>
+    <p:sldId id="349" r:id="rId18"/>
+    <p:sldId id="350" r:id="rId19"/>
+    <p:sldId id="351" r:id="rId20"/>
+    <p:sldId id="352" r:id="rId21"/>
+    <p:sldId id="353" r:id="rId22"/>
   </p:sldIdLst>
   <p:sldSz cx="12192000" cy="6858000"/>
   <p:notesSz cx="6858000" cy="9144000"/>
@@ -208,6 +214,230 @@
     </inkml:brush>
   </inkml:definitions>
   <inkml:trace contextRef="#ctx0" brushRef="#br0">0 0,'11755'0,"-11733"0</inkml:trace>
+</inkml:ink>
+</file>
+
+<file path=ppt/ink/ink12.xml><?xml version="1.0" encoding="utf-8"?>
+<inkml:ink xmlns:inkml="http://www.w3.org/2003/InkML">
+  <inkml:definitions>
+    <inkml:context xml:id="ctx0">
+      <inkml:inkSource xml:id="inkSrc0">
+        <inkml:traceFormat>
+          <inkml:channel name="X" type="integer" min="-2.14748E9" max="2.14748E9" units="cm"/>
+          <inkml:channel name="Y" type="integer" min="-2.14748E9" max="2.14748E9" units="cm"/>
+          <inkml:channel name="F" type="integer" max="32767" units="dev"/>
+        </inkml:traceFormat>
+        <inkml:channelProperties>
+          <inkml:channelProperty channel="X" name="resolution" value="1000" units="1/cm"/>
+          <inkml:channelProperty channel="Y" name="resolution" value="1000" units="1/cm"/>
+          <inkml:channelProperty channel="F" name="resolution" value="0" units="1/dev"/>
+        </inkml:channelProperties>
+      </inkml:inkSource>
+      <inkml:timestamp xml:id="ts0" timeString="2023-01-19T17:54:15.348"/>
+    </inkml:context>
+    <inkml:brush xml:id="br0">
+      <inkml:brushProperty name="width" value="0.2" units="cm"/>
+      <inkml:brushProperty name="height" value="0.2" units="cm"/>
+      <inkml:brushProperty name="color" value="#E71224"/>
+    </inkml:brush>
+  </inkml:definitions>
+  <inkml:trace contextRef="#ctx0" brushRef="#br0">1 0 24575,'0'2'2,"0"0"0,1 0 0,-1 0 0,0-1 0,1 1 0,-1 0-1,1-1 1,0 1 0,-1 0 0,1-1 0,0 1 0,0-1 0,0 1 0,0-1-1,0 1 1,1-1 0,-1 0 0,2 2 0,31 18-49,-16-11-106,11 6-160,0-1-1,48 17 0,-65-27 277,62 19-917,1-3 0,77 12 1,-34-9 8,267 44-3867,-2-14 1863,-196-30 1201,162 15 135,-96-22 1527,681 30-141,327-42 227,-715-7 0,480-19 0,-209 2 0,-119-3 0,-165 3 0,-266 11 0,233-4 0,191-14 0,-306 7 0,231-13 0,-72 3 0,-308 21 0,262-16 0,452-20 0,-593 23 489,8 0 17,-197 12 1519,-67 2-839,-94 6-1090,-3 2 39,0-1-1,0 0 1,0 0 0,0-1-1,-1 1 1,1-1 0,0 0 0,0 0-1,-1 0 1,1 0 0,-1-1-1,1 0 1,-1 1 0,1-1-1,3-3 1,-4-4 809,-6 2-153</inkml:trace>
+</inkml:ink>
+</file>
+
+<file path=ppt/ink/ink13.xml><?xml version="1.0" encoding="utf-8"?>
+<inkml:ink xmlns:inkml="http://www.w3.org/2003/InkML">
+  <inkml:definitions>
+    <inkml:context xml:id="ctx0">
+      <inkml:inkSource xml:id="inkSrc0">
+        <inkml:traceFormat>
+          <inkml:channel name="X" type="integer" min="-2.14748E9" max="2.14748E9" units="cm"/>
+          <inkml:channel name="Y" type="integer" min="-2.14748E9" max="2.14748E9" units="cm"/>
+          <inkml:channel name="F" type="integer" max="32767" units="dev"/>
+        </inkml:traceFormat>
+        <inkml:channelProperties>
+          <inkml:channelProperty channel="X" name="resolution" value="1000" units="1/cm"/>
+          <inkml:channelProperty channel="Y" name="resolution" value="1000" units="1/cm"/>
+          <inkml:channelProperty channel="F" name="resolution" value="0" units="1/dev"/>
+        </inkml:channelProperties>
+      </inkml:inkSource>
+      <inkml:timestamp xml:id="ts0" timeString="2023-01-19T17:54:16.280"/>
+    </inkml:context>
+    <inkml:brush xml:id="br0">
+      <inkml:brushProperty name="width" value="0.2" units="cm"/>
+      <inkml:brushProperty name="height" value="0.2" units="cm"/>
+      <inkml:brushProperty name="color" value="#E71224"/>
+    </inkml:brush>
+  </inkml:definitions>
+  <inkml:trace contextRef="#ctx0" brushRef="#br0">1 1 24575,'-1'96'0,"3"107"0,4-124 0,24 114 0,74 146-2241,-97-320 2221,174 432-2785,-41-181 2544,-70-165 206,4-3 0,116 122 1,-163-194-228,2-1 0,1-2 0,1-1 0,1-2 0,1-1 0,57 31 0,-21-20 477,174 76-2615,-156-81 2208,0-4 0,1-3-1,2-5 1,0-3 0,145 3 0,31 1-880,-55-2-103,628-10-1373,-478-8 2003,777-33 565,-839 14 0,164-13 0,487-44 0,256-22 0,392-20 0,79 27 0,-1250 75 0,92-5 0,-112-1 0,916-64 0,-1114 71 0,832-75 0,-625 53 0,-31 4 0,-181 15 0,225-27 0,-105 6 0,230-35 0,-411 53 45,491-104 734,-587 113 153,-1-1 0,0-3 1,-2-1-1,59-35 0,-98 51-721,0-1-1,-1 1 1,1-1-1,-1 0 1,0 0-1,7-10 1,0-3 1022</inkml:trace>
+</inkml:ink>
+</file>
+
+<file path=ppt/ink/ink14.xml><?xml version="1.0" encoding="utf-8"?>
+<inkml:ink xmlns:inkml="http://www.w3.org/2003/InkML">
+  <inkml:definitions>
+    <inkml:context xml:id="ctx0">
+      <inkml:inkSource xml:id="inkSrc0">
+        <inkml:traceFormat>
+          <inkml:channel name="X" type="integer" min="-2.14748E9" max="2.14748E9" units="cm"/>
+          <inkml:channel name="Y" type="integer" min="-2.14748E9" max="2.14748E9" units="cm"/>
+          <inkml:channel name="F" type="integer" max="32767" units="dev"/>
+        </inkml:traceFormat>
+        <inkml:channelProperties>
+          <inkml:channelProperty channel="X" name="resolution" value="1000" units="1/cm"/>
+          <inkml:channelProperty channel="Y" name="resolution" value="1000" units="1/cm"/>
+          <inkml:channelProperty channel="F" name="resolution" value="0" units="1/dev"/>
+        </inkml:channelProperties>
+      </inkml:inkSource>
+      <inkml:timestamp xml:id="ts0" timeString="2023-01-19T17:54:16.777"/>
+    </inkml:context>
+    <inkml:brush xml:id="br0">
+      <inkml:brushProperty name="width" value="0.2" units="cm"/>
+      <inkml:brushProperty name="height" value="0.2" units="cm"/>
+      <inkml:brushProperty name="color" value="#E71224"/>
+    </inkml:brush>
+  </inkml:definitions>
+  <inkml:trace contextRef="#ctx0" brushRef="#br0">1 1 24575,'3'1'0,"-1"-1"0,1 1 0,0 0 0,-1 0 0,1 1 0,0-1 0,-1 0 0,0 1 0,1 0 0,-1-1 0,3 4 0,8 5 0,135 88 0,-117-77-480,0 2 0,52 52 0,-11-9-54,20 18-125,15 13 253,15 17 406,-28-23 0,36 42-1433,-54-51 169,-43-49 653,239 258-652,-164-182 1051,-7-7 249,-43-36-904,105 92-1,-75-80 505,28 25 213,-31-33-248,36 27 45,157 66 860,-208-131-634,1-4 0,1-2 0,91 18-1,-118-35 5,1-1-1,63 2 1,93-9 739,-186-1-528,33-1 2173</inkml:trace>
+</inkml:ink>
+</file>
+
+<file path=ppt/ink/ink15.xml><?xml version="1.0" encoding="utf-8"?>
+<inkml:ink xmlns:inkml="http://www.w3.org/2003/InkML">
+  <inkml:definitions>
+    <inkml:context xml:id="ctx0">
+      <inkml:inkSource xml:id="inkSrc0">
+        <inkml:traceFormat>
+          <inkml:channel name="X" type="integer" min="-2.14748E9" max="2.14748E9" units="cm"/>
+          <inkml:channel name="Y" type="integer" min="-2.14748E9" max="2.14748E9" units="cm"/>
+          <inkml:channel name="F" type="integer" max="32767" units="dev"/>
+        </inkml:traceFormat>
+        <inkml:channelProperties>
+          <inkml:channelProperty channel="X" name="resolution" value="1000" units="1/cm"/>
+          <inkml:channelProperty channel="Y" name="resolution" value="1000" units="1/cm"/>
+          <inkml:channelProperty channel="F" name="resolution" value="0" units="1/dev"/>
+        </inkml:channelProperties>
+      </inkml:inkSource>
+      <inkml:timestamp xml:id="ts0" timeString="2023-01-19T17:57:02.523"/>
+    </inkml:context>
+    <inkml:brush xml:id="br0">
+      <inkml:brushProperty name="width" value="0.2" units="cm"/>
+      <inkml:brushProperty name="height" value="0.2" units="cm"/>
+      <inkml:brushProperty name="color" value="#E71224"/>
+    </inkml:brush>
+  </inkml:definitions>
+  <inkml:trace contextRef="#ctx0" brushRef="#br0">1 1959 24575,'1'-1'0,"1"1"0,-1 0 0,1-1 0,0 1 0,-1-1 0,1 1 0,-1-1 0,1 0 0,-1 0 0,0 1 0,1-1 0,-1 0 0,0 0 0,1 0 0,-1-1 0,0 1 0,0 0 0,0 0 0,0-1 0,0 1 0,0 0 0,-1-1 0,1 1 0,0-1 0,0-1 0,3-7 0,-1 0 0,4-19 0,-4 16 0,3-14 0,2 0 0,1 0 0,14-30 0,16-35 0,-30 65 0,2 1 0,1 0 0,30-46 0,-35 60 0,0 0 0,11-25 0,-12 22 0,16-26 0,-2 8 0,19-25 0,-5 9 0,-24 34 0,0 0 0,0 1 0,14-13 0,-15 16 0,1-1 0,-2 0 0,1-1 0,-2 1 0,7-16 0,20-31 0,-12 25 0,-2-1 0,22-51 0,17-33 0,-53 106 0,2 0 0,0 1 0,0 0 0,19-19 0,-15 16 0,21-28 0,-19 22 0,1 1 0,26-27 0,-21 25 0,18-27 0,-25 34 0,1-1 0,0 1 0,24-19 0,21-22 0,-16 5 0,-20 22 0,2 1 0,0 1 0,32-25 0,-31 32 93,96-78-1551</inkml:trace>
+</inkml:ink>
+</file>
+
+<file path=ppt/ink/ink16.xml><?xml version="1.0" encoding="utf-8"?>
+<inkml:ink xmlns:inkml="http://www.w3.org/2003/InkML">
+  <inkml:definitions>
+    <inkml:context xml:id="ctx0">
+      <inkml:inkSource xml:id="inkSrc0">
+        <inkml:traceFormat>
+          <inkml:channel name="X" type="integer" min="-2.14748E9" max="2.14748E9" units="cm"/>
+          <inkml:channel name="Y" type="integer" min="-2.14748E9" max="2.14748E9" units="cm"/>
+          <inkml:channel name="F" type="integer" max="32767" units="dev"/>
+        </inkml:traceFormat>
+        <inkml:channelProperties>
+          <inkml:channelProperty channel="X" name="resolution" value="1000" units="1/cm"/>
+          <inkml:channelProperty channel="Y" name="resolution" value="1000" units="1/cm"/>
+          <inkml:channelProperty channel="F" name="resolution" value="0" units="1/dev"/>
+        </inkml:channelProperties>
+      </inkml:inkSource>
+      <inkml:timestamp xml:id="ts0" timeString="2023-01-19T17:57:03.985"/>
+    </inkml:context>
+    <inkml:brush xml:id="br0">
+      <inkml:brushProperty name="width" value="0.2" units="cm"/>
+      <inkml:brushProperty name="height" value="0.2" units="cm"/>
+      <inkml:brushProperty name="color" value="#E71224"/>
+    </inkml:brush>
+  </inkml:definitions>
+  <inkml:trace contextRef="#ctx0" brushRef="#br0">1 1 24575,'4'2'0,"1"0"0,0 1 0,-1-1 0,1 1 0,-1 0 0,0 0 0,0 1 0,0 0 0,-1-1 0,5 6 0,6 11 0,0 1 0,-2 1 0,0 0 0,11 29 0,26 77 0,-41-108 0,-1 0 0,0 0 0,-2 0 0,5 36 0,-5-11 0,-2 53 0,-3-87 0,1-1 0,0 1 0,1 0 0,0 0 0,1-1 0,0 1 0,0-1 0,1 0 0,1 0 0,-1 0 0,2-1 0,-1 1 0,13 13 0,0 0 0,-13-16 0,1 0 0,-1-1 0,11 9 0,-13-12 0,0-1 0,0 0 0,1-1 0,-1 1 0,0-1 0,1 1 0,-1-1 0,1 0 0,-1 0 0,1 0 0,6 0 0,-3-1 0,-1 0 0,0 0 0,0-1 0,0 0 0,0 0 0,0-1 0,-1 1 0,1-1 0,0 0 0,7-4 0,6-5 0,28-20 0,2-1 0,-22 16 0,-13 8 0,1-1 0,0 2 0,25-9 0,0 2 0,49-25 0,-61 26 0,90-47 0,-105 53 9,1-1 0,14-11-1,-10 6-1399</inkml:trace>
+</inkml:ink>
+</file>
+
+<file path=ppt/ink/ink17.xml><?xml version="1.0" encoding="utf-8"?>
+<inkml:ink xmlns:inkml="http://www.w3.org/2003/InkML">
+  <inkml:definitions>
+    <inkml:context xml:id="ctx0">
+      <inkml:inkSource xml:id="inkSrc0">
+        <inkml:traceFormat>
+          <inkml:channel name="X" type="integer" min="-2.14748E9" max="2.14748E9" units="cm"/>
+          <inkml:channel name="Y" type="integer" min="-2.14748E9" max="2.14748E9" units="cm"/>
+          <inkml:channel name="F" type="integer" max="32767" units="dev"/>
+        </inkml:traceFormat>
+        <inkml:channelProperties>
+          <inkml:channelProperty channel="X" name="resolution" value="1000" units="1/cm"/>
+          <inkml:channelProperty channel="Y" name="resolution" value="1000" units="1/cm"/>
+          <inkml:channelProperty channel="F" name="resolution" value="0" units="1/dev"/>
+        </inkml:channelProperties>
+      </inkml:inkSource>
+      <inkml:timestamp xml:id="ts0" timeString="2023-01-19T17:57:06.448"/>
+    </inkml:context>
+    <inkml:brush xml:id="br0">
+      <inkml:brushProperty name="width" value="0.2" units="cm"/>
+      <inkml:brushProperty name="height" value="0.2" units="cm"/>
+      <inkml:brushProperty name="color" value="#E71224"/>
+    </inkml:brush>
+  </inkml:definitions>
+  <inkml:trace contextRef="#ctx0" brushRef="#br0">0 1 24575,'0'2'0,"1"0"0,-1 0 0,1 1 0,0-1 0,-1 0 0,1 0 0,0 0 0,0 0 0,0 0 0,1 0 0,-1 0 0,0 0 0,2 1 0,25 25 0,-20-20 0,35 34 0,77 69 0,-109-102 0,-1 0 0,0 1 0,-1 0 0,0 1 0,0 0 0,-1 0 0,-1 1 0,0 0 0,8 19 0,-8-13 0,-2-1 0,0 1 0,0 0 0,-2 1 0,0-1 0,0 31 0,-2-33 0,1 0 0,1-1 0,0 1 0,7 15 0,-5-13 0,0 0 0,3 32 0,2 33 0,2 41 0,-12 301 0,-1-194 0,0-197 0,-10 49 0,3-22 0,8-56-114,-1 0 1,0 0-1,1 0 0,-2 1 0,1-1 1,0 0-1,-1-1 0,0 1 0,0 0 1,-1 0-1,-2 3 0</inkml:trace>
+</inkml:ink>
+</file>
+
+<file path=ppt/ink/ink18.xml><?xml version="1.0" encoding="utf-8"?>
+<inkml:ink xmlns:inkml="http://www.w3.org/2003/InkML">
+  <inkml:definitions>
+    <inkml:context xml:id="ctx0">
+      <inkml:inkSource xml:id="inkSrc0">
+        <inkml:traceFormat>
+          <inkml:channel name="X" type="integer" min="-2.14748E9" max="2.14748E9" units="cm"/>
+          <inkml:channel name="Y" type="integer" min="-2.14748E9" max="2.14748E9" units="cm"/>
+          <inkml:channel name="F" type="integer" max="32767" units="dev"/>
+        </inkml:traceFormat>
+        <inkml:channelProperties>
+          <inkml:channelProperty channel="X" name="resolution" value="1000" units="1/cm"/>
+          <inkml:channelProperty channel="Y" name="resolution" value="1000" units="1/cm"/>
+          <inkml:channelProperty channel="F" name="resolution" value="0" units="1/dev"/>
+        </inkml:channelProperties>
+      </inkml:inkSource>
+      <inkml:timestamp xml:id="ts0" timeString="2023-01-19T17:57:07.493"/>
+    </inkml:context>
+    <inkml:brush xml:id="br0">
+      <inkml:brushProperty name="width" value="0.2" units="cm"/>
+      <inkml:brushProperty name="height" value="0.2" units="cm"/>
+      <inkml:brushProperty name="color" value="#E71224"/>
+    </inkml:brush>
+  </inkml:definitions>
+  <inkml:trace contextRef="#ctx0" brushRef="#br0">1 1554 24575,'0'-5'0,"1"0"0,0 1 0,0-1 0,0 0 0,1 0 0,0 1 0,0-1 0,0 1 0,0 0 0,4-5 0,31-42 0,-29 41 0,26-33-976,72-69 1,101-102 975,-192 200 0,0 0 0,1 0 0,1 2 0,19-12 0,13-10 0,10-9-705,122-66 0,-123 78 705,63-30 0,98-41 0,-141 63 0,34-3-946,-62 24 663,85-40-1326,-37 22 1415,-16 6 183,125-44-85,-108 39 96,117-25 0,-95 29 0,21-2-11,9-2 65,-102 23 162,-31 8-217,1 0 0,19-8 0,149-66 2905,-162 68-7755</inkml:trace>
+</inkml:ink>
+</file>
+
+<file path=ppt/ink/ink19.xml><?xml version="1.0" encoding="utf-8"?>
+<inkml:ink xmlns:inkml="http://www.w3.org/2003/InkML">
+  <inkml:definitions>
+    <inkml:context xml:id="ctx0">
+      <inkml:inkSource xml:id="inkSrc0">
+        <inkml:traceFormat>
+          <inkml:channel name="X" type="integer" min="-2.14748E9" max="2.14748E9" units="cm"/>
+          <inkml:channel name="Y" type="integer" min="-2.14748E9" max="2.14748E9" units="cm"/>
+          <inkml:channel name="F" type="integer" max="32767" units="dev"/>
+        </inkml:traceFormat>
+        <inkml:channelProperties>
+          <inkml:channelProperty channel="X" name="resolution" value="1000" units="1/cm"/>
+          <inkml:channelProperty channel="Y" name="resolution" value="1000" units="1/cm"/>
+          <inkml:channelProperty channel="F" name="resolution" value="0" units="1/dev"/>
+        </inkml:channelProperties>
+      </inkml:inkSource>
+      <inkml:timestamp xml:id="ts0" timeString="2023-01-19T17:57:09.351"/>
+    </inkml:context>
+    <inkml:brush xml:id="br0">
+      <inkml:brushProperty name="width" value="0.2" units="cm"/>
+      <inkml:brushProperty name="height" value="0.2" units="cm"/>
+      <inkml:brushProperty name="color" value="#E71224"/>
+    </inkml:brush>
+  </inkml:definitions>
+  <inkml:trace contextRef="#ctx0" brushRef="#br0">0 0 24575,'36'12'0,"10"-6"0,1-2 0,0-3 0,48-3 0,-12 0 0,423 2 0,-492 1 0,0 1 0,0 0 0,0 1 0,-1 1 0,17 6 0,23 5 0,-50-14 0,-1-1 0,1 1 0,0 0 0,-1-1 0,1 1 0,-1 1 0,1-1 0,-1 0 0,1 1 0,-1-1 0,0 1 0,0-1 0,1 1 0,-1 0 0,0 0 0,-1 0 0,1 0 0,0 1 0,-1-1 0,1 0 0,-1 1 0,0-1 0,0 1 0,2 5 0,-2-3 0,-1 0 0,1 0 0,-1 0 0,0 0 0,-1 0 0,1 1 0,-1-1 0,0 0 0,0 0 0,-1 0 0,0 0 0,-3 7 0,-130 285 0,55-153 0,24-52 0,39-67 0,1 1 0,1 1 0,-12 31 0,-12 25-1365</inkml:trace>
 </inkml:ink>
 </file>
 
@@ -1092,6 +1322,675 @@
     <p:extLst>
       <p:ext uri="{BB962C8B-B14F-4D97-AF65-F5344CB8AC3E}">
         <p14:creationId xmlns:p14="http://schemas.microsoft.com/office/powerpoint/2010/main" val="3595983183"/>
+      </p:ext>
+    </p:extLst>
+  </p:cSld>
+  <p:clrMapOvr>
+    <a:masterClrMapping/>
+  </p:clrMapOvr>
+</p:notes>
+</file>
+
+<file path=ppt/notesSlides/notesSlide12.xml><?xml version="1.0" encoding="utf-8"?>
+<p:notes xmlns:a="http://schemas.openxmlformats.org/drawingml/2006/main" xmlns:r="http://schemas.openxmlformats.org/officeDocument/2006/relationships" xmlns:p="http://schemas.openxmlformats.org/presentationml/2006/main">
+  <p:cSld>
+    <p:spTree>
+      <p:nvGrpSpPr>
+        <p:cNvPr id="1" name=""/>
+        <p:cNvGrpSpPr/>
+        <p:nvPr/>
+      </p:nvGrpSpPr>
+      <p:grpSpPr>
+        <a:xfrm>
+          <a:off x="0" y="0"/>
+          <a:ext cx="0" cy="0"/>
+          <a:chOff x="0" y="0"/>
+          <a:chExt cx="0" cy="0"/>
+        </a:xfrm>
+      </p:grpSpPr>
+      <p:sp>
+        <p:nvSpPr>
+          <p:cNvPr id="2" name="Slide Image Placeholder 1"/>
+          <p:cNvSpPr>
+            <a:spLocks noGrp="1" noRot="1" noChangeAspect="1"/>
+          </p:cNvSpPr>
+          <p:nvPr>
+            <p:ph type="sldImg"/>
+          </p:nvPr>
+        </p:nvSpPr>
+        <p:spPr/>
+      </p:sp>
+      <p:sp>
+        <p:nvSpPr>
+          <p:cNvPr id="3" name="Notes Placeholder 2"/>
+          <p:cNvSpPr>
+            <a:spLocks noGrp="1"/>
+          </p:cNvSpPr>
+          <p:nvPr>
+            <p:ph type="body" idx="1"/>
+          </p:nvPr>
+        </p:nvSpPr>
+        <p:spPr/>
+        <p:txBody>
+          <a:bodyPr/>
+          <a:lstStyle/>
+          <a:p>
+            <a:endParaRPr lang="fr-FR" dirty="0"/>
+          </a:p>
+        </p:txBody>
+      </p:sp>
+      <p:sp>
+        <p:nvSpPr>
+          <p:cNvPr id="4" name="Slide Number Placeholder 3"/>
+          <p:cNvSpPr>
+            <a:spLocks noGrp="1"/>
+          </p:cNvSpPr>
+          <p:nvPr>
+            <p:ph type="sldNum" sz="quarter" idx="5"/>
+          </p:nvPr>
+        </p:nvSpPr>
+        <p:spPr/>
+        <p:txBody>
+          <a:bodyPr/>
+          <a:lstStyle/>
+          <a:p>
+            <a:fld id="{B2732108-1823-42F2-979D-D6CF9D74D210}" type="slidenum">
+              <a:rPr lang="en-US" smtClean="0"/>
+              <a:t>16</a:t>
+            </a:fld>
+            <a:endParaRPr lang="en-US"/>
+          </a:p>
+        </p:txBody>
+      </p:sp>
+    </p:spTree>
+    <p:extLst>
+      <p:ext uri="{BB962C8B-B14F-4D97-AF65-F5344CB8AC3E}">
+        <p14:creationId xmlns:p14="http://schemas.microsoft.com/office/powerpoint/2010/main" val="1915823295"/>
+      </p:ext>
+    </p:extLst>
+  </p:cSld>
+  <p:clrMapOvr>
+    <a:masterClrMapping/>
+  </p:clrMapOvr>
+</p:notes>
+</file>
+
+<file path=ppt/notesSlides/notesSlide13.xml><?xml version="1.0" encoding="utf-8"?>
+<p:notes xmlns:a="http://schemas.openxmlformats.org/drawingml/2006/main" xmlns:r="http://schemas.openxmlformats.org/officeDocument/2006/relationships" xmlns:p="http://schemas.openxmlformats.org/presentationml/2006/main">
+  <p:cSld>
+    <p:spTree>
+      <p:nvGrpSpPr>
+        <p:cNvPr id="1" name=""/>
+        <p:cNvGrpSpPr/>
+        <p:nvPr/>
+      </p:nvGrpSpPr>
+      <p:grpSpPr>
+        <a:xfrm>
+          <a:off x="0" y="0"/>
+          <a:ext cx="0" cy="0"/>
+          <a:chOff x="0" y="0"/>
+          <a:chExt cx="0" cy="0"/>
+        </a:xfrm>
+      </p:grpSpPr>
+      <p:sp>
+        <p:nvSpPr>
+          <p:cNvPr id="2" name="Slide Image Placeholder 1"/>
+          <p:cNvSpPr>
+            <a:spLocks noGrp="1" noRot="1" noChangeAspect="1"/>
+          </p:cNvSpPr>
+          <p:nvPr>
+            <p:ph type="sldImg"/>
+          </p:nvPr>
+        </p:nvSpPr>
+        <p:spPr/>
+      </p:sp>
+      <p:sp>
+        <p:nvSpPr>
+          <p:cNvPr id="3" name="Notes Placeholder 2"/>
+          <p:cNvSpPr>
+            <a:spLocks noGrp="1"/>
+          </p:cNvSpPr>
+          <p:nvPr>
+            <p:ph type="body" idx="1"/>
+          </p:nvPr>
+        </p:nvSpPr>
+        <p:spPr/>
+        <p:txBody>
+          <a:bodyPr/>
+          <a:lstStyle/>
+          <a:p>
+            <a:r>
+              <a:rPr lang="fr-FR" dirty="0"/>
+              <a:t>Donner un exemple (dog cat horse </a:t>
+            </a:r>
+            <a:r>
+              <a:rPr lang="fr-FR" dirty="0" err="1"/>
+              <a:t>human</a:t>
+            </a:r>
+            <a:r>
+              <a:rPr lang="fr-FR" dirty="0"/>
+              <a:t>) et calculer la </a:t>
+            </a:r>
+            <a:r>
+              <a:rPr lang="fr-FR" dirty="0" err="1"/>
+              <a:t>loss</a:t>
+            </a:r>
+            <a:endParaRPr lang="fr-FR" dirty="0"/>
+          </a:p>
+        </p:txBody>
+      </p:sp>
+      <p:sp>
+        <p:nvSpPr>
+          <p:cNvPr id="4" name="Slide Number Placeholder 3"/>
+          <p:cNvSpPr>
+            <a:spLocks noGrp="1"/>
+          </p:cNvSpPr>
+          <p:nvPr>
+            <p:ph type="sldNum" sz="quarter" idx="5"/>
+          </p:nvPr>
+        </p:nvSpPr>
+        <p:spPr/>
+        <p:txBody>
+          <a:bodyPr/>
+          <a:lstStyle/>
+          <a:p>
+            <a:fld id="{B2732108-1823-42F2-979D-D6CF9D74D210}" type="slidenum">
+              <a:rPr lang="en-US" smtClean="0"/>
+              <a:t>17</a:t>
+            </a:fld>
+            <a:endParaRPr lang="en-US"/>
+          </a:p>
+        </p:txBody>
+      </p:sp>
+    </p:spTree>
+    <p:extLst>
+      <p:ext uri="{BB962C8B-B14F-4D97-AF65-F5344CB8AC3E}">
+        <p14:creationId xmlns:p14="http://schemas.microsoft.com/office/powerpoint/2010/main" val="1383870905"/>
+      </p:ext>
+    </p:extLst>
+  </p:cSld>
+  <p:clrMapOvr>
+    <a:masterClrMapping/>
+  </p:clrMapOvr>
+</p:notes>
+</file>
+
+<file path=ppt/notesSlides/notesSlide14.xml><?xml version="1.0" encoding="utf-8"?>
+<p:notes xmlns:a="http://schemas.openxmlformats.org/drawingml/2006/main" xmlns:r="http://schemas.openxmlformats.org/officeDocument/2006/relationships" xmlns:p="http://schemas.openxmlformats.org/presentationml/2006/main">
+  <p:cSld>
+    <p:spTree>
+      <p:nvGrpSpPr>
+        <p:cNvPr id="1" name=""/>
+        <p:cNvGrpSpPr/>
+        <p:nvPr/>
+      </p:nvGrpSpPr>
+      <p:grpSpPr>
+        <a:xfrm>
+          <a:off x="0" y="0"/>
+          <a:ext cx="0" cy="0"/>
+          <a:chOff x="0" y="0"/>
+          <a:chExt cx="0" cy="0"/>
+        </a:xfrm>
+      </p:grpSpPr>
+      <p:sp>
+        <p:nvSpPr>
+          <p:cNvPr id="2" name="Slide Image Placeholder 1"/>
+          <p:cNvSpPr>
+            <a:spLocks noGrp="1" noRot="1" noChangeAspect="1"/>
+          </p:cNvSpPr>
+          <p:nvPr>
+            <p:ph type="sldImg"/>
+          </p:nvPr>
+        </p:nvSpPr>
+        <p:spPr/>
+      </p:sp>
+      <p:sp>
+        <p:nvSpPr>
+          <p:cNvPr id="3" name="Notes Placeholder 2"/>
+          <p:cNvSpPr>
+            <a:spLocks noGrp="1"/>
+          </p:cNvSpPr>
+          <p:nvPr>
+            <p:ph type="body" idx="1"/>
+          </p:nvPr>
+        </p:nvSpPr>
+        <p:spPr/>
+        <p:txBody>
+          <a:bodyPr/>
+          <a:lstStyle/>
+          <a:p>
+            <a:r>
+              <a:rPr lang="fr-FR" dirty="0"/>
+              <a:t>Pourquoi y a que x_{n, y_{n}} ? Parce que tous les autres le P*(i) vaut 0 !!!</a:t>
+            </a:r>
+          </a:p>
+          <a:p>
+            <a:endParaRPr lang="fr-FR" dirty="0"/>
+          </a:p>
+          <a:p>
+            <a:r>
+              <a:rPr lang="fr-FR" dirty="0"/>
+              <a:t>Si on fait </a:t>
+            </a:r>
+            <a:r>
+              <a:rPr lang="fr-FR" dirty="0" err="1"/>
+              <a:t>mean</a:t>
+            </a:r>
+            <a:r>
+              <a:rPr lang="fr-FR" dirty="0"/>
+              <a:t>, on divise pas par N mais par les poids attention !!!!!! En pratique de toute façon, avec PyTorch, on s’en fiche … mais c’est important de savoir comment ça marche quand même.</a:t>
+            </a:r>
+          </a:p>
+        </p:txBody>
+      </p:sp>
+      <p:sp>
+        <p:nvSpPr>
+          <p:cNvPr id="4" name="Slide Number Placeholder 3"/>
+          <p:cNvSpPr>
+            <a:spLocks noGrp="1"/>
+          </p:cNvSpPr>
+          <p:nvPr>
+            <p:ph type="sldNum" sz="quarter" idx="5"/>
+          </p:nvPr>
+        </p:nvSpPr>
+        <p:spPr/>
+        <p:txBody>
+          <a:bodyPr/>
+          <a:lstStyle/>
+          <a:p>
+            <a:fld id="{B2732108-1823-42F2-979D-D6CF9D74D210}" type="slidenum">
+              <a:rPr lang="en-US" smtClean="0"/>
+              <a:t>18</a:t>
+            </a:fld>
+            <a:endParaRPr lang="en-US"/>
+          </a:p>
+        </p:txBody>
+      </p:sp>
+    </p:spTree>
+    <p:extLst>
+      <p:ext uri="{BB962C8B-B14F-4D97-AF65-F5344CB8AC3E}">
+        <p14:creationId xmlns:p14="http://schemas.microsoft.com/office/powerpoint/2010/main" val="1748699146"/>
+      </p:ext>
+    </p:extLst>
+  </p:cSld>
+  <p:clrMapOvr>
+    <a:masterClrMapping/>
+  </p:clrMapOvr>
+</p:notes>
+</file>
+
+<file path=ppt/notesSlides/notesSlide15.xml><?xml version="1.0" encoding="utf-8"?>
+<p:notes xmlns:a="http://schemas.openxmlformats.org/drawingml/2006/main" xmlns:r="http://schemas.openxmlformats.org/officeDocument/2006/relationships" xmlns:p="http://schemas.openxmlformats.org/presentationml/2006/main">
+  <p:cSld>
+    <p:spTree>
+      <p:nvGrpSpPr>
+        <p:cNvPr id="1" name=""/>
+        <p:cNvGrpSpPr/>
+        <p:nvPr/>
+      </p:nvGrpSpPr>
+      <p:grpSpPr>
+        <a:xfrm>
+          <a:off x="0" y="0"/>
+          <a:ext cx="0" cy="0"/>
+          <a:chOff x="0" y="0"/>
+          <a:chExt cx="0" cy="0"/>
+        </a:xfrm>
+      </p:grpSpPr>
+      <p:sp>
+        <p:nvSpPr>
+          <p:cNvPr id="2" name="Slide Image Placeholder 1"/>
+          <p:cNvSpPr>
+            <a:spLocks noGrp="1" noRot="1" noChangeAspect="1"/>
+          </p:cNvSpPr>
+          <p:nvPr>
+            <p:ph type="sldImg"/>
+          </p:nvPr>
+        </p:nvSpPr>
+        <p:spPr/>
+      </p:sp>
+      <p:sp>
+        <p:nvSpPr>
+          <p:cNvPr id="3" name="Notes Placeholder 2"/>
+          <p:cNvSpPr>
+            <a:spLocks noGrp="1"/>
+          </p:cNvSpPr>
+          <p:nvPr>
+            <p:ph type="body" idx="1"/>
+          </p:nvPr>
+        </p:nvSpPr>
+        <p:spPr/>
+        <p:txBody>
+          <a:bodyPr/>
+          <a:lstStyle/>
+          <a:p>
+            <a:endParaRPr lang="fr-FR" dirty="0"/>
+          </a:p>
+        </p:txBody>
+      </p:sp>
+      <p:sp>
+        <p:nvSpPr>
+          <p:cNvPr id="4" name="Slide Number Placeholder 3"/>
+          <p:cNvSpPr>
+            <a:spLocks noGrp="1"/>
+          </p:cNvSpPr>
+          <p:nvPr>
+            <p:ph type="sldNum" sz="quarter" idx="5"/>
+          </p:nvPr>
+        </p:nvSpPr>
+        <p:spPr/>
+        <p:txBody>
+          <a:bodyPr/>
+          <a:lstStyle/>
+          <a:p>
+            <a:fld id="{B2732108-1823-42F2-979D-D6CF9D74D210}" type="slidenum">
+              <a:rPr lang="en-US" smtClean="0"/>
+              <a:t>19</a:t>
+            </a:fld>
+            <a:endParaRPr lang="en-US"/>
+          </a:p>
+        </p:txBody>
+      </p:sp>
+    </p:spTree>
+    <p:extLst>
+      <p:ext uri="{BB962C8B-B14F-4D97-AF65-F5344CB8AC3E}">
+        <p14:creationId xmlns:p14="http://schemas.microsoft.com/office/powerpoint/2010/main" val="2058295248"/>
+      </p:ext>
+    </p:extLst>
+  </p:cSld>
+  <p:clrMapOvr>
+    <a:masterClrMapping/>
+  </p:clrMapOvr>
+</p:notes>
+</file>
+
+<file path=ppt/notesSlides/notesSlide16.xml><?xml version="1.0" encoding="utf-8"?>
+<p:notes xmlns:a="http://schemas.openxmlformats.org/drawingml/2006/main" xmlns:r="http://schemas.openxmlformats.org/officeDocument/2006/relationships" xmlns:p="http://schemas.openxmlformats.org/presentationml/2006/main">
+  <p:cSld>
+    <p:spTree>
+      <p:nvGrpSpPr>
+        <p:cNvPr id="1" name=""/>
+        <p:cNvGrpSpPr/>
+        <p:nvPr/>
+      </p:nvGrpSpPr>
+      <p:grpSpPr>
+        <a:xfrm>
+          <a:off x="0" y="0"/>
+          <a:ext cx="0" cy="0"/>
+          <a:chOff x="0" y="0"/>
+          <a:chExt cx="0" cy="0"/>
+        </a:xfrm>
+      </p:grpSpPr>
+      <p:sp>
+        <p:nvSpPr>
+          <p:cNvPr id="2" name="Slide Image Placeholder 1"/>
+          <p:cNvSpPr>
+            <a:spLocks noGrp="1" noRot="1" noChangeAspect="1"/>
+          </p:cNvSpPr>
+          <p:nvPr>
+            <p:ph type="sldImg"/>
+          </p:nvPr>
+        </p:nvSpPr>
+        <p:spPr/>
+      </p:sp>
+      <p:sp>
+        <p:nvSpPr>
+          <p:cNvPr id="3" name="Notes Placeholder 2"/>
+          <p:cNvSpPr>
+            <a:spLocks noGrp="1"/>
+          </p:cNvSpPr>
+          <p:nvPr>
+            <p:ph type="body" idx="1"/>
+          </p:nvPr>
+        </p:nvSpPr>
+        <p:spPr/>
+        <p:txBody>
+          <a:bodyPr/>
+          <a:lstStyle/>
+          <a:p>
+            <a:r>
+              <a:rPr lang="fr-FR" dirty="0" err="1"/>
+              <a:t>Why</a:t>
+            </a:r>
+            <a:r>
+              <a:rPr lang="fr-FR" dirty="0"/>
+              <a:t> log : cf. formula</a:t>
+            </a:r>
+          </a:p>
+          <a:p>
+            <a:r>
+              <a:rPr lang="fr-FR" dirty="0" err="1"/>
+              <a:t>Why</a:t>
+            </a:r>
+            <a:r>
+              <a:rPr lang="fr-FR" dirty="0"/>
+              <a:t> </a:t>
+            </a:r>
+            <a:r>
+              <a:rPr lang="fr-FR" dirty="0" err="1"/>
+              <a:t>SoftMax</a:t>
+            </a:r>
+            <a:r>
+              <a:rPr lang="fr-FR" dirty="0"/>
+              <a:t>: </a:t>
+            </a:r>
+            <a:r>
+              <a:rPr lang="fr-FR" dirty="0" err="1"/>
+              <a:t>we</a:t>
+            </a:r>
+            <a:r>
+              <a:rPr lang="fr-FR" dirty="0"/>
+              <a:t> </a:t>
+            </a:r>
+            <a:r>
+              <a:rPr lang="fr-FR" dirty="0" err="1"/>
+              <a:t>want</a:t>
+            </a:r>
+            <a:r>
+              <a:rPr lang="fr-FR" dirty="0"/>
+              <a:t> values </a:t>
+            </a:r>
+            <a:r>
+              <a:rPr lang="fr-FR" dirty="0" err="1"/>
+              <a:t>between</a:t>
+            </a:r>
+            <a:r>
+              <a:rPr lang="fr-FR" dirty="0"/>
+              <a:t> 0 and 1!!! Cf. </a:t>
+            </a:r>
+            <a:r>
+              <a:rPr lang="fr-FR" dirty="0" err="1"/>
+              <a:t>next</a:t>
+            </a:r>
+            <a:r>
+              <a:rPr lang="fr-FR" dirty="0"/>
+              <a:t> slide.</a:t>
+            </a:r>
+          </a:p>
+        </p:txBody>
+      </p:sp>
+      <p:sp>
+        <p:nvSpPr>
+          <p:cNvPr id="4" name="Slide Number Placeholder 3"/>
+          <p:cNvSpPr>
+            <a:spLocks noGrp="1"/>
+          </p:cNvSpPr>
+          <p:nvPr>
+            <p:ph type="sldNum" sz="quarter" idx="5"/>
+          </p:nvPr>
+        </p:nvSpPr>
+        <p:spPr/>
+        <p:txBody>
+          <a:bodyPr/>
+          <a:lstStyle/>
+          <a:p>
+            <a:fld id="{B2732108-1823-42F2-979D-D6CF9D74D210}" type="slidenum">
+              <a:rPr lang="en-US" smtClean="0"/>
+              <a:t>20</a:t>
+            </a:fld>
+            <a:endParaRPr lang="en-US"/>
+          </a:p>
+        </p:txBody>
+      </p:sp>
+    </p:spTree>
+    <p:extLst>
+      <p:ext uri="{BB962C8B-B14F-4D97-AF65-F5344CB8AC3E}">
+        <p14:creationId xmlns:p14="http://schemas.microsoft.com/office/powerpoint/2010/main" val="1472243448"/>
+      </p:ext>
+    </p:extLst>
+  </p:cSld>
+  <p:clrMapOvr>
+    <a:masterClrMapping/>
+  </p:clrMapOvr>
+</p:notes>
+</file>
+
+<file path=ppt/notesSlides/notesSlide17.xml><?xml version="1.0" encoding="utf-8"?>
+<p:notes xmlns:a="http://schemas.openxmlformats.org/drawingml/2006/main" xmlns:r="http://schemas.openxmlformats.org/officeDocument/2006/relationships" xmlns:p="http://schemas.openxmlformats.org/presentationml/2006/main">
+  <p:cSld>
+    <p:spTree>
+      <p:nvGrpSpPr>
+        <p:cNvPr id="1" name=""/>
+        <p:cNvGrpSpPr/>
+        <p:nvPr/>
+      </p:nvGrpSpPr>
+      <p:grpSpPr>
+        <a:xfrm>
+          <a:off x="0" y="0"/>
+          <a:ext cx="0" cy="0"/>
+          <a:chOff x="0" y="0"/>
+          <a:chExt cx="0" cy="0"/>
+        </a:xfrm>
+      </p:grpSpPr>
+      <p:sp>
+        <p:nvSpPr>
+          <p:cNvPr id="2" name="Slide Image Placeholder 1"/>
+          <p:cNvSpPr>
+            <a:spLocks noGrp="1" noRot="1" noChangeAspect="1"/>
+          </p:cNvSpPr>
+          <p:nvPr>
+            <p:ph type="sldImg"/>
+          </p:nvPr>
+        </p:nvSpPr>
+        <p:spPr/>
+      </p:sp>
+      <p:sp>
+        <p:nvSpPr>
+          <p:cNvPr id="3" name="Notes Placeholder 2"/>
+          <p:cNvSpPr>
+            <a:spLocks noGrp="1"/>
+          </p:cNvSpPr>
+          <p:nvPr>
+            <p:ph type="body" idx="1"/>
+          </p:nvPr>
+        </p:nvSpPr>
+        <p:spPr/>
+        <p:txBody>
+          <a:bodyPr/>
+          <a:lstStyle/>
+          <a:p>
+            <a:r>
+              <a:rPr lang="fr-FR" dirty="0" err="1"/>
+              <a:t>We</a:t>
+            </a:r>
+            <a:r>
+              <a:rPr lang="fr-FR" dirty="0"/>
+              <a:t> </a:t>
+            </a:r>
+            <a:r>
+              <a:rPr lang="fr-FR" dirty="0" err="1"/>
+              <a:t>want</a:t>
+            </a:r>
+            <a:r>
+              <a:rPr lang="fr-FR" dirty="0"/>
+              <a:t> </a:t>
+            </a:r>
+            <a:r>
+              <a:rPr lang="fr-FR" dirty="0" err="1"/>
+              <a:t>probabilities</a:t>
+            </a:r>
+            <a:r>
+              <a:rPr lang="fr-FR" dirty="0"/>
+              <a:t>! And </a:t>
+            </a:r>
+            <a:r>
+              <a:rPr lang="fr-FR" dirty="0" err="1"/>
+              <a:t>we</a:t>
+            </a:r>
+            <a:r>
+              <a:rPr lang="fr-FR" dirty="0"/>
+              <a:t> </a:t>
+            </a:r>
+            <a:r>
+              <a:rPr lang="fr-FR" dirty="0" err="1"/>
+              <a:t>don’t</a:t>
+            </a:r>
+            <a:r>
+              <a:rPr lang="fr-FR" dirty="0"/>
+              <a:t> </a:t>
+            </a:r>
+            <a:r>
+              <a:rPr lang="fr-FR" dirty="0" err="1"/>
+              <a:t>want</a:t>
+            </a:r>
+            <a:r>
+              <a:rPr lang="fr-FR" dirty="0"/>
+              <a:t> </a:t>
+            </a:r>
+            <a:r>
+              <a:rPr lang="fr-FR" dirty="0" err="1"/>
+              <a:t>negative</a:t>
+            </a:r>
+            <a:r>
+              <a:rPr lang="fr-FR" dirty="0"/>
+              <a:t> values in a </a:t>
+            </a:r>
+            <a:r>
+              <a:rPr lang="fr-FR" dirty="0" err="1"/>
+              <a:t>logarithm</a:t>
+            </a:r>
+            <a:r>
+              <a:rPr lang="fr-FR" dirty="0"/>
+              <a:t> …</a:t>
+            </a:r>
+          </a:p>
+          <a:p>
+            <a:endParaRPr lang="fr-FR" dirty="0"/>
+          </a:p>
+          <a:p>
+            <a:r>
+              <a:rPr lang="fr-FR" dirty="0"/>
+              <a:t>Image source: https://www.youtube.com/watch?v=Pwgpl9mKars</a:t>
+            </a:r>
+          </a:p>
+        </p:txBody>
+      </p:sp>
+      <p:sp>
+        <p:nvSpPr>
+          <p:cNvPr id="4" name="Slide Number Placeholder 3"/>
+          <p:cNvSpPr>
+            <a:spLocks noGrp="1"/>
+          </p:cNvSpPr>
+          <p:nvPr>
+            <p:ph type="sldNum" sz="quarter" idx="5"/>
+          </p:nvPr>
+        </p:nvSpPr>
+        <p:spPr/>
+        <p:txBody>
+          <a:bodyPr/>
+          <a:lstStyle/>
+          <a:p>
+            <a:fld id="{B2732108-1823-42F2-979D-D6CF9D74D210}" type="slidenum">
+              <a:rPr lang="en-US" smtClean="0"/>
+              <a:t>21</a:t>
+            </a:fld>
+            <a:endParaRPr lang="en-US"/>
+          </a:p>
+        </p:txBody>
+      </p:sp>
+    </p:spTree>
+    <p:extLst>
+      <p:ext uri="{BB962C8B-B14F-4D97-AF65-F5344CB8AC3E}">
+        <p14:creationId xmlns:p14="http://schemas.microsoft.com/office/powerpoint/2010/main" val="1484181234"/>
       </p:ext>
     </p:extLst>
   </p:cSld>
@@ -6736,6 +7635,1812 @@
 </p:sld>
 </file>
 
+<file path=ppt/slides/slide16.xml><?xml version="1.0" encoding="utf-8"?>
+<p:sld xmlns:a="http://schemas.openxmlformats.org/drawingml/2006/main" xmlns:r="http://schemas.openxmlformats.org/officeDocument/2006/relationships" xmlns:p="http://schemas.openxmlformats.org/presentationml/2006/main">
+  <p:cSld>
+    <p:spTree>
+      <p:nvGrpSpPr>
+        <p:cNvPr id="1" name=""/>
+        <p:cNvGrpSpPr/>
+        <p:nvPr/>
+      </p:nvGrpSpPr>
+      <p:grpSpPr>
+        <a:xfrm>
+          <a:off x="0" y="0"/>
+          <a:ext cx="0" cy="0"/>
+          <a:chOff x="0" y="0"/>
+          <a:chExt cx="0" cy="0"/>
+        </a:xfrm>
+      </p:grpSpPr>
+      <p:sp>
+        <p:nvSpPr>
+          <p:cNvPr id="5" name="Title 4">
+            <a:extLst>
+              <a:ext uri="{FF2B5EF4-FFF2-40B4-BE49-F238E27FC236}">
+                <a16:creationId xmlns:a16="http://schemas.microsoft.com/office/drawing/2014/main" id="{64213D2F-A106-3319-AA98-37F0C11F906C}"/>
+              </a:ext>
+            </a:extLst>
+          </p:cNvPr>
+          <p:cNvSpPr>
+            <a:spLocks noGrp="1"/>
+          </p:cNvSpPr>
+          <p:nvPr>
+            <p:ph type="title"/>
+          </p:nvPr>
+        </p:nvSpPr>
+        <p:spPr/>
+        <p:txBody>
+          <a:bodyPr/>
+          <a:lstStyle/>
+          <a:p>
+            <a:r>
+              <a:rPr lang="en-US" dirty="0"/>
+              <a:t>Losses</a:t>
+            </a:r>
+          </a:p>
+        </p:txBody>
+      </p:sp>
+      <p:pic>
+        <p:nvPicPr>
+          <p:cNvPr id="2" name="Picture 2" descr="equation ">
+            <a:extLst>
+              <a:ext uri="{FF2B5EF4-FFF2-40B4-BE49-F238E27FC236}">
+                <a16:creationId xmlns:a16="http://schemas.microsoft.com/office/drawing/2014/main" id="{D68EB52A-CEDB-A34D-1BD3-95211602051B}"/>
+              </a:ext>
+            </a:extLst>
+          </p:cNvPr>
+          <p:cNvPicPr>
+            <a:picLocks noChangeAspect="1" noChangeArrowheads="1"/>
+          </p:cNvPicPr>
+          <p:nvPr/>
+        </p:nvPicPr>
+        <p:blipFill>
+          <a:blip r:embed="rId3">
+            <a:extLst>
+              <a:ext uri="{28A0092B-C50C-407E-A947-70E740481C1C}">
+                <a14:useLocalDpi xmlns:a14="http://schemas.microsoft.com/office/drawing/2010/main" val="0"/>
+              </a:ext>
+            </a:extLst>
+          </a:blip>
+          <a:srcRect/>
+          <a:stretch>
+            <a:fillRect/>
+          </a:stretch>
+        </p:blipFill>
+        <p:spPr bwMode="auto">
+          <a:xfrm>
+            <a:off x="4781550" y="1690688"/>
+            <a:ext cx="2628900" cy="381000"/>
+          </a:xfrm>
+          <a:prstGeom prst="rect">
+            <a:avLst/>
+          </a:prstGeom>
+          <a:noFill/>
+          <a:extLst>
+            <a:ext uri="{909E8E84-426E-40DD-AFC4-6F175D3DCCD1}">
+              <a14:hiddenFill xmlns:a14="http://schemas.microsoft.com/office/drawing/2010/main">
+                <a:solidFill>
+                  <a:srgbClr val="FFFFFF"/>
+                </a:solidFill>
+              </a14:hiddenFill>
+            </a:ext>
+          </a:extLst>
+        </p:spPr>
+      </p:pic>
+      <p:sp>
+        <p:nvSpPr>
+          <p:cNvPr id="7" name="TextBox 6">
+            <a:extLst>
+              <a:ext uri="{FF2B5EF4-FFF2-40B4-BE49-F238E27FC236}">
+                <a16:creationId xmlns:a16="http://schemas.microsoft.com/office/drawing/2014/main" id="{B820A7B5-540A-E866-E1F3-453C80A5D422}"/>
+              </a:ext>
+            </a:extLst>
+          </p:cNvPr>
+          <p:cNvSpPr txBox="1"/>
+          <p:nvPr/>
+        </p:nvSpPr>
+        <p:spPr>
+          <a:xfrm>
+            <a:off x="5229225" y="2092762"/>
+            <a:ext cx="1733550" cy="369332"/>
+          </a:xfrm>
+          <a:prstGeom prst="rect">
+            <a:avLst/>
+          </a:prstGeom>
+          <a:noFill/>
+        </p:spPr>
+        <p:txBody>
+          <a:bodyPr wrap="square">
+            <a:spAutoFit/>
+          </a:bodyPr>
+          <a:lstStyle/>
+          <a:p>
+            <a:r>
+              <a:rPr lang="fr-FR" dirty="0">
+                <a:solidFill>
+                  <a:schemeClr val="bg1"/>
+                </a:solidFill>
+                <a:highlight>
+                  <a:srgbClr val="000000"/>
+                </a:highlight>
+              </a:rPr>
+              <a:t>torch.nn.L1Loss</a:t>
+            </a:r>
+          </a:p>
+        </p:txBody>
+      </p:sp>
+      <p:pic>
+        <p:nvPicPr>
+          <p:cNvPr id="1029" name="Picture 5" descr="equation">
+            <a:extLst>
+              <a:ext uri="{FF2B5EF4-FFF2-40B4-BE49-F238E27FC236}">
+                <a16:creationId xmlns:a16="http://schemas.microsoft.com/office/drawing/2014/main" id="{F44832C7-4007-01E9-3556-01CF36003AE2}"/>
+              </a:ext>
+            </a:extLst>
+          </p:cNvPr>
+          <p:cNvPicPr>
+            <a:picLocks noChangeAspect="1" noChangeArrowheads="1"/>
+          </p:cNvPicPr>
+          <p:nvPr/>
+        </p:nvPicPr>
+        <p:blipFill>
+          <a:blip r:embed="rId4">
+            <a:extLst>
+              <a:ext uri="{28A0092B-C50C-407E-A947-70E740481C1C}">
+                <a14:useLocalDpi xmlns:a14="http://schemas.microsoft.com/office/drawing/2010/main" val="0"/>
+              </a:ext>
+            </a:extLst>
+          </a:blip>
+          <a:srcRect/>
+          <a:stretch>
+            <a:fillRect/>
+          </a:stretch>
+        </p:blipFill>
+        <p:spPr bwMode="auto">
+          <a:xfrm>
+            <a:off x="4810125" y="3025140"/>
+            <a:ext cx="2571750" cy="457200"/>
+          </a:xfrm>
+          <a:prstGeom prst="rect">
+            <a:avLst/>
+          </a:prstGeom>
+          <a:noFill/>
+          <a:extLst>
+            <a:ext uri="{909E8E84-426E-40DD-AFC4-6F175D3DCCD1}">
+              <a14:hiddenFill xmlns:a14="http://schemas.microsoft.com/office/drawing/2010/main">
+                <a:solidFill>
+                  <a:srgbClr val="FFFFFF"/>
+                </a:solidFill>
+              </a14:hiddenFill>
+            </a:ext>
+          </a:extLst>
+        </p:spPr>
+      </p:pic>
+      <p:sp>
+        <p:nvSpPr>
+          <p:cNvPr id="9" name="TextBox 8">
+            <a:extLst>
+              <a:ext uri="{FF2B5EF4-FFF2-40B4-BE49-F238E27FC236}">
+                <a16:creationId xmlns:a16="http://schemas.microsoft.com/office/drawing/2014/main" id="{4BE71FDB-4B68-BE54-C264-9F201199579E}"/>
+              </a:ext>
+            </a:extLst>
+          </p:cNvPr>
+          <p:cNvSpPr txBox="1"/>
+          <p:nvPr/>
+        </p:nvSpPr>
+        <p:spPr>
+          <a:xfrm>
+            <a:off x="3048000" y="3482340"/>
+            <a:ext cx="6096000" cy="369332"/>
+          </a:xfrm>
+          <a:prstGeom prst="rect">
+            <a:avLst/>
+          </a:prstGeom>
+          <a:noFill/>
+        </p:spPr>
+        <p:txBody>
+          <a:bodyPr wrap="square">
+            <a:spAutoFit/>
+          </a:bodyPr>
+          <a:lstStyle/>
+          <a:p>
+            <a:pPr algn="ctr"/>
+            <a:r>
+              <a:rPr lang="fr-FR" dirty="0" err="1">
+                <a:solidFill>
+                  <a:schemeClr val="bg1"/>
+                </a:solidFill>
+                <a:highlight>
+                  <a:srgbClr val="000000"/>
+                </a:highlight>
+              </a:rPr>
+              <a:t>torch.nn.MSELoss</a:t>
+            </a:r>
+            <a:endParaRPr lang="fr-FR" dirty="0">
+              <a:solidFill>
+                <a:schemeClr val="bg1"/>
+              </a:solidFill>
+              <a:highlight>
+                <a:srgbClr val="000000"/>
+              </a:highlight>
+            </a:endParaRPr>
+          </a:p>
+        </p:txBody>
+      </p:sp>
+      <p:sp>
+        <p:nvSpPr>
+          <p:cNvPr id="10" name="TextBox 9">
+            <a:extLst>
+              <a:ext uri="{FF2B5EF4-FFF2-40B4-BE49-F238E27FC236}">
+                <a16:creationId xmlns:a16="http://schemas.microsoft.com/office/drawing/2014/main" id="{4BD0586E-1D11-D41F-03F6-4DA9B2D886BE}"/>
+              </a:ext>
+            </a:extLst>
+          </p:cNvPr>
+          <p:cNvSpPr txBox="1"/>
+          <p:nvPr/>
+        </p:nvSpPr>
+        <p:spPr>
+          <a:xfrm>
+            <a:off x="2170021" y="4705647"/>
+            <a:ext cx="7851958" cy="461665"/>
+          </a:xfrm>
+          <a:prstGeom prst="rect">
+            <a:avLst/>
+          </a:prstGeom>
+          <a:noFill/>
+        </p:spPr>
+        <p:txBody>
+          <a:bodyPr wrap="none" rtlCol="0">
+            <a:spAutoFit/>
+          </a:bodyPr>
+          <a:lstStyle/>
+          <a:p>
+            <a:pPr algn="ctr"/>
+            <a:r>
+              <a:rPr lang="en-US" sz="2400" dirty="0"/>
+              <a:t>In the case of categorical output, what should be considered?</a:t>
+            </a:r>
+            <a:endParaRPr lang="fr-FR" sz="2400" dirty="0"/>
+          </a:p>
+        </p:txBody>
+      </p:sp>
+    </p:spTree>
+    <p:extLst>
+      <p:ext uri="{BB962C8B-B14F-4D97-AF65-F5344CB8AC3E}">
+        <p14:creationId xmlns:p14="http://schemas.microsoft.com/office/powerpoint/2010/main" val="2404773346"/>
+      </p:ext>
+    </p:extLst>
+  </p:cSld>
+  <p:clrMapOvr>
+    <a:masterClrMapping/>
+  </p:clrMapOvr>
+  <mc:AlternateContent xmlns:mc="http://schemas.openxmlformats.org/markup-compatibility/2006">
+    <mc:Choice xmlns:p14="http://schemas.microsoft.com/office/powerpoint/2010/main" Requires="p14">
+      <p:transition spd="med" p14:dur="700">
+        <p:fade/>
+      </p:transition>
+    </mc:Choice>
+    <mc:Fallback>
+      <p:transition spd="med">
+        <p:fade/>
+      </p:transition>
+    </mc:Fallback>
+  </mc:AlternateContent>
+  <p:timing>
+    <p:tnLst>
+      <p:par>
+        <p:cTn id="1" dur="indefinite" restart="never" nodeType="tmRoot">
+          <p:childTnLst>
+            <p:seq concurrent="1" nextAc="seek">
+              <p:cTn id="2" dur="indefinite" nodeType="mainSeq">
+                <p:childTnLst>
+                  <p:par>
+                    <p:cTn id="3" fill="hold">
+                      <p:stCondLst>
+                        <p:cond delay="indefinite"/>
+                      </p:stCondLst>
+                      <p:childTnLst>
+                        <p:par>
+                          <p:cTn id="4" fill="hold">
+                            <p:stCondLst>
+                              <p:cond delay="0"/>
+                            </p:stCondLst>
+                            <p:childTnLst>
+                              <p:par>
+                                <p:cTn id="5" presetID="10" presetClass="entr" presetSubtype="0" fill="hold" nodeType="clickEffect">
+                                  <p:stCondLst>
+                                    <p:cond delay="0"/>
+                                  </p:stCondLst>
+                                  <p:childTnLst>
+                                    <p:set>
+                                      <p:cBhvr>
+                                        <p:cTn id="6" dur="1" fill="hold">
+                                          <p:stCondLst>
+                                            <p:cond delay="0"/>
+                                          </p:stCondLst>
+                                        </p:cTn>
+                                        <p:tgtEl>
+                                          <p:spTgt spid="1029"/>
+                                        </p:tgtEl>
+                                        <p:attrNameLst>
+                                          <p:attrName>style.visibility</p:attrName>
+                                        </p:attrNameLst>
+                                      </p:cBhvr>
+                                      <p:to>
+                                        <p:strVal val="visible"/>
+                                      </p:to>
+                                    </p:set>
+                                    <p:animEffect transition="in" filter="fade">
+                                      <p:cBhvr>
+                                        <p:cTn id="7" dur="500"/>
+                                        <p:tgtEl>
+                                          <p:spTgt spid="1029"/>
+                                        </p:tgtEl>
+                                      </p:cBhvr>
+                                    </p:animEffect>
+                                  </p:childTnLst>
+                                </p:cTn>
+                              </p:par>
+                              <p:par>
+                                <p:cTn id="8" presetID="10" presetClass="entr" presetSubtype="0" fill="hold" grpId="0" nodeType="withEffect">
+                                  <p:stCondLst>
+                                    <p:cond delay="0"/>
+                                  </p:stCondLst>
+                                  <p:childTnLst>
+                                    <p:set>
+                                      <p:cBhvr>
+                                        <p:cTn id="9" dur="1" fill="hold">
+                                          <p:stCondLst>
+                                            <p:cond delay="0"/>
+                                          </p:stCondLst>
+                                        </p:cTn>
+                                        <p:tgtEl>
+                                          <p:spTgt spid="9"/>
+                                        </p:tgtEl>
+                                        <p:attrNameLst>
+                                          <p:attrName>style.visibility</p:attrName>
+                                        </p:attrNameLst>
+                                      </p:cBhvr>
+                                      <p:to>
+                                        <p:strVal val="visible"/>
+                                      </p:to>
+                                    </p:set>
+                                    <p:animEffect transition="in" filter="fade">
+                                      <p:cBhvr>
+                                        <p:cTn id="10" dur="500"/>
+                                        <p:tgtEl>
+                                          <p:spTgt spid="9"/>
+                                        </p:tgtEl>
+                                      </p:cBhvr>
+                                    </p:animEffect>
+                                  </p:childTnLst>
+                                </p:cTn>
+                              </p:par>
+                            </p:childTnLst>
+                          </p:cTn>
+                        </p:par>
+                      </p:childTnLst>
+                    </p:cTn>
+                  </p:par>
+                  <p:par>
+                    <p:cTn id="11" fill="hold">
+                      <p:stCondLst>
+                        <p:cond delay="indefinite"/>
+                      </p:stCondLst>
+                      <p:childTnLst>
+                        <p:par>
+                          <p:cTn id="12" fill="hold">
+                            <p:stCondLst>
+                              <p:cond delay="0"/>
+                            </p:stCondLst>
+                            <p:childTnLst>
+                              <p:par>
+                                <p:cTn id="13" presetID="10" presetClass="entr" presetSubtype="0" fill="hold" grpId="0" nodeType="clickEffect">
+                                  <p:stCondLst>
+                                    <p:cond delay="0"/>
+                                  </p:stCondLst>
+                                  <p:childTnLst>
+                                    <p:set>
+                                      <p:cBhvr>
+                                        <p:cTn id="14" dur="1" fill="hold">
+                                          <p:stCondLst>
+                                            <p:cond delay="0"/>
+                                          </p:stCondLst>
+                                        </p:cTn>
+                                        <p:tgtEl>
+                                          <p:spTgt spid="10"/>
+                                        </p:tgtEl>
+                                        <p:attrNameLst>
+                                          <p:attrName>style.visibility</p:attrName>
+                                        </p:attrNameLst>
+                                      </p:cBhvr>
+                                      <p:to>
+                                        <p:strVal val="visible"/>
+                                      </p:to>
+                                    </p:set>
+                                    <p:animEffect transition="in" filter="fade">
+                                      <p:cBhvr>
+                                        <p:cTn id="15" dur="500"/>
+                                        <p:tgtEl>
+                                          <p:spTgt spid="10"/>
+                                        </p:tgtEl>
+                                      </p:cBhvr>
+                                    </p:animEffect>
+                                  </p:childTnLst>
+                                </p:cTn>
+                              </p:par>
+                            </p:childTnLst>
+                          </p:cTn>
+                        </p:par>
+                      </p:childTnLst>
+                    </p:cTn>
+                  </p:par>
+                </p:childTnLst>
+              </p:cTn>
+              <p:prevCondLst>
+                <p:cond evt="onPrev" delay="0">
+                  <p:tgtEl>
+                    <p:sldTgt/>
+                  </p:tgtEl>
+                </p:cond>
+              </p:prevCondLst>
+              <p:nextCondLst>
+                <p:cond evt="onNext" delay="0">
+                  <p:tgtEl>
+                    <p:sldTgt/>
+                  </p:tgtEl>
+                </p:cond>
+              </p:nextCondLst>
+            </p:seq>
+          </p:childTnLst>
+        </p:cTn>
+      </p:par>
+    </p:tnLst>
+    <p:bldLst>
+      <p:bldP spid="9" grpId="0"/>
+      <p:bldP spid="10" grpId="0"/>
+    </p:bldLst>
+  </p:timing>
+</p:sld>
+</file>
+
+<file path=ppt/slides/slide17.xml><?xml version="1.0" encoding="utf-8"?>
+<p:sld xmlns:a="http://schemas.openxmlformats.org/drawingml/2006/main" xmlns:r="http://schemas.openxmlformats.org/officeDocument/2006/relationships" xmlns:p="http://schemas.openxmlformats.org/presentationml/2006/main">
+  <p:cSld>
+    <p:spTree>
+      <p:nvGrpSpPr>
+        <p:cNvPr id="1" name=""/>
+        <p:cNvGrpSpPr/>
+        <p:nvPr/>
+      </p:nvGrpSpPr>
+      <p:grpSpPr>
+        <a:xfrm>
+          <a:off x="0" y="0"/>
+          <a:ext cx="0" cy="0"/>
+          <a:chOff x="0" y="0"/>
+          <a:chExt cx="0" cy="0"/>
+        </a:xfrm>
+      </p:grpSpPr>
+      <p:sp>
+        <p:nvSpPr>
+          <p:cNvPr id="5" name="Title 4">
+            <a:extLst>
+              <a:ext uri="{FF2B5EF4-FFF2-40B4-BE49-F238E27FC236}">
+                <a16:creationId xmlns:a16="http://schemas.microsoft.com/office/drawing/2014/main" id="{64213D2F-A106-3319-AA98-37F0C11F906C}"/>
+              </a:ext>
+            </a:extLst>
+          </p:cNvPr>
+          <p:cNvSpPr>
+            <a:spLocks noGrp="1"/>
+          </p:cNvSpPr>
+          <p:nvPr>
+            <p:ph type="title"/>
+          </p:nvPr>
+        </p:nvSpPr>
+        <p:spPr/>
+        <p:txBody>
+          <a:bodyPr/>
+          <a:lstStyle/>
+          <a:p>
+            <a:r>
+              <a:rPr lang="en-US" dirty="0"/>
+              <a:t>Losses</a:t>
+            </a:r>
+          </a:p>
+        </p:txBody>
+      </p:sp>
+      <p:pic>
+        <p:nvPicPr>
+          <p:cNvPr id="4" name="Picture 3">
+            <a:extLst>
+              <a:ext uri="{FF2B5EF4-FFF2-40B4-BE49-F238E27FC236}">
+                <a16:creationId xmlns:a16="http://schemas.microsoft.com/office/drawing/2014/main" id="{0E375790-08E1-063C-5C75-3082B3BB17C5}"/>
+              </a:ext>
+            </a:extLst>
+          </p:cNvPr>
+          <p:cNvPicPr>
+            <a:picLocks noChangeAspect="1"/>
+          </p:cNvPicPr>
+          <p:nvPr/>
+        </p:nvPicPr>
+        <p:blipFill>
+          <a:blip r:embed="rId3"/>
+          <a:stretch>
+            <a:fillRect/>
+          </a:stretch>
+        </p:blipFill>
+        <p:spPr>
+          <a:xfrm>
+            <a:off x="2712309" y="1690688"/>
+            <a:ext cx="6767382" cy="2712863"/>
+          </a:xfrm>
+          <a:prstGeom prst="rect">
+            <a:avLst/>
+          </a:prstGeom>
+        </p:spPr>
+      </p:pic>
+      <p:sp>
+        <p:nvSpPr>
+          <p:cNvPr id="6" name="TextBox 5">
+            <a:extLst>
+              <a:ext uri="{FF2B5EF4-FFF2-40B4-BE49-F238E27FC236}">
+                <a16:creationId xmlns:a16="http://schemas.microsoft.com/office/drawing/2014/main" id="{7536C4E8-E674-EE2E-F4C4-F6C8FCE59DF2}"/>
+              </a:ext>
+            </a:extLst>
+          </p:cNvPr>
+          <p:cNvSpPr txBox="1"/>
+          <p:nvPr/>
+        </p:nvSpPr>
+        <p:spPr>
+          <a:xfrm>
+            <a:off x="2680866" y="4528785"/>
+            <a:ext cx="6988965" cy="1200329"/>
+          </a:xfrm>
+          <a:prstGeom prst="rect">
+            <a:avLst/>
+          </a:prstGeom>
+          <a:noFill/>
+        </p:spPr>
+        <p:txBody>
+          <a:bodyPr wrap="none" rtlCol="0">
+            <a:spAutoFit/>
+          </a:bodyPr>
+          <a:lstStyle/>
+          <a:p>
+            <a:r>
+              <a:rPr lang="en-GB" sz="2400" dirty="0"/>
+              <a:t>- </a:t>
+            </a:r>
+            <a:r>
+              <a:rPr lang="en-GB" sz="2400" b="1" dirty="0"/>
+              <a:t>i:</a:t>
+            </a:r>
+            <a:r>
+              <a:rPr lang="en-GB" sz="2400" dirty="0"/>
+              <a:t> input</a:t>
+            </a:r>
+          </a:p>
+          <a:p>
+            <a:r>
+              <a:rPr lang="en-GB" sz="2400" dirty="0"/>
+              <a:t>- </a:t>
+            </a:r>
+            <a:r>
+              <a:rPr lang="en-GB" sz="2400" b="1" dirty="0"/>
+              <a:t>P*:</a:t>
+            </a:r>
+            <a:r>
+              <a:rPr lang="en-GB" sz="2400" dirty="0"/>
+              <a:t> true probability (P*(</a:t>
+            </a:r>
+            <a:r>
+              <a:rPr lang="en-GB" sz="2400" dirty="0" err="1"/>
+              <a:t>i</a:t>
+            </a:r>
+            <a:r>
+              <a:rPr lang="en-GB" sz="2400" dirty="0"/>
+              <a:t>) is either going to be 0 or 1)</a:t>
+            </a:r>
+          </a:p>
+          <a:p>
+            <a:r>
+              <a:rPr lang="en-GB" sz="2400" dirty="0"/>
+              <a:t>- </a:t>
+            </a:r>
+            <a:r>
+              <a:rPr lang="en-GB" sz="2400" b="1" dirty="0"/>
+              <a:t>P:</a:t>
+            </a:r>
+            <a:r>
+              <a:rPr lang="en-GB" sz="2400" dirty="0"/>
+              <a:t> predicted probability</a:t>
+            </a:r>
+          </a:p>
+        </p:txBody>
+      </p:sp>
+    </p:spTree>
+    <p:extLst>
+      <p:ext uri="{BB962C8B-B14F-4D97-AF65-F5344CB8AC3E}">
+        <p14:creationId xmlns:p14="http://schemas.microsoft.com/office/powerpoint/2010/main" val="1672771701"/>
+      </p:ext>
+    </p:extLst>
+  </p:cSld>
+  <p:clrMapOvr>
+    <a:masterClrMapping/>
+  </p:clrMapOvr>
+  <mc:AlternateContent xmlns:mc="http://schemas.openxmlformats.org/markup-compatibility/2006">
+    <mc:Choice xmlns:p14="http://schemas.microsoft.com/office/powerpoint/2010/main" Requires="p14">
+      <p:transition spd="med" p14:dur="700">
+        <p:fade/>
+      </p:transition>
+    </mc:Choice>
+    <mc:Fallback>
+      <p:transition spd="med">
+        <p:fade/>
+      </p:transition>
+    </mc:Fallback>
+  </mc:AlternateContent>
+</p:sld>
+</file>
+
+<file path=ppt/slides/slide18.xml><?xml version="1.0" encoding="utf-8"?>
+<p:sld xmlns:a="http://schemas.openxmlformats.org/drawingml/2006/main" xmlns:r="http://schemas.openxmlformats.org/officeDocument/2006/relationships" xmlns:p="http://schemas.openxmlformats.org/presentationml/2006/main">
+  <p:cSld>
+    <p:spTree>
+      <p:nvGrpSpPr>
+        <p:cNvPr id="1" name=""/>
+        <p:cNvGrpSpPr/>
+        <p:nvPr/>
+      </p:nvGrpSpPr>
+      <p:grpSpPr>
+        <a:xfrm>
+          <a:off x="0" y="0"/>
+          <a:ext cx="0" cy="0"/>
+          <a:chOff x="0" y="0"/>
+          <a:chExt cx="0" cy="0"/>
+        </a:xfrm>
+      </p:grpSpPr>
+      <p:sp>
+        <p:nvSpPr>
+          <p:cNvPr id="5" name="Title 4">
+            <a:extLst>
+              <a:ext uri="{FF2B5EF4-FFF2-40B4-BE49-F238E27FC236}">
+                <a16:creationId xmlns:a16="http://schemas.microsoft.com/office/drawing/2014/main" id="{64213D2F-A106-3319-AA98-37F0C11F906C}"/>
+              </a:ext>
+            </a:extLst>
+          </p:cNvPr>
+          <p:cNvSpPr>
+            <a:spLocks noGrp="1"/>
+          </p:cNvSpPr>
+          <p:nvPr>
+            <p:ph type="title"/>
+          </p:nvPr>
+        </p:nvSpPr>
+        <p:spPr/>
+        <p:txBody>
+          <a:bodyPr/>
+          <a:lstStyle/>
+          <a:p>
+            <a:r>
+              <a:rPr lang="en-US" dirty="0"/>
+              <a:t>Losses</a:t>
+            </a:r>
+          </a:p>
+        </p:txBody>
+      </p:sp>
+      <p:sp>
+        <p:nvSpPr>
+          <p:cNvPr id="7" name="TextBox 6">
+            <a:extLst>
+              <a:ext uri="{FF2B5EF4-FFF2-40B4-BE49-F238E27FC236}">
+                <a16:creationId xmlns:a16="http://schemas.microsoft.com/office/drawing/2014/main" id="{B820A7B5-540A-E866-E1F3-453C80A5D422}"/>
+              </a:ext>
+            </a:extLst>
+          </p:cNvPr>
+          <p:cNvSpPr txBox="1"/>
+          <p:nvPr/>
+        </p:nvSpPr>
+        <p:spPr>
+          <a:xfrm>
+            <a:off x="5201601" y="5936558"/>
+            <a:ext cx="1788795" cy="369332"/>
+          </a:xfrm>
+          <a:prstGeom prst="rect">
+            <a:avLst/>
+          </a:prstGeom>
+          <a:noFill/>
+        </p:spPr>
+        <p:txBody>
+          <a:bodyPr wrap="square">
+            <a:spAutoFit/>
+          </a:bodyPr>
+          <a:lstStyle/>
+          <a:p>
+            <a:r>
+              <a:rPr lang="fr-FR" dirty="0" err="1">
+                <a:solidFill>
+                  <a:schemeClr val="bg1"/>
+                </a:solidFill>
+                <a:highlight>
+                  <a:srgbClr val="000000"/>
+                </a:highlight>
+              </a:rPr>
+              <a:t>torch.nn.NLLLoss</a:t>
+            </a:r>
+            <a:endParaRPr lang="fr-FR" dirty="0">
+              <a:solidFill>
+                <a:schemeClr val="bg1"/>
+              </a:solidFill>
+              <a:highlight>
+                <a:srgbClr val="000000"/>
+              </a:highlight>
+            </a:endParaRPr>
+          </a:p>
+        </p:txBody>
+      </p:sp>
+      <p:pic>
+        <p:nvPicPr>
+          <p:cNvPr id="8" name="Picture 7">
+            <a:extLst>
+              <a:ext uri="{FF2B5EF4-FFF2-40B4-BE49-F238E27FC236}">
+                <a16:creationId xmlns:a16="http://schemas.microsoft.com/office/drawing/2014/main" id="{07AE5D7C-10EA-D99B-20C6-B8507F587AE8}"/>
+              </a:ext>
+            </a:extLst>
+          </p:cNvPr>
+          <p:cNvPicPr>
+            <a:picLocks noChangeAspect="1"/>
+          </p:cNvPicPr>
+          <p:nvPr/>
+        </p:nvPicPr>
+        <p:blipFill>
+          <a:blip r:embed="rId3"/>
+          <a:stretch>
+            <a:fillRect/>
+          </a:stretch>
+        </p:blipFill>
+        <p:spPr>
+          <a:xfrm>
+            <a:off x="5029145" y="1502182"/>
+            <a:ext cx="2133710" cy="590580"/>
+          </a:xfrm>
+          <a:prstGeom prst="rect">
+            <a:avLst/>
+          </a:prstGeom>
+        </p:spPr>
+      </p:pic>
+      <mc:AlternateContent xmlns:mc="http://schemas.openxmlformats.org/markup-compatibility/2006">
+        <mc:Choice xmlns:a14="http://schemas.microsoft.com/office/drawing/2010/main" Requires="a14">
+          <p:sp>
+            <p:nvSpPr>
+              <p:cNvPr id="11" name="TextBox 10">
+                <a:extLst>
+                  <a:ext uri="{FF2B5EF4-FFF2-40B4-BE49-F238E27FC236}">
+                    <a16:creationId xmlns:a16="http://schemas.microsoft.com/office/drawing/2014/main" id="{FCC075F3-CCA7-BE86-8213-73C16D81926C}"/>
+                  </a:ext>
+                </a:extLst>
+              </p:cNvPr>
+              <p:cNvSpPr txBox="1"/>
+              <p:nvPr/>
+            </p:nvSpPr>
+            <p:spPr>
+              <a:xfrm>
+                <a:off x="2397281" y="2092762"/>
+                <a:ext cx="8395696" cy="1527726"/>
+              </a:xfrm>
+              <a:prstGeom prst="rect">
+                <a:avLst/>
+              </a:prstGeom>
+              <a:noFill/>
+            </p:spPr>
+            <p:txBody>
+              <a:bodyPr wrap="none" rtlCol="0">
+                <a:spAutoFit/>
+              </a:bodyPr>
+              <a:lstStyle/>
+              <a:p>
+                <a:r>
+                  <a:rPr lang="fr-FR" b="0" dirty="0"/>
+                  <a:t>- </a:t>
+                </a:r>
+                <a14:m>
+                  <m:oMath xmlns:m="http://schemas.openxmlformats.org/officeDocument/2006/math">
+                    <m:r>
+                      <a:rPr lang="fr-FR" b="0" i="1" smtClean="0">
+                        <a:latin typeface="Cambria Math" panose="02040503050406030204" pitchFamily="18" charset="0"/>
+                      </a:rPr>
+                      <m:t>𝑛</m:t>
+                    </m:r>
+                    <m:r>
+                      <a:rPr lang="fr-FR" b="0" i="1" smtClean="0">
+                        <a:latin typeface="Cambria Math" panose="02040503050406030204" pitchFamily="18" charset="0"/>
+                      </a:rPr>
+                      <m:t>∈</m:t>
+                    </m:r>
+                    <m:r>
+                      <a:rPr lang="fr-FR" b="0" i="1" smtClean="0">
+                        <a:latin typeface="Cambria Math" panose="02040503050406030204" pitchFamily="18" charset="0"/>
+                        <a:ea typeface="Cambria Math" panose="02040503050406030204" pitchFamily="18" charset="0"/>
+                      </a:rPr>
+                      <m:t>ℕ</m:t>
+                    </m:r>
+                  </m:oMath>
+                </a14:m>
+                <a:r>
+                  <a:rPr lang="fr-FR" dirty="0"/>
+                  <a:t> the </a:t>
+                </a:r>
+                <a14:m>
+                  <m:oMath xmlns:m="http://schemas.openxmlformats.org/officeDocument/2006/math">
+                    <m:r>
+                      <a:rPr lang="fr-FR" b="0" i="1" smtClean="0">
+                        <a:latin typeface="Cambria Math" panose="02040503050406030204" pitchFamily="18" charset="0"/>
+                      </a:rPr>
+                      <m:t>𝑛</m:t>
+                    </m:r>
+                    <m:r>
+                      <m:rPr>
+                        <m:sty m:val="p"/>
+                      </m:rPr>
+                      <a:rPr lang="fr-FR" b="0" i="0" baseline="30000" smtClean="0">
+                        <a:latin typeface="Cambria Math" panose="02040503050406030204" pitchFamily="18" charset="0"/>
+                      </a:rPr>
+                      <m:t>nth</m:t>
+                    </m:r>
+                  </m:oMath>
+                </a14:m>
+                <a:r>
+                  <a:rPr lang="fr-FR" dirty="0"/>
+                  <a:t> </a:t>
+                </a:r>
+                <a:r>
+                  <a:rPr lang="fr-FR" dirty="0" err="1"/>
+                  <a:t>element</a:t>
+                </a:r>
+                <a:r>
+                  <a:rPr lang="fr-FR" dirty="0"/>
+                  <a:t> of the </a:t>
+                </a:r>
+                <a:r>
+                  <a:rPr lang="fr-FR" dirty="0" err="1"/>
+                  <a:t>current</a:t>
+                </a:r>
+                <a:r>
+                  <a:rPr lang="fr-FR" dirty="0"/>
+                  <a:t> batch</a:t>
+                </a:r>
+              </a:p>
+              <a:p>
+                <a:r>
+                  <a:rPr lang="fr-FR" b="0" dirty="0"/>
+                  <a:t>- </a:t>
+                </a:r>
+                <a14:m>
+                  <m:oMath xmlns:m="http://schemas.openxmlformats.org/officeDocument/2006/math">
+                    <m:sSub>
+                      <m:sSubPr>
+                        <m:ctrlPr>
+                          <a:rPr lang="fr-FR" b="0" i="1" smtClean="0">
+                            <a:latin typeface="Cambria Math" panose="02040503050406030204" pitchFamily="18" charset="0"/>
+                          </a:rPr>
+                        </m:ctrlPr>
+                      </m:sSubPr>
+                      <m:e>
+                        <m:r>
+                          <a:rPr lang="fr-FR" b="0" i="1" smtClean="0">
+                            <a:latin typeface="Cambria Math" panose="02040503050406030204" pitchFamily="18" charset="0"/>
+                          </a:rPr>
+                          <m:t>𝑤</m:t>
+                        </m:r>
+                      </m:e>
+                      <m:sub>
+                        <m:sSub>
+                          <m:sSubPr>
+                            <m:ctrlPr>
+                              <a:rPr lang="fr-FR" b="0" i="1" smtClean="0">
+                                <a:latin typeface="Cambria Math" panose="02040503050406030204" pitchFamily="18" charset="0"/>
+                              </a:rPr>
+                            </m:ctrlPr>
+                          </m:sSubPr>
+                          <m:e>
+                            <m:r>
+                              <a:rPr lang="fr-FR" b="0" i="1" smtClean="0">
+                                <a:latin typeface="Cambria Math" panose="02040503050406030204" pitchFamily="18" charset="0"/>
+                              </a:rPr>
+                              <m:t>𝑦</m:t>
+                            </m:r>
+                          </m:e>
+                          <m:sub>
+                            <m:r>
+                              <a:rPr lang="fr-FR" b="0" i="1" smtClean="0">
+                                <a:latin typeface="Cambria Math" panose="02040503050406030204" pitchFamily="18" charset="0"/>
+                              </a:rPr>
+                              <m:t>𝑛</m:t>
+                            </m:r>
+                          </m:sub>
+                        </m:sSub>
+                      </m:sub>
+                    </m:sSub>
+                  </m:oMath>
+                </a14:m>
+                <a:r>
+                  <a:rPr lang="fr-FR" dirty="0"/>
+                  <a:t> a </a:t>
+                </a:r>
+                <a:r>
+                  <a:rPr lang="fr-FR" dirty="0" err="1"/>
+                  <a:t>weight</a:t>
+                </a:r>
+                <a:r>
+                  <a:rPr lang="fr-FR" dirty="0"/>
+                  <a:t> in case </a:t>
+                </a:r>
+                <a:r>
+                  <a:rPr lang="fr-FR" dirty="0" err="1"/>
+                  <a:t>some</a:t>
+                </a:r>
+                <a:r>
+                  <a:rPr lang="fr-FR" dirty="0"/>
+                  <a:t> classes have more importance </a:t>
+                </a:r>
+                <a:r>
+                  <a:rPr lang="fr-FR" dirty="0" err="1"/>
+                  <a:t>than</a:t>
+                </a:r>
+                <a:r>
+                  <a:rPr lang="fr-FR" dirty="0"/>
+                  <a:t> </a:t>
+                </a:r>
+                <a:r>
+                  <a:rPr lang="fr-FR" dirty="0" err="1"/>
+                  <a:t>other</a:t>
+                </a:r>
+                <a:r>
+                  <a:rPr lang="fr-FR" dirty="0"/>
+                  <a:t>. P</a:t>
+                </a:r>
+                <a:r>
+                  <a:rPr lang="en-US" dirty="0" err="1"/>
+                  <a:t>articularly</a:t>
+                </a:r>
+                <a:r>
+                  <a:rPr lang="en-US" dirty="0"/>
+                  <a:t> </a:t>
+                </a:r>
+              </a:p>
+              <a:p>
+                <a:r>
+                  <a:rPr lang="en-US" dirty="0"/>
+                  <a:t>useful when you have an unbalanced training set (… later lectures ...)</a:t>
+                </a:r>
+              </a:p>
+              <a:p>
+                <a:r>
+                  <a:rPr lang="fr-FR" b="0" dirty="0"/>
+                  <a:t>- </a:t>
+                </a:r>
+                <a14:m>
+                  <m:oMath xmlns:m="http://schemas.openxmlformats.org/officeDocument/2006/math">
+                    <m:sSub>
+                      <m:sSubPr>
+                        <m:ctrlPr>
+                          <a:rPr lang="fr-FR" b="0" i="1" smtClean="0">
+                            <a:latin typeface="Cambria Math" panose="02040503050406030204" pitchFamily="18" charset="0"/>
+                          </a:rPr>
+                        </m:ctrlPr>
+                      </m:sSubPr>
+                      <m:e>
+                        <m:r>
+                          <a:rPr lang="fr-FR" b="0" i="1" smtClean="0">
+                            <a:latin typeface="Cambria Math" panose="02040503050406030204" pitchFamily="18" charset="0"/>
+                          </a:rPr>
+                          <m:t>𝑥</m:t>
+                        </m:r>
+                      </m:e>
+                      <m:sub>
+                        <m:r>
+                          <a:rPr lang="fr-FR" b="0" i="1" smtClean="0">
+                            <a:latin typeface="Cambria Math" panose="02040503050406030204" pitchFamily="18" charset="0"/>
+                          </a:rPr>
+                          <m:t>𝑛</m:t>
+                        </m:r>
+                        <m:r>
+                          <a:rPr lang="fr-FR" b="0" i="1" smtClean="0">
+                            <a:latin typeface="Cambria Math" panose="02040503050406030204" pitchFamily="18" charset="0"/>
+                          </a:rPr>
+                          <m:t>, </m:t>
+                        </m:r>
+                        <m:sSub>
+                          <m:sSubPr>
+                            <m:ctrlPr>
+                              <a:rPr lang="fr-FR" b="0" i="1" smtClean="0">
+                                <a:latin typeface="Cambria Math" panose="02040503050406030204" pitchFamily="18" charset="0"/>
+                              </a:rPr>
+                            </m:ctrlPr>
+                          </m:sSubPr>
+                          <m:e>
+                            <m:r>
+                              <a:rPr lang="fr-FR" b="0" i="1" smtClean="0">
+                                <a:latin typeface="Cambria Math" panose="02040503050406030204" pitchFamily="18" charset="0"/>
+                              </a:rPr>
+                              <m:t>𝑦</m:t>
+                            </m:r>
+                          </m:e>
+                          <m:sub>
+                            <m:r>
+                              <a:rPr lang="fr-FR" b="0" i="1" smtClean="0">
+                                <a:latin typeface="Cambria Math" panose="02040503050406030204" pitchFamily="18" charset="0"/>
+                              </a:rPr>
+                              <m:t>𝑛</m:t>
+                            </m:r>
+                          </m:sub>
+                        </m:sSub>
+                      </m:sub>
+                    </m:sSub>
+                  </m:oMath>
+                </a14:m>
+                <a:r>
+                  <a:rPr lang="fr-FR" dirty="0"/>
+                  <a:t> the log-</a:t>
+                </a:r>
+                <a:r>
+                  <a:rPr lang="fr-FR" dirty="0" err="1"/>
+                  <a:t>probabilities</a:t>
+                </a:r>
+                <a:r>
+                  <a:rPr lang="fr-FR" dirty="0"/>
+                  <a:t> of the </a:t>
+                </a:r>
+                <a:r>
+                  <a:rPr lang="fr-FR" dirty="0" err="1"/>
+                  <a:t>predicted</a:t>
+                </a:r>
+                <a:r>
+                  <a:rPr lang="fr-FR" dirty="0"/>
+                  <a:t> value of the class y. </a:t>
+                </a:r>
+                <a:r>
+                  <a:rPr lang="fr-FR" b="1" dirty="0"/>
+                  <a:t>No log </a:t>
+                </a:r>
+                <a:r>
+                  <a:rPr lang="fr-FR" b="1" dirty="0" err="1"/>
+                  <a:t>because</a:t>
+                </a:r>
+                <a:r>
+                  <a:rPr lang="fr-FR" b="1" dirty="0"/>
+                  <a:t> if </a:t>
+                </a:r>
+                <a:r>
+                  <a:rPr lang="fr-FR" b="1" dirty="0" err="1"/>
+                  <a:t>we</a:t>
+                </a:r>
+                <a:r>
+                  <a:rPr lang="fr-FR" b="1" dirty="0"/>
+                  <a:t> </a:t>
+                </a:r>
+              </a:p>
+              <a:p>
+                <a:r>
+                  <a:rPr lang="fr-FR" b="1" dirty="0"/>
+                  <a:t>use </a:t>
+                </a:r>
+                <a:r>
+                  <a:rPr lang="fr-FR" b="1" dirty="0" err="1"/>
+                  <a:t>NLLLoss</a:t>
+                </a:r>
+                <a:r>
+                  <a:rPr lang="fr-FR" b="1" dirty="0"/>
+                  <a:t>, </a:t>
+                </a:r>
+                <a:r>
+                  <a:rPr lang="fr-FR" b="1" dirty="0" err="1"/>
+                  <a:t>there</a:t>
+                </a:r>
+                <a:r>
+                  <a:rPr lang="fr-FR" b="1" dirty="0"/>
+                  <a:t> has to </a:t>
+                </a:r>
+                <a:r>
+                  <a:rPr lang="fr-FR" b="1" dirty="0" err="1"/>
+                  <a:t>be</a:t>
+                </a:r>
+                <a:r>
+                  <a:rPr lang="fr-FR" b="1" dirty="0"/>
+                  <a:t> </a:t>
+                </a:r>
+                <a:r>
+                  <a:rPr lang="en-US" b="1" i="1" dirty="0" err="1">
+                    <a:solidFill>
+                      <a:srgbClr val="262626"/>
+                    </a:solidFill>
+                    <a:effectLst/>
+                    <a:latin typeface="FreightSans"/>
+                  </a:rPr>
+                  <a:t>LogSoftmax</a:t>
+                </a:r>
+                <a:r>
+                  <a:rPr lang="en-US" b="1" i="0" dirty="0">
+                    <a:solidFill>
+                      <a:srgbClr val="262626"/>
+                    </a:solidFill>
+                    <a:effectLst/>
+                    <a:latin typeface="FreightSans"/>
+                  </a:rPr>
+                  <a:t> layer in the last layer of your network.</a:t>
+                </a:r>
+                <a:endParaRPr lang="fr-FR" b="1" dirty="0"/>
+              </a:p>
+            </p:txBody>
+          </p:sp>
+        </mc:Choice>
+        <mc:Fallback>
+          <p:sp>
+            <p:nvSpPr>
+              <p:cNvPr id="11" name="TextBox 10">
+                <a:extLst>
+                  <a:ext uri="{FF2B5EF4-FFF2-40B4-BE49-F238E27FC236}">
+                    <a16:creationId xmlns:a16="http://schemas.microsoft.com/office/drawing/2014/main" id="{FCC075F3-CCA7-BE86-8213-73C16D81926C}"/>
+                  </a:ext>
+                </a:extLst>
+              </p:cNvPr>
+              <p:cNvSpPr txBox="1">
+                <a:spLocks noRot="1" noChangeAspect="1" noMove="1" noResize="1" noEditPoints="1" noAdjustHandles="1" noChangeArrowheads="1" noChangeShapeType="1" noTextEdit="1"/>
+              </p:cNvSpPr>
+              <p:nvPr/>
+            </p:nvSpPr>
+            <p:spPr>
+              <a:xfrm>
+                <a:off x="2397281" y="2092762"/>
+                <a:ext cx="8395696" cy="1527726"/>
+              </a:xfrm>
+              <a:prstGeom prst="rect">
+                <a:avLst/>
+              </a:prstGeom>
+              <a:blipFill>
+                <a:blip r:embed="rId4"/>
+                <a:stretch>
+                  <a:fillRect l="-581" t="-1992" b="-5179"/>
+                </a:stretch>
+              </a:blipFill>
+            </p:spPr>
+            <p:txBody>
+              <a:bodyPr/>
+              <a:lstStyle/>
+              <a:p>
+                <a:r>
+                  <a:rPr lang="fr-FR">
+                    <a:noFill/>
+                  </a:rPr>
+                  <a:t> </a:t>
+                </a:r>
+              </a:p>
+            </p:txBody>
+          </p:sp>
+        </mc:Fallback>
+      </mc:AlternateContent>
+      <p:pic>
+        <p:nvPicPr>
+          <p:cNvPr id="13" name="Picture 12">
+            <a:extLst>
+              <a:ext uri="{FF2B5EF4-FFF2-40B4-BE49-F238E27FC236}">
+                <a16:creationId xmlns:a16="http://schemas.microsoft.com/office/drawing/2014/main" id="{8F04CC6F-6170-26EA-BD8C-E8D2A833C12E}"/>
+              </a:ext>
+            </a:extLst>
+          </p:cNvPr>
+          <p:cNvPicPr>
+            <a:picLocks noChangeAspect="1"/>
+          </p:cNvPicPr>
+          <p:nvPr/>
+        </p:nvPicPr>
+        <p:blipFill>
+          <a:blip r:embed="rId5"/>
+          <a:stretch>
+            <a:fillRect/>
+          </a:stretch>
+        </p:blipFill>
+        <p:spPr>
+          <a:xfrm>
+            <a:off x="2266752" y="4441546"/>
+            <a:ext cx="7658494" cy="1251014"/>
+          </a:xfrm>
+          <a:prstGeom prst="rect">
+            <a:avLst/>
+          </a:prstGeom>
+        </p:spPr>
+      </p:pic>
+      <p:sp>
+        <p:nvSpPr>
+          <p:cNvPr id="16" name="TextBox 15">
+            <a:extLst>
+              <a:ext uri="{FF2B5EF4-FFF2-40B4-BE49-F238E27FC236}">
+                <a16:creationId xmlns:a16="http://schemas.microsoft.com/office/drawing/2014/main" id="{2876B192-0B3E-1E7E-585C-9C406DEC9D3A}"/>
+              </a:ext>
+            </a:extLst>
+          </p:cNvPr>
+          <p:cNvSpPr txBox="1"/>
+          <p:nvPr/>
+        </p:nvSpPr>
+        <p:spPr>
+          <a:xfrm>
+            <a:off x="2397281" y="4196722"/>
+            <a:ext cx="6096000" cy="369332"/>
+          </a:xfrm>
+          <a:prstGeom prst="rect">
+            <a:avLst/>
+          </a:prstGeom>
+          <a:noFill/>
+        </p:spPr>
+        <p:txBody>
+          <a:bodyPr wrap="square">
+            <a:spAutoFit/>
+          </a:bodyPr>
+          <a:lstStyle/>
+          <a:p>
+            <a:r>
+              <a:rPr lang="fr-FR" dirty="0"/>
+              <a:t>And </a:t>
+            </a:r>
+            <a:r>
+              <a:rPr lang="fr-FR" dirty="0" err="1"/>
+              <a:t>then</a:t>
+            </a:r>
+            <a:r>
+              <a:rPr lang="fr-FR" dirty="0"/>
+              <a:t> </a:t>
+            </a:r>
+            <a:r>
+              <a:rPr lang="fr-FR" dirty="0" err="1"/>
+              <a:t>we</a:t>
+            </a:r>
+            <a:r>
+              <a:rPr lang="fr-FR" dirty="0"/>
+              <a:t> </a:t>
+            </a:r>
+            <a:r>
+              <a:rPr lang="fr-FR" dirty="0" err="1"/>
+              <a:t>sum</a:t>
+            </a:r>
+            <a:r>
+              <a:rPr lang="fr-FR" dirty="0"/>
+              <a:t> / </a:t>
+            </a:r>
+            <a:r>
+              <a:rPr lang="fr-FR" dirty="0" err="1"/>
+              <a:t>mean</a:t>
+            </a:r>
+            <a:r>
+              <a:rPr lang="fr-FR" dirty="0"/>
+              <a:t> </a:t>
+            </a:r>
+            <a:r>
+              <a:rPr lang="fr-FR" dirty="0" err="1"/>
+              <a:t>across</a:t>
+            </a:r>
+            <a:r>
+              <a:rPr lang="fr-FR" dirty="0"/>
+              <a:t> the batch :</a:t>
+            </a:r>
+          </a:p>
+        </p:txBody>
+      </p:sp>
+    </p:spTree>
+    <p:extLst>
+      <p:ext uri="{BB962C8B-B14F-4D97-AF65-F5344CB8AC3E}">
+        <p14:creationId xmlns:p14="http://schemas.microsoft.com/office/powerpoint/2010/main" val="1448940982"/>
+      </p:ext>
+    </p:extLst>
+  </p:cSld>
+  <p:clrMapOvr>
+    <a:masterClrMapping/>
+  </p:clrMapOvr>
+  <mc:AlternateContent xmlns:mc="http://schemas.openxmlformats.org/markup-compatibility/2006">
+    <mc:Choice xmlns:p14="http://schemas.microsoft.com/office/powerpoint/2010/main" Requires="p14">
+      <p:transition spd="med" p14:dur="700">
+        <p:fade/>
+      </p:transition>
+    </mc:Choice>
+    <mc:Fallback>
+      <p:transition spd="med">
+        <p:fade/>
+      </p:transition>
+    </mc:Fallback>
+  </mc:AlternateContent>
+  <p:timing>
+    <p:tnLst>
+      <p:par>
+        <p:cTn id="1" dur="indefinite" restart="never" nodeType="tmRoot">
+          <p:childTnLst>
+            <p:seq concurrent="1" nextAc="seek">
+              <p:cTn id="2" dur="indefinite" nodeType="mainSeq">
+                <p:childTnLst>
+                  <p:par>
+                    <p:cTn id="3" fill="hold">
+                      <p:stCondLst>
+                        <p:cond delay="indefinite"/>
+                      </p:stCondLst>
+                      <p:childTnLst>
+                        <p:par>
+                          <p:cTn id="4" fill="hold">
+                            <p:stCondLst>
+                              <p:cond delay="0"/>
+                            </p:stCondLst>
+                            <p:childTnLst>
+                              <p:par>
+                                <p:cTn id="5" presetID="10" presetClass="entr" presetSubtype="0" fill="hold" nodeType="clickEffect">
+                                  <p:stCondLst>
+                                    <p:cond delay="0"/>
+                                  </p:stCondLst>
+                                  <p:childTnLst>
+                                    <p:set>
+                                      <p:cBhvr>
+                                        <p:cTn id="6" dur="1" fill="hold">
+                                          <p:stCondLst>
+                                            <p:cond delay="0"/>
+                                          </p:stCondLst>
+                                        </p:cTn>
+                                        <p:tgtEl>
+                                          <p:spTgt spid="13"/>
+                                        </p:tgtEl>
+                                        <p:attrNameLst>
+                                          <p:attrName>style.visibility</p:attrName>
+                                        </p:attrNameLst>
+                                      </p:cBhvr>
+                                      <p:to>
+                                        <p:strVal val="visible"/>
+                                      </p:to>
+                                    </p:set>
+                                    <p:animEffect transition="in" filter="fade">
+                                      <p:cBhvr>
+                                        <p:cTn id="7" dur="500"/>
+                                        <p:tgtEl>
+                                          <p:spTgt spid="13"/>
+                                        </p:tgtEl>
+                                      </p:cBhvr>
+                                    </p:animEffect>
+                                  </p:childTnLst>
+                                </p:cTn>
+                              </p:par>
+                              <p:par>
+                                <p:cTn id="8" presetID="10" presetClass="entr" presetSubtype="0" fill="hold" grpId="0" nodeType="withEffect">
+                                  <p:stCondLst>
+                                    <p:cond delay="0"/>
+                                  </p:stCondLst>
+                                  <p:childTnLst>
+                                    <p:set>
+                                      <p:cBhvr>
+                                        <p:cTn id="9" dur="1" fill="hold">
+                                          <p:stCondLst>
+                                            <p:cond delay="0"/>
+                                          </p:stCondLst>
+                                        </p:cTn>
+                                        <p:tgtEl>
+                                          <p:spTgt spid="16"/>
+                                        </p:tgtEl>
+                                        <p:attrNameLst>
+                                          <p:attrName>style.visibility</p:attrName>
+                                        </p:attrNameLst>
+                                      </p:cBhvr>
+                                      <p:to>
+                                        <p:strVal val="visible"/>
+                                      </p:to>
+                                    </p:set>
+                                    <p:animEffect transition="in" filter="fade">
+                                      <p:cBhvr>
+                                        <p:cTn id="10" dur="500"/>
+                                        <p:tgtEl>
+                                          <p:spTgt spid="16"/>
+                                        </p:tgtEl>
+                                      </p:cBhvr>
+                                    </p:animEffect>
+                                  </p:childTnLst>
+                                </p:cTn>
+                              </p:par>
+                            </p:childTnLst>
+                          </p:cTn>
+                        </p:par>
+                      </p:childTnLst>
+                    </p:cTn>
+                  </p:par>
+                </p:childTnLst>
+              </p:cTn>
+              <p:prevCondLst>
+                <p:cond evt="onPrev" delay="0">
+                  <p:tgtEl>
+                    <p:sldTgt/>
+                  </p:tgtEl>
+                </p:cond>
+              </p:prevCondLst>
+              <p:nextCondLst>
+                <p:cond evt="onNext" delay="0">
+                  <p:tgtEl>
+                    <p:sldTgt/>
+                  </p:tgtEl>
+                </p:cond>
+              </p:nextCondLst>
+            </p:seq>
+          </p:childTnLst>
+        </p:cTn>
+      </p:par>
+    </p:tnLst>
+    <p:bldLst>
+      <p:bldP spid="16" grpId="0"/>
+    </p:bldLst>
+  </p:timing>
+</p:sld>
+</file>
+
+<file path=ppt/slides/slide19.xml><?xml version="1.0" encoding="utf-8"?>
+<p:sld xmlns:a="http://schemas.openxmlformats.org/drawingml/2006/main" xmlns:r="http://schemas.openxmlformats.org/officeDocument/2006/relationships" xmlns:p="http://schemas.openxmlformats.org/presentationml/2006/main">
+  <p:cSld>
+    <p:spTree>
+      <p:nvGrpSpPr>
+        <p:cNvPr id="1" name=""/>
+        <p:cNvGrpSpPr/>
+        <p:nvPr/>
+      </p:nvGrpSpPr>
+      <p:grpSpPr>
+        <a:xfrm>
+          <a:off x="0" y="0"/>
+          <a:ext cx="0" cy="0"/>
+          <a:chOff x="0" y="0"/>
+          <a:chExt cx="0" cy="0"/>
+        </a:xfrm>
+      </p:grpSpPr>
+      <p:sp>
+        <p:nvSpPr>
+          <p:cNvPr id="5" name="Title 4">
+            <a:extLst>
+              <a:ext uri="{FF2B5EF4-FFF2-40B4-BE49-F238E27FC236}">
+                <a16:creationId xmlns:a16="http://schemas.microsoft.com/office/drawing/2014/main" id="{64213D2F-A106-3319-AA98-37F0C11F906C}"/>
+              </a:ext>
+            </a:extLst>
+          </p:cNvPr>
+          <p:cNvSpPr>
+            <a:spLocks noGrp="1"/>
+          </p:cNvSpPr>
+          <p:nvPr>
+            <p:ph type="title"/>
+          </p:nvPr>
+        </p:nvSpPr>
+        <p:spPr/>
+        <p:txBody>
+          <a:bodyPr/>
+          <a:lstStyle/>
+          <a:p>
+            <a:r>
+              <a:rPr lang="en-US" dirty="0"/>
+              <a:t>Losses</a:t>
+            </a:r>
+          </a:p>
+        </p:txBody>
+      </p:sp>
+      <p:pic>
+        <p:nvPicPr>
+          <p:cNvPr id="10" name="Picture 9">
+            <a:extLst>
+              <a:ext uri="{FF2B5EF4-FFF2-40B4-BE49-F238E27FC236}">
+                <a16:creationId xmlns:a16="http://schemas.microsoft.com/office/drawing/2014/main" id="{4D8B3B35-A43F-882F-9435-D08CAF68EC93}"/>
+              </a:ext>
+            </a:extLst>
+          </p:cNvPr>
+          <p:cNvPicPr>
+            <a:picLocks noChangeAspect="1"/>
+          </p:cNvPicPr>
+          <p:nvPr/>
+        </p:nvPicPr>
+        <p:blipFill>
+          <a:blip r:embed="rId3"/>
+          <a:stretch>
+            <a:fillRect/>
+          </a:stretch>
+        </p:blipFill>
+        <p:spPr>
+          <a:xfrm>
+            <a:off x="1814286" y="1412219"/>
+            <a:ext cx="8563428" cy="4599620"/>
+          </a:xfrm>
+          <a:prstGeom prst="rect">
+            <a:avLst/>
+          </a:prstGeom>
+        </p:spPr>
+      </p:pic>
+      <p:grpSp>
+        <p:nvGrpSpPr>
+          <p:cNvPr id="17" name="Group 16">
+            <a:extLst>
+              <a:ext uri="{FF2B5EF4-FFF2-40B4-BE49-F238E27FC236}">
+                <a16:creationId xmlns:a16="http://schemas.microsoft.com/office/drawing/2014/main" id="{A258755D-EC78-C535-0C77-D0C7A2FBB2CB}"/>
+              </a:ext>
+            </a:extLst>
+          </p:cNvPr>
+          <p:cNvGrpSpPr/>
+          <p:nvPr/>
+        </p:nvGrpSpPr>
+        <p:grpSpPr>
+          <a:xfrm>
+            <a:off x="3729971" y="4934514"/>
+            <a:ext cx="6753960" cy="1299960"/>
+            <a:chOff x="3729971" y="4934514"/>
+            <a:chExt cx="6753960" cy="1299960"/>
+          </a:xfrm>
+        </p:grpSpPr>
+        <mc:AlternateContent xmlns:mc="http://schemas.openxmlformats.org/markup-compatibility/2006">
+          <mc:Choice xmlns:p14="http://schemas.microsoft.com/office/powerpoint/2010/main" Requires="p14">
+            <p:contentPart p14:bwMode="auto" r:id="rId4">
+              <p14:nvContentPartPr>
+                <p14:cNvPr id="12" name="Ink 11">
+                  <a:extLst>
+                    <a:ext uri="{FF2B5EF4-FFF2-40B4-BE49-F238E27FC236}">
+                      <a16:creationId xmlns:a16="http://schemas.microsoft.com/office/drawing/2014/main" id="{3D9EB2D4-6E99-84E3-6C56-1FD3D18004D0}"/>
+                    </a:ext>
+                  </a:extLst>
+                </p14:cNvPr>
+                <p14:cNvContentPartPr/>
+                <p14:nvPr/>
+              </p14:nvContentPartPr>
+              <p14:xfrm>
+                <a:off x="3773171" y="5108754"/>
+                <a:ext cx="4952880" cy="175320"/>
+              </p14:xfrm>
+            </p:contentPart>
+          </mc:Choice>
+          <mc:Fallback>
+            <p:pic>
+              <p:nvPicPr>
+                <p:cNvPr id="12" name="Ink 11">
+                  <a:extLst>
+                    <a:ext uri="{FF2B5EF4-FFF2-40B4-BE49-F238E27FC236}">
+                      <a16:creationId xmlns:a16="http://schemas.microsoft.com/office/drawing/2014/main" id="{3D9EB2D4-6E99-84E3-6C56-1FD3D18004D0}"/>
+                    </a:ext>
+                  </a:extLst>
+                </p:cNvPr>
+                <p:cNvPicPr/>
+                <p:nvPr/>
+              </p:nvPicPr>
+              <p:blipFill>
+                <a:blip r:embed="rId5"/>
+                <a:stretch>
+                  <a:fillRect/>
+                </a:stretch>
+              </p:blipFill>
+              <p:spPr>
+                <a:xfrm>
+                  <a:off x="3737531" y="5072754"/>
+                  <a:ext cx="5024520" cy="246960"/>
+                </a:xfrm>
+                <a:prstGeom prst="rect">
+                  <a:avLst/>
+                </a:prstGeom>
+              </p:spPr>
+            </p:pic>
+          </mc:Fallback>
+        </mc:AlternateContent>
+        <mc:AlternateContent xmlns:mc="http://schemas.openxmlformats.org/markup-compatibility/2006">
+          <mc:Choice xmlns:p14="http://schemas.microsoft.com/office/powerpoint/2010/main" Requires="p14">
+            <p:contentPart p14:bwMode="auto" r:id="rId6">
+              <p14:nvContentPartPr>
+                <p14:cNvPr id="14" name="Ink 13">
+                  <a:extLst>
+                    <a:ext uri="{FF2B5EF4-FFF2-40B4-BE49-F238E27FC236}">
+                      <a16:creationId xmlns:a16="http://schemas.microsoft.com/office/drawing/2014/main" id="{14C82ECF-3047-2B1F-1480-5147411DF743}"/>
+                    </a:ext>
+                  </a:extLst>
+                </p14:cNvPr>
+                <p14:cNvContentPartPr/>
+                <p14:nvPr/>
+              </p14:nvContentPartPr>
+              <p14:xfrm>
+                <a:off x="3729971" y="5297394"/>
+                <a:ext cx="6632640" cy="937080"/>
+              </p14:xfrm>
+            </p:contentPart>
+          </mc:Choice>
+          <mc:Fallback>
+            <p:pic>
+              <p:nvPicPr>
+                <p:cNvPr id="14" name="Ink 13">
+                  <a:extLst>
+                    <a:ext uri="{FF2B5EF4-FFF2-40B4-BE49-F238E27FC236}">
+                      <a16:creationId xmlns:a16="http://schemas.microsoft.com/office/drawing/2014/main" id="{14C82ECF-3047-2B1F-1480-5147411DF743}"/>
+                    </a:ext>
+                  </a:extLst>
+                </p:cNvPr>
+                <p:cNvPicPr/>
+                <p:nvPr/>
+              </p:nvPicPr>
+              <p:blipFill>
+                <a:blip r:embed="rId7"/>
+                <a:stretch>
+                  <a:fillRect/>
+                </a:stretch>
+              </p:blipFill>
+              <p:spPr>
+                <a:xfrm>
+                  <a:off x="3693971" y="5261754"/>
+                  <a:ext cx="6704280" cy="1008720"/>
+                </a:xfrm>
+                <a:prstGeom prst="rect">
+                  <a:avLst/>
+                </a:prstGeom>
+              </p:spPr>
+            </p:pic>
+          </mc:Fallback>
+        </mc:AlternateContent>
+        <mc:AlternateContent xmlns:mc="http://schemas.openxmlformats.org/markup-compatibility/2006">
+          <mc:Choice xmlns:p14="http://schemas.microsoft.com/office/powerpoint/2010/main" Requires="p14">
+            <p:contentPart p14:bwMode="auto" r:id="rId8">
+              <p14:nvContentPartPr>
+                <p14:cNvPr id="15" name="Ink 14">
+                  <a:extLst>
+                    <a:ext uri="{FF2B5EF4-FFF2-40B4-BE49-F238E27FC236}">
+                      <a16:creationId xmlns:a16="http://schemas.microsoft.com/office/drawing/2014/main" id="{45E1D33A-F1EA-408F-F94A-5F2DC908DFF4}"/>
+                    </a:ext>
+                  </a:extLst>
+                </p14:cNvPr>
+                <p14:cNvContentPartPr/>
+                <p14:nvPr/>
+              </p14:nvContentPartPr>
+              <p14:xfrm>
+                <a:off x="9296291" y="4934514"/>
+                <a:ext cx="1187640" cy="842760"/>
+              </p14:xfrm>
+            </p:contentPart>
+          </mc:Choice>
+          <mc:Fallback>
+            <p:pic>
+              <p:nvPicPr>
+                <p:cNvPr id="15" name="Ink 14">
+                  <a:extLst>
+                    <a:ext uri="{FF2B5EF4-FFF2-40B4-BE49-F238E27FC236}">
+                      <a16:creationId xmlns:a16="http://schemas.microsoft.com/office/drawing/2014/main" id="{45E1D33A-F1EA-408F-F94A-5F2DC908DFF4}"/>
+                    </a:ext>
+                  </a:extLst>
+                </p:cNvPr>
+                <p:cNvPicPr/>
+                <p:nvPr/>
+              </p:nvPicPr>
+              <p:blipFill>
+                <a:blip r:embed="rId9"/>
+                <a:stretch>
+                  <a:fillRect/>
+                </a:stretch>
+              </p:blipFill>
+              <p:spPr>
+                <a:xfrm>
+                  <a:off x="9260651" y="4898874"/>
+                  <a:ext cx="1259280" cy="914400"/>
+                </a:xfrm>
+                <a:prstGeom prst="rect">
+                  <a:avLst/>
+                </a:prstGeom>
+              </p:spPr>
+            </p:pic>
+          </mc:Fallback>
+        </mc:AlternateContent>
+      </p:grpSp>
+    </p:spTree>
+    <p:extLst>
+      <p:ext uri="{BB962C8B-B14F-4D97-AF65-F5344CB8AC3E}">
+        <p14:creationId xmlns:p14="http://schemas.microsoft.com/office/powerpoint/2010/main" val="932030023"/>
+      </p:ext>
+    </p:extLst>
+  </p:cSld>
+  <p:clrMapOvr>
+    <a:masterClrMapping/>
+  </p:clrMapOvr>
+  <mc:AlternateContent xmlns:mc="http://schemas.openxmlformats.org/markup-compatibility/2006">
+    <mc:Choice xmlns:p14="http://schemas.microsoft.com/office/powerpoint/2010/main" Requires="p14">
+      <p:transition spd="med" p14:dur="700">
+        <p:fade/>
+      </p:transition>
+    </mc:Choice>
+    <mc:Fallback>
+      <p:transition spd="med">
+        <p:fade/>
+      </p:transition>
+    </mc:Fallback>
+  </mc:AlternateContent>
+  <p:timing>
+    <p:tnLst>
+      <p:par>
+        <p:cTn id="1" dur="indefinite" restart="never" nodeType="tmRoot">
+          <p:childTnLst>
+            <p:seq concurrent="1" nextAc="seek">
+              <p:cTn id="2" dur="indefinite" nodeType="mainSeq">
+                <p:childTnLst>
+                  <p:par>
+                    <p:cTn id="3" fill="hold">
+                      <p:stCondLst>
+                        <p:cond delay="indefinite"/>
+                      </p:stCondLst>
+                      <p:childTnLst>
+                        <p:par>
+                          <p:cTn id="4" fill="hold">
+                            <p:stCondLst>
+                              <p:cond delay="0"/>
+                            </p:stCondLst>
+                            <p:childTnLst>
+                              <p:par>
+                                <p:cTn id="5" presetID="63" presetClass="entr" presetSubtype="0" fill="hold" nodeType="clickEffect">
+                                  <p:stCondLst>
+                                    <p:cond delay="0"/>
+                                  </p:stCondLst>
+                                  <p:childTnLst>
+                                    <p:set>
+                                      <p:cBhvr>
+                                        <p:cTn id="6" dur="1" fill="hold">
+                                          <p:stCondLst>
+                                            <p:cond delay="0"/>
+                                          </p:stCondLst>
+                                        </p:cTn>
+                                        <p:tgtEl>
+                                          <p:spTgt spid="17"/>
+                                        </p:tgtEl>
+                                        <p:attrNameLst>
+                                          <p:attrName>style.visibility</p:attrName>
+                                        </p:attrNameLst>
+                                      </p:cBhvr>
+                                      <p:to>
+                                        <p:strVal val="visible"/>
+                                      </p:to>
+                                    </p:set>
+                                    <p:anim calcmode="lin" valueType="num">
+                                      <p:cBhvr>
+                                        <p:cTn id="7" dur="1000" fill="hold"/>
+                                        <p:tgtEl>
+                                          <p:spTgt spid="17"/>
+                                        </p:tgtEl>
+                                        <p:attrNameLst>
+                                          <p:attrName>drawProgress</p:attrName>
+                                        </p:attrNameLst>
+                                      </p:cBhvr>
+                                      <p:tavLst>
+                                        <p:tav tm="0">
+                                          <p:val>
+                                            <p:fltVal val="0"/>
+                                          </p:val>
+                                        </p:tav>
+                                        <p:tav tm="100000">
+                                          <p:val>
+                                            <p:fltVal val="1"/>
+                                          </p:val>
+                                        </p:tav>
+                                      </p:tavLst>
+                                    </p:anim>
+                                  </p:childTnLst>
+                                </p:cTn>
+                              </p:par>
+                            </p:childTnLst>
+                          </p:cTn>
+                        </p:par>
+                      </p:childTnLst>
+                    </p:cTn>
+                  </p:par>
+                </p:childTnLst>
+              </p:cTn>
+              <p:prevCondLst>
+                <p:cond evt="onPrev" delay="0">
+                  <p:tgtEl>
+                    <p:sldTgt/>
+                  </p:tgtEl>
+                </p:cond>
+              </p:prevCondLst>
+              <p:nextCondLst>
+                <p:cond evt="onNext" delay="0">
+                  <p:tgtEl>
+                    <p:sldTgt/>
+                  </p:tgtEl>
+                </p:cond>
+              </p:nextCondLst>
+            </p:seq>
+          </p:childTnLst>
+        </p:cTn>
+      </p:par>
+    </p:tnLst>
+  </p:timing>
+</p:sld>
+</file>
+
 <file path=ppt/slides/slide2.xml><?xml version="1.0" encoding="utf-8"?>
 <p:sld xmlns:a="http://schemas.openxmlformats.org/drawingml/2006/main" xmlns:r="http://schemas.openxmlformats.org/officeDocument/2006/relationships" xmlns:p="http://schemas.openxmlformats.org/presentationml/2006/main">
   <p:cSld>
@@ -7049,6 +9754,1288 @@
       </p:par>
     </p:tnLst>
   </p:timing>
+</p:sld>
+</file>
+
+<file path=ppt/slides/slide20.xml><?xml version="1.0" encoding="utf-8"?>
+<p:sld xmlns:a="http://schemas.openxmlformats.org/drawingml/2006/main" xmlns:r="http://schemas.openxmlformats.org/officeDocument/2006/relationships" xmlns:p="http://schemas.openxmlformats.org/presentationml/2006/main">
+  <p:cSld>
+    <p:spTree>
+      <p:nvGrpSpPr>
+        <p:cNvPr id="1" name=""/>
+        <p:cNvGrpSpPr/>
+        <p:nvPr/>
+      </p:nvGrpSpPr>
+      <p:grpSpPr>
+        <a:xfrm>
+          <a:off x="0" y="0"/>
+          <a:ext cx="0" cy="0"/>
+          <a:chOff x="0" y="0"/>
+          <a:chExt cx="0" cy="0"/>
+        </a:xfrm>
+      </p:grpSpPr>
+      <p:sp>
+        <p:nvSpPr>
+          <p:cNvPr id="5" name="Title 4">
+            <a:extLst>
+              <a:ext uri="{FF2B5EF4-FFF2-40B4-BE49-F238E27FC236}">
+                <a16:creationId xmlns:a16="http://schemas.microsoft.com/office/drawing/2014/main" id="{64213D2F-A106-3319-AA98-37F0C11F906C}"/>
+              </a:ext>
+            </a:extLst>
+          </p:cNvPr>
+          <p:cNvSpPr>
+            <a:spLocks noGrp="1"/>
+          </p:cNvSpPr>
+          <p:nvPr>
+            <p:ph type="title"/>
+          </p:nvPr>
+        </p:nvSpPr>
+        <p:spPr/>
+        <p:txBody>
+          <a:bodyPr/>
+          <a:lstStyle/>
+          <a:p>
+            <a:r>
+              <a:rPr lang="en-US" dirty="0"/>
+              <a:t>Losses</a:t>
+            </a:r>
+          </a:p>
+        </p:txBody>
+      </p:sp>
+      <p:sp>
+        <p:nvSpPr>
+          <p:cNvPr id="7" name="TextBox 6">
+            <a:extLst>
+              <a:ext uri="{FF2B5EF4-FFF2-40B4-BE49-F238E27FC236}">
+                <a16:creationId xmlns:a16="http://schemas.microsoft.com/office/drawing/2014/main" id="{B820A7B5-540A-E866-E1F3-453C80A5D422}"/>
+              </a:ext>
+            </a:extLst>
+          </p:cNvPr>
+          <p:cNvSpPr txBox="1"/>
+          <p:nvPr/>
+        </p:nvSpPr>
+        <p:spPr>
+          <a:xfrm>
+            <a:off x="4860392" y="5937384"/>
+            <a:ext cx="2991713" cy="369332"/>
+          </a:xfrm>
+          <a:prstGeom prst="rect">
+            <a:avLst/>
+          </a:prstGeom>
+          <a:noFill/>
+        </p:spPr>
+        <p:txBody>
+          <a:bodyPr wrap="square">
+            <a:spAutoFit/>
+          </a:bodyPr>
+          <a:lstStyle/>
+          <a:p>
+            <a:pPr algn="ctr"/>
+            <a:r>
+              <a:rPr lang="fr-FR" dirty="0" err="1">
+                <a:solidFill>
+                  <a:schemeClr val="bg1"/>
+                </a:solidFill>
+                <a:highlight>
+                  <a:srgbClr val="000000"/>
+                </a:highlight>
+              </a:rPr>
+              <a:t>torch.nn</a:t>
+            </a:r>
+            <a:r>
+              <a:rPr lang="fr-FR" dirty="0">
+                <a:solidFill>
+                  <a:schemeClr val="bg1"/>
+                </a:solidFill>
+                <a:highlight>
+                  <a:srgbClr val="000000"/>
+                </a:highlight>
+              </a:rPr>
+              <a:t>. </a:t>
+            </a:r>
+            <a:r>
+              <a:rPr lang="fr-FR" dirty="0" err="1">
+                <a:solidFill>
+                  <a:schemeClr val="bg1"/>
+                </a:solidFill>
+                <a:highlight>
+                  <a:srgbClr val="000000"/>
+                </a:highlight>
+              </a:rPr>
+              <a:t>CrossEntropyLoss</a:t>
+            </a:r>
+            <a:endParaRPr lang="fr-FR" dirty="0">
+              <a:solidFill>
+                <a:schemeClr val="bg1"/>
+              </a:solidFill>
+              <a:highlight>
+                <a:srgbClr val="000000"/>
+              </a:highlight>
+            </a:endParaRPr>
+          </a:p>
+        </p:txBody>
+      </p:sp>
+      <mc:AlternateContent xmlns:mc="http://schemas.openxmlformats.org/markup-compatibility/2006">
+        <mc:Choice xmlns:a14="http://schemas.microsoft.com/office/drawing/2010/main" Requires="a14">
+          <p:sp>
+            <p:nvSpPr>
+              <p:cNvPr id="11" name="TextBox 10">
+                <a:extLst>
+                  <a:ext uri="{FF2B5EF4-FFF2-40B4-BE49-F238E27FC236}">
+                    <a16:creationId xmlns:a16="http://schemas.microsoft.com/office/drawing/2014/main" id="{FCC075F3-CCA7-BE86-8213-73C16D81926C}"/>
+                  </a:ext>
+                </a:extLst>
+              </p:cNvPr>
+              <p:cNvSpPr txBox="1"/>
+              <p:nvPr/>
+            </p:nvSpPr>
+            <p:spPr>
+              <a:xfrm>
+                <a:off x="2397281" y="2176055"/>
+                <a:ext cx="7917937" cy="1250727"/>
+              </a:xfrm>
+              <a:prstGeom prst="rect">
+                <a:avLst/>
+              </a:prstGeom>
+              <a:noFill/>
+            </p:spPr>
+            <p:txBody>
+              <a:bodyPr wrap="none" rtlCol="0">
+                <a:spAutoFit/>
+              </a:bodyPr>
+              <a:lstStyle/>
+              <a:p>
+                <a:r>
+                  <a:rPr lang="fr-FR" b="0" dirty="0"/>
+                  <a:t>- </a:t>
+                </a:r>
+                <a14:m>
+                  <m:oMath xmlns:m="http://schemas.openxmlformats.org/officeDocument/2006/math">
+                    <m:r>
+                      <a:rPr lang="fr-FR" b="0" i="1" smtClean="0">
+                        <a:latin typeface="Cambria Math" panose="02040503050406030204" pitchFamily="18" charset="0"/>
+                      </a:rPr>
+                      <m:t>𝑛</m:t>
+                    </m:r>
+                    <m:r>
+                      <a:rPr lang="fr-FR" b="0" i="1" smtClean="0">
+                        <a:latin typeface="Cambria Math" panose="02040503050406030204" pitchFamily="18" charset="0"/>
+                      </a:rPr>
+                      <m:t>∈</m:t>
+                    </m:r>
+                    <m:r>
+                      <a:rPr lang="fr-FR" b="0" i="1" smtClean="0">
+                        <a:latin typeface="Cambria Math" panose="02040503050406030204" pitchFamily="18" charset="0"/>
+                        <a:ea typeface="Cambria Math" panose="02040503050406030204" pitchFamily="18" charset="0"/>
+                      </a:rPr>
+                      <m:t>ℕ</m:t>
+                    </m:r>
+                  </m:oMath>
+                </a14:m>
+                <a:r>
+                  <a:rPr lang="fr-FR" dirty="0"/>
+                  <a:t> the </a:t>
+                </a:r>
+                <a14:m>
+                  <m:oMath xmlns:m="http://schemas.openxmlformats.org/officeDocument/2006/math">
+                    <m:r>
+                      <a:rPr lang="fr-FR" b="0" i="1" smtClean="0">
+                        <a:latin typeface="Cambria Math" panose="02040503050406030204" pitchFamily="18" charset="0"/>
+                      </a:rPr>
+                      <m:t>𝑛</m:t>
+                    </m:r>
+                    <m:r>
+                      <m:rPr>
+                        <m:sty m:val="p"/>
+                      </m:rPr>
+                      <a:rPr lang="fr-FR" b="0" i="0" baseline="30000" smtClean="0">
+                        <a:latin typeface="Cambria Math" panose="02040503050406030204" pitchFamily="18" charset="0"/>
+                      </a:rPr>
+                      <m:t>nth</m:t>
+                    </m:r>
+                  </m:oMath>
+                </a14:m>
+                <a:r>
+                  <a:rPr lang="fr-FR" dirty="0"/>
+                  <a:t> </a:t>
+                </a:r>
+                <a:r>
+                  <a:rPr lang="fr-FR" dirty="0" err="1"/>
+                  <a:t>element</a:t>
+                </a:r>
+                <a:r>
+                  <a:rPr lang="fr-FR" dirty="0"/>
+                  <a:t> of the </a:t>
+                </a:r>
+                <a:r>
+                  <a:rPr lang="fr-FR" dirty="0" err="1"/>
+                  <a:t>current</a:t>
+                </a:r>
+                <a:r>
+                  <a:rPr lang="fr-FR" dirty="0"/>
+                  <a:t> batch</a:t>
+                </a:r>
+              </a:p>
+              <a:p>
+                <a:r>
+                  <a:rPr lang="fr-FR" b="0" dirty="0"/>
+                  <a:t>- </a:t>
+                </a:r>
+                <a14:m>
+                  <m:oMath xmlns:m="http://schemas.openxmlformats.org/officeDocument/2006/math">
+                    <m:sSub>
+                      <m:sSubPr>
+                        <m:ctrlPr>
+                          <a:rPr lang="fr-FR" b="0" i="1" smtClean="0">
+                            <a:latin typeface="Cambria Math" panose="02040503050406030204" pitchFamily="18" charset="0"/>
+                          </a:rPr>
+                        </m:ctrlPr>
+                      </m:sSubPr>
+                      <m:e>
+                        <m:r>
+                          <a:rPr lang="fr-FR" b="0" i="1" smtClean="0">
+                            <a:latin typeface="Cambria Math" panose="02040503050406030204" pitchFamily="18" charset="0"/>
+                          </a:rPr>
+                          <m:t>𝑤</m:t>
+                        </m:r>
+                      </m:e>
+                      <m:sub>
+                        <m:sSub>
+                          <m:sSubPr>
+                            <m:ctrlPr>
+                              <a:rPr lang="fr-FR" b="0" i="1" smtClean="0">
+                                <a:latin typeface="Cambria Math" panose="02040503050406030204" pitchFamily="18" charset="0"/>
+                              </a:rPr>
+                            </m:ctrlPr>
+                          </m:sSubPr>
+                          <m:e>
+                            <m:r>
+                              <a:rPr lang="fr-FR" b="0" i="1" smtClean="0">
+                                <a:latin typeface="Cambria Math" panose="02040503050406030204" pitchFamily="18" charset="0"/>
+                              </a:rPr>
+                              <m:t>𝑦</m:t>
+                            </m:r>
+                          </m:e>
+                          <m:sub>
+                            <m:r>
+                              <a:rPr lang="fr-FR" b="0" i="1" smtClean="0">
+                                <a:latin typeface="Cambria Math" panose="02040503050406030204" pitchFamily="18" charset="0"/>
+                              </a:rPr>
+                              <m:t>𝑛</m:t>
+                            </m:r>
+                          </m:sub>
+                        </m:sSub>
+                      </m:sub>
+                    </m:sSub>
+                  </m:oMath>
+                </a14:m>
+                <a:r>
+                  <a:rPr lang="fr-FR" dirty="0"/>
+                  <a:t> a </a:t>
+                </a:r>
+                <a:r>
+                  <a:rPr lang="fr-FR" dirty="0" err="1"/>
+                  <a:t>weight</a:t>
+                </a:r>
+                <a:r>
+                  <a:rPr lang="fr-FR" dirty="0"/>
+                  <a:t> in case </a:t>
+                </a:r>
+                <a:r>
+                  <a:rPr lang="fr-FR" dirty="0" err="1"/>
+                  <a:t>some</a:t>
+                </a:r>
+                <a:r>
+                  <a:rPr lang="fr-FR" dirty="0"/>
+                  <a:t> classes have more importance </a:t>
+                </a:r>
+                <a:r>
+                  <a:rPr lang="fr-FR" dirty="0" err="1"/>
+                  <a:t>than</a:t>
+                </a:r>
+                <a:r>
+                  <a:rPr lang="fr-FR" dirty="0"/>
+                  <a:t> </a:t>
+                </a:r>
+                <a:r>
+                  <a:rPr lang="fr-FR" dirty="0" err="1"/>
+                  <a:t>other</a:t>
+                </a:r>
+                <a:r>
+                  <a:rPr lang="fr-FR" dirty="0"/>
+                  <a:t>. P</a:t>
+                </a:r>
+                <a:r>
+                  <a:rPr lang="en-US" dirty="0" err="1"/>
+                  <a:t>articularly</a:t>
+                </a:r>
+                <a:r>
+                  <a:rPr lang="en-US" dirty="0"/>
+                  <a:t> </a:t>
+                </a:r>
+              </a:p>
+              <a:p>
+                <a:r>
+                  <a:rPr lang="en-US" dirty="0"/>
+                  <a:t>useful when you have an unbalanced training set (… later lectures ...)</a:t>
+                </a:r>
+              </a:p>
+              <a:p>
+                <a:r>
+                  <a:rPr lang="fr-FR" b="0" dirty="0"/>
+                  <a:t>- </a:t>
+                </a:r>
+                <a14:m>
+                  <m:oMath xmlns:m="http://schemas.openxmlformats.org/officeDocument/2006/math">
+                    <m:sSub>
+                      <m:sSubPr>
+                        <m:ctrlPr>
+                          <a:rPr lang="fr-FR" b="0" i="1" smtClean="0">
+                            <a:latin typeface="Cambria Math" panose="02040503050406030204" pitchFamily="18" charset="0"/>
+                          </a:rPr>
+                        </m:ctrlPr>
+                      </m:sSubPr>
+                      <m:e>
+                        <m:r>
+                          <a:rPr lang="fr-FR" b="0" i="1" smtClean="0">
+                            <a:latin typeface="Cambria Math" panose="02040503050406030204" pitchFamily="18" charset="0"/>
+                          </a:rPr>
+                          <m:t>𝑥</m:t>
+                        </m:r>
+                      </m:e>
+                      <m:sub>
+                        <m:r>
+                          <a:rPr lang="fr-FR" b="0" i="1" smtClean="0">
+                            <a:latin typeface="Cambria Math" panose="02040503050406030204" pitchFamily="18" charset="0"/>
+                          </a:rPr>
+                          <m:t>𝑛</m:t>
+                        </m:r>
+                        <m:r>
+                          <a:rPr lang="fr-FR" b="0" i="1" smtClean="0">
+                            <a:latin typeface="Cambria Math" panose="02040503050406030204" pitchFamily="18" charset="0"/>
+                          </a:rPr>
+                          <m:t>, </m:t>
+                        </m:r>
+                        <m:sSub>
+                          <m:sSubPr>
+                            <m:ctrlPr>
+                              <a:rPr lang="fr-FR" b="0" i="1" smtClean="0">
+                                <a:latin typeface="Cambria Math" panose="02040503050406030204" pitchFamily="18" charset="0"/>
+                              </a:rPr>
+                            </m:ctrlPr>
+                          </m:sSubPr>
+                          <m:e>
+                            <m:r>
+                              <a:rPr lang="fr-FR" b="0" i="1" smtClean="0">
+                                <a:latin typeface="Cambria Math" panose="02040503050406030204" pitchFamily="18" charset="0"/>
+                              </a:rPr>
+                              <m:t>𝑦</m:t>
+                            </m:r>
+                          </m:e>
+                          <m:sub>
+                            <m:r>
+                              <a:rPr lang="fr-FR" b="0" i="1" smtClean="0">
+                                <a:latin typeface="Cambria Math" panose="02040503050406030204" pitchFamily="18" charset="0"/>
+                              </a:rPr>
+                              <m:t>𝑛</m:t>
+                            </m:r>
+                          </m:sub>
+                        </m:sSub>
+                      </m:sub>
+                    </m:sSub>
+                  </m:oMath>
+                </a14:m>
+                <a:r>
+                  <a:rPr lang="fr-FR" dirty="0"/>
+                  <a:t> the log-</a:t>
+                </a:r>
+                <a:r>
+                  <a:rPr lang="fr-FR" dirty="0" err="1"/>
+                  <a:t>probabilities</a:t>
+                </a:r>
+                <a:r>
+                  <a:rPr lang="fr-FR" dirty="0"/>
+                  <a:t> of the </a:t>
+                </a:r>
+                <a:r>
+                  <a:rPr lang="fr-FR" dirty="0" err="1"/>
+                  <a:t>predicted</a:t>
+                </a:r>
+                <a:r>
+                  <a:rPr lang="fr-FR" dirty="0"/>
+                  <a:t> value of the class y.</a:t>
+                </a:r>
+                <a:endParaRPr lang="fr-FR" b="1" dirty="0"/>
+              </a:p>
+            </p:txBody>
+          </p:sp>
+        </mc:Choice>
+        <mc:Fallback>
+          <p:sp>
+            <p:nvSpPr>
+              <p:cNvPr id="11" name="TextBox 10">
+                <a:extLst>
+                  <a:ext uri="{FF2B5EF4-FFF2-40B4-BE49-F238E27FC236}">
+                    <a16:creationId xmlns:a16="http://schemas.microsoft.com/office/drawing/2014/main" id="{FCC075F3-CCA7-BE86-8213-73C16D81926C}"/>
+                  </a:ext>
+                </a:extLst>
+              </p:cNvPr>
+              <p:cNvSpPr txBox="1">
+                <a:spLocks noRot="1" noChangeAspect="1" noMove="1" noResize="1" noEditPoints="1" noAdjustHandles="1" noChangeArrowheads="1" noChangeShapeType="1" noTextEdit="1"/>
+              </p:cNvSpPr>
+              <p:nvPr/>
+            </p:nvSpPr>
+            <p:spPr>
+              <a:xfrm>
+                <a:off x="2397281" y="2176055"/>
+                <a:ext cx="7917937" cy="1250727"/>
+              </a:xfrm>
+              <a:prstGeom prst="rect">
+                <a:avLst/>
+              </a:prstGeom>
+              <a:blipFill>
+                <a:blip r:embed="rId3"/>
+                <a:stretch>
+                  <a:fillRect l="-616" t="-2927" b="-5366"/>
+                </a:stretch>
+              </a:blipFill>
+            </p:spPr>
+            <p:txBody>
+              <a:bodyPr/>
+              <a:lstStyle/>
+              <a:p>
+                <a:r>
+                  <a:rPr lang="fr-FR">
+                    <a:noFill/>
+                  </a:rPr>
+                  <a:t> </a:t>
+                </a:r>
+              </a:p>
+            </p:txBody>
+          </p:sp>
+        </mc:Fallback>
+      </mc:AlternateContent>
+      <p:pic>
+        <p:nvPicPr>
+          <p:cNvPr id="13" name="Picture 12">
+            <a:extLst>
+              <a:ext uri="{FF2B5EF4-FFF2-40B4-BE49-F238E27FC236}">
+                <a16:creationId xmlns:a16="http://schemas.microsoft.com/office/drawing/2014/main" id="{8F04CC6F-6170-26EA-BD8C-E8D2A833C12E}"/>
+              </a:ext>
+            </a:extLst>
+          </p:cNvPr>
+          <p:cNvPicPr>
+            <a:picLocks noChangeAspect="1"/>
+          </p:cNvPicPr>
+          <p:nvPr/>
+        </p:nvPicPr>
+        <p:blipFill>
+          <a:blip r:embed="rId4"/>
+          <a:stretch>
+            <a:fillRect/>
+          </a:stretch>
+        </p:blipFill>
+        <p:spPr>
+          <a:xfrm>
+            <a:off x="2266752" y="4441546"/>
+            <a:ext cx="7658494" cy="1251014"/>
+          </a:xfrm>
+          <a:prstGeom prst="rect">
+            <a:avLst/>
+          </a:prstGeom>
+        </p:spPr>
+      </p:pic>
+      <p:sp>
+        <p:nvSpPr>
+          <p:cNvPr id="16" name="TextBox 15">
+            <a:extLst>
+              <a:ext uri="{FF2B5EF4-FFF2-40B4-BE49-F238E27FC236}">
+                <a16:creationId xmlns:a16="http://schemas.microsoft.com/office/drawing/2014/main" id="{2876B192-0B3E-1E7E-585C-9C406DEC9D3A}"/>
+              </a:ext>
+            </a:extLst>
+          </p:cNvPr>
+          <p:cNvSpPr txBox="1"/>
+          <p:nvPr/>
+        </p:nvSpPr>
+        <p:spPr>
+          <a:xfrm>
+            <a:off x="2397281" y="4196722"/>
+            <a:ext cx="6096000" cy="369332"/>
+          </a:xfrm>
+          <a:prstGeom prst="rect">
+            <a:avLst/>
+          </a:prstGeom>
+          <a:noFill/>
+        </p:spPr>
+        <p:txBody>
+          <a:bodyPr wrap="square">
+            <a:spAutoFit/>
+          </a:bodyPr>
+          <a:lstStyle/>
+          <a:p>
+            <a:r>
+              <a:rPr lang="fr-FR" dirty="0"/>
+              <a:t>And </a:t>
+            </a:r>
+            <a:r>
+              <a:rPr lang="fr-FR" dirty="0" err="1"/>
+              <a:t>then</a:t>
+            </a:r>
+            <a:r>
+              <a:rPr lang="fr-FR" dirty="0"/>
+              <a:t> </a:t>
+            </a:r>
+            <a:r>
+              <a:rPr lang="fr-FR" dirty="0" err="1"/>
+              <a:t>we</a:t>
+            </a:r>
+            <a:r>
+              <a:rPr lang="fr-FR" dirty="0"/>
+              <a:t> </a:t>
+            </a:r>
+            <a:r>
+              <a:rPr lang="fr-FR" dirty="0" err="1"/>
+              <a:t>sum</a:t>
+            </a:r>
+            <a:r>
+              <a:rPr lang="fr-FR" dirty="0"/>
+              <a:t> / </a:t>
+            </a:r>
+            <a:r>
+              <a:rPr lang="fr-FR" dirty="0" err="1"/>
+              <a:t>mean</a:t>
+            </a:r>
+            <a:r>
+              <a:rPr lang="fr-FR" dirty="0"/>
+              <a:t> </a:t>
+            </a:r>
+            <a:r>
+              <a:rPr lang="fr-FR" dirty="0" err="1"/>
+              <a:t>across</a:t>
+            </a:r>
+            <a:r>
+              <a:rPr lang="fr-FR" dirty="0"/>
+              <a:t> the batch :</a:t>
+            </a:r>
+          </a:p>
+        </p:txBody>
+      </p:sp>
+      <p:pic>
+        <p:nvPicPr>
+          <p:cNvPr id="3" name="Picture 2">
+            <a:extLst>
+              <a:ext uri="{FF2B5EF4-FFF2-40B4-BE49-F238E27FC236}">
+                <a16:creationId xmlns:a16="http://schemas.microsoft.com/office/drawing/2014/main" id="{091CC8AF-6BAA-E47D-FB9D-17827DE870DC}"/>
+              </a:ext>
+            </a:extLst>
+          </p:cNvPr>
+          <p:cNvPicPr>
+            <a:picLocks noChangeAspect="1"/>
+          </p:cNvPicPr>
+          <p:nvPr/>
+        </p:nvPicPr>
+        <p:blipFill>
+          <a:blip r:embed="rId5"/>
+          <a:stretch>
+            <a:fillRect/>
+          </a:stretch>
+        </p:blipFill>
+        <p:spPr>
+          <a:xfrm>
+            <a:off x="4587795" y="1294863"/>
+            <a:ext cx="3016405" cy="774740"/>
+          </a:xfrm>
+          <a:prstGeom prst="rect">
+            <a:avLst/>
+          </a:prstGeom>
+        </p:spPr>
+      </p:pic>
+      <p:grpSp>
+        <p:nvGrpSpPr>
+          <p:cNvPr id="9" name="Group 8">
+            <a:extLst>
+              <a:ext uri="{FF2B5EF4-FFF2-40B4-BE49-F238E27FC236}">
+                <a16:creationId xmlns:a16="http://schemas.microsoft.com/office/drawing/2014/main" id="{8791C780-B3E2-87E5-F773-14433222B314}"/>
+              </a:ext>
+            </a:extLst>
+          </p:cNvPr>
+          <p:cNvGrpSpPr/>
+          <p:nvPr/>
+        </p:nvGrpSpPr>
+        <p:grpSpPr>
+          <a:xfrm>
+            <a:off x="5707811" y="709515"/>
+            <a:ext cx="624600" cy="726480"/>
+            <a:chOff x="5707811" y="709515"/>
+            <a:chExt cx="624600" cy="726480"/>
+          </a:xfrm>
+        </p:grpSpPr>
+        <mc:AlternateContent xmlns:mc="http://schemas.openxmlformats.org/markup-compatibility/2006">
+          <mc:Choice xmlns:p14="http://schemas.microsoft.com/office/powerpoint/2010/main" Requires="p14">
+            <p:contentPart p14:bwMode="auto" r:id="rId6">
+              <p14:nvContentPartPr>
+                <p14:cNvPr id="4" name="Ink 3">
+                  <a:extLst>
+                    <a:ext uri="{FF2B5EF4-FFF2-40B4-BE49-F238E27FC236}">
+                      <a16:creationId xmlns:a16="http://schemas.microsoft.com/office/drawing/2014/main" id="{54CD1CA0-E5B2-5660-7896-115B4679439E}"/>
+                    </a:ext>
+                  </a:extLst>
+                </p14:cNvPr>
+                <p14:cNvContentPartPr/>
+                <p14:nvPr/>
+              </p14:nvContentPartPr>
+              <p14:xfrm>
+                <a:off x="5850371" y="709515"/>
+                <a:ext cx="482040" cy="705240"/>
+              </p14:xfrm>
+            </p:contentPart>
+          </mc:Choice>
+          <mc:Fallback>
+            <p:pic>
+              <p:nvPicPr>
+                <p:cNvPr id="4" name="Ink 3">
+                  <a:extLst>
+                    <a:ext uri="{FF2B5EF4-FFF2-40B4-BE49-F238E27FC236}">
+                      <a16:creationId xmlns:a16="http://schemas.microsoft.com/office/drawing/2014/main" id="{54CD1CA0-E5B2-5660-7896-115B4679439E}"/>
+                    </a:ext>
+                  </a:extLst>
+                </p:cNvPr>
+                <p:cNvPicPr/>
+                <p:nvPr/>
+              </p:nvPicPr>
+              <p:blipFill>
+                <a:blip r:embed="rId7"/>
+                <a:stretch>
+                  <a:fillRect/>
+                </a:stretch>
+              </p:blipFill>
+              <p:spPr>
+                <a:xfrm>
+                  <a:off x="5814731" y="673875"/>
+                  <a:ext cx="553680" cy="776880"/>
+                </a:xfrm>
+                <a:prstGeom prst="rect">
+                  <a:avLst/>
+                </a:prstGeom>
+              </p:spPr>
+            </p:pic>
+          </mc:Fallback>
+        </mc:AlternateContent>
+        <mc:AlternateContent xmlns:mc="http://schemas.openxmlformats.org/markup-compatibility/2006">
+          <mc:Choice xmlns:p14="http://schemas.microsoft.com/office/powerpoint/2010/main" Requires="p14">
+            <p:contentPart p14:bwMode="auto" r:id="rId8">
+              <p14:nvContentPartPr>
+                <p14:cNvPr id="6" name="Ink 5">
+                  <a:extLst>
+                    <a:ext uri="{FF2B5EF4-FFF2-40B4-BE49-F238E27FC236}">
+                      <a16:creationId xmlns:a16="http://schemas.microsoft.com/office/drawing/2014/main" id="{C54309C5-8C65-247A-1FCE-BDB123D92062}"/>
+                    </a:ext>
+                  </a:extLst>
+                </p14:cNvPr>
+                <p14:cNvContentPartPr/>
+                <p14:nvPr/>
+              </p14:nvContentPartPr>
+              <p14:xfrm>
+                <a:off x="5707811" y="1142595"/>
+                <a:ext cx="367560" cy="293400"/>
+              </p14:xfrm>
+            </p:contentPart>
+          </mc:Choice>
+          <mc:Fallback>
+            <p:pic>
+              <p:nvPicPr>
+                <p:cNvPr id="6" name="Ink 5">
+                  <a:extLst>
+                    <a:ext uri="{FF2B5EF4-FFF2-40B4-BE49-F238E27FC236}">
+                      <a16:creationId xmlns:a16="http://schemas.microsoft.com/office/drawing/2014/main" id="{C54309C5-8C65-247A-1FCE-BDB123D92062}"/>
+                    </a:ext>
+                  </a:extLst>
+                </p:cNvPr>
+                <p:cNvPicPr/>
+                <p:nvPr/>
+              </p:nvPicPr>
+              <p:blipFill>
+                <a:blip r:embed="rId9"/>
+                <a:stretch>
+                  <a:fillRect/>
+                </a:stretch>
+              </p:blipFill>
+              <p:spPr>
+                <a:xfrm>
+                  <a:off x="5672171" y="1106955"/>
+                  <a:ext cx="439200" cy="365040"/>
+                </a:xfrm>
+                <a:prstGeom prst="rect">
+                  <a:avLst/>
+                </a:prstGeom>
+              </p:spPr>
+            </p:pic>
+          </mc:Fallback>
+        </mc:AlternateContent>
+      </p:grpSp>
+      <p:grpSp>
+        <p:nvGrpSpPr>
+          <p:cNvPr id="17" name="Group 16">
+            <a:extLst>
+              <a:ext uri="{FF2B5EF4-FFF2-40B4-BE49-F238E27FC236}">
+                <a16:creationId xmlns:a16="http://schemas.microsoft.com/office/drawing/2014/main" id="{765BD0FD-CC5A-86D3-0007-2D413775D312}"/>
+              </a:ext>
+            </a:extLst>
+          </p:cNvPr>
+          <p:cNvGrpSpPr/>
+          <p:nvPr/>
+        </p:nvGrpSpPr>
+        <p:grpSpPr>
+          <a:xfrm>
+            <a:off x="7679531" y="978795"/>
+            <a:ext cx="1334160" cy="1050480"/>
+            <a:chOff x="7679531" y="978795"/>
+            <a:chExt cx="1334160" cy="1050480"/>
+          </a:xfrm>
+        </p:grpSpPr>
+        <mc:AlternateContent xmlns:mc="http://schemas.openxmlformats.org/markup-compatibility/2006">
+          <mc:Choice xmlns:p14="http://schemas.microsoft.com/office/powerpoint/2010/main" Requires="p14">
+            <p:contentPart p14:bwMode="auto" r:id="rId10">
+              <p14:nvContentPartPr>
+                <p14:cNvPr id="10" name="Ink 9">
+                  <a:extLst>
+                    <a:ext uri="{FF2B5EF4-FFF2-40B4-BE49-F238E27FC236}">
+                      <a16:creationId xmlns:a16="http://schemas.microsoft.com/office/drawing/2014/main" id="{291EBD70-0845-D8AE-E092-447695844F14}"/>
+                    </a:ext>
+                  </a:extLst>
+                </p14:cNvPr>
+                <p14:cNvContentPartPr/>
+                <p14:nvPr/>
+              </p14:nvContentPartPr>
+              <p14:xfrm>
+                <a:off x="7679531" y="1385595"/>
+                <a:ext cx="143640" cy="643680"/>
+              </p14:xfrm>
+            </p:contentPart>
+          </mc:Choice>
+          <mc:Fallback>
+            <p:pic>
+              <p:nvPicPr>
+                <p:cNvPr id="10" name="Ink 9">
+                  <a:extLst>
+                    <a:ext uri="{FF2B5EF4-FFF2-40B4-BE49-F238E27FC236}">
+                      <a16:creationId xmlns:a16="http://schemas.microsoft.com/office/drawing/2014/main" id="{291EBD70-0845-D8AE-E092-447695844F14}"/>
+                    </a:ext>
+                  </a:extLst>
+                </p:cNvPr>
+                <p:cNvPicPr/>
+                <p:nvPr/>
+              </p:nvPicPr>
+              <p:blipFill>
+                <a:blip r:embed="rId11"/>
+                <a:stretch>
+                  <a:fillRect/>
+                </a:stretch>
+              </p:blipFill>
+              <p:spPr>
+                <a:xfrm>
+                  <a:off x="7643531" y="1349955"/>
+                  <a:ext cx="215280" cy="715320"/>
+                </a:xfrm>
+                <a:prstGeom prst="rect">
+                  <a:avLst/>
+                </a:prstGeom>
+              </p:spPr>
+            </p:pic>
+          </mc:Fallback>
+        </mc:AlternateContent>
+        <mc:AlternateContent xmlns:mc="http://schemas.openxmlformats.org/markup-compatibility/2006">
+          <mc:Choice xmlns:p14="http://schemas.microsoft.com/office/powerpoint/2010/main" Requires="p14">
+            <p:contentPart p14:bwMode="auto" r:id="rId12">
+              <p14:nvContentPartPr>
+                <p14:cNvPr id="12" name="Ink 11">
+                  <a:extLst>
+                    <a:ext uri="{FF2B5EF4-FFF2-40B4-BE49-F238E27FC236}">
+                      <a16:creationId xmlns:a16="http://schemas.microsoft.com/office/drawing/2014/main" id="{E4C40830-AFB4-9B5D-B9F6-C22C8F968DCB}"/>
+                    </a:ext>
+                  </a:extLst>
+                </p14:cNvPr>
+                <p14:cNvContentPartPr/>
+                <p14:nvPr/>
+              </p14:nvContentPartPr>
+              <p14:xfrm>
+                <a:off x="7836491" y="1083555"/>
+                <a:ext cx="1089360" cy="559800"/>
+              </p14:xfrm>
+            </p:contentPart>
+          </mc:Choice>
+          <mc:Fallback>
+            <p:pic>
+              <p:nvPicPr>
+                <p:cNvPr id="12" name="Ink 11">
+                  <a:extLst>
+                    <a:ext uri="{FF2B5EF4-FFF2-40B4-BE49-F238E27FC236}">
+                      <a16:creationId xmlns:a16="http://schemas.microsoft.com/office/drawing/2014/main" id="{E4C40830-AFB4-9B5D-B9F6-C22C8F968DCB}"/>
+                    </a:ext>
+                  </a:extLst>
+                </p:cNvPr>
+                <p:cNvPicPr/>
+                <p:nvPr/>
+              </p:nvPicPr>
+              <p:blipFill>
+                <a:blip r:embed="rId13"/>
+                <a:stretch>
+                  <a:fillRect/>
+                </a:stretch>
+              </p:blipFill>
+              <p:spPr>
+                <a:xfrm>
+                  <a:off x="7800851" y="1047555"/>
+                  <a:ext cx="1161000" cy="631440"/>
+                </a:xfrm>
+                <a:prstGeom prst="rect">
+                  <a:avLst/>
+                </a:prstGeom>
+              </p:spPr>
+            </p:pic>
+          </mc:Fallback>
+        </mc:AlternateContent>
+        <mc:AlternateContent xmlns:mc="http://schemas.openxmlformats.org/markup-compatibility/2006">
+          <mc:Choice xmlns:p14="http://schemas.microsoft.com/office/powerpoint/2010/main" Requires="p14">
+            <p:contentPart p14:bwMode="auto" r:id="rId14">
+              <p14:nvContentPartPr>
+                <p14:cNvPr id="15" name="Ink 14">
+                  <a:extLst>
+                    <a:ext uri="{FF2B5EF4-FFF2-40B4-BE49-F238E27FC236}">
+                      <a16:creationId xmlns:a16="http://schemas.microsoft.com/office/drawing/2014/main" id="{97E98D99-F319-D54F-2969-4F5E90DF0C28}"/>
+                    </a:ext>
+                  </a:extLst>
+                </p14:cNvPr>
+                <p14:cNvContentPartPr/>
+                <p14:nvPr/>
+              </p14:nvContentPartPr>
+              <p14:xfrm>
+                <a:off x="8629571" y="978795"/>
+                <a:ext cx="384120" cy="334440"/>
+              </p14:xfrm>
+            </p:contentPart>
+          </mc:Choice>
+          <mc:Fallback>
+            <p:pic>
+              <p:nvPicPr>
+                <p:cNvPr id="15" name="Ink 14">
+                  <a:extLst>
+                    <a:ext uri="{FF2B5EF4-FFF2-40B4-BE49-F238E27FC236}">
+                      <a16:creationId xmlns:a16="http://schemas.microsoft.com/office/drawing/2014/main" id="{97E98D99-F319-D54F-2969-4F5E90DF0C28}"/>
+                    </a:ext>
+                  </a:extLst>
+                </p:cNvPr>
+                <p:cNvPicPr/>
+                <p:nvPr/>
+              </p:nvPicPr>
+              <p:blipFill>
+                <a:blip r:embed="rId15"/>
+                <a:stretch>
+                  <a:fillRect/>
+                </a:stretch>
+              </p:blipFill>
+              <p:spPr>
+                <a:xfrm>
+                  <a:off x="8593571" y="942795"/>
+                  <a:ext cx="455760" cy="406080"/>
+                </a:xfrm>
+                <a:prstGeom prst="rect">
+                  <a:avLst/>
+                </a:prstGeom>
+              </p:spPr>
+            </p:pic>
+          </mc:Fallback>
+        </mc:AlternateContent>
+      </p:grpSp>
+      <p:sp>
+        <p:nvSpPr>
+          <p:cNvPr id="18" name="TextBox 17">
+            <a:extLst>
+              <a:ext uri="{FF2B5EF4-FFF2-40B4-BE49-F238E27FC236}">
+                <a16:creationId xmlns:a16="http://schemas.microsoft.com/office/drawing/2014/main" id="{56078016-99D0-BFF0-054E-1E37F594D33B}"/>
+              </a:ext>
+            </a:extLst>
+          </p:cNvPr>
+          <p:cNvSpPr txBox="1"/>
+          <p:nvPr/>
+        </p:nvSpPr>
+        <p:spPr>
+          <a:xfrm>
+            <a:off x="6415088" y="421481"/>
+            <a:ext cx="1295035" cy="369332"/>
+          </a:xfrm>
+          <a:prstGeom prst="rect">
+            <a:avLst/>
+          </a:prstGeom>
+          <a:noFill/>
+        </p:spPr>
+        <p:txBody>
+          <a:bodyPr wrap="none" rtlCol="0">
+            <a:spAutoFit/>
+          </a:bodyPr>
+          <a:lstStyle/>
+          <a:p>
+            <a:r>
+              <a:rPr lang="fr-FR" b="1" dirty="0" err="1"/>
+              <a:t>Log</a:t>
+            </a:r>
+            <a:r>
+              <a:rPr lang="fr-FR" dirty="0" err="1"/>
+              <a:t>SoftMax</a:t>
+            </a:r>
+            <a:endParaRPr lang="fr-FR" dirty="0"/>
+          </a:p>
+        </p:txBody>
+      </p:sp>
+      <p:sp>
+        <p:nvSpPr>
+          <p:cNvPr id="19" name="TextBox 18">
+            <a:extLst>
+              <a:ext uri="{FF2B5EF4-FFF2-40B4-BE49-F238E27FC236}">
+                <a16:creationId xmlns:a16="http://schemas.microsoft.com/office/drawing/2014/main" id="{F3D4C484-FE6D-61CF-E936-8CC25BFA99FB}"/>
+              </a:ext>
+            </a:extLst>
+          </p:cNvPr>
+          <p:cNvSpPr txBox="1"/>
+          <p:nvPr/>
+        </p:nvSpPr>
+        <p:spPr>
+          <a:xfrm>
+            <a:off x="9165545" y="599493"/>
+            <a:ext cx="1319079" cy="369332"/>
+          </a:xfrm>
+          <a:prstGeom prst="rect">
+            <a:avLst/>
+          </a:prstGeom>
+          <a:noFill/>
+        </p:spPr>
+        <p:txBody>
+          <a:bodyPr wrap="none" rtlCol="0">
+            <a:spAutoFit/>
+          </a:bodyPr>
+          <a:lstStyle/>
+          <a:p>
+            <a:r>
+              <a:rPr lang="fr-FR" dirty="0" err="1"/>
+              <a:t>Log</a:t>
+            </a:r>
+            <a:r>
+              <a:rPr lang="fr-FR" b="1" dirty="0" err="1"/>
+              <a:t>SoftMax</a:t>
+            </a:r>
+            <a:endParaRPr lang="fr-FR" b="1" dirty="0"/>
+          </a:p>
+        </p:txBody>
+      </p:sp>
+    </p:spTree>
+    <p:extLst>
+      <p:ext uri="{BB962C8B-B14F-4D97-AF65-F5344CB8AC3E}">
+        <p14:creationId xmlns:p14="http://schemas.microsoft.com/office/powerpoint/2010/main" val="2924753049"/>
+      </p:ext>
+    </p:extLst>
+  </p:cSld>
+  <p:clrMapOvr>
+    <a:masterClrMapping/>
+  </p:clrMapOvr>
+  <mc:AlternateContent xmlns:mc="http://schemas.openxmlformats.org/markup-compatibility/2006">
+    <mc:Choice xmlns:p14="http://schemas.microsoft.com/office/powerpoint/2010/main" Requires="p14">
+      <p:transition spd="med" p14:dur="700">
+        <p:fade/>
+      </p:transition>
+    </mc:Choice>
+    <mc:Fallback>
+      <p:transition spd="med">
+        <p:fade/>
+      </p:transition>
+    </mc:Fallback>
+  </mc:AlternateContent>
+  <p:timing>
+    <p:tnLst>
+      <p:par>
+        <p:cTn id="1" dur="indefinite" restart="never" nodeType="tmRoot">
+          <p:childTnLst>
+            <p:seq concurrent="1" nextAc="seek">
+              <p:cTn id="2" dur="indefinite" nodeType="mainSeq">
+                <p:childTnLst>
+                  <p:par>
+                    <p:cTn id="3" fill="hold">
+                      <p:stCondLst>
+                        <p:cond delay="indefinite"/>
+                      </p:stCondLst>
+                      <p:childTnLst>
+                        <p:par>
+                          <p:cTn id="4" fill="hold">
+                            <p:stCondLst>
+                              <p:cond delay="0"/>
+                            </p:stCondLst>
+                            <p:childTnLst>
+                              <p:par>
+                                <p:cTn id="5" presetID="10" presetClass="entr" presetSubtype="0" fill="hold" nodeType="clickEffect">
+                                  <p:stCondLst>
+                                    <p:cond delay="0"/>
+                                  </p:stCondLst>
+                                  <p:childTnLst>
+                                    <p:set>
+                                      <p:cBhvr>
+                                        <p:cTn id="6" dur="1" fill="hold">
+                                          <p:stCondLst>
+                                            <p:cond delay="0"/>
+                                          </p:stCondLst>
+                                        </p:cTn>
+                                        <p:tgtEl>
+                                          <p:spTgt spid="13"/>
+                                        </p:tgtEl>
+                                        <p:attrNameLst>
+                                          <p:attrName>style.visibility</p:attrName>
+                                        </p:attrNameLst>
+                                      </p:cBhvr>
+                                      <p:to>
+                                        <p:strVal val="visible"/>
+                                      </p:to>
+                                    </p:set>
+                                    <p:animEffect transition="in" filter="fade">
+                                      <p:cBhvr>
+                                        <p:cTn id="7" dur="500"/>
+                                        <p:tgtEl>
+                                          <p:spTgt spid="13"/>
+                                        </p:tgtEl>
+                                      </p:cBhvr>
+                                    </p:animEffect>
+                                  </p:childTnLst>
+                                </p:cTn>
+                              </p:par>
+                              <p:par>
+                                <p:cTn id="8" presetID="10" presetClass="entr" presetSubtype="0" fill="hold" grpId="0" nodeType="withEffect">
+                                  <p:stCondLst>
+                                    <p:cond delay="0"/>
+                                  </p:stCondLst>
+                                  <p:childTnLst>
+                                    <p:set>
+                                      <p:cBhvr>
+                                        <p:cTn id="9" dur="1" fill="hold">
+                                          <p:stCondLst>
+                                            <p:cond delay="0"/>
+                                          </p:stCondLst>
+                                        </p:cTn>
+                                        <p:tgtEl>
+                                          <p:spTgt spid="16"/>
+                                        </p:tgtEl>
+                                        <p:attrNameLst>
+                                          <p:attrName>style.visibility</p:attrName>
+                                        </p:attrNameLst>
+                                      </p:cBhvr>
+                                      <p:to>
+                                        <p:strVal val="visible"/>
+                                      </p:to>
+                                    </p:set>
+                                    <p:animEffect transition="in" filter="fade">
+                                      <p:cBhvr>
+                                        <p:cTn id="10" dur="500"/>
+                                        <p:tgtEl>
+                                          <p:spTgt spid="16"/>
+                                        </p:tgtEl>
+                                      </p:cBhvr>
+                                    </p:animEffect>
+                                  </p:childTnLst>
+                                </p:cTn>
+                              </p:par>
+                            </p:childTnLst>
+                          </p:cTn>
+                        </p:par>
+                      </p:childTnLst>
+                    </p:cTn>
+                  </p:par>
+                </p:childTnLst>
+              </p:cTn>
+              <p:prevCondLst>
+                <p:cond evt="onPrev" delay="0">
+                  <p:tgtEl>
+                    <p:sldTgt/>
+                  </p:tgtEl>
+                </p:cond>
+              </p:prevCondLst>
+              <p:nextCondLst>
+                <p:cond evt="onNext" delay="0">
+                  <p:tgtEl>
+                    <p:sldTgt/>
+                  </p:tgtEl>
+                </p:cond>
+              </p:nextCondLst>
+            </p:seq>
+          </p:childTnLst>
+        </p:cTn>
+      </p:par>
+    </p:tnLst>
+    <p:bldLst>
+      <p:bldP spid="16" grpId="0"/>
+    </p:bldLst>
+  </p:timing>
+</p:sld>
+</file>
+
+<file path=ppt/slides/slide21.xml><?xml version="1.0" encoding="utf-8"?>
+<p:sld xmlns:a="http://schemas.openxmlformats.org/drawingml/2006/main" xmlns:r="http://schemas.openxmlformats.org/officeDocument/2006/relationships" xmlns:p="http://schemas.openxmlformats.org/presentationml/2006/main">
+  <p:cSld>
+    <p:spTree>
+      <p:nvGrpSpPr>
+        <p:cNvPr id="1" name=""/>
+        <p:cNvGrpSpPr/>
+        <p:nvPr/>
+      </p:nvGrpSpPr>
+      <p:grpSpPr>
+        <a:xfrm>
+          <a:off x="0" y="0"/>
+          <a:ext cx="0" cy="0"/>
+          <a:chOff x="0" y="0"/>
+          <a:chExt cx="0" cy="0"/>
+        </a:xfrm>
+      </p:grpSpPr>
+      <p:sp>
+        <p:nvSpPr>
+          <p:cNvPr id="5" name="Title 4">
+            <a:extLst>
+              <a:ext uri="{FF2B5EF4-FFF2-40B4-BE49-F238E27FC236}">
+                <a16:creationId xmlns:a16="http://schemas.microsoft.com/office/drawing/2014/main" id="{64213D2F-A106-3319-AA98-37F0C11F906C}"/>
+              </a:ext>
+            </a:extLst>
+          </p:cNvPr>
+          <p:cNvSpPr>
+            <a:spLocks noGrp="1"/>
+          </p:cNvSpPr>
+          <p:nvPr>
+            <p:ph type="title"/>
+          </p:nvPr>
+        </p:nvSpPr>
+        <p:spPr/>
+        <p:txBody>
+          <a:bodyPr/>
+          <a:lstStyle/>
+          <a:p>
+            <a:r>
+              <a:rPr lang="en-US" dirty="0"/>
+              <a:t>Why SoftMax?</a:t>
+            </a:r>
+          </a:p>
+        </p:txBody>
+      </p:sp>
+      <p:pic>
+        <p:nvPicPr>
+          <p:cNvPr id="8" name="Picture 7">
+            <a:extLst>
+              <a:ext uri="{FF2B5EF4-FFF2-40B4-BE49-F238E27FC236}">
+                <a16:creationId xmlns:a16="http://schemas.microsoft.com/office/drawing/2014/main" id="{1C784F72-ABB9-6954-7273-41629449F3CD}"/>
+              </a:ext>
+            </a:extLst>
+          </p:cNvPr>
+          <p:cNvPicPr>
+            <a:picLocks noChangeAspect="1"/>
+          </p:cNvPicPr>
+          <p:nvPr/>
+        </p:nvPicPr>
+        <p:blipFill>
+          <a:blip r:embed="rId3"/>
+          <a:stretch>
+            <a:fillRect/>
+          </a:stretch>
+        </p:blipFill>
+        <p:spPr>
+          <a:xfrm>
+            <a:off x="904150" y="1690688"/>
+            <a:ext cx="10528841" cy="4191215"/>
+          </a:xfrm>
+          <a:prstGeom prst="rect">
+            <a:avLst/>
+          </a:prstGeom>
+        </p:spPr>
+      </p:pic>
+      <p:sp>
+        <p:nvSpPr>
+          <p:cNvPr id="14" name="TextBox 13">
+            <a:extLst>
+              <a:ext uri="{FF2B5EF4-FFF2-40B4-BE49-F238E27FC236}">
+                <a16:creationId xmlns:a16="http://schemas.microsoft.com/office/drawing/2014/main" id="{03D26BCF-AFB6-9D1A-37AF-F350AB7BBCF7}"/>
+              </a:ext>
+            </a:extLst>
+          </p:cNvPr>
+          <p:cNvSpPr txBox="1"/>
+          <p:nvPr/>
+        </p:nvSpPr>
+        <p:spPr>
+          <a:xfrm>
+            <a:off x="6371771" y="6154057"/>
+            <a:ext cx="5341014" cy="923330"/>
+          </a:xfrm>
+          <a:prstGeom prst="rect">
+            <a:avLst/>
+          </a:prstGeom>
+          <a:noFill/>
+        </p:spPr>
+        <p:txBody>
+          <a:bodyPr wrap="none" rtlCol="0">
+            <a:spAutoFit/>
+          </a:bodyPr>
+          <a:lstStyle/>
+          <a:p>
+            <a:pPr algn="l"/>
+            <a:r>
+              <a:rPr lang="fr-FR" dirty="0" err="1"/>
+              <a:t>From</a:t>
+            </a:r>
+            <a:r>
+              <a:rPr lang="fr-FR" dirty="0"/>
+              <a:t> </a:t>
+            </a:r>
+            <a:r>
+              <a:rPr lang="en-US" i="1" dirty="0"/>
+              <a:t>Intuitively Understanding the Cross Entropy Loss</a:t>
+            </a:r>
+          </a:p>
+          <a:p>
+            <a:r>
+              <a:rPr lang="en-US" dirty="0" err="1"/>
+              <a:t>Adian</a:t>
+            </a:r>
+            <a:r>
+              <a:rPr lang="en-US" dirty="0"/>
+              <a:t> </a:t>
+            </a:r>
+            <a:r>
+              <a:rPr lang="en-US" dirty="0" err="1"/>
+              <a:t>Liusie</a:t>
+            </a:r>
+            <a:r>
+              <a:rPr lang="en-US" dirty="0"/>
+              <a:t> 2021</a:t>
+            </a:r>
+            <a:br>
+              <a:rPr lang="en-US" dirty="0"/>
+            </a:br>
+            <a:endParaRPr lang="fr-FR" dirty="0"/>
+          </a:p>
+        </p:txBody>
+      </p:sp>
+    </p:spTree>
+    <p:extLst>
+      <p:ext uri="{BB962C8B-B14F-4D97-AF65-F5344CB8AC3E}">
+        <p14:creationId xmlns:p14="http://schemas.microsoft.com/office/powerpoint/2010/main" val="1799763827"/>
+      </p:ext>
+    </p:extLst>
+  </p:cSld>
+  <p:clrMapOvr>
+    <a:masterClrMapping/>
+  </p:clrMapOvr>
+  <mc:AlternateContent xmlns:mc="http://schemas.openxmlformats.org/markup-compatibility/2006">
+    <mc:Choice xmlns:p14="http://schemas.microsoft.com/office/powerpoint/2010/main" Requires="p14">
+      <p:transition spd="med" p14:dur="700">
+        <p:fade/>
+      </p:transition>
+    </mc:Choice>
+    <mc:Fallback>
+      <p:transition spd="med">
+        <p:fade/>
+      </p:transition>
+    </mc:Fallback>
+  </mc:AlternateContent>
 </p:sld>
 </file>
 

--- a/Slides_3.pptx
+++ b/Slides_3.pptx
@@ -7914,13 +7914,13 @@
   <p:clrMapOvr>
     <a:masterClrMapping/>
   </p:clrMapOvr>
-  <mc:AlternateContent xmlns:mc="http://schemas.openxmlformats.org/markup-compatibility/2006">
-    <mc:Choice xmlns:p14="http://schemas.microsoft.com/office/powerpoint/2010/main" Requires="p14">
+  <mc:AlternateContent xmlns:mc="http://schemas.openxmlformats.org/markup-compatibility/2006" xmlns:p14="http://schemas.microsoft.com/office/powerpoint/2010/main">
+    <mc:Choice Requires="p14">
       <p:transition spd="med" p14:dur="700">
         <p:fade/>
       </p:transition>
     </mc:Choice>
-    <mc:Fallback>
+    <mc:Fallback xmlns="">
       <p:transition spd="med">
         <p:fade/>
       </p:transition>
@@ -8268,13 +8268,13 @@
   <p:clrMapOvr>
     <a:masterClrMapping/>
   </p:clrMapOvr>
-  <mc:AlternateContent xmlns:mc="http://schemas.openxmlformats.org/markup-compatibility/2006">
-    <mc:Choice xmlns:p14="http://schemas.microsoft.com/office/powerpoint/2010/main" Requires="p14">
+  <mc:AlternateContent xmlns:mc="http://schemas.openxmlformats.org/markup-compatibility/2006" xmlns:p14="http://schemas.microsoft.com/office/powerpoint/2010/main">
+    <mc:Choice Requires="p14">
       <p:transition spd="med" p14:dur="700">
         <p:fade/>
       </p:transition>
     </mc:Choice>
-    <mc:Fallback>
+    <mc:Fallback xmlns="">
       <p:transition spd="med">
         <p:fade/>
       </p:transition>
@@ -8408,8 +8408,8 @@
           </a:prstGeom>
         </p:spPr>
       </p:pic>
-      <mc:AlternateContent xmlns:mc="http://schemas.openxmlformats.org/markup-compatibility/2006">
-        <mc:Choice xmlns:a14="http://schemas.microsoft.com/office/drawing/2010/main" Requires="a14">
+      <mc:AlternateContent xmlns:mc="http://schemas.openxmlformats.org/markup-compatibility/2006" xmlns:a14="http://schemas.microsoft.com/office/drawing/2010/main">
+        <mc:Choice Requires="a14">
           <p:sp>
             <p:nvSpPr>
               <p:cNvPr id="11" name="TextBox 10">
@@ -8773,7 +8773,7 @@
             </p:txBody>
           </p:sp>
         </mc:Choice>
-        <mc:Fallback>
+        <mc:Fallback xmlns="">
           <p:sp>
             <p:nvSpPr>
               <p:cNvPr id="11" name="TextBox 10">
@@ -8933,13 +8933,13 @@
   <p:clrMapOvr>
     <a:masterClrMapping/>
   </p:clrMapOvr>
-  <mc:AlternateContent xmlns:mc="http://schemas.openxmlformats.org/markup-compatibility/2006">
-    <mc:Choice xmlns:p14="http://schemas.microsoft.com/office/powerpoint/2010/main" Requires="p14">
+  <mc:AlternateContent xmlns:mc="http://schemas.openxmlformats.org/markup-compatibility/2006" xmlns:p14="http://schemas.microsoft.com/office/powerpoint/2010/main">
+    <mc:Choice Requires="p14">
       <p:transition spd="med" p14:dur="700">
         <p:fade/>
       </p:transition>
     </mc:Choice>
-    <mc:Fallback>
+    <mc:Fallback xmlns="">
       <p:transition spd="med">
         <p:fade/>
       </p:transition>
@@ -9164,8 +9164,8 @@
             <a:chExt cx="6753960" cy="1299960"/>
           </a:xfrm>
         </p:grpSpPr>
-        <mc:AlternateContent xmlns:mc="http://schemas.openxmlformats.org/markup-compatibility/2006">
-          <mc:Choice xmlns:p14="http://schemas.microsoft.com/office/powerpoint/2010/main" Requires="p14">
+        <mc:AlternateContent xmlns:mc="http://schemas.openxmlformats.org/markup-compatibility/2006" xmlns:p14="http://schemas.microsoft.com/office/powerpoint/2010/main">
+          <mc:Choice Requires="p14">
             <p:contentPart p14:bwMode="auto" r:id="rId4">
               <p14:nvContentPartPr>
                 <p14:cNvPr id="12" name="Ink 11">
@@ -9184,7 +9184,7 @@
               </p14:xfrm>
             </p:contentPart>
           </mc:Choice>
-          <mc:Fallback>
+          <mc:Fallback xmlns="">
             <p:pic>
               <p:nvPicPr>
                 <p:cNvPr id="12" name="Ink 11">
@@ -9215,8 +9215,8 @@
             </p:pic>
           </mc:Fallback>
         </mc:AlternateContent>
-        <mc:AlternateContent xmlns:mc="http://schemas.openxmlformats.org/markup-compatibility/2006">
-          <mc:Choice xmlns:p14="http://schemas.microsoft.com/office/powerpoint/2010/main" Requires="p14">
+        <mc:AlternateContent xmlns:mc="http://schemas.openxmlformats.org/markup-compatibility/2006" xmlns:p14="http://schemas.microsoft.com/office/powerpoint/2010/main">
+          <mc:Choice Requires="p14">
             <p:contentPart p14:bwMode="auto" r:id="rId6">
               <p14:nvContentPartPr>
                 <p14:cNvPr id="14" name="Ink 13">
@@ -9235,7 +9235,7 @@
               </p14:xfrm>
             </p:contentPart>
           </mc:Choice>
-          <mc:Fallback>
+          <mc:Fallback xmlns="">
             <p:pic>
               <p:nvPicPr>
                 <p:cNvPr id="14" name="Ink 13">
@@ -9266,8 +9266,8 @@
             </p:pic>
           </mc:Fallback>
         </mc:AlternateContent>
-        <mc:AlternateContent xmlns:mc="http://schemas.openxmlformats.org/markup-compatibility/2006">
-          <mc:Choice xmlns:p14="http://schemas.microsoft.com/office/powerpoint/2010/main" Requires="p14">
+        <mc:AlternateContent xmlns:mc="http://schemas.openxmlformats.org/markup-compatibility/2006" xmlns:p14="http://schemas.microsoft.com/office/powerpoint/2010/main">
+          <mc:Choice Requires="p14">
             <p:contentPart p14:bwMode="auto" r:id="rId8">
               <p14:nvContentPartPr>
                 <p14:cNvPr id="15" name="Ink 14">
@@ -9286,7 +9286,7 @@
               </p14:xfrm>
             </p:contentPart>
           </mc:Choice>
-          <mc:Fallback>
+          <mc:Fallback xmlns="">
             <p:pic>
               <p:nvPicPr>
                 <p:cNvPr id="15" name="Ink 14">
@@ -9328,13 +9328,13 @@
   <p:clrMapOvr>
     <a:masterClrMapping/>
   </p:clrMapOvr>
-  <mc:AlternateContent xmlns:mc="http://schemas.openxmlformats.org/markup-compatibility/2006">
-    <mc:Choice xmlns:p14="http://schemas.microsoft.com/office/powerpoint/2010/main" Requires="p14">
+  <mc:AlternateContent xmlns:mc="http://schemas.openxmlformats.org/markup-compatibility/2006" xmlns:p14="http://schemas.microsoft.com/office/powerpoint/2010/main">
+    <mc:Choice Requires="p14">
       <p:transition spd="med" p14:dur="700">
         <p:fade/>
       </p:transition>
     </mc:Choice>
-    <mc:Fallback>
+    <mc:Fallback xmlns="">
       <p:transition spd="med">
         <p:fade/>
       </p:transition>
@@ -9875,8 +9875,8 @@
           </a:p>
         </p:txBody>
       </p:sp>
-      <mc:AlternateContent xmlns:mc="http://schemas.openxmlformats.org/markup-compatibility/2006">
-        <mc:Choice xmlns:a14="http://schemas.microsoft.com/office/drawing/2010/main" Requires="a14">
+      <mc:AlternateContent xmlns:mc="http://schemas.openxmlformats.org/markup-compatibility/2006" xmlns:a14="http://schemas.microsoft.com/office/drawing/2010/main">
+        <mc:Choice Requires="a14">
           <p:sp>
             <p:nvSpPr>
               <p:cNvPr id="11" name="TextBox 10">
@@ -10170,7 +10170,7 @@
             </p:txBody>
           </p:sp>
         </mc:Choice>
-        <mc:Fallback>
+        <mc:Fallback xmlns="">
           <p:sp>
             <p:nvSpPr>
               <p:cNvPr id="11" name="TextBox 10">
@@ -10370,8 +10370,8 @@
             <a:chExt cx="624600" cy="726480"/>
           </a:xfrm>
         </p:grpSpPr>
-        <mc:AlternateContent xmlns:mc="http://schemas.openxmlformats.org/markup-compatibility/2006">
-          <mc:Choice xmlns:p14="http://schemas.microsoft.com/office/powerpoint/2010/main" Requires="p14">
+        <mc:AlternateContent xmlns:mc="http://schemas.openxmlformats.org/markup-compatibility/2006" xmlns:p14="http://schemas.microsoft.com/office/powerpoint/2010/main">
+          <mc:Choice Requires="p14">
             <p:contentPart p14:bwMode="auto" r:id="rId6">
               <p14:nvContentPartPr>
                 <p14:cNvPr id="4" name="Ink 3">
@@ -10390,7 +10390,7 @@
               </p14:xfrm>
             </p:contentPart>
           </mc:Choice>
-          <mc:Fallback>
+          <mc:Fallback xmlns="">
             <p:pic>
               <p:nvPicPr>
                 <p:cNvPr id="4" name="Ink 3">
@@ -10421,8 +10421,8 @@
             </p:pic>
           </mc:Fallback>
         </mc:AlternateContent>
-        <mc:AlternateContent xmlns:mc="http://schemas.openxmlformats.org/markup-compatibility/2006">
-          <mc:Choice xmlns:p14="http://schemas.microsoft.com/office/powerpoint/2010/main" Requires="p14">
+        <mc:AlternateContent xmlns:mc="http://schemas.openxmlformats.org/markup-compatibility/2006" xmlns:p14="http://schemas.microsoft.com/office/powerpoint/2010/main">
+          <mc:Choice Requires="p14">
             <p:contentPart p14:bwMode="auto" r:id="rId8">
               <p14:nvContentPartPr>
                 <p14:cNvPr id="6" name="Ink 5">
@@ -10441,7 +10441,7 @@
               </p14:xfrm>
             </p:contentPart>
           </mc:Choice>
-          <mc:Fallback>
+          <mc:Fallback xmlns="">
             <p:pic>
               <p:nvPicPr>
                 <p:cNvPr id="6" name="Ink 5">
@@ -10493,8 +10493,8 @@
             <a:chExt cx="1334160" cy="1050480"/>
           </a:xfrm>
         </p:grpSpPr>
-        <mc:AlternateContent xmlns:mc="http://schemas.openxmlformats.org/markup-compatibility/2006">
-          <mc:Choice xmlns:p14="http://schemas.microsoft.com/office/powerpoint/2010/main" Requires="p14">
+        <mc:AlternateContent xmlns:mc="http://schemas.openxmlformats.org/markup-compatibility/2006" xmlns:p14="http://schemas.microsoft.com/office/powerpoint/2010/main">
+          <mc:Choice Requires="p14">
             <p:contentPart p14:bwMode="auto" r:id="rId10">
               <p14:nvContentPartPr>
                 <p14:cNvPr id="10" name="Ink 9">
@@ -10513,7 +10513,7 @@
               </p14:xfrm>
             </p:contentPart>
           </mc:Choice>
-          <mc:Fallback>
+          <mc:Fallback xmlns="">
             <p:pic>
               <p:nvPicPr>
                 <p:cNvPr id="10" name="Ink 9">
@@ -10544,8 +10544,8 @@
             </p:pic>
           </mc:Fallback>
         </mc:AlternateContent>
-        <mc:AlternateContent xmlns:mc="http://schemas.openxmlformats.org/markup-compatibility/2006">
-          <mc:Choice xmlns:p14="http://schemas.microsoft.com/office/powerpoint/2010/main" Requires="p14">
+        <mc:AlternateContent xmlns:mc="http://schemas.openxmlformats.org/markup-compatibility/2006" xmlns:p14="http://schemas.microsoft.com/office/powerpoint/2010/main">
+          <mc:Choice Requires="p14">
             <p:contentPart p14:bwMode="auto" r:id="rId12">
               <p14:nvContentPartPr>
                 <p14:cNvPr id="12" name="Ink 11">
@@ -10564,7 +10564,7 @@
               </p14:xfrm>
             </p:contentPart>
           </mc:Choice>
-          <mc:Fallback>
+          <mc:Fallback xmlns="">
             <p:pic>
               <p:nvPicPr>
                 <p:cNvPr id="12" name="Ink 11">
@@ -10595,8 +10595,8 @@
             </p:pic>
           </mc:Fallback>
         </mc:AlternateContent>
-        <mc:AlternateContent xmlns:mc="http://schemas.openxmlformats.org/markup-compatibility/2006">
-          <mc:Choice xmlns:p14="http://schemas.microsoft.com/office/powerpoint/2010/main" Requires="p14">
+        <mc:AlternateContent xmlns:mc="http://schemas.openxmlformats.org/markup-compatibility/2006" xmlns:p14="http://schemas.microsoft.com/office/powerpoint/2010/main">
+          <mc:Choice Requires="p14">
             <p:contentPart p14:bwMode="auto" r:id="rId14">
               <p14:nvContentPartPr>
                 <p14:cNvPr id="15" name="Ink 14">
@@ -10615,7 +10615,7 @@
               </p14:xfrm>
             </p:contentPart>
           </mc:Choice>
-          <mc:Fallback>
+          <mc:Fallback xmlns="">
             <p:pic>
               <p:nvPicPr>
                 <p:cNvPr id="15" name="Ink 14">
@@ -10737,13 +10737,13 @@
   <p:clrMapOvr>
     <a:masterClrMapping/>
   </p:clrMapOvr>
-  <mc:AlternateContent xmlns:mc="http://schemas.openxmlformats.org/markup-compatibility/2006">
-    <mc:Choice xmlns:p14="http://schemas.microsoft.com/office/powerpoint/2010/main" Requires="p14">
+  <mc:AlternateContent xmlns:mc="http://schemas.openxmlformats.org/markup-compatibility/2006" xmlns:p14="http://schemas.microsoft.com/office/powerpoint/2010/main">
+    <mc:Choice Requires="p14">
       <p:transition spd="med" p14:dur="700">
         <p:fade/>
       </p:transition>
     </mc:Choice>
-    <mc:Fallback>
+    <mc:Fallback xmlns="">
       <p:transition spd="med">
         <p:fade/>
       </p:transition>
@@ -11024,13 +11024,13 @@
   <p:clrMapOvr>
     <a:masterClrMapping/>
   </p:clrMapOvr>
-  <mc:AlternateContent xmlns:mc="http://schemas.openxmlformats.org/markup-compatibility/2006">
-    <mc:Choice xmlns:p14="http://schemas.microsoft.com/office/powerpoint/2010/main" Requires="p14">
+  <mc:AlternateContent xmlns:mc="http://schemas.openxmlformats.org/markup-compatibility/2006" xmlns:p14="http://schemas.microsoft.com/office/powerpoint/2010/main">
+    <mc:Choice Requires="p14">
       <p:transition spd="med" p14:dur="700">
         <p:fade/>
       </p:transition>
     </mc:Choice>
-    <mc:Fallback>
+    <mc:Fallback xmlns="">
       <p:transition spd="med">
         <p:fade/>
       </p:transition>
@@ -14324,8 +14324,8 @@
           </a:p>
         </p:txBody>
       </p:sp>
-      <mc:AlternateContent xmlns:mc="http://schemas.openxmlformats.org/markup-compatibility/2006" xmlns:a14="http://schemas.microsoft.com/office/drawing/2010/main">
-        <mc:Choice Requires="a14">
+      <mc:AlternateContent xmlns:mc="http://schemas.openxmlformats.org/markup-compatibility/2006">
+        <mc:Choice xmlns:a14="http://schemas.microsoft.com/office/drawing/2010/main" Requires="a14">
           <p:sp>
             <p:nvSpPr>
               <p:cNvPr id="6" name="Content Placeholder 5">
@@ -14690,10 +14690,26 @@
                   <a:t>-&gt; New hyperparameter!</a:t>
                 </a:r>
               </a:p>
+              <a:p>
+                <a:pPr marL="0" indent="0" algn="just">
+                  <a:buNone/>
+                </a:pPr>
+                <a:r>
+                  <a:rPr lang="en-US" dirty="0"/>
+                  <a:t>-&gt; </a:t>
+                </a:r>
+                <a:r>
+                  <a:rPr lang="en-US" dirty="0">
+                    <a:hlinkClick r:id="rId3"/>
+                  </a:rPr>
+                  <a:t>Why momentum really works</a:t>
+                </a:r>
+                <a:endParaRPr lang="en-US" dirty="0"/>
+              </a:p>
             </p:txBody>
           </p:sp>
         </mc:Choice>
-        <mc:Fallback xmlns="">
+        <mc:Fallback>
           <p:sp>
             <p:nvSpPr>
               <p:cNvPr id="6" name="Content Placeholder 5">
@@ -14716,7 +14732,7 @@
                 <a:ext cx="10515600" cy="4538304"/>
               </a:xfrm>
               <a:blipFill>
-                <a:blip r:embed="rId3"/>
+                <a:blip r:embed="rId4"/>
                 <a:stretch>
                   <a:fillRect l="-1217"/>
                 </a:stretch>
@@ -14739,7 +14755,7 @@
       </mc:AlternateContent>
       <mc:AlternateContent xmlns:mc="http://schemas.openxmlformats.org/markup-compatibility/2006" xmlns:p14="http://schemas.microsoft.com/office/powerpoint/2010/main">
         <mc:Choice Requires="p14">
-          <p:contentPart p14:bwMode="auto" r:id="rId4">
+          <p:contentPart p14:bwMode="auto" r:id="rId5">
             <p14:nvContentPartPr>
               <p14:cNvPr id="13" name="Ink 12">
                 <a:extLst>
@@ -14771,7 +14787,7 @@
               <p:nvPr/>
             </p:nvPicPr>
             <p:blipFill>
-              <a:blip r:embed="rId5"/>
+              <a:blip r:embed="rId6"/>
               <a:stretch>
                 <a:fillRect/>
               </a:stretch>
